--- a/NLP 2 - Hotel Reviews Deliverable.pptx
+++ b/NLP 2 - Hotel Reviews Deliverable.pptx
@@ -8,18 +8,19 @@
     <p:sldId id="271" r:id="rId2"/>
     <p:sldId id="257" r:id="rId3"/>
     <p:sldId id="258" r:id="rId4"/>
-    <p:sldId id="264" r:id="rId5"/>
-    <p:sldId id="265" r:id="rId6"/>
-    <p:sldId id="259" r:id="rId7"/>
-    <p:sldId id="266" r:id="rId8"/>
-    <p:sldId id="272" r:id="rId9"/>
-    <p:sldId id="260" r:id="rId10"/>
-    <p:sldId id="267" r:id="rId11"/>
-    <p:sldId id="262" r:id="rId12"/>
-    <p:sldId id="261" r:id="rId13"/>
-    <p:sldId id="263" r:id="rId14"/>
-    <p:sldId id="270" r:id="rId15"/>
-    <p:sldId id="269" r:id="rId16"/>
+    <p:sldId id="274" r:id="rId5"/>
+    <p:sldId id="264" r:id="rId6"/>
+    <p:sldId id="265" r:id="rId7"/>
+    <p:sldId id="259" r:id="rId8"/>
+    <p:sldId id="266" r:id="rId9"/>
+    <p:sldId id="272" r:id="rId10"/>
+    <p:sldId id="260" r:id="rId11"/>
+    <p:sldId id="267" r:id="rId12"/>
+    <p:sldId id="262" r:id="rId13"/>
+    <p:sldId id="261" r:id="rId14"/>
+    <p:sldId id="263" r:id="rId15"/>
+    <p:sldId id="270" r:id="rId16"/>
+    <p:sldId id="269" r:id="rId17"/>
   </p:sldIdLst>
   <p:sldSz cx="12192000" cy="6858000"/>
   <p:notesSz cx="6858000" cy="9144000"/>
@@ -118,6 +119,11 @@
       </a:defRPr>
     </a:lvl9pPr>
   </p:defaultTextStyle>
+  <p:extLst>
+    <p:ext uri="{EFAFB233-063F-42B5-8137-9DF3F51BA10A}">
+      <p15:sldGuideLst xmlns:p15="http://schemas.microsoft.com/office/powerpoint/2012/main"/>
+    </p:ext>
+  </p:extLst>
 </p:presentation>
 </file>
 
@@ -166,7 +172,6 @@
               <a:rPr lang="en-US"/>
               <a:t>Click to edit Master title style</a:t>
             </a:r>
-            <a:endParaRPr lang="en-US"/>
           </a:p>
         </p:txBody>
       </p:sp>
@@ -231,7 +236,6 @@
               <a:rPr lang="en-US"/>
               <a:t>Click to edit Master subtitle style</a:t>
             </a:r>
-            <a:endParaRPr lang="en-US"/>
           </a:p>
         </p:txBody>
       </p:sp>
@@ -252,9 +256,9 @@
           <a:p>
             <a:fld id="{9FA286B8-7381-4FAB-B87D-163232FF37BF}" type="datetimeFigureOut">
               <a:rPr lang="en-US" smtClean="0"/>
-              <a:t>8/22/2017</a:t>
+              <a:t>8/23/2017</a:t>
             </a:fld>
-            <a:endParaRPr lang="en-US"/>
+            <a:endParaRPr lang="en-US" dirty="0"/>
           </a:p>
         </p:txBody>
       </p:sp>
@@ -273,7 +277,7 @@
           <a:bodyPr/>
           <a:lstStyle/>
           <a:p>
-            <a:endParaRPr lang="en-US"/>
+            <a:endParaRPr lang="en-US" dirty="0"/>
           </a:p>
         </p:txBody>
       </p:sp>
@@ -296,7 +300,7 @@
               <a:rPr lang="en-US" smtClean="0"/>
               <a:t>‹#›</a:t>
             </a:fld>
-            <a:endParaRPr lang="en-US"/>
+            <a:endParaRPr lang="en-US" dirty="0"/>
           </a:p>
         </p:txBody>
       </p:sp>
@@ -349,7 +353,6 @@
               <a:rPr lang="en-US"/>
               <a:t>Click to edit Master title style</a:t>
             </a:r>
-            <a:endParaRPr lang="en-US"/>
           </a:p>
         </p:txBody>
       </p:sp>
@@ -401,7 +404,6 @@
               <a:rPr lang="en-US"/>
               <a:t>Fifth level</a:t>
             </a:r>
-            <a:endParaRPr lang="en-US"/>
           </a:p>
         </p:txBody>
       </p:sp>
@@ -422,9 +424,9 @@
           <a:p>
             <a:fld id="{9FA286B8-7381-4FAB-B87D-163232FF37BF}" type="datetimeFigureOut">
               <a:rPr lang="en-US" smtClean="0"/>
-              <a:t>8/22/2017</a:t>
+              <a:t>8/23/2017</a:t>
             </a:fld>
-            <a:endParaRPr lang="en-US"/>
+            <a:endParaRPr lang="en-US" dirty="0"/>
           </a:p>
         </p:txBody>
       </p:sp>
@@ -443,7 +445,7 @@
           <a:bodyPr/>
           <a:lstStyle/>
           <a:p>
-            <a:endParaRPr lang="en-US"/>
+            <a:endParaRPr lang="en-US" dirty="0"/>
           </a:p>
         </p:txBody>
       </p:sp>
@@ -466,7 +468,7 @@
               <a:rPr lang="en-US" smtClean="0"/>
               <a:t>‹#›</a:t>
             </a:fld>
-            <a:endParaRPr lang="en-US"/>
+            <a:endParaRPr lang="en-US" dirty="0"/>
           </a:p>
         </p:txBody>
       </p:sp>
@@ -524,7 +526,6 @@
               <a:rPr lang="en-US"/>
               <a:t>Click to edit Master title style</a:t>
             </a:r>
-            <a:endParaRPr lang="en-US"/>
           </a:p>
         </p:txBody>
       </p:sp>
@@ -581,7 +582,6 @@
               <a:rPr lang="en-US"/>
               <a:t>Fifth level</a:t>
             </a:r>
-            <a:endParaRPr lang="en-US"/>
           </a:p>
         </p:txBody>
       </p:sp>
@@ -602,9 +602,9 @@
           <a:p>
             <a:fld id="{9FA286B8-7381-4FAB-B87D-163232FF37BF}" type="datetimeFigureOut">
               <a:rPr lang="en-US" smtClean="0"/>
-              <a:t>8/22/2017</a:t>
+              <a:t>8/23/2017</a:t>
             </a:fld>
-            <a:endParaRPr lang="en-US"/>
+            <a:endParaRPr lang="en-US" dirty="0"/>
           </a:p>
         </p:txBody>
       </p:sp>
@@ -623,7 +623,7 @@
           <a:bodyPr/>
           <a:lstStyle/>
           <a:p>
-            <a:endParaRPr lang="en-US"/>
+            <a:endParaRPr lang="en-US" dirty="0"/>
           </a:p>
         </p:txBody>
       </p:sp>
@@ -646,7 +646,7 @@
               <a:rPr lang="en-US" smtClean="0"/>
               <a:t>‹#›</a:t>
             </a:fld>
-            <a:endParaRPr lang="en-US"/>
+            <a:endParaRPr lang="en-US" dirty="0"/>
           </a:p>
         </p:txBody>
       </p:sp>
@@ -699,7 +699,6 @@
               <a:rPr lang="en-US"/>
               <a:t>Click to edit Master title style</a:t>
             </a:r>
-            <a:endParaRPr lang="en-US"/>
           </a:p>
         </p:txBody>
       </p:sp>
@@ -751,7 +750,6 @@
               <a:rPr lang="en-US"/>
               <a:t>Fifth level</a:t>
             </a:r>
-            <a:endParaRPr lang="en-US"/>
           </a:p>
         </p:txBody>
       </p:sp>
@@ -772,9 +770,9 @@
           <a:p>
             <a:fld id="{9FA286B8-7381-4FAB-B87D-163232FF37BF}" type="datetimeFigureOut">
               <a:rPr lang="en-US" smtClean="0"/>
-              <a:t>8/22/2017</a:t>
+              <a:t>8/23/2017</a:t>
             </a:fld>
-            <a:endParaRPr lang="en-US"/>
+            <a:endParaRPr lang="en-US" dirty="0"/>
           </a:p>
         </p:txBody>
       </p:sp>
@@ -793,7 +791,7 @@
           <a:bodyPr/>
           <a:lstStyle/>
           <a:p>
-            <a:endParaRPr lang="en-US"/>
+            <a:endParaRPr lang="en-US" dirty="0"/>
           </a:p>
         </p:txBody>
       </p:sp>
@@ -816,7 +814,7 @@
               <a:rPr lang="en-US" smtClean="0"/>
               <a:t>‹#›</a:t>
             </a:fld>
-            <a:endParaRPr lang="en-US"/>
+            <a:endParaRPr lang="en-US" dirty="0"/>
           </a:p>
         </p:txBody>
       </p:sp>
@@ -878,7 +876,6 @@
               <a:rPr lang="en-US"/>
               <a:t>Click to edit Master title style</a:t>
             </a:r>
-            <a:endParaRPr lang="en-US"/>
           </a:p>
         </p:txBody>
       </p:sp>
@@ -1018,9 +1015,9 @@
           <a:p>
             <a:fld id="{9FA286B8-7381-4FAB-B87D-163232FF37BF}" type="datetimeFigureOut">
               <a:rPr lang="en-US" smtClean="0"/>
-              <a:t>8/22/2017</a:t>
+              <a:t>8/23/2017</a:t>
             </a:fld>
-            <a:endParaRPr lang="en-US"/>
+            <a:endParaRPr lang="en-US" dirty="0"/>
           </a:p>
         </p:txBody>
       </p:sp>
@@ -1039,7 +1036,7 @@
           <a:bodyPr/>
           <a:lstStyle/>
           <a:p>
-            <a:endParaRPr lang="en-US"/>
+            <a:endParaRPr lang="en-US" dirty="0"/>
           </a:p>
         </p:txBody>
       </p:sp>
@@ -1062,7 +1059,7 @@
               <a:rPr lang="en-US" smtClean="0"/>
               <a:t>‹#›</a:t>
             </a:fld>
-            <a:endParaRPr lang="en-US"/>
+            <a:endParaRPr lang="en-US" dirty="0"/>
           </a:p>
         </p:txBody>
       </p:sp>
@@ -1115,7 +1112,6 @@
               <a:rPr lang="en-US"/>
               <a:t>Click to edit Master title style</a:t>
             </a:r>
-            <a:endParaRPr lang="en-US"/>
           </a:p>
         </p:txBody>
       </p:sp>
@@ -1172,7 +1168,6 @@
               <a:rPr lang="en-US"/>
               <a:t>Fifth level</a:t>
             </a:r>
-            <a:endParaRPr lang="en-US"/>
           </a:p>
         </p:txBody>
       </p:sp>
@@ -1229,7 +1224,6 @@
               <a:rPr lang="en-US"/>
               <a:t>Fifth level</a:t>
             </a:r>
-            <a:endParaRPr lang="en-US"/>
           </a:p>
         </p:txBody>
       </p:sp>
@@ -1250,9 +1244,9 @@
           <a:p>
             <a:fld id="{9FA286B8-7381-4FAB-B87D-163232FF37BF}" type="datetimeFigureOut">
               <a:rPr lang="en-US" smtClean="0"/>
-              <a:t>8/22/2017</a:t>
+              <a:t>8/23/2017</a:t>
             </a:fld>
-            <a:endParaRPr lang="en-US"/>
+            <a:endParaRPr lang="en-US" dirty="0"/>
           </a:p>
         </p:txBody>
       </p:sp>
@@ -1271,7 +1265,7 @@
           <a:bodyPr/>
           <a:lstStyle/>
           <a:p>
-            <a:endParaRPr lang="en-US"/>
+            <a:endParaRPr lang="en-US" dirty="0"/>
           </a:p>
         </p:txBody>
       </p:sp>
@@ -1294,7 +1288,7 @@
               <a:rPr lang="en-US" smtClean="0"/>
               <a:t>‹#›</a:t>
             </a:fld>
-            <a:endParaRPr lang="en-US"/>
+            <a:endParaRPr lang="en-US" dirty="0"/>
           </a:p>
         </p:txBody>
       </p:sp>
@@ -1352,7 +1346,6 @@
               <a:rPr lang="en-US"/>
               <a:t>Click to edit Master title style</a:t>
             </a:r>
-            <a:endParaRPr lang="en-US"/>
           </a:p>
         </p:txBody>
       </p:sp>
@@ -1474,7 +1467,6 @@
               <a:rPr lang="en-US"/>
               <a:t>Fifth level</a:t>
             </a:r>
-            <a:endParaRPr lang="en-US"/>
           </a:p>
         </p:txBody>
       </p:sp>
@@ -1596,7 +1588,6 @@
               <a:rPr lang="en-US"/>
               <a:t>Fifth level</a:t>
             </a:r>
-            <a:endParaRPr lang="en-US"/>
           </a:p>
         </p:txBody>
       </p:sp>
@@ -1617,9 +1608,9 @@
           <a:p>
             <a:fld id="{9FA286B8-7381-4FAB-B87D-163232FF37BF}" type="datetimeFigureOut">
               <a:rPr lang="en-US" smtClean="0"/>
-              <a:t>8/22/2017</a:t>
+              <a:t>8/23/2017</a:t>
             </a:fld>
-            <a:endParaRPr lang="en-US"/>
+            <a:endParaRPr lang="en-US" dirty="0"/>
           </a:p>
         </p:txBody>
       </p:sp>
@@ -1638,7 +1629,7 @@
           <a:bodyPr/>
           <a:lstStyle/>
           <a:p>
-            <a:endParaRPr lang="en-US"/>
+            <a:endParaRPr lang="en-US" dirty="0"/>
           </a:p>
         </p:txBody>
       </p:sp>
@@ -1661,7 +1652,7 @@
               <a:rPr lang="en-US" smtClean="0"/>
               <a:t>‹#›</a:t>
             </a:fld>
-            <a:endParaRPr lang="en-US"/>
+            <a:endParaRPr lang="en-US" dirty="0"/>
           </a:p>
         </p:txBody>
       </p:sp>
@@ -1714,7 +1705,6 @@
               <a:rPr lang="en-US"/>
               <a:t>Click to edit Master title style</a:t>
             </a:r>
-            <a:endParaRPr lang="en-US"/>
           </a:p>
         </p:txBody>
       </p:sp>
@@ -1735,9 +1725,9 @@
           <a:p>
             <a:fld id="{9FA286B8-7381-4FAB-B87D-163232FF37BF}" type="datetimeFigureOut">
               <a:rPr lang="en-US" smtClean="0"/>
-              <a:t>8/22/2017</a:t>
+              <a:t>8/23/2017</a:t>
             </a:fld>
-            <a:endParaRPr lang="en-US"/>
+            <a:endParaRPr lang="en-US" dirty="0"/>
           </a:p>
         </p:txBody>
       </p:sp>
@@ -1756,7 +1746,7 @@
           <a:bodyPr/>
           <a:lstStyle/>
           <a:p>
-            <a:endParaRPr lang="en-US"/>
+            <a:endParaRPr lang="en-US" dirty="0"/>
           </a:p>
         </p:txBody>
       </p:sp>
@@ -1779,7 +1769,7 @@
               <a:rPr lang="en-US" smtClean="0"/>
               <a:t>‹#›</a:t>
             </a:fld>
-            <a:endParaRPr lang="en-US"/>
+            <a:endParaRPr lang="en-US" dirty="0"/>
           </a:p>
         </p:txBody>
       </p:sp>
@@ -1830,9 +1820,9 @@
           <a:p>
             <a:fld id="{9FA286B8-7381-4FAB-B87D-163232FF37BF}" type="datetimeFigureOut">
               <a:rPr lang="en-US" smtClean="0"/>
-              <a:t>8/22/2017</a:t>
+              <a:t>8/23/2017</a:t>
             </a:fld>
-            <a:endParaRPr lang="en-US"/>
+            <a:endParaRPr lang="en-US" dirty="0"/>
           </a:p>
         </p:txBody>
       </p:sp>
@@ -1851,7 +1841,7 @@
           <a:bodyPr/>
           <a:lstStyle/>
           <a:p>
-            <a:endParaRPr lang="en-US"/>
+            <a:endParaRPr lang="en-US" dirty="0"/>
           </a:p>
         </p:txBody>
       </p:sp>
@@ -1874,7 +1864,7 @@
               <a:rPr lang="en-US" smtClean="0"/>
               <a:t>‹#›</a:t>
             </a:fld>
-            <a:endParaRPr lang="en-US"/>
+            <a:endParaRPr lang="en-US" dirty="0"/>
           </a:p>
         </p:txBody>
       </p:sp>
@@ -1936,7 +1926,6 @@
               <a:rPr lang="en-US"/>
               <a:t>Click to edit Master title style</a:t>
             </a:r>
-            <a:endParaRPr lang="en-US"/>
           </a:p>
         </p:txBody>
       </p:sp>
@@ -2021,7 +2010,6 @@
               <a:rPr lang="en-US"/>
               <a:t>Fifth level</a:t>
             </a:r>
-            <a:endParaRPr lang="en-US"/>
           </a:p>
         </p:txBody>
       </p:sp>
@@ -2107,9 +2095,9 @@
           <a:p>
             <a:fld id="{9FA286B8-7381-4FAB-B87D-163232FF37BF}" type="datetimeFigureOut">
               <a:rPr lang="en-US" smtClean="0"/>
-              <a:t>8/22/2017</a:t>
+              <a:t>8/23/2017</a:t>
             </a:fld>
-            <a:endParaRPr lang="en-US"/>
+            <a:endParaRPr lang="en-US" dirty="0"/>
           </a:p>
         </p:txBody>
       </p:sp>
@@ -2128,7 +2116,7 @@
           <a:bodyPr/>
           <a:lstStyle/>
           <a:p>
-            <a:endParaRPr lang="en-US"/>
+            <a:endParaRPr lang="en-US" dirty="0"/>
           </a:p>
         </p:txBody>
       </p:sp>
@@ -2151,7 +2139,7 @@
               <a:rPr lang="en-US" smtClean="0"/>
               <a:t>‹#›</a:t>
             </a:fld>
-            <a:endParaRPr lang="en-US"/>
+            <a:endParaRPr lang="en-US" dirty="0"/>
           </a:p>
         </p:txBody>
       </p:sp>
@@ -2213,7 +2201,6 @@
               <a:rPr lang="en-US"/>
               <a:t>Click to edit Master title style</a:t>
             </a:r>
-            <a:endParaRPr lang="en-US"/>
           </a:p>
         </p:txBody>
       </p:sp>
@@ -2274,7 +2261,7 @@
             </a:lvl9pPr>
           </a:lstStyle>
           <a:p>
-            <a:endParaRPr lang="en-US"/>
+            <a:endParaRPr lang="en-US" dirty="0"/>
           </a:p>
         </p:txBody>
       </p:sp>
@@ -2360,9 +2347,9 @@
           <a:p>
             <a:fld id="{9FA286B8-7381-4FAB-B87D-163232FF37BF}" type="datetimeFigureOut">
               <a:rPr lang="en-US" smtClean="0"/>
-              <a:t>8/22/2017</a:t>
+              <a:t>8/23/2017</a:t>
             </a:fld>
-            <a:endParaRPr lang="en-US"/>
+            <a:endParaRPr lang="en-US" dirty="0"/>
           </a:p>
         </p:txBody>
       </p:sp>
@@ -2381,7 +2368,7 @@
           <a:bodyPr/>
           <a:lstStyle/>
           <a:p>
-            <a:endParaRPr lang="en-US"/>
+            <a:endParaRPr lang="en-US" dirty="0"/>
           </a:p>
         </p:txBody>
       </p:sp>
@@ -2404,7 +2391,7 @@
               <a:rPr lang="en-US" smtClean="0"/>
               <a:t>‹#›</a:t>
             </a:fld>
-            <a:endParaRPr lang="en-US"/>
+            <a:endParaRPr lang="en-US" dirty="0"/>
           </a:p>
         </p:txBody>
       </p:sp>
@@ -2472,7 +2459,6 @@
               <a:rPr lang="en-US"/>
               <a:t>Click to edit Master title style</a:t>
             </a:r>
-            <a:endParaRPr lang="en-US"/>
           </a:p>
         </p:txBody>
       </p:sp>
@@ -2534,7 +2520,6 @@
               <a:rPr lang="en-US"/>
               <a:t>Fifth level</a:t>
             </a:r>
-            <a:endParaRPr lang="en-US"/>
           </a:p>
         </p:txBody>
       </p:sp>
@@ -2573,9 +2558,9 @@
           <a:p>
             <a:fld id="{9FA286B8-7381-4FAB-B87D-163232FF37BF}" type="datetimeFigureOut">
               <a:rPr lang="en-US" smtClean="0"/>
-              <a:t>8/22/2017</a:t>
+              <a:t>8/23/2017</a:t>
             </a:fld>
-            <a:endParaRPr lang="en-US"/>
+            <a:endParaRPr lang="en-US" dirty="0"/>
           </a:p>
         </p:txBody>
       </p:sp>
@@ -2612,7 +2597,7 @@
             </a:lvl1pPr>
           </a:lstStyle>
           <a:p>
-            <a:endParaRPr lang="en-US"/>
+            <a:endParaRPr lang="en-US" dirty="0"/>
           </a:p>
         </p:txBody>
       </p:sp>
@@ -2653,7 +2638,7 @@
               <a:rPr lang="en-US" smtClean="0"/>
               <a:t>‹#›</a:t>
             </a:fld>
-            <a:endParaRPr lang="en-US"/>
+            <a:endParaRPr lang="en-US" dirty="0"/>
           </a:p>
         </p:txBody>
       </p:sp>
@@ -3036,7 +3021,7 @@
                 <a:ea typeface="Segoe UI Black" panose="020B0A02040204020203" pitchFamily="34" charset="0"/>
                 <a:cs typeface="Segoe UI Light" panose="020B0502040204020203" pitchFamily="34" charset="0"/>
               </a:rPr>
-              <a:t>through </a:t>
+              <a:t>Through </a:t>
             </a:r>
             <a:r>
               <a:rPr lang="en-US" sz="2700" dirty="0">
@@ -3075,18 +3060,11 @@
               <a:buNone/>
             </a:pPr>
             <a:r>
-              <a:rPr lang="en-US" sz="2000" dirty="0" err="1">
-                <a:latin typeface="Segoe UI Light" panose="020B0502040204020203" pitchFamily="34" charset="0"/>
-                <a:cs typeface="Segoe UI Light" panose="020B0502040204020203" pitchFamily="34" charset="0"/>
-              </a:rPr>
-              <a:t>SpringBoard</a:t>
-            </a:r>
-            <a:r>
               <a:rPr lang="en-US" sz="2000" dirty="0">
                 <a:latin typeface="Segoe UI Light" panose="020B0502040204020203" pitchFamily="34" charset="0"/>
                 <a:cs typeface="Segoe UI Light" panose="020B0502040204020203" pitchFamily="34" charset="0"/>
               </a:rPr>
-              <a:t> Data Science Career Program</a:t>
+              <a:t>SpringBoard Data Science Career Program</a:t>
             </a:r>
           </a:p>
           <a:p>
@@ -3138,2895 +3116,6 @@
 </file>
 
 <file path=ppt/slides/slide10.xml><?xml version="1.0" encoding="utf-8"?>
-<p:sld xmlns:a="http://schemas.openxmlformats.org/drawingml/2006/main" xmlns:r="http://schemas.openxmlformats.org/officeDocument/2006/relationships" xmlns:p="http://schemas.openxmlformats.org/presentationml/2006/main">
-  <p:cSld>
-    <p:spTree>
-      <p:nvGrpSpPr>
-        <p:cNvPr id="1" name=""/>
-        <p:cNvGrpSpPr/>
-        <p:nvPr/>
-      </p:nvGrpSpPr>
-      <p:grpSpPr>
-        <a:xfrm>
-          <a:off x="0" y="0"/>
-          <a:ext cx="0" cy="0"/>
-          <a:chOff x="0" y="0"/>
-          <a:chExt cx="0" cy="0"/>
-        </a:xfrm>
-      </p:grpSpPr>
-      <p:sp>
-        <p:nvSpPr>
-          <p:cNvPr id="2" name="Title 1"/>
-          <p:cNvSpPr>
-            <a:spLocks noGrp="1"/>
-          </p:cNvSpPr>
-          <p:nvPr>
-            <p:ph type="title"/>
-          </p:nvPr>
-        </p:nvSpPr>
-        <p:spPr/>
-        <p:txBody>
-          <a:bodyPr/>
-          <a:lstStyle/>
-          <a:p>
-            <a:r>
-              <a:rPr lang="en-US" dirty="0">
-                <a:latin typeface="Segoe UI Black" panose="020B0A02040204020203" pitchFamily="34" charset="0"/>
-                <a:ea typeface="Segoe UI Black" panose="020B0A02040204020203" pitchFamily="34" charset="0"/>
-                <a:cs typeface="Segoe UI Black" panose="020B0A02040204020203" pitchFamily="34" charset="0"/>
-              </a:rPr>
-              <a:t>Data Preparation: Categorical Data</a:t>
-            </a:r>
-          </a:p>
-        </p:txBody>
-      </p:sp>
-      <p:sp>
-        <p:nvSpPr>
-          <p:cNvPr id="3" name="Content Placeholder 2"/>
-          <p:cNvSpPr>
-            <a:spLocks noGrp="1"/>
-          </p:cNvSpPr>
-          <p:nvPr>
-            <p:ph idx="1"/>
-          </p:nvPr>
-        </p:nvSpPr>
-        <p:spPr>
-          <a:xfrm>
-            <a:off x="-277845" y="1976926"/>
-            <a:ext cx="10515600" cy="1261524"/>
-          </a:xfrm>
-        </p:spPr>
-        <p:txBody>
-          <a:bodyPr>
-            <a:normAutofit/>
-          </a:bodyPr>
-          <a:lstStyle/>
-          <a:p>
-            <a:pPr marL="0" indent="0" algn="ctr">
-              <a:buNone/>
-            </a:pPr>
-            <a:r>
-              <a:rPr lang="en-US" dirty="0">
-                <a:latin typeface="Segoe UI Light" panose="020B0502040204020203" pitchFamily="34" charset="0"/>
-                <a:cs typeface="Segoe UI Light" panose="020B0502040204020203" pitchFamily="34" charset="0"/>
-              </a:rPr>
-              <a:t>Categorical Data </a:t>
-            </a:r>
-            <a:r>
-              <a:rPr lang="en-US" dirty="0">
-                <a:latin typeface="Segoe UI Light" panose="020B0502040204020203" pitchFamily="34" charset="0"/>
-                <a:cs typeface="Segoe UI Light" panose="020B0502040204020203" pitchFamily="34" charset="0"/>
-                <a:sym typeface="Wingdings" panose="05000000000000000000" pitchFamily="2" charset="2"/>
-              </a:rPr>
-              <a:t> Dummy Variables </a:t>
-            </a:r>
-            <a:r>
-              <a:rPr lang="en-US" u="sng" dirty="0">
-                <a:latin typeface="Segoe UI Light" panose="020B0502040204020203" pitchFamily="34" charset="0"/>
-                <a:cs typeface="Segoe UI Light" panose="020B0502040204020203" pitchFamily="34" charset="0"/>
-                <a:sym typeface="Wingdings" panose="05000000000000000000" pitchFamily="2" charset="2"/>
-              </a:rPr>
-              <a:t>(22 Variables)</a:t>
-            </a:r>
-            <a:endParaRPr lang="en-US" u="sng" dirty="0">
-              <a:latin typeface="Segoe UI Light" panose="020B0502040204020203" pitchFamily="34" charset="0"/>
-              <a:cs typeface="Segoe UI Light" panose="020B0502040204020203" pitchFamily="34" charset="0"/>
-            </a:endParaRPr>
-          </a:p>
-        </p:txBody>
-      </p:sp>
-      <p:pic>
-        <p:nvPicPr>
-          <p:cNvPr id="6" name="Picture 5"/>
-          <p:cNvPicPr>
-            <a:picLocks noChangeAspect="1"/>
-          </p:cNvPicPr>
-          <p:nvPr/>
-        </p:nvPicPr>
-        <p:blipFill rotWithShape="1">
-          <a:blip r:embed="rId2"/>
-          <a:srcRect l="570" t="1336" r="1242" b="2015"/>
-          <a:stretch/>
-        </p:blipFill>
-        <p:spPr>
-          <a:xfrm>
-            <a:off x="1549256" y="2659991"/>
-            <a:ext cx="2067070" cy="1430169"/>
-          </a:xfrm>
-          <a:prstGeom prst="rect">
-            <a:avLst/>
-          </a:prstGeom>
-        </p:spPr>
-      </p:pic>
-      <p:pic>
-        <p:nvPicPr>
-          <p:cNvPr id="7" name="Picture 6"/>
-          <p:cNvPicPr>
-            <a:picLocks noChangeAspect="1"/>
-          </p:cNvPicPr>
-          <p:nvPr/>
-        </p:nvPicPr>
-        <p:blipFill rotWithShape="1">
-          <a:blip r:embed="rId3"/>
-          <a:srcRect l="30746"/>
-          <a:stretch/>
-        </p:blipFill>
-        <p:spPr>
-          <a:xfrm>
-            <a:off x="4402171" y="2607688"/>
-            <a:ext cx="5835584" cy="1366130"/>
-          </a:xfrm>
-          <a:prstGeom prst="rect">
-            <a:avLst/>
-          </a:prstGeom>
-          <a:ln>
-            <a:solidFill>
-              <a:schemeClr val="tx1"/>
-            </a:solidFill>
-          </a:ln>
-        </p:spPr>
-      </p:pic>
-    </p:spTree>
-    <p:extLst>
-      <p:ext uri="{BB962C8B-B14F-4D97-AF65-F5344CB8AC3E}">
-        <p14:creationId xmlns:p14="http://schemas.microsoft.com/office/powerpoint/2010/main" val="1791270702"/>
-      </p:ext>
-    </p:extLst>
-  </p:cSld>
-  <p:clrMapOvr>
-    <a:masterClrMapping/>
-  </p:clrMapOvr>
-</p:sld>
-</file>
-
-<file path=ppt/slides/slide11.xml><?xml version="1.0" encoding="utf-8"?>
-<p:sld xmlns:a="http://schemas.openxmlformats.org/drawingml/2006/main" xmlns:r="http://schemas.openxmlformats.org/officeDocument/2006/relationships" xmlns:p="http://schemas.openxmlformats.org/presentationml/2006/main">
-  <p:cSld>
-    <p:spTree>
-      <p:nvGrpSpPr>
-        <p:cNvPr id="1" name=""/>
-        <p:cNvGrpSpPr/>
-        <p:nvPr/>
-      </p:nvGrpSpPr>
-      <p:grpSpPr>
-        <a:xfrm>
-          <a:off x="0" y="0"/>
-          <a:ext cx="0" cy="0"/>
-          <a:chOff x="0" y="0"/>
-          <a:chExt cx="0" cy="0"/>
-        </a:xfrm>
-      </p:grpSpPr>
-      <p:sp>
-        <p:nvSpPr>
-          <p:cNvPr id="2" name="Title 1"/>
-          <p:cNvSpPr>
-            <a:spLocks noGrp="1"/>
-          </p:cNvSpPr>
-          <p:nvPr>
-            <p:ph type="title"/>
-          </p:nvPr>
-        </p:nvSpPr>
-        <p:spPr/>
-        <p:txBody>
-          <a:bodyPr/>
-          <a:lstStyle/>
-          <a:p>
-            <a:r>
-              <a:rPr lang="en-US" dirty="0">
-                <a:latin typeface="Segoe UI Black" panose="020B0A02040204020203" pitchFamily="34" charset="0"/>
-                <a:ea typeface="Segoe UI Black" panose="020B0A02040204020203" pitchFamily="34" charset="0"/>
-                <a:cs typeface="Segoe UI Black" panose="020B0A02040204020203" pitchFamily="34" charset="0"/>
-              </a:rPr>
-              <a:t>Topic Modeling</a:t>
-            </a:r>
-          </a:p>
-        </p:txBody>
-      </p:sp>
-      <p:sp>
-        <p:nvSpPr>
-          <p:cNvPr id="4" name="Content Placeholder 3"/>
-          <p:cNvSpPr>
-            <a:spLocks noGrp="1"/>
-          </p:cNvSpPr>
-          <p:nvPr>
-            <p:ph idx="1"/>
-          </p:nvPr>
-        </p:nvSpPr>
-        <p:spPr>
-          <a:xfrm>
-            <a:off x="838200" y="1825625"/>
-            <a:ext cx="10515600" cy="2486316"/>
-          </a:xfrm>
-        </p:spPr>
-        <p:txBody>
-          <a:bodyPr>
-            <a:normAutofit/>
-          </a:bodyPr>
-          <a:lstStyle/>
-          <a:p>
-            <a:r>
-              <a:rPr lang="en-US" dirty="0">
-                <a:latin typeface="Segoe UI Light" panose="020B0502040204020203" pitchFamily="34" charset="0"/>
-                <a:cs typeface="Segoe UI Light" panose="020B0502040204020203" pitchFamily="34" charset="0"/>
-              </a:rPr>
-              <a:t>Use Latent Semantic Indexing</a:t>
-            </a:r>
-          </a:p>
-          <a:p>
-            <a:pPr lvl="1"/>
-            <a:r>
-              <a:rPr lang="en-US" dirty="0">
-                <a:latin typeface="Segoe UI Light" panose="020B0502040204020203" pitchFamily="34" charset="0"/>
-                <a:cs typeface="Segoe UI Light" panose="020B0502040204020203" pitchFamily="34" charset="0"/>
-              </a:rPr>
-              <a:t>Data Reduction Technique based on “Singular Value Decomposition”</a:t>
-            </a:r>
-          </a:p>
-          <a:p>
-            <a:pPr lvl="1"/>
-            <a:r>
-              <a:rPr lang="en-US" dirty="0">
-                <a:latin typeface="Segoe UI Light" panose="020B0502040204020203" pitchFamily="34" charset="0"/>
-                <a:cs typeface="Segoe UI Light" panose="020B0502040204020203" pitchFamily="34" charset="0"/>
-              </a:rPr>
-              <a:t>Reduces Tokenized Table for each of 1600 review into </a:t>
-            </a:r>
-            <a:r>
-              <a:rPr lang="en-US" u="sng" dirty="0">
-                <a:latin typeface="Segoe UI Light" panose="020B0502040204020203" pitchFamily="34" charset="0"/>
-                <a:cs typeface="Segoe UI Light" panose="020B0502040204020203" pitchFamily="34" charset="0"/>
-              </a:rPr>
-              <a:t>300 variables</a:t>
-            </a:r>
-          </a:p>
-          <a:p>
-            <a:pPr lvl="2"/>
-            <a:r>
-              <a:rPr lang="en-US" dirty="0">
-                <a:latin typeface="Segoe UI Light" panose="020B0502040204020203" pitchFamily="34" charset="0"/>
-                <a:cs typeface="Segoe UI Light" panose="020B0502040204020203" pitchFamily="34" charset="0"/>
-              </a:rPr>
-              <a:t>Think of each variable as a “topic” for example:</a:t>
-            </a:r>
-          </a:p>
-          <a:p>
-            <a:pPr lvl="3"/>
-            <a:r>
-              <a:rPr lang="en-US" dirty="0">
-                <a:latin typeface="Segoe UI Light" panose="020B0502040204020203" pitchFamily="34" charset="0"/>
-                <a:cs typeface="Segoe UI Light" panose="020B0502040204020203" pitchFamily="34" charset="0"/>
-              </a:rPr>
-              <a:t>“An amazing Family Vacation” Topic</a:t>
-            </a:r>
-          </a:p>
-          <a:p>
-            <a:pPr lvl="3"/>
-            <a:r>
-              <a:rPr lang="en-US" dirty="0">
-                <a:latin typeface="Segoe UI Light" panose="020B0502040204020203" pitchFamily="34" charset="0"/>
-                <a:cs typeface="Segoe UI Light" panose="020B0502040204020203" pitchFamily="34" charset="0"/>
-              </a:rPr>
-              <a:t>“Honey moon gone awry review” Topic</a:t>
-            </a:r>
-          </a:p>
-        </p:txBody>
-      </p:sp>
-      <p:sp>
-        <p:nvSpPr>
-          <p:cNvPr id="6" name="Rectangle 5"/>
-          <p:cNvSpPr/>
-          <p:nvPr/>
-        </p:nvSpPr>
-        <p:spPr>
-          <a:xfrm>
-            <a:off x="1367405" y="4513277"/>
-            <a:ext cx="2063692" cy="2063692"/>
-          </a:xfrm>
-          <a:prstGeom prst="rect">
-            <a:avLst/>
-          </a:prstGeom>
-          <a:solidFill>
-            <a:schemeClr val="tx1"/>
-          </a:solidFill>
-          <a:ln>
-            <a:solidFill>
-              <a:schemeClr val="bg1"/>
-            </a:solidFill>
-          </a:ln>
-        </p:spPr>
-        <p:style>
-          <a:lnRef idx="2">
-            <a:schemeClr val="accent1">
-              <a:shade val="50000"/>
-            </a:schemeClr>
-          </a:lnRef>
-          <a:fillRef idx="1">
-            <a:schemeClr val="accent1"/>
-          </a:fillRef>
-          <a:effectRef idx="0">
-            <a:schemeClr val="accent1"/>
-          </a:effectRef>
-          <a:fontRef idx="minor">
-            <a:schemeClr val="lt1"/>
-          </a:fontRef>
-        </p:style>
-        <p:txBody>
-          <a:bodyPr rtlCol="0" anchor="ctr"/>
-          <a:lstStyle/>
-          <a:p>
-            <a:pPr algn="ctr"/>
-            <a:r>
-              <a:rPr lang="en-US" dirty="0"/>
-              <a:t>Frequency</a:t>
-            </a:r>
-          </a:p>
-        </p:txBody>
-      </p:sp>
-      <p:sp>
-        <p:nvSpPr>
-          <p:cNvPr id="7" name="Rectangle 6"/>
-          <p:cNvSpPr/>
-          <p:nvPr/>
-        </p:nvSpPr>
-        <p:spPr>
-          <a:xfrm>
-            <a:off x="1367405" y="4513277"/>
-            <a:ext cx="2063692" cy="234892"/>
-          </a:xfrm>
-          <a:prstGeom prst="rect">
-            <a:avLst/>
-          </a:prstGeom>
-          <a:solidFill>
-            <a:schemeClr val="tx1"/>
-          </a:solidFill>
-          <a:ln>
-            <a:solidFill>
-              <a:schemeClr val="bg1"/>
-            </a:solidFill>
-          </a:ln>
-        </p:spPr>
-        <p:style>
-          <a:lnRef idx="2">
-            <a:schemeClr val="accent1">
-              <a:shade val="50000"/>
-            </a:schemeClr>
-          </a:lnRef>
-          <a:fillRef idx="1">
-            <a:schemeClr val="accent1"/>
-          </a:fillRef>
-          <a:effectRef idx="0">
-            <a:schemeClr val="accent1"/>
-          </a:effectRef>
-          <a:fontRef idx="minor">
-            <a:schemeClr val="lt1"/>
-          </a:fontRef>
-        </p:style>
-        <p:txBody>
-          <a:bodyPr rtlCol="0" anchor="ctr"/>
-          <a:lstStyle/>
-          <a:p>
-            <a:pPr algn="ctr"/>
-            <a:r>
-              <a:rPr lang="en-US" dirty="0"/>
-              <a:t>Every Word</a:t>
-            </a:r>
-          </a:p>
-        </p:txBody>
-      </p:sp>
-      <p:sp>
-        <p:nvSpPr>
-          <p:cNvPr id="8" name="Rectangle 7"/>
-          <p:cNvSpPr/>
-          <p:nvPr/>
-        </p:nvSpPr>
-        <p:spPr>
-          <a:xfrm rot="16200000">
-            <a:off x="507533" y="5373148"/>
-            <a:ext cx="2063692" cy="343949"/>
-          </a:xfrm>
-          <a:prstGeom prst="rect">
-            <a:avLst/>
-          </a:prstGeom>
-          <a:solidFill>
-            <a:schemeClr val="tx1"/>
-          </a:solidFill>
-          <a:ln>
-            <a:solidFill>
-              <a:schemeClr val="bg1"/>
-            </a:solidFill>
-          </a:ln>
-        </p:spPr>
-        <p:style>
-          <a:lnRef idx="2">
-            <a:schemeClr val="accent1">
-              <a:shade val="50000"/>
-            </a:schemeClr>
-          </a:lnRef>
-          <a:fillRef idx="1">
-            <a:schemeClr val="accent1"/>
-          </a:fillRef>
-          <a:effectRef idx="0">
-            <a:schemeClr val="accent1"/>
-          </a:effectRef>
-          <a:fontRef idx="minor">
-            <a:schemeClr val="lt1"/>
-          </a:fontRef>
-        </p:style>
-        <p:txBody>
-          <a:bodyPr rtlCol="0" anchor="ctr"/>
-          <a:lstStyle/>
-          <a:p>
-            <a:pPr algn="ctr"/>
-            <a:r>
-              <a:rPr lang="en-US" dirty="0"/>
-              <a:t>1600 Reviews</a:t>
-            </a:r>
-          </a:p>
-        </p:txBody>
-      </p:sp>
-      <p:sp>
-        <p:nvSpPr>
-          <p:cNvPr id="9" name="Rectangle 8"/>
-          <p:cNvSpPr/>
-          <p:nvPr/>
-        </p:nvSpPr>
-        <p:spPr>
-          <a:xfrm>
-            <a:off x="8365221" y="4513277"/>
-            <a:ext cx="2063692" cy="2063692"/>
-          </a:xfrm>
-          <a:prstGeom prst="rect">
-            <a:avLst/>
-          </a:prstGeom>
-          <a:solidFill>
-            <a:schemeClr val="tx1"/>
-          </a:solidFill>
-          <a:ln>
-            <a:solidFill>
-              <a:schemeClr val="bg1"/>
-            </a:solidFill>
-          </a:ln>
-        </p:spPr>
-        <p:style>
-          <a:lnRef idx="2">
-            <a:schemeClr val="accent1">
-              <a:shade val="50000"/>
-            </a:schemeClr>
-          </a:lnRef>
-          <a:fillRef idx="1">
-            <a:schemeClr val="accent1"/>
-          </a:fillRef>
-          <a:effectRef idx="0">
-            <a:schemeClr val="accent1"/>
-          </a:effectRef>
-          <a:fontRef idx="minor">
-            <a:schemeClr val="lt1"/>
-          </a:fontRef>
-        </p:style>
-        <p:txBody>
-          <a:bodyPr rtlCol="0" anchor="ctr"/>
-          <a:lstStyle/>
-          <a:p>
-            <a:pPr algn="ctr"/>
-            <a:r>
-              <a:rPr lang="en-US" dirty="0"/>
-              <a:t>Weight</a:t>
-            </a:r>
-          </a:p>
-        </p:txBody>
-      </p:sp>
-      <p:sp>
-        <p:nvSpPr>
-          <p:cNvPr id="10" name="Rectangle 9"/>
-          <p:cNvSpPr/>
-          <p:nvPr/>
-        </p:nvSpPr>
-        <p:spPr>
-          <a:xfrm>
-            <a:off x="8365221" y="4513277"/>
-            <a:ext cx="2063692" cy="234892"/>
-          </a:xfrm>
-          <a:prstGeom prst="rect">
-            <a:avLst/>
-          </a:prstGeom>
-          <a:solidFill>
-            <a:schemeClr val="tx1"/>
-          </a:solidFill>
-          <a:ln>
-            <a:solidFill>
-              <a:schemeClr val="bg1"/>
-            </a:solidFill>
-          </a:ln>
-        </p:spPr>
-        <p:style>
-          <a:lnRef idx="2">
-            <a:schemeClr val="accent1">
-              <a:shade val="50000"/>
-            </a:schemeClr>
-          </a:lnRef>
-          <a:fillRef idx="1">
-            <a:schemeClr val="accent1"/>
-          </a:fillRef>
-          <a:effectRef idx="0">
-            <a:schemeClr val="accent1"/>
-          </a:effectRef>
-          <a:fontRef idx="minor">
-            <a:schemeClr val="lt1"/>
-          </a:fontRef>
-        </p:style>
-        <p:txBody>
-          <a:bodyPr rtlCol="0" anchor="ctr"/>
-          <a:lstStyle/>
-          <a:p>
-            <a:pPr algn="ctr"/>
-            <a:r>
-              <a:rPr lang="en-US" dirty="0"/>
-              <a:t>300 Topics</a:t>
-            </a:r>
-          </a:p>
-        </p:txBody>
-      </p:sp>
-      <p:sp>
-        <p:nvSpPr>
-          <p:cNvPr id="11" name="Rectangle 10"/>
-          <p:cNvSpPr/>
-          <p:nvPr/>
-        </p:nvSpPr>
-        <p:spPr>
-          <a:xfrm rot="16200000">
-            <a:off x="7505349" y="5373148"/>
-            <a:ext cx="2063692" cy="343949"/>
-          </a:xfrm>
-          <a:prstGeom prst="rect">
-            <a:avLst/>
-          </a:prstGeom>
-          <a:solidFill>
-            <a:schemeClr val="tx1"/>
-          </a:solidFill>
-          <a:ln>
-            <a:solidFill>
-              <a:schemeClr val="bg1"/>
-            </a:solidFill>
-          </a:ln>
-        </p:spPr>
-        <p:style>
-          <a:lnRef idx="2">
-            <a:schemeClr val="accent1">
-              <a:shade val="50000"/>
-            </a:schemeClr>
-          </a:lnRef>
-          <a:fillRef idx="1">
-            <a:schemeClr val="accent1"/>
-          </a:fillRef>
-          <a:effectRef idx="0">
-            <a:schemeClr val="accent1"/>
-          </a:effectRef>
-          <a:fontRef idx="minor">
-            <a:schemeClr val="lt1"/>
-          </a:fontRef>
-        </p:style>
-        <p:txBody>
-          <a:bodyPr rtlCol="0" anchor="ctr"/>
-          <a:lstStyle/>
-          <a:p>
-            <a:pPr algn="ctr"/>
-            <a:r>
-              <a:rPr lang="en-US" dirty="0"/>
-              <a:t>1600 Reviews</a:t>
-            </a:r>
-          </a:p>
-        </p:txBody>
-      </p:sp>
-      <p:sp>
-        <p:nvSpPr>
-          <p:cNvPr id="14" name="Arrow: Right 13"/>
-          <p:cNvSpPr/>
-          <p:nvPr/>
-        </p:nvSpPr>
-        <p:spPr>
-          <a:xfrm>
-            <a:off x="4414005" y="5010322"/>
-            <a:ext cx="2634143" cy="1069599"/>
-          </a:xfrm>
-          <a:prstGeom prst="rightArrow">
-            <a:avLst/>
-          </a:prstGeom>
-          <a:solidFill>
-            <a:schemeClr val="tx1"/>
-          </a:solidFill>
-          <a:ln>
-            <a:solidFill>
-              <a:schemeClr val="tx1"/>
-            </a:solidFill>
-          </a:ln>
-        </p:spPr>
-        <p:style>
-          <a:lnRef idx="2">
-            <a:schemeClr val="accent1">
-              <a:shade val="50000"/>
-            </a:schemeClr>
-          </a:lnRef>
-          <a:fillRef idx="1">
-            <a:schemeClr val="accent1"/>
-          </a:fillRef>
-          <a:effectRef idx="0">
-            <a:schemeClr val="accent1"/>
-          </a:effectRef>
-          <a:fontRef idx="minor">
-            <a:schemeClr val="lt1"/>
-          </a:fontRef>
-        </p:style>
-        <p:txBody>
-          <a:bodyPr rtlCol="0" anchor="ctr"/>
-          <a:lstStyle/>
-          <a:p>
-            <a:pPr algn="ctr"/>
-            <a:r>
-              <a:rPr lang="en-US" dirty="0">
-                <a:latin typeface="Segoe UI Black" panose="020B0A02040204020203" pitchFamily="34" charset="0"/>
-                <a:ea typeface="Segoe UI Black" panose="020B0A02040204020203" pitchFamily="34" charset="0"/>
-                <a:cs typeface="Segoe UI Black" panose="020B0A02040204020203" pitchFamily="34" charset="0"/>
-              </a:rPr>
-              <a:t>LSI w </a:t>
-            </a:r>
-          </a:p>
-          <a:p>
-            <a:pPr algn="ctr"/>
-            <a:r>
-              <a:rPr lang="en-US" dirty="0">
-                <a:latin typeface="Segoe UI Black" panose="020B0A02040204020203" pitchFamily="34" charset="0"/>
-                <a:ea typeface="Segoe UI Black" panose="020B0A02040204020203" pitchFamily="34" charset="0"/>
-                <a:cs typeface="Segoe UI Black" panose="020B0A02040204020203" pitchFamily="34" charset="0"/>
-              </a:rPr>
-              <a:t>300 Topics</a:t>
-            </a:r>
-          </a:p>
-        </p:txBody>
-      </p:sp>
-    </p:spTree>
-    <p:extLst>
-      <p:ext uri="{BB962C8B-B14F-4D97-AF65-F5344CB8AC3E}">
-        <p14:creationId xmlns:p14="http://schemas.microsoft.com/office/powerpoint/2010/main" val="2278922432"/>
-      </p:ext>
-    </p:extLst>
-  </p:cSld>
-  <p:clrMapOvr>
-    <a:masterClrMapping/>
-  </p:clrMapOvr>
-</p:sld>
-</file>
-
-<file path=ppt/slides/slide12.xml><?xml version="1.0" encoding="utf-8"?>
-<p:sld xmlns:a="http://schemas.openxmlformats.org/drawingml/2006/main" xmlns:r="http://schemas.openxmlformats.org/officeDocument/2006/relationships" xmlns:p="http://schemas.openxmlformats.org/presentationml/2006/main">
-  <p:cSld>
-    <p:spTree>
-      <p:nvGrpSpPr>
-        <p:cNvPr id="1" name=""/>
-        <p:cNvGrpSpPr/>
-        <p:nvPr/>
-      </p:nvGrpSpPr>
-      <p:grpSpPr>
-        <a:xfrm>
-          <a:off x="0" y="0"/>
-          <a:ext cx="0" cy="0"/>
-          <a:chOff x="0" y="0"/>
-          <a:chExt cx="0" cy="0"/>
-        </a:xfrm>
-      </p:grpSpPr>
-      <p:sp>
-        <p:nvSpPr>
-          <p:cNvPr id="2" name="Title 1"/>
-          <p:cNvSpPr>
-            <a:spLocks noGrp="1"/>
-          </p:cNvSpPr>
-          <p:nvPr>
-            <p:ph type="title"/>
-          </p:nvPr>
-        </p:nvSpPr>
-        <p:spPr/>
-        <p:txBody>
-          <a:bodyPr/>
-          <a:lstStyle/>
-          <a:p>
-            <a:r>
-              <a:rPr lang="en-US" dirty="0">
-                <a:latin typeface="Segoe UI Black" panose="020B0A02040204020203" pitchFamily="34" charset="0"/>
-                <a:ea typeface="Segoe UI Black" panose="020B0A02040204020203" pitchFamily="34" charset="0"/>
-                <a:cs typeface="Segoe UI Black" panose="020B0A02040204020203" pitchFamily="34" charset="0"/>
-              </a:rPr>
-              <a:t>Classification</a:t>
-            </a:r>
-          </a:p>
-        </p:txBody>
-      </p:sp>
-      <p:sp>
-        <p:nvSpPr>
-          <p:cNvPr id="3" name="Content Placeholder 2"/>
-          <p:cNvSpPr>
-            <a:spLocks noGrp="1"/>
-          </p:cNvSpPr>
-          <p:nvPr>
-            <p:ph idx="1"/>
-          </p:nvPr>
-        </p:nvSpPr>
-        <p:spPr/>
-        <p:txBody>
-          <a:bodyPr>
-            <a:normAutofit fontScale="92500" lnSpcReduction="10000"/>
-          </a:bodyPr>
-          <a:lstStyle/>
-          <a:p>
-            <a:r>
-              <a:rPr lang="en-US" dirty="0">
-                <a:latin typeface="Segoe UI Light" panose="020B0502040204020203" pitchFamily="34" charset="0"/>
-                <a:cs typeface="Segoe UI Light" panose="020B0502040204020203" pitchFamily="34" charset="0"/>
-              </a:rPr>
-              <a:t>6 Classification Models</a:t>
-            </a:r>
-          </a:p>
-          <a:p>
-            <a:pPr lvl="1"/>
-            <a:r>
-              <a:rPr lang="en-US" dirty="0">
-                <a:latin typeface="Segoe UI Light" panose="020B0502040204020203" pitchFamily="34" charset="0"/>
-                <a:cs typeface="Segoe UI Light" panose="020B0502040204020203" pitchFamily="34" charset="0"/>
-              </a:rPr>
-              <a:t>Logistic Regression</a:t>
-            </a:r>
-          </a:p>
-          <a:p>
-            <a:pPr lvl="1"/>
-            <a:r>
-              <a:rPr lang="en-US" dirty="0">
-                <a:latin typeface="Segoe UI Light" panose="020B0502040204020203" pitchFamily="34" charset="0"/>
-                <a:cs typeface="Segoe UI Light" panose="020B0502040204020203" pitchFamily="34" charset="0"/>
-              </a:rPr>
-              <a:t>Linear Discriminant Analysis</a:t>
-            </a:r>
-          </a:p>
-          <a:p>
-            <a:pPr lvl="1"/>
-            <a:r>
-              <a:rPr lang="en-US" dirty="0">
-                <a:latin typeface="Segoe UI Light" panose="020B0502040204020203" pitchFamily="34" charset="0"/>
-                <a:cs typeface="Segoe UI Light" panose="020B0502040204020203" pitchFamily="34" charset="0"/>
-              </a:rPr>
-              <a:t>K Nearest Neighbor Classification</a:t>
-            </a:r>
-          </a:p>
-          <a:p>
-            <a:pPr lvl="1"/>
-            <a:r>
-              <a:rPr lang="en-US" dirty="0">
-                <a:latin typeface="Segoe UI Light" panose="020B0502040204020203" pitchFamily="34" charset="0"/>
-                <a:cs typeface="Segoe UI Light" panose="020B0502040204020203" pitchFamily="34" charset="0"/>
-              </a:rPr>
-              <a:t>Decision Trees</a:t>
-            </a:r>
-          </a:p>
-          <a:p>
-            <a:pPr lvl="1"/>
-            <a:r>
-              <a:rPr lang="en-US" dirty="0">
-                <a:latin typeface="Segoe UI Light" panose="020B0502040204020203" pitchFamily="34" charset="0"/>
-                <a:cs typeface="Segoe UI Light" panose="020B0502040204020203" pitchFamily="34" charset="0"/>
-              </a:rPr>
-              <a:t>Naive Bayes</a:t>
-            </a:r>
-          </a:p>
-          <a:p>
-            <a:pPr lvl="1"/>
-            <a:r>
-              <a:rPr lang="en-US" dirty="0">
-                <a:latin typeface="Segoe UI Light" panose="020B0502040204020203" pitchFamily="34" charset="0"/>
-                <a:cs typeface="Segoe UI Light" panose="020B0502040204020203" pitchFamily="34" charset="0"/>
-              </a:rPr>
-              <a:t>Support Vector Classifier</a:t>
-            </a:r>
-          </a:p>
-          <a:p>
-            <a:pPr lvl="1"/>
-            <a:endParaRPr lang="en-US" dirty="0">
-              <a:latin typeface="Segoe UI Light" panose="020B0502040204020203" pitchFamily="34" charset="0"/>
-              <a:cs typeface="Segoe UI Light" panose="020B0502040204020203" pitchFamily="34" charset="0"/>
-            </a:endParaRPr>
-          </a:p>
-          <a:p>
-            <a:r>
-              <a:rPr lang="en-US" dirty="0">
-                <a:latin typeface="Segoe UI Light" panose="020B0502040204020203" pitchFamily="34" charset="0"/>
-                <a:cs typeface="Segoe UI Light" panose="020B0502040204020203" pitchFamily="34" charset="0"/>
-              </a:rPr>
-              <a:t>Three sets of Features:</a:t>
-            </a:r>
-          </a:p>
-          <a:p>
-            <a:pPr lvl="1"/>
-            <a:r>
-              <a:rPr lang="en-US" dirty="0">
-                <a:latin typeface="Segoe UI Light" panose="020B0502040204020203" pitchFamily="34" charset="0"/>
-                <a:cs typeface="Segoe UI Light" panose="020B0502040204020203" pitchFamily="34" charset="0"/>
-              </a:rPr>
-              <a:t>X1 = Topics Only (300 Variables) </a:t>
-            </a:r>
-          </a:p>
-          <a:p>
-            <a:pPr lvl="1"/>
-            <a:r>
-              <a:rPr lang="en-US" dirty="0">
-                <a:latin typeface="Segoe UI Light" panose="020B0502040204020203" pitchFamily="34" charset="0"/>
-                <a:cs typeface="Segoe UI Light" panose="020B0502040204020203" pitchFamily="34" charset="0"/>
-              </a:rPr>
-              <a:t>X2 = Topics + Parts of Speech Metrics (300 + 4) </a:t>
-            </a:r>
-          </a:p>
-          <a:p>
-            <a:pPr lvl="1"/>
-            <a:r>
-              <a:rPr lang="en-US" dirty="0">
-                <a:latin typeface="Segoe UI Light" panose="020B0502040204020203" pitchFamily="34" charset="0"/>
-                <a:cs typeface="Segoe UI Light" panose="020B0502040204020203" pitchFamily="34" charset="0"/>
-              </a:rPr>
-              <a:t>X3 = Topics + Parts of Speech Metrics + Dummy Variables (300 + 4 + 22)</a:t>
-            </a:r>
-          </a:p>
-          <a:p>
-            <a:pPr lvl="1"/>
-            <a:endParaRPr lang="en-US" dirty="0">
-              <a:latin typeface="Segoe UI Light" panose="020B0502040204020203" pitchFamily="34" charset="0"/>
-              <a:cs typeface="Segoe UI Light" panose="020B0502040204020203" pitchFamily="34" charset="0"/>
-            </a:endParaRPr>
-          </a:p>
-        </p:txBody>
-      </p:sp>
-    </p:spTree>
-    <p:extLst>
-      <p:ext uri="{BB962C8B-B14F-4D97-AF65-F5344CB8AC3E}">
-        <p14:creationId xmlns:p14="http://schemas.microsoft.com/office/powerpoint/2010/main" val="911059835"/>
-      </p:ext>
-    </p:extLst>
-  </p:cSld>
-  <p:clrMapOvr>
-    <a:masterClrMapping/>
-  </p:clrMapOvr>
-</p:sld>
-</file>
-
-<file path=ppt/slides/slide13.xml><?xml version="1.0" encoding="utf-8"?>
-<p:sld xmlns:a="http://schemas.openxmlformats.org/drawingml/2006/main" xmlns:r="http://schemas.openxmlformats.org/officeDocument/2006/relationships" xmlns:p="http://schemas.openxmlformats.org/presentationml/2006/main">
-  <p:cSld>
-    <p:spTree>
-      <p:nvGrpSpPr>
-        <p:cNvPr id="1" name=""/>
-        <p:cNvGrpSpPr/>
-        <p:nvPr/>
-      </p:nvGrpSpPr>
-      <p:grpSpPr>
-        <a:xfrm>
-          <a:off x="0" y="0"/>
-          <a:ext cx="0" cy="0"/>
-          <a:chOff x="0" y="0"/>
-          <a:chExt cx="0" cy="0"/>
-        </a:xfrm>
-      </p:grpSpPr>
-      <p:sp>
-        <p:nvSpPr>
-          <p:cNvPr id="2" name="Title 1"/>
-          <p:cNvSpPr>
-            <a:spLocks noGrp="1"/>
-          </p:cNvSpPr>
-          <p:nvPr>
-            <p:ph type="title"/>
-          </p:nvPr>
-        </p:nvSpPr>
-        <p:spPr/>
-        <p:txBody>
-          <a:bodyPr/>
-          <a:lstStyle/>
-          <a:p>
-            <a:r>
-              <a:rPr lang="en-US" dirty="0">
-                <a:latin typeface="Segoe UI Black" panose="020B0A02040204020203" pitchFamily="34" charset="0"/>
-                <a:ea typeface="Segoe UI Black" panose="020B0A02040204020203" pitchFamily="34" charset="0"/>
-                <a:cs typeface="Segoe UI Black" panose="020B0A02040204020203" pitchFamily="34" charset="0"/>
-              </a:rPr>
-              <a:t>Results (1)</a:t>
-            </a:r>
-          </a:p>
-        </p:txBody>
-      </p:sp>
-      <p:pic>
-        <p:nvPicPr>
-          <p:cNvPr id="6" name="Content Placeholder 5"/>
-          <p:cNvPicPr>
-            <a:picLocks noGrp="1" noChangeAspect="1"/>
-          </p:cNvPicPr>
-          <p:nvPr>
-            <p:ph idx="1"/>
-          </p:nvPr>
-        </p:nvPicPr>
-        <p:blipFill>
-          <a:blip r:embed="rId2">
-            <a:extLst>
-              <a:ext uri="{28A0092B-C50C-407E-A947-70E740481C1C}">
-                <a14:useLocalDpi xmlns:a14="http://schemas.microsoft.com/office/drawing/2010/main" val="0"/>
-              </a:ext>
-            </a:extLst>
-          </a:blip>
-          <a:stretch>
-            <a:fillRect/>
-          </a:stretch>
-        </p:blipFill>
-        <p:spPr>
-          <a:xfrm>
-            <a:off x="8773631" y="2235262"/>
-            <a:ext cx="3060064" cy="3195183"/>
-          </a:xfrm>
-        </p:spPr>
-      </p:pic>
-      <p:pic>
-        <p:nvPicPr>
-          <p:cNvPr id="8" name="Picture 7"/>
-          <p:cNvPicPr>
-            <a:picLocks noChangeAspect="1"/>
-          </p:cNvPicPr>
-          <p:nvPr/>
-        </p:nvPicPr>
-        <p:blipFill>
-          <a:blip r:embed="rId3">
-            <a:extLst>
-              <a:ext uri="{28A0092B-C50C-407E-A947-70E740481C1C}">
-                <a14:useLocalDpi xmlns:a14="http://schemas.microsoft.com/office/drawing/2010/main" val="0"/>
-              </a:ext>
-            </a:extLst>
-          </a:blip>
-          <a:stretch>
-            <a:fillRect/>
-          </a:stretch>
-        </p:blipFill>
-        <p:spPr>
-          <a:xfrm>
-            <a:off x="1157891" y="2219338"/>
-            <a:ext cx="3107753" cy="3211080"/>
-          </a:xfrm>
-          <a:prstGeom prst="rect">
-            <a:avLst/>
-          </a:prstGeom>
-        </p:spPr>
-      </p:pic>
-      <p:pic>
-        <p:nvPicPr>
-          <p:cNvPr id="10" name="Picture 9"/>
-          <p:cNvPicPr>
-            <a:picLocks noChangeAspect="1"/>
-          </p:cNvPicPr>
-          <p:nvPr/>
-        </p:nvPicPr>
-        <p:blipFill>
-          <a:blip r:embed="rId4">
-            <a:extLst>
-              <a:ext uri="{28A0092B-C50C-407E-A947-70E740481C1C}">
-                <a14:useLocalDpi xmlns:a14="http://schemas.microsoft.com/office/drawing/2010/main" val="0"/>
-              </a:ext>
-            </a:extLst>
-          </a:blip>
-          <a:stretch>
-            <a:fillRect/>
-          </a:stretch>
-        </p:blipFill>
-        <p:spPr>
-          <a:xfrm>
-            <a:off x="4907336" y="2237999"/>
-            <a:ext cx="3091857" cy="3091857"/>
-          </a:xfrm>
-          <a:prstGeom prst="rect">
-            <a:avLst/>
-          </a:prstGeom>
-        </p:spPr>
-      </p:pic>
-      <p:sp>
-        <p:nvSpPr>
-          <p:cNvPr id="12" name="Rectangle 11"/>
-          <p:cNvSpPr/>
-          <p:nvPr/>
-        </p:nvSpPr>
-        <p:spPr>
-          <a:xfrm>
-            <a:off x="263313" y="1453301"/>
-            <a:ext cx="3660711" cy="400110"/>
-          </a:xfrm>
-          <a:prstGeom prst="rect">
-            <a:avLst/>
-          </a:prstGeom>
-        </p:spPr>
-        <p:txBody>
-          <a:bodyPr wrap="square">
-            <a:spAutoFit/>
-          </a:bodyPr>
-          <a:lstStyle/>
-          <a:p>
-            <a:pPr lvl="1" algn="ctr"/>
-            <a:r>
-              <a:rPr lang="en-US" sz="2000" dirty="0">
-                <a:latin typeface="Segoe UI Light" panose="020B0502040204020203" pitchFamily="34" charset="0"/>
-                <a:cs typeface="Segoe UI Light" panose="020B0502040204020203" pitchFamily="34" charset="0"/>
-              </a:rPr>
-              <a:t>Topics Only</a:t>
-            </a:r>
-          </a:p>
-        </p:txBody>
-      </p:sp>
-      <p:sp>
-        <p:nvSpPr>
-          <p:cNvPr id="13" name="Rectangle 12"/>
-          <p:cNvSpPr/>
-          <p:nvPr/>
-        </p:nvSpPr>
-        <p:spPr>
-          <a:xfrm>
-            <a:off x="4265644" y="1290023"/>
-            <a:ext cx="3660711" cy="707886"/>
-          </a:xfrm>
-          <a:prstGeom prst="rect">
-            <a:avLst/>
-          </a:prstGeom>
-        </p:spPr>
-        <p:txBody>
-          <a:bodyPr wrap="square">
-            <a:spAutoFit/>
-          </a:bodyPr>
-          <a:lstStyle/>
-          <a:p>
-            <a:pPr algn="ctr"/>
-            <a:r>
-              <a:rPr lang="en-US" sz="2000" dirty="0">
-                <a:latin typeface="Segoe UI Light" panose="020B0502040204020203" pitchFamily="34" charset="0"/>
-                <a:cs typeface="Segoe UI Light" panose="020B0502040204020203" pitchFamily="34" charset="0"/>
-              </a:rPr>
-              <a:t>Previous + Parts of Speech Metrics</a:t>
-            </a:r>
-          </a:p>
-        </p:txBody>
-      </p:sp>
-      <p:sp>
-        <p:nvSpPr>
-          <p:cNvPr id="14" name="Rectangle 13"/>
-          <p:cNvSpPr/>
-          <p:nvPr/>
-        </p:nvSpPr>
-        <p:spPr>
-          <a:xfrm>
-            <a:off x="8340009" y="1451250"/>
-            <a:ext cx="3660711" cy="400110"/>
-          </a:xfrm>
-          <a:prstGeom prst="rect">
-            <a:avLst/>
-          </a:prstGeom>
-        </p:spPr>
-        <p:txBody>
-          <a:bodyPr wrap="square">
-            <a:spAutoFit/>
-          </a:bodyPr>
-          <a:lstStyle/>
-          <a:p>
-            <a:pPr algn="ctr"/>
-            <a:r>
-              <a:rPr lang="en-US" sz="2000" dirty="0">
-                <a:latin typeface="Segoe UI Light" panose="020B0502040204020203" pitchFamily="34" charset="0"/>
-                <a:cs typeface="Segoe UI Light" panose="020B0502040204020203" pitchFamily="34" charset="0"/>
-              </a:rPr>
-              <a:t>Previous + Dummy Variables</a:t>
-            </a:r>
-          </a:p>
-        </p:txBody>
-      </p:sp>
-      <p:sp>
-        <p:nvSpPr>
-          <p:cNvPr id="15" name="Rectangle 14"/>
-          <p:cNvSpPr/>
-          <p:nvPr/>
-        </p:nvSpPr>
-        <p:spPr>
-          <a:xfrm>
-            <a:off x="4891533" y="3081610"/>
-            <a:ext cx="3245016" cy="3543548"/>
-          </a:xfrm>
-          <a:prstGeom prst="rect">
-            <a:avLst/>
-          </a:prstGeom>
-          <a:solidFill>
-            <a:schemeClr val="bg2">
-              <a:alpha val="33000"/>
-            </a:schemeClr>
-          </a:solidFill>
-          <a:ln>
-            <a:noFill/>
-          </a:ln>
-        </p:spPr>
-        <p:style>
-          <a:lnRef idx="2">
-            <a:schemeClr val="accent1">
-              <a:shade val="50000"/>
-            </a:schemeClr>
-          </a:lnRef>
-          <a:fillRef idx="1">
-            <a:schemeClr val="accent1"/>
-          </a:fillRef>
-          <a:effectRef idx="0">
-            <a:schemeClr val="accent1"/>
-          </a:effectRef>
-          <a:fontRef idx="minor">
-            <a:schemeClr val="lt1"/>
-          </a:fontRef>
-        </p:style>
-        <p:txBody>
-          <a:bodyPr rtlCol="0" anchor="ctr"/>
-          <a:lstStyle/>
-          <a:p>
-            <a:pPr algn="ctr"/>
-            <a:r>
-              <a:rPr lang="en-US">
-                <a:latin typeface="Segoe UI Light" panose="020B0502040204020203" pitchFamily="34" charset="0"/>
-                <a:cs typeface="Segoe UI Light" panose="020B0502040204020203" pitchFamily="34" charset="0"/>
-              </a:rPr>
-              <a:t>Previous + Parts of Speech Metrics</a:t>
-            </a:r>
-            <a:endParaRPr lang="en-US" dirty="0">
-              <a:latin typeface="Segoe UI Light" panose="020B0502040204020203" pitchFamily="34" charset="0"/>
-              <a:cs typeface="Segoe UI Light" panose="020B0502040204020203" pitchFamily="34" charset="0"/>
-            </a:endParaRPr>
-          </a:p>
-        </p:txBody>
-      </p:sp>
-      <p:sp>
-        <p:nvSpPr>
-          <p:cNvPr id="11" name="Rectangle 10"/>
-          <p:cNvSpPr/>
-          <p:nvPr/>
-        </p:nvSpPr>
-        <p:spPr>
-          <a:xfrm>
-            <a:off x="1157891" y="2387750"/>
-            <a:ext cx="9615711" cy="157470"/>
-          </a:xfrm>
-          <a:prstGeom prst="rect">
-            <a:avLst/>
-          </a:prstGeom>
-          <a:noFill/>
-          <a:ln w="19050">
-            <a:solidFill>
-              <a:schemeClr val="tx1"/>
-            </a:solidFill>
-            <a:prstDash val="dash"/>
-          </a:ln>
-        </p:spPr>
-        <p:style>
-          <a:lnRef idx="2">
-            <a:schemeClr val="accent1">
-              <a:shade val="50000"/>
-            </a:schemeClr>
-          </a:lnRef>
-          <a:fillRef idx="1">
-            <a:schemeClr val="accent1"/>
-          </a:fillRef>
-          <a:effectRef idx="0">
-            <a:schemeClr val="accent1"/>
-          </a:effectRef>
-          <a:fontRef idx="minor">
-            <a:schemeClr val="lt1"/>
-          </a:fontRef>
-        </p:style>
-        <p:txBody>
-          <a:bodyPr rtlCol="0" anchor="ctr"/>
-          <a:lstStyle/>
-          <a:p>
-            <a:pPr algn="ctr"/>
-            <a:endParaRPr lang="en-US"/>
-          </a:p>
-        </p:txBody>
-      </p:sp>
-      <p:sp>
-        <p:nvSpPr>
-          <p:cNvPr id="16" name="Rectangle 15"/>
-          <p:cNvSpPr/>
-          <p:nvPr/>
-        </p:nvSpPr>
-        <p:spPr>
-          <a:xfrm>
-            <a:off x="5243414" y="5569946"/>
-            <a:ext cx="2419700" cy="646331"/>
-          </a:xfrm>
-          <a:prstGeom prst="rect">
-            <a:avLst/>
-          </a:prstGeom>
-        </p:spPr>
-        <p:txBody>
-          <a:bodyPr wrap="none">
-            <a:spAutoFit/>
-          </a:bodyPr>
-          <a:lstStyle/>
-          <a:p>
-            <a:pPr algn="ctr"/>
-            <a:r>
-              <a:rPr lang="en-US" dirty="0">
-                <a:latin typeface="Segoe UI Light" panose="020B0502040204020203" pitchFamily="34" charset="0"/>
-                <a:cs typeface="Segoe UI Light" panose="020B0502040204020203" pitchFamily="34" charset="0"/>
-              </a:rPr>
-              <a:t>Feature Set 2 + </a:t>
-            </a:r>
-          </a:p>
-          <a:p>
-            <a:pPr algn="ctr"/>
-            <a:r>
-              <a:rPr lang="en-US" dirty="0">
-                <a:latin typeface="Segoe UI Light" panose="020B0502040204020203" pitchFamily="34" charset="0"/>
-                <a:cs typeface="Segoe UI Light" panose="020B0502040204020203" pitchFamily="34" charset="0"/>
-              </a:rPr>
-              <a:t>LDA performs the best.</a:t>
-            </a:r>
-          </a:p>
-        </p:txBody>
-      </p:sp>
-    </p:spTree>
-    <p:extLst>
-      <p:ext uri="{BB962C8B-B14F-4D97-AF65-F5344CB8AC3E}">
-        <p14:creationId xmlns:p14="http://schemas.microsoft.com/office/powerpoint/2010/main" val="3506936492"/>
-      </p:ext>
-    </p:extLst>
-  </p:cSld>
-  <p:clrMapOvr>
-    <a:masterClrMapping/>
-  </p:clrMapOvr>
-</p:sld>
-</file>
-
-<file path=ppt/slides/slide14.xml><?xml version="1.0" encoding="utf-8"?>
-<p:sld xmlns:a="http://schemas.openxmlformats.org/drawingml/2006/main" xmlns:r="http://schemas.openxmlformats.org/officeDocument/2006/relationships" xmlns:p="http://schemas.openxmlformats.org/presentationml/2006/main">
-  <p:cSld>
-    <p:spTree>
-      <p:nvGrpSpPr>
-        <p:cNvPr id="1" name=""/>
-        <p:cNvGrpSpPr/>
-        <p:nvPr/>
-      </p:nvGrpSpPr>
-      <p:grpSpPr>
-        <a:xfrm>
-          <a:off x="0" y="0"/>
-          <a:ext cx="0" cy="0"/>
-          <a:chOff x="0" y="0"/>
-          <a:chExt cx="0" cy="0"/>
-        </a:xfrm>
-      </p:grpSpPr>
-      <p:sp>
-        <p:nvSpPr>
-          <p:cNvPr id="2" name="Title 1"/>
-          <p:cNvSpPr>
-            <a:spLocks noGrp="1"/>
-          </p:cNvSpPr>
-          <p:nvPr>
-            <p:ph type="title"/>
-          </p:nvPr>
-        </p:nvSpPr>
-        <p:spPr/>
-        <p:txBody>
-          <a:bodyPr/>
-          <a:lstStyle/>
-          <a:p>
-            <a:r>
-              <a:rPr lang="en-US" dirty="0">
-                <a:latin typeface="Segoe UI Black" panose="020B0A02040204020203" pitchFamily="34" charset="0"/>
-                <a:ea typeface="Segoe UI Black" panose="020B0A02040204020203" pitchFamily="34" charset="0"/>
-                <a:cs typeface="Segoe UI Black" panose="020B0A02040204020203" pitchFamily="34" charset="0"/>
-              </a:rPr>
-              <a:t>Results (2)</a:t>
-            </a:r>
-          </a:p>
-        </p:txBody>
-      </p:sp>
-      <p:sp>
-        <p:nvSpPr>
-          <p:cNvPr id="3" name="Content Placeholder 2"/>
-          <p:cNvSpPr>
-            <a:spLocks noGrp="1"/>
-          </p:cNvSpPr>
-          <p:nvPr>
-            <p:ph idx="1"/>
-          </p:nvPr>
-        </p:nvSpPr>
-        <p:spPr>
-          <a:xfrm>
-            <a:off x="4572000" y="1825625"/>
-            <a:ext cx="6781800" cy="4351338"/>
-          </a:xfrm>
-        </p:spPr>
-        <p:txBody>
-          <a:bodyPr/>
-          <a:lstStyle/>
-          <a:p>
-            <a:pPr marL="0" indent="0">
-              <a:buNone/>
-            </a:pPr>
-            <a:r>
-              <a:rPr lang="en-US" dirty="0">
-                <a:latin typeface="Segoe UI Black" panose="020B0A02040204020203" pitchFamily="34" charset="0"/>
-                <a:ea typeface="Segoe UI Black" panose="020B0A02040204020203" pitchFamily="34" charset="0"/>
-                <a:cs typeface="Segoe UI Black" panose="020B0A02040204020203" pitchFamily="34" charset="0"/>
-              </a:rPr>
-              <a:t>10 Fold Cross Validation Test Results: </a:t>
-            </a:r>
-          </a:p>
-          <a:p>
-            <a:pPr marL="0" indent="0" algn="ctr">
-              <a:buNone/>
-            </a:pPr>
-            <a:endParaRPr lang="en-US" dirty="0">
-              <a:latin typeface="Segoe UI Light" panose="020B0502040204020203" pitchFamily="34" charset="0"/>
-              <a:cs typeface="Segoe UI Light" panose="020B0502040204020203" pitchFamily="34" charset="0"/>
-            </a:endParaRPr>
-          </a:p>
-          <a:p>
-            <a:pPr marL="0" indent="0" algn="ctr">
-              <a:buNone/>
-            </a:pPr>
-            <a:r>
-              <a:rPr lang="en-US" dirty="0">
-                <a:latin typeface="Segoe UI Light" panose="020B0502040204020203" pitchFamily="34" charset="0"/>
-                <a:cs typeface="Segoe UI Light" panose="020B0502040204020203" pitchFamily="34" charset="0"/>
-              </a:rPr>
-              <a:t>Accuracy: 82.25%</a:t>
-            </a:r>
-          </a:p>
-          <a:p>
-            <a:pPr marL="0" indent="0">
-              <a:buNone/>
-            </a:pPr>
-            <a:endParaRPr lang="en-US" dirty="0">
-              <a:latin typeface="Segoe UI Light" panose="020B0502040204020203" pitchFamily="34" charset="0"/>
-              <a:cs typeface="Segoe UI Light" panose="020B0502040204020203" pitchFamily="34" charset="0"/>
-            </a:endParaRPr>
-          </a:p>
-          <a:p>
-            <a:pPr marL="0" indent="0">
-              <a:buNone/>
-            </a:pPr>
-            <a:r>
-              <a:rPr lang="en-US" dirty="0">
-                <a:latin typeface="Segoe UI Black" panose="020B0A02040204020203" pitchFamily="34" charset="0"/>
-                <a:ea typeface="Segoe UI Black" panose="020B0A02040204020203" pitchFamily="34" charset="0"/>
-                <a:cs typeface="Segoe UI Black" panose="020B0A02040204020203" pitchFamily="34" charset="0"/>
-              </a:rPr>
-              <a:t>Confusion Matrix </a:t>
-            </a:r>
-            <a:r>
-              <a:rPr lang="en-US" b="1" dirty="0">
-                <a:latin typeface="Segoe UI Black" panose="020B0A02040204020203" pitchFamily="34" charset="0"/>
-                <a:ea typeface="Segoe UI Black" panose="020B0A02040204020203" pitchFamily="34" charset="0"/>
-                <a:cs typeface="Segoe UI Black" panose="020B0A02040204020203" pitchFamily="34" charset="0"/>
-              </a:rPr>
-              <a:t>on Entire Dataset:</a:t>
-            </a:r>
-          </a:p>
-        </p:txBody>
-      </p:sp>
-      <p:pic>
-        <p:nvPicPr>
-          <p:cNvPr id="17" name="Picture 16"/>
-          <p:cNvPicPr>
-            <a:picLocks noChangeAspect="1"/>
-          </p:cNvPicPr>
-          <p:nvPr/>
-        </p:nvPicPr>
-        <p:blipFill>
-          <a:blip r:embed="rId2">
-            <a:extLst>
-              <a:ext uri="{28A0092B-C50C-407E-A947-70E740481C1C}">
-                <a14:useLocalDpi xmlns:a14="http://schemas.microsoft.com/office/drawing/2010/main" val="0"/>
-              </a:ext>
-            </a:extLst>
-          </a:blip>
-          <a:stretch>
-            <a:fillRect/>
-          </a:stretch>
-        </p:blipFill>
-        <p:spPr>
-          <a:xfrm>
-            <a:off x="640136" y="1825625"/>
-            <a:ext cx="3091857" cy="3091857"/>
-          </a:xfrm>
-          <a:prstGeom prst="rect">
-            <a:avLst/>
-          </a:prstGeom>
-        </p:spPr>
-      </p:pic>
-      <p:sp>
-        <p:nvSpPr>
-          <p:cNvPr id="18" name="Rectangle 17"/>
-          <p:cNvSpPr/>
-          <p:nvPr/>
-        </p:nvSpPr>
-        <p:spPr>
-          <a:xfrm>
-            <a:off x="624333" y="4917482"/>
-            <a:ext cx="3245016" cy="1295302"/>
-          </a:xfrm>
-          <a:prstGeom prst="rect">
-            <a:avLst/>
-          </a:prstGeom>
-          <a:solidFill>
-            <a:schemeClr val="bg2">
-              <a:alpha val="33000"/>
-            </a:schemeClr>
-          </a:solidFill>
-          <a:ln>
-            <a:noFill/>
-          </a:ln>
-        </p:spPr>
-        <p:style>
-          <a:lnRef idx="2">
-            <a:schemeClr val="accent1">
-              <a:shade val="50000"/>
-            </a:schemeClr>
-          </a:lnRef>
-          <a:fillRef idx="1">
-            <a:schemeClr val="accent1"/>
-          </a:fillRef>
-          <a:effectRef idx="0">
-            <a:schemeClr val="accent1"/>
-          </a:effectRef>
-          <a:fontRef idx="minor">
-            <a:schemeClr val="lt1"/>
-          </a:fontRef>
-        </p:style>
-        <p:txBody>
-          <a:bodyPr rtlCol="0" anchor="ctr"/>
-          <a:lstStyle/>
-          <a:p>
-            <a:pPr algn="ctr"/>
-            <a:r>
-              <a:rPr lang="en-US" dirty="0">
-                <a:latin typeface="Segoe UI Light" panose="020B0502040204020203" pitchFamily="34" charset="0"/>
-                <a:cs typeface="Segoe UI Light" panose="020B0502040204020203" pitchFamily="34" charset="0"/>
-              </a:rPr>
-              <a:t>Previous + Parts of Speech Metrics</a:t>
-            </a:r>
-          </a:p>
-        </p:txBody>
-      </p:sp>
-      <p:sp>
-        <p:nvSpPr>
-          <p:cNvPr id="19" name="Rectangle 18"/>
-          <p:cNvSpPr/>
-          <p:nvPr/>
-        </p:nvSpPr>
-        <p:spPr>
-          <a:xfrm>
-            <a:off x="976214" y="5157572"/>
-            <a:ext cx="2419700" cy="646331"/>
-          </a:xfrm>
-          <a:prstGeom prst="rect">
-            <a:avLst/>
-          </a:prstGeom>
-        </p:spPr>
-        <p:txBody>
-          <a:bodyPr wrap="none">
-            <a:spAutoFit/>
-          </a:bodyPr>
-          <a:lstStyle/>
-          <a:p>
-            <a:pPr algn="ctr"/>
-            <a:r>
-              <a:rPr lang="en-US" dirty="0">
-                <a:latin typeface="Segoe UI Light" panose="020B0502040204020203" pitchFamily="34" charset="0"/>
-                <a:cs typeface="Segoe UI Light" panose="020B0502040204020203" pitchFamily="34" charset="0"/>
-              </a:rPr>
-              <a:t>Feature Set 2 + </a:t>
-            </a:r>
-          </a:p>
-          <a:p>
-            <a:pPr algn="ctr"/>
-            <a:r>
-              <a:rPr lang="en-US" dirty="0">
-                <a:latin typeface="Segoe UI Light" panose="020B0502040204020203" pitchFamily="34" charset="0"/>
-                <a:cs typeface="Segoe UI Light" panose="020B0502040204020203" pitchFamily="34" charset="0"/>
-              </a:rPr>
-              <a:t>LDA performs the best.</a:t>
-            </a:r>
-          </a:p>
-        </p:txBody>
-      </p:sp>
-      <p:sp>
-        <p:nvSpPr>
-          <p:cNvPr id="20" name="Rectangle 19"/>
-          <p:cNvSpPr/>
-          <p:nvPr/>
-        </p:nvSpPr>
-        <p:spPr>
-          <a:xfrm>
-            <a:off x="624333" y="1978383"/>
-            <a:ext cx="3245016" cy="134386"/>
-          </a:xfrm>
-          <a:prstGeom prst="rect">
-            <a:avLst/>
-          </a:prstGeom>
-          <a:solidFill>
-            <a:schemeClr val="bg2">
-              <a:alpha val="33000"/>
-            </a:schemeClr>
-          </a:solidFill>
-          <a:ln>
-            <a:noFill/>
-          </a:ln>
-        </p:spPr>
-        <p:style>
-          <a:lnRef idx="2">
-            <a:schemeClr val="accent1">
-              <a:shade val="50000"/>
-            </a:schemeClr>
-          </a:lnRef>
-          <a:fillRef idx="1">
-            <a:schemeClr val="accent1"/>
-          </a:fillRef>
-          <a:effectRef idx="0">
-            <a:schemeClr val="accent1"/>
-          </a:effectRef>
-          <a:fontRef idx="minor">
-            <a:schemeClr val="lt1"/>
-          </a:fontRef>
-        </p:style>
-        <p:txBody>
-          <a:bodyPr rtlCol="0" anchor="ctr"/>
-          <a:lstStyle/>
-          <a:p>
-            <a:pPr algn="ctr"/>
-            <a:endParaRPr lang="en-US" dirty="0">
-              <a:latin typeface="Segoe UI Light" panose="020B0502040204020203" pitchFamily="34" charset="0"/>
-              <a:cs typeface="Segoe UI Light" panose="020B0502040204020203" pitchFamily="34" charset="0"/>
-            </a:endParaRPr>
-          </a:p>
-        </p:txBody>
-      </p:sp>
-      <p:pic>
-        <p:nvPicPr>
-          <p:cNvPr id="4" name="Picture 3"/>
-          <p:cNvPicPr>
-            <a:picLocks noChangeAspect="1"/>
-          </p:cNvPicPr>
-          <p:nvPr/>
-        </p:nvPicPr>
-        <p:blipFill>
-          <a:blip r:embed="rId3"/>
-          <a:stretch>
-            <a:fillRect/>
-          </a:stretch>
-        </p:blipFill>
-        <p:spPr>
-          <a:xfrm>
-            <a:off x="4838700" y="4441010"/>
-            <a:ext cx="5981700" cy="1676400"/>
-          </a:xfrm>
-          <a:prstGeom prst="rect">
-            <a:avLst/>
-          </a:prstGeom>
-        </p:spPr>
-      </p:pic>
-      <p:sp>
-        <p:nvSpPr>
-          <p:cNvPr id="21" name="Rectangle 20"/>
-          <p:cNvSpPr/>
-          <p:nvPr/>
-        </p:nvSpPr>
-        <p:spPr>
-          <a:xfrm>
-            <a:off x="1370098" y="3002956"/>
-            <a:ext cx="506327" cy="1914525"/>
-          </a:xfrm>
-          <a:prstGeom prst="rect">
-            <a:avLst/>
-          </a:prstGeom>
-          <a:solidFill>
-            <a:schemeClr val="bg2">
-              <a:alpha val="33000"/>
-            </a:schemeClr>
-          </a:solidFill>
-          <a:ln>
-            <a:noFill/>
-          </a:ln>
-        </p:spPr>
-        <p:style>
-          <a:lnRef idx="2">
-            <a:schemeClr val="accent1">
-              <a:shade val="50000"/>
-            </a:schemeClr>
-          </a:lnRef>
-          <a:fillRef idx="1">
-            <a:schemeClr val="accent1"/>
-          </a:fillRef>
-          <a:effectRef idx="0">
-            <a:schemeClr val="accent1"/>
-          </a:effectRef>
-          <a:fontRef idx="minor">
-            <a:schemeClr val="lt1"/>
-          </a:fontRef>
-        </p:style>
-        <p:txBody>
-          <a:bodyPr rtlCol="0" anchor="ctr"/>
-          <a:lstStyle/>
-          <a:p>
-            <a:pPr algn="ctr"/>
-            <a:endParaRPr lang="en-US" dirty="0">
-              <a:latin typeface="Segoe UI Light" panose="020B0502040204020203" pitchFamily="34" charset="0"/>
-              <a:cs typeface="Segoe UI Light" panose="020B0502040204020203" pitchFamily="34" charset="0"/>
-            </a:endParaRPr>
-          </a:p>
-        </p:txBody>
-      </p:sp>
-    </p:spTree>
-    <p:extLst>
-      <p:ext uri="{BB962C8B-B14F-4D97-AF65-F5344CB8AC3E}">
-        <p14:creationId xmlns:p14="http://schemas.microsoft.com/office/powerpoint/2010/main" val="1772394101"/>
-      </p:ext>
-    </p:extLst>
-  </p:cSld>
-  <p:clrMapOvr>
-    <a:masterClrMapping/>
-  </p:clrMapOvr>
-</p:sld>
-</file>
-
-<file path=ppt/slides/slide15.xml><?xml version="1.0" encoding="utf-8"?>
-<p:sld xmlns:a="http://schemas.openxmlformats.org/drawingml/2006/main" xmlns:r="http://schemas.openxmlformats.org/officeDocument/2006/relationships" xmlns:p="http://schemas.openxmlformats.org/presentationml/2006/main">
-  <p:cSld>
-    <p:spTree>
-      <p:nvGrpSpPr>
-        <p:cNvPr id="1" name=""/>
-        <p:cNvGrpSpPr/>
-        <p:nvPr/>
-      </p:nvGrpSpPr>
-      <p:grpSpPr>
-        <a:xfrm>
-          <a:off x="0" y="0"/>
-          <a:ext cx="0" cy="0"/>
-          <a:chOff x="0" y="0"/>
-          <a:chExt cx="0" cy="0"/>
-        </a:xfrm>
-      </p:grpSpPr>
-      <p:sp>
-        <p:nvSpPr>
-          <p:cNvPr id="2" name="Title 1"/>
-          <p:cNvSpPr>
-            <a:spLocks noGrp="1"/>
-          </p:cNvSpPr>
-          <p:nvPr>
-            <p:ph type="title"/>
-          </p:nvPr>
-        </p:nvSpPr>
-        <p:spPr/>
-        <p:txBody>
-          <a:bodyPr/>
-          <a:lstStyle/>
-          <a:p>
-            <a:r>
-              <a:rPr lang="en-US" dirty="0">
-                <a:latin typeface="Segoe UI Black" panose="020B0A02040204020203" pitchFamily="34" charset="0"/>
-                <a:ea typeface="Segoe UI Black" panose="020B0A02040204020203" pitchFamily="34" charset="0"/>
-                <a:cs typeface="Segoe UI Black" panose="020B0A02040204020203" pitchFamily="34" charset="0"/>
-              </a:rPr>
-              <a:t>Future steps </a:t>
-            </a:r>
-          </a:p>
-        </p:txBody>
-      </p:sp>
-      <p:sp>
-        <p:nvSpPr>
-          <p:cNvPr id="3" name="Content Placeholder 2"/>
-          <p:cNvSpPr>
-            <a:spLocks noGrp="1"/>
-          </p:cNvSpPr>
-          <p:nvPr>
-            <p:ph idx="1"/>
-          </p:nvPr>
-        </p:nvSpPr>
-        <p:spPr/>
-        <p:txBody>
-          <a:bodyPr>
-            <a:normAutofit lnSpcReduction="10000"/>
-          </a:bodyPr>
-          <a:lstStyle/>
-          <a:p>
-            <a:r>
-              <a:rPr lang="en-US" dirty="0">
-                <a:latin typeface="Segoe UI Light" panose="020B0502040204020203" pitchFamily="34" charset="0"/>
-                <a:cs typeface="Segoe UI Light" panose="020B0502040204020203" pitchFamily="34" charset="0"/>
-              </a:rPr>
-              <a:t>The results above suggest that the model performs fairly well under Latent Discriminant Analysis, yet here are some areas of improvement and/or further areas of research.</a:t>
-            </a:r>
-          </a:p>
-          <a:p>
-            <a:pPr lvl="1"/>
-            <a:r>
-              <a:rPr lang="en-US" dirty="0">
-                <a:latin typeface="Segoe UI Light" panose="020B0502040204020203" pitchFamily="34" charset="0"/>
-                <a:cs typeface="Segoe UI Light" panose="020B0502040204020203" pitchFamily="34" charset="0"/>
-              </a:rPr>
-              <a:t>Word misspellings in feature engineering. Train the models with a misspelling indicator, as this could be a feature that might be important.</a:t>
-            </a:r>
-          </a:p>
-          <a:p>
-            <a:pPr lvl="1"/>
-            <a:r>
-              <a:rPr lang="en-US" dirty="0">
-                <a:latin typeface="Segoe UI Light" panose="020B0502040204020203" pitchFamily="34" charset="0"/>
-                <a:cs typeface="Segoe UI Light" panose="020B0502040204020203" pitchFamily="34" charset="0"/>
-              </a:rPr>
-              <a:t>Look at this data across time -- there could be difference in detecting spam based on information around the time period -- for example, will adding month pick up information about holidays and the holiday vacation experience that could help detect fake reviews.</a:t>
-            </a:r>
-          </a:p>
-          <a:p>
-            <a:pPr lvl="1"/>
-            <a:r>
-              <a:rPr lang="en-US" dirty="0">
-                <a:latin typeface="Segoe UI Light" panose="020B0502040204020203" pitchFamily="34" charset="0"/>
-                <a:cs typeface="Segoe UI Light" panose="020B0502040204020203" pitchFamily="34" charset="0"/>
-              </a:rPr>
-              <a:t>Would having transaction data on each review show interesting results -- for example, the time of each post, and location of the IP address that sent the post.</a:t>
-            </a:r>
-          </a:p>
-        </p:txBody>
-      </p:sp>
-    </p:spTree>
-    <p:extLst>
-      <p:ext uri="{BB962C8B-B14F-4D97-AF65-F5344CB8AC3E}">
-        <p14:creationId xmlns:p14="http://schemas.microsoft.com/office/powerpoint/2010/main" val="673977572"/>
-      </p:ext>
-    </p:extLst>
-  </p:cSld>
-  <p:clrMapOvr>
-    <a:masterClrMapping/>
-  </p:clrMapOvr>
-</p:sld>
-</file>
-
-<file path=ppt/slides/slide2.xml><?xml version="1.0" encoding="utf-8"?>
-<p:sld xmlns:a="http://schemas.openxmlformats.org/drawingml/2006/main" xmlns:r="http://schemas.openxmlformats.org/officeDocument/2006/relationships" xmlns:p="http://schemas.openxmlformats.org/presentationml/2006/main">
-  <p:cSld>
-    <p:spTree>
-      <p:nvGrpSpPr>
-        <p:cNvPr id="1" name=""/>
-        <p:cNvGrpSpPr/>
-        <p:nvPr/>
-      </p:nvGrpSpPr>
-      <p:grpSpPr>
-        <a:xfrm>
-          <a:off x="0" y="0"/>
-          <a:ext cx="0" cy="0"/>
-          <a:chOff x="0" y="0"/>
-          <a:chExt cx="0" cy="0"/>
-        </a:xfrm>
-      </p:grpSpPr>
-      <p:sp>
-        <p:nvSpPr>
-          <p:cNvPr id="2" name="Title 1"/>
-          <p:cNvSpPr>
-            <a:spLocks noGrp="1"/>
-          </p:cNvSpPr>
-          <p:nvPr>
-            <p:ph type="title"/>
-          </p:nvPr>
-        </p:nvSpPr>
-        <p:spPr/>
-        <p:txBody>
-          <a:bodyPr/>
-          <a:lstStyle/>
-          <a:p>
-            <a:r>
-              <a:rPr lang="en-US" dirty="0">
-                <a:latin typeface="Segoe UI Black" panose="020B0A02040204020203" pitchFamily="34" charset="0"/>
-                <a:ea typeface="Segoe UI Black" panose="020B0A02040204020203" pitchFamily="34" charset="0"/>
-                <a:cs typeface="Segoe UI Black" panose="020B0A02040204020203" pitchFamily="34" charset="0"/>
-              </a:rPr>
-              <a:t>Roadmap</a:t>
-            </a:r>
-          </a:p>
-        </p:txBody>
-      </p:sp>
-      <p:sp>
-        <p:nvSpPr>
-          <p:cNvPr id="3" name="Content Placeholder 2"/>
-          <p:cNvSpPr>
-            <a:spLocks noGrp="1"/>
-          </p:cNvSpPr>
-          <p:nvPr>
-            <p:ph idx="1"/>
-          </p:nvPr>
-        </p:nvSpPr>
-        <p:spPr/>
-        <p:txBody>
-          <a:bodyPr>
-            <a:normAutofit/>
-          </a:bodyPr>
-          <a:lstStyle/>
-          <a:p>
-            <a:r>
-              <a:rPr lang="en-US" dirty="0">
-                <a:latin typeface="Segoe UI Light" panose="020B0502040204020203" pitchFamily="34" charset="0"/>
-                <a:cs typeface="Segoe UI Light" panose="020B0502040204020203" pitchFamily="34" charset="0"/>
-              </a:rPr>
-              <a:t>Motivation </a:t>
-            </a:r>
-          </a:p>
-          <a:p>
-            <a:r>
-              <a:rPr lang="en-US" dirty="0">
-                <a:latin typeface="Segoe UI Light" panose="020B0502040204020203" pitchFamily="34" charset="0"/>
-                <a:cs typeface="Segoe UI Light" panose="020B0502040204020203" pitchFamily="34" charset="0"/>
-              </a:rPr>
-              <a:t>Data</a:t>
-            </a:r>
-          </a:p>
-          <a:p>
-            <a:r>
-              <a:rPr lang="en-US" dirty="0">
-                <a:latin typeface="Segoe UI Light" panose="020B0502040204020203" pitchFamily="34" charset="0"/>
-                <a:cs typeface="Segoe UI Light" panose="020B0502040204020203" pitchFamily="34" charset="0"/>
-              </a:rPr>
-              <a:t>Data Preparation</a:t>
-            </a:r>
-          </a:p>
-          <a:p>
-            <a:r>
-              <a:rPr lang="en-US" dirty="0">
-                <a:latin typeface="Segoe UI Light" panose="020B0502040204020203" pitchFamily="34" charset="0"/>
-                <a:cs typeface="Segoe UI Light" panose="020B0502040204020203" pitchFamily="34" charset="0"/>
-              </a:rPr>
-              <a:t>Topic Modeling</a:t>
-            </a:r>
-          </a:p>
-          <a:p>
-            <a:r>
-              <a:rPr lang="en-US" dirty="0">
-                <a:latin typeface="Segoe UI Light" panose="020B0502040204020203" pitchFamily="34" charset="0"/>
-                <a:cs typeface="Segoe UI Light" panose="020B0502040204020203" pitchFamily="34" charset="0"/>
-              </a:rPr>
-              <a:t>Classification and Tuning </a:t>
-            </a:r>
-          </a:p>
-          <a:p>
-            <a:r>
-              <a:rPr lang="en-US" dirty="0">
-                <a:latin typeface="Segoe UI Light" panose="020B0502040204020203" pitchFamily="34" charset="0"/>
-                <a:cs typeface="Segoe UI Light" panose="020B0502040204020203" pitchFamily="34" charset="0"/>
-              </a:rPr>
-              <a:t>Results</a:t>
-            </a:r>
-          </a:p>
-          <a:p>
-            <a:r>
-              <a:rPr lang="en-US" dirty="0">
-                <a:latin typeface="Segoe UI Light" panose="020B0502040204020203" pitchFamily="34" charset="0"/>
-                <a:cs typeface="Segoe UI Light" panose="020B0502040204020203" pitchFamily="34" charset="0"/>
-              </a:rPr>
-              <a:t>Future steps </a:t>
-            </a:r>
-          </a:p>
-        </p:txBody>
-      </p:sp>
-    </p:spTree>
-    <p:extLst>
-      <p:ext uri="{BB962C8B-B14F-4D97-AF65-F5344CB8AC3E}">
-        <p14:creationId xmlns:p14="http://schemas.microsoft.com/office/powerpoint/2010/main" val="311781924"/>
-      </p:ext>
-    </p:extLst>
-  </p:cSld>
-  <p:clrMapOvr>
-    <a:masterClrMapping/>
-  </p:clrMapOvr>
-</p:sld>
-</file>
-
-<file path=ppt/slides/slide3.xml><?xml version="1.0" encoding="utf-8"?>
-<p:sld xmlns:a="http://schemas.openxmlformats.org/drawingml/2006/main" xmlns:r="http://schemas.openxmlformats.org/officeDocument/2006/relationships" xmlns:p="http://schemas.openxmlformats.org/presentationml/2006/main">
-  <p:cSld>
-    <p:spTree>
-      <p:nvGrpSpPr>
-        <p:cNvPr id="1" name=""/>
-        <p:cNvGrpSpPr/>
-        <p:nvPr/>
-      </p:nvGrpSpPr>
-      <p:grpSpPr>
-        <a:xfrm>
-          <a:off x="0" y="0"/>
-          <a:ext cx="0" cy="0"/>
-          <a:chOff x="0" y="0"/>
-          <a:chExt cx="0" cy="0"/>
-        </a:xfrm>
-      </p:grpSpPr>
-      <p:sp>
-        <p:nvSpPr>
-          <p:cNvPr id="2" name="Title 1"/>
-          <p:cNvSpPr>
-            <a:spLocks noGrp="1"/>
-          </p:cNvSpPr>
-          <p:nvPr>
-            <p:ph type="title"/>
-          </p:nvPr>
-        </p:nvSpPr>
-        <p:spPr/>
-        <p:txBody>
-          <a:bodyPr/>
-          <a:lstStyle/>
-          <a:p>
-            <a:r>
-              <a:rPr lang="en-US" dirty="0">
-                <a:latin typeface="Segoe UI Black" panose="020B0A02040204020203" pitchFamily="34" charset="0"/>
-                <a:ea typeface="Segoe UI Black" panose="020B0A02040204020203" pitchFamily="34" charset="0"/>
-                <a:cs typeface="Segoe UI Black" panose="020B0A02040204020203" pitchFamily="34" charset="0"/>
-              </a:rPr>
-              <a:t>Motivation (1)</a:t>
-            </a:r>
-          </a:p>
-        </p:txBody>
-      </p:sp>
-      <p:sp>
-        <p:nvSpPr>
-          <p:cNvPr id="3" name="Content Placeholder 2"/>
-          <p:cNvSpPr>
-            <a:spLocks noGrp="1"/>
-          </p:cNvSpPr>
-          <p:nvPr>
-            <p:ph idx="1"/>
-          </p:nvPr>
-        </p:nvSpPr>
-        <p:spPr/>
-        <p:txBody>
-          <a:bodyPr>
-            <a:normAutofit/>
-          </a:bodyPr>
-          <a:lstStyle/>
-          <a:p>
-            <a:pPr marL="0" indent="0">
-              <a:buNone/>
-            </a:pPr>
-            <a:r>
-              <a:rPr lang="en-US" b="1" dirty="0">
-                <a:latin typeface="Segoe UI Light" panose="020B0502040204020203" pitchFamily="34" charset="0"/>
-                <a:cs typeface="Segoe UI Light" panose="020B0502040204020203" pitchFamily="34" charset="0"/>
-              </a:rPr>
-              <a:t>Fake content plagues many industries and aspects of our information-rich lives.</a:t>
-            </a:r>
-          </a:p>
-          <a:p>
-            <a:pPr>
-              <a:buFontTx/>
-              <a:buChar char="-"/>
-            </a:pPr>
-            <a:r>
-              <a:rPr lang="en-US" dirty="0">
-                <a:latin typeface="Segoe UI Light" panose="020B0502040204020203" pitchFamily="34" charset="0"/>
-                <a:cs typeface="Segoe UI Light" panose="020B0502040204020203" pitchFamily="34" charset="0"/>
-              </a:rPr>
-              <a:t>Yelp Fake reviews: Increase a business’ popularity in rankings</a:t>
-            </a:r>
-          </a:p>
-          <a:p>
-            <a:pPr>
-              <a:buFontTx/>
-              <a:buChar char="-"/>
-            </a:pPr>
-            <a:r>
-              <a:rPr lang="en-US" dirty="0">
-                <a:latin typeface="Segoe UI Light" panose="020B0502040204020203" pitchFamily="34" charset="0"/>
-                <a:cs typeface="Segoe UI Light" panose="020B0502040204020203" pitchFamily="34" charset="0"/>
-              </a:rPr>
-              <a:t>Spam: Unwanted messages show up on cell phones, emails, and social media</a:t>
-            </a:r>
-          </a:p>
-          <a:p>
-            <a:pPr>
-              <a:buFontTx/>
-              <a:buChar char="-"/>
-            </a:pPr>
-            <a:r>
-              <a:rPr lang="en-US" dirty="0">
-                <a:latin typeface="Segoe UI Light" panose="020B0502040204020203" pitchFamily="34" charset="0"/>
-                <a:cs typeface="Segoe UI Light" panose="020B0502040204020203" pitchFamily="34" charset="0"/>
-              </a:rPr>
-              <a:t>Fake news: Change perceptions</a:t>
-            </a:r>
-          </a:p>
-          <a:p>
-            <a:pPr marL="0" indent="0">
-              <a:buNone/>
-            </a:pPr>
-            <a:endParaRPr lang="en-US" dirty="0">
-              <a:latin typeface="Segoe UI Light" panose="020B0502040204020203" pitchFamily="34" charset="0"/>
-              <a:cs typeface="Segoe UI Light" panose="020B0502040204020203" pitchFamily="34" charset="0"/>
-            </a:endParaRPr>
-          </a:p>
-        </p:txBody>
-      </p:sp>
-    </p:spTree>
-    <p:extLst>
-      <p:ext uri="{BB962C8B-B14F-4D97-AF65-F5344CB8AC3E}">
-        <p14:creationId xmlns:p14="http://schemas.microsoft.com/office/powerpoint/2010/main" val="681391169"/>
-      </p:ext>
-    </p:extLst>
-  </p:cSld>
-  <p:clrMapOvr>
-    <a:masterClrMapping/>
-  </p:clrMapOvr>
-</p:sld>
-</file>
-
-<file path=ppt/slides/slide4.xml><?xml version="1.0" encoding="utf-8"?>
-<p:sld xmlns:a="http://schemas.openxmlformats.org/drawingml/2006/main" xmlns:r="http://schemas.openxmlformats.org/officeDocument/2006/relationships" xmlns:p="http://schemas.openxmlformats.org/presentationml/2006/main">
-  <p:cSld>
-    <p:spTree>
-      <p:nvGrpSpPr>
-        <p:cNvPr id="1" name=""/>
-        <p:cNvGrpSpPr/>
-        <p:nvPr/>
-      </p:nvGrpSpPr>
-      <p:grpSpPr>
-        <a:xfrm>
-          <a:off x="0" y="0"/>
-          <a:ext cx="0" cy="0"/>
-          <a:chOff x="0" y="0"/>
-          <a:chExt cx="0" cy="0"/>
-        </a:xfrm>
-      </p:grpSpPr>
-      <p:sp>
-        <p:nvSpPr>
-          <p:cNvPr id="2" name="Title 1"/>
-          <p:cNvSpPr>
-            <a:spLocks noGrp="1"/>
-          </p:cNvSpPr>
-          <p:nvPr>
-            <p:ph type="title"/>
-          </p:nvPr>
-        </p:nvSpPr>
-        <p:spPr/>
-        <p:txBody>
-          <a:bodyPr/>
-          <a:lstStyle/>
-          <a:p>
-            <a:r>
-              <a:rPr lang="en-US" dirty="0">
-                <a:latin typeface="Segoe UI Black" panose="020B0A02040204020203" pitchFamily="34" charset="0"/>
-                <a:ea typeface="Segoe UI Black" panose="020B0A02040204020203" pitchFamily="34" charset="0"/>
-                <a:cs typeface="Segoe UI Black" panose="020B0A02040204020203" pitchFamily="34" charset="0"/>
-              </a:rPr>
-              <a:t>Motivation (2) Approach</a:t>
-            </a:r>
-          </a:p>
-        </p:txBody>
-      </p:sp>
-      <p:sp>
-        <p:nvSpPr>
-          <p:cNvPr id="3" name="Content Placeholder 2"/>
-          <p:cNvSpPr>
-            <a:spLocks noGrp="1"/>
-          </p:cNvSpPr>
-          <p:nvPr>
-            <p:ph idx="1"/>
-          </p:nvPr>
-        </p:nvSpPr>
-        <p:spPr/>
-        <p:txBody>
-          <a:bodyPr>
-            <a:normAutofit/>
-          </a:bodyPr>
-          <a:lstStyle/>
-          <a:p>
-            <a:pPr marL="0" indent="0">
-              <a:buNone/>
-            </a:pPr>
-            <a:r>
-              <a:rPr lang="en-US" dirty="0">
-                <a:latin typeface="Segoe UI Light" panose="020B0502040204020203" pitchFamily="34" charset="0"/>
-                <a:cs typeface="Segoe UI Light" panose="020B0502040204020203" pitchFamily="34" charset="0"/>
-              </a:rPr>
-              <a:t>This capstone project focuses on using </a:t>
-            </a:r>
-            <a:r>
-              <a:rPr lang="en-US" b="1" dirty="0">
-                <a:latin typeface="Segoe UI Black" panose="020B0A02040204020203" pitchFamily="34" charset="0"/>
-                <a:ea typeface="Segoe UI Black" panose="020B0A02040204020203" pitchFamily="34" charset="0"/>
-                <a:cs typeface="Segoe UI Black" panose="020B0A02040204020203" pitchFamily="34" charset="0"/>
-              </a:rPr>
-              <a:t>Natural Language Processing </a:t>
-            </a:r>
-            <a:r>
-              <a:rPr lang="en-US" dirty="0">
-                <a:latin typeface="Segoe UI Light" panose="020B0502040204020203" pitchFamily="34" charset="0"/>
-                <a:cs typeface="Segoe UI Light" panose="020B0502040204020203" pitchFamily="34" charset="0"/>
-              </a:rPr>
-              <a:t>and</a:t>
-            </a:r>
-            <a:r>
-              <a:rPr lang="en-US" b="1" dirty="0">
-                <a:latin typeface="Segoe UI Light" panose="020B0502040204020203" pitchFamily="34" charset="0"/>
-                <a:cs typeface="Segoe UI Light" panose="020B0502040204020203" pitchFamily="34" charset="0"/>
-              </a:rPr>
-              <a:t> </a:t>
-            </a:r>
-            <a:r>
-              <a:rPr lang="en-US" b="1" dirty="0">
-                <a:latin typeface="Segoe UI Black" panose="020B0A02040204020203" pitchFamily="34" charset="0"/>
-                <a:ea typeface="Segoe UI Black" panose="020B0A02040204020203" pitchFamily="34" charset="0"/>
-                <a:cs typeface="Segoe UI Black" panose="020B0A02040204020203" pitchFamily="34" charset="0"/>
-              </a:rPr>
-              <a:t>Machine Learning</a:t>
-            </a:r>
-            <a:r>
-              <a:rPr lang="en-US" dirty="0">
-                <a:latin typeface="Segoe UI Black" panose="020B0A02040204020203" pitchFamily="34" charset="0"/>
-                <a:ea typeface="Segoe UI Black" panose="020B0A02040204020203" pitchFamily="34" charset="0"/>
-                <a:cs typeface="Segoe UI Black" panose="020B0A02040204020203" pitchFamily="34" charset="0"/>
-              </a:rPr>
-              <a:t> </a:t>
-            </a:r>
-            <a:r>
-              <a:rPr lang="en-US" dirty="0">
-                <a:latin typeface="Segoe UI Light" panose="020B0502040204020203" pitchFamily="34" charset="0"/>
-                <a:cs typeface="Segoe UI Light" panose="020B0502040204020203" pitchFamily="34" charset="0"/>
-              </a:rPr>
-              <a:t>methods to address this issue.</a:t>
-            </a:r>
-          </a:p>
-        </p:txBody>
-      </p:sp>
-    </p:spTree>
-    <p:extLst>
-      <p:ext uri="{BB962C8B-B14F-4D97-AF65-F5344CB8AC3E}">
-        <p14:creationId xmlns:p14="http://schemas.microsoft.com/office/powerpoint/2010/main" val="3525854908"/>
-      </p:ext>
-    </p:extLst>
-  </p:cSld>
-  <p:clrMapOvr>
-    <a:masterClrMapping/>
-  </p:clrMapOvr>
-</p:sld>
-</file>
-
-<file path=ppt/slides/slide5.xml><?xml version="1.0" encoding="utf-8"?>
-<p:sld xmlns:a="http://schemas.openxmlformats.org/drawingml/2006/main" xmlns:r="http://schemas.openxmlformats.org/officeDocument/2006/relationships" xmlns:p="http://schemas.openxmlformats.org/presentationml/2006/main">
-  <p:cSld>
-    <p:spTree>
-      <p:nvGrpSpPr>
-        <p:cNvPr id="1" name=""/>
-        <p:cNvGrpSpPr/>
-        <p:nvPr/>
-      </p:nvGrpSpPr>
-      <p:grpSpPr>
-        <a:xfrm>
-          <a:off x="0" y="0"/>
-          <a:ext cx="0" cy="0"/>
-          <a:chOff x="0" y="0"/>
-          <a:chExt cx="0" cy="0"/>
-        </a:xfrm>
-      </p:grpSpPr>
-      <p:sp>
-        <p:nvSpPr>
-          <p:cNvPr id="2" name="Title 1"/>
-          <p:cNvSpPr>
-            <a:spLocks noGrp="1"/>
-          </p:cNvSpPr>
-          <p:nvPr>
-            <p:ph type="title"/>
-          </p:nvPr>
-        </p:nvSpPr>
-        <p:spPr/>
-        <p:txBody>
-          <a:bodyPr/>
-          <a:lstStyle/>
-          <a:p>
-            <a:r>
-              <a:rPr lang="en-US" dirty="0">
-                <a:latin typeface="Segoe UI Black" panose="020B0A02040204020203" pitchFamily="34" charset="0"/>
-                <a:ea typeface="Segoe UI Black" panose="020B0A02040204020203" pitchFamily="34" charset="0"/>
-                <a:cs typeface="Segoe UI Black" panose="020B0A02040204020203" pitchFamily="34" charset="0"/>
-              </a:rPr>
-              <a:t>Motivation (3) Hypothetical Client</a:t>
-            </a:r>
-          </a:p>
-        </p:txBody>
-      </p:sp>
-      <p:sp>
-        <p:nvSpPr>
-          <p:cNvPr id="3" name="Content Placeholder 2"/>
-          <p:cNvSpPr>
-            <a:spLocks noGrp="1"/>
-          </p:cNvSpPr>
-          <p:nvPr>
-            <p:ph idx="1"/>
-          </p:nvPr>
-        </p:nvSpPr>
-        <p:spPr/>
-        <p:txBody>
-          <a:bodyPr>
-            <a:normAutofit/>
-          </a:bodyPr>
-          <a:lstStyle/>
-          <a:p>
-            <a:pPr marL="0" indent="0">
-              <a:buNone/>
-            </a:pPr>
-            <a:r>
-              <a:rPr lang="en-US" dirty="0">
-                <a:latin typeface="Segoe UI Light" panose="020B0502040204020203" pitchFamily="34" charset="0"/>
-                <a:cs typeface="Segoe UI Light" panose="020B0502040204020203" pitchFamily="34" charset="0"/>
-              </a:rPr>
-              <a:t>A hotel booking aggregator is trying to improve the quality and reliability of its hotel booking information for its users. It has noticed complaints after users of the voiced concerns that some reviews may be fake. In an effort to alleviate this, the client seeks to build a predictive model to flag whether reviews are genuine or fake. By the end of this project, the client will be able to use this algorithm as part of their fake review deterrence strategy.</a:t>
-            </a:r>
-          </a:p>
-        </p:txBody>
-      </p:sp>
-    </p:spTree>
-    <p:extLst>
-      <p:ext uri="{BB962C8B-B14F-4D97-AF65-F5344CB8AC3E}">
-        <p14:creationId xmlns:p14="http://schemas.microsoft.com/office/powerpoint/2010/main" val="4243206580"/>
-      </p:ext>
-    </p:extLst>
-  </p:cSld>
-  <p:clrMapOvr>
-    <a:masterClrMapping/>
-  </p:clrMapOvr>
-</p:sld>
-</file>
-
-<file path=ppt/slides/slide6.xml><?xml version="1.0" encoding="utf-8"?>
-<p:sld xmlns:a="http://schemas.openxmlformats.org/drawingml/2006/main" xmlns:r="http://schemas.openxmlformats.org/officeDocument/2006/relationships" xmlns:p="http://schemas.openxmlformats.org/presentationml/2006/main">
-  <p:cSld>
-    <p:spTree>
-      <p:nvGrpSpPr>
-        <p:cNvPr id="1" name=""/>
-        <p:cNvGrpSpPr/>
-        <p:nvPr/>
-      </p:nvGrpSpPr>
-      <p:grpSpPr>
-        <a:xfrm>
-          <a:off x="0" y="0"/>
-          <a:ext cx="0" cy="0"/>
-          <a:chOff x="0" y="0"/>
-          <a:chExt cx="0" cy="0"/>
-        </a:xfrm>
-      </p:grpSpPr>
-      <p:sp>
-        <p:nvSpPr>
-          <p:cNvPr id="2" name="Title 1"/>
-          <p:cNvSpPr>
-            <a:spLocks noGrp="1"/>
-          </p:cNvSpPr>
-          <p:nvPr>
-            <p:ph type="title"/>
-          </p:nvPr>
-        </p:nvSpPr>
-        <p:spPr/>
-        <p:txBody>
-          <a:bodyPr/>
-          <a:lstStyle/>
-          <a:p>
-            <a:r>
-              <a:rPr lang="en-US" dirty="0">
-                <a:latin typeface="Segoe UI Black" panose="020B0A02040204020203" pitchFamily="34" charset="0"/>
-                <a:ea typeface="Segoe UI Black" panose="020B0A02040204020203" pitchFamily="34" charset="0"/>
-                <a:cs typeface="Segoe UI Black" panose="020B0A02040204020203" pitchFamily="34" charset="0"/>
-              </a:rPr>
-              <a:t>Data (1) Overview</a:t>
-            </a:r>
-          </a:p>
-        </p:txBody>
-      </p:sp>
-      <p:sp>
-        <p:nvSpPr>
-          <p:cNvPr id="3" name="Content Placeholder 2"/>
-          <p:cNvSpPr>
-            <a:spLocks noGrp="1"/>
-          </p:cNvSpPr>
-          <p:nvPr>
-            <p:ph idx="1"/>
-          </p:nvPr>
-        </p:nvSpPr>
-        <p:spPr>
-          <a:xfrm>
-            <a:off x="838199" y="1825625"/>
-            <a:ext cx="10671495" cy="4351338"/>
-          </a:xfrm>
-        </p:spPr>
-        <p:txBody>
-          <a:bodyPr>
-            <a:normAutofit/>
-          </a:bodyPr>
-          <a:lstStyle/>
-          <a:p>
-            <a:pPr marL="0" indent="0">
-              <a:buNone/>
-            </a:pPr>
-            <a:r>
-              <a:rPr lang="en-US" dirty="0">
-                <a:latin typeface="Segoe UI Light" panose="020B0502040204020203" pitchFamily="34" charset="0"/>
-                <a:cs typeface="Segoe UI Light" panose="020B0502040204020203" pitchFamily="34" charset="0"/>
-              </a:rPr>
-              <a:t>Source: </a:t>
-            </a:r>
-            <a:r>
-              <a:rPr lang="en-US" dirty="0" err="1">
-                <a:latin typeface="Segoe UI Light" panose="020B0502040204020203" pitchFamily="34" charset="0"/>
-                <a:cs typeface="Segoe UI Light" panose="020B0502040204020203" pitchFamily="34" charset="0"/>
-                <a:hlinkClick r:id="rId2"/>
-              </a:rPr>
-              <a:t>Kaggle</a:t>
-            </a:r>
-            <a:r>
-              <a:rPr lang="en-US" dirty="0">
-                <a:latin typeface="Segoe UI Light" panose="020B0502040204020203" pitchFamily="34" charset="0"/>
-                <a:cs typeface="Segoe UI Light" panose="020B0502040204020203" pitchFamily="34" charset="0"/>
-                <a:hlinkClick r:id="rId2"/>
-              </a:rPr>
-              <a:t>, “Deceptive Hotel Opinions Corpus”</a:t>
-            </a:r>
-            <a:endParaRPr lang="en-US" dirty="0">
-              <a:latin typeface="Segoe UI Light" panose="020B0502040204020203" pitchFamily="34" charset="0"/>
-              <a:cs typeface="Segoe UI Light" panose="020B0502040204020203" pitchFamily="34" charset="0"/>
-            </a:endParaRPr>
-          </a:p>
-          <a:p>
-            <a:r>
-              <a:rPr lang="en-US" dirty="0">
-                <a:latin typeface="Segoe UI Light" panose="020B0502040204020203" pitchFamily="34" charset="0"/>
-                <a:cs typeface="Segoe UI Light" panose="020B0502040204020203" pitchFamily="34" charset="0"/>
-              </a:rPr>
-              <a:t>1600 records</a:t>
-            </a:r>
-          </a:p>
-          <a:p>
-            <a:pPr lvl="1"/>
-            <a:r>
-              <a:rPr lang="en-US" dirty="0">
-                <a:latin typeface="Segoe UI Light" panose="020B0502040204020203" pitchFamily="34" charset="0"/>
-                <a:cs typeface="Segoe UI Light" panose="020B0502040204020203" pitchFamily="34" charset="0"/>
-              </a:rPr>
-              <a:t>800 Deceptive</a:t>
-            </a:r>
-          </a:p>
-          <a:p>
-            <a:pPr lvl="2"/>
-            <a:r>
-              <a:rPr lang="en-US" sz="1600" dirty="0">
-                <a:latin typeface="Segoe UI Light" panose="020B0502040204020203" pitchFamily="34" charset="0"/>
-                <a:cs typeface="Segoe UI Light" panose="020B0502040204020203" pitchFamily="34" charset="0"/>
-              </a:rPr>
-              <a:t>Generated by Mechanical Turks: Crowdsourced, human intelligence tasking</a:t>
-            </a:r>
-          </a:p>
-          <a:p>
-            <a:pPr lvl="1"/>
-            <a:r>
-              <a:rPr lang="en-US" dirty="0">
-                <a:latin typeface="Segoe UI Light" panose="020B0502040204020203" pitchFamily="34" charset="0"/>
-                <a:cs typeface="Segoe UI Light" panose="020B0502040204020203" pitchFamily="34" charset="0"/>
-              </a:rPr>
-              <a:t>800 Genuine</a:t>
-            </a:r>
-          </a:p>
-          <a:p>
-            <a:pPr lvl="2"/>
-            <a:r>
-              <a:rPr lang="en-US" dirty="0">
-                <a:latin typeface="Segoe UI Light" panose="020B0502040204020203" pitchFamily="34" charset="0"/>
-                <a:cs typeface="Segoe UI Light" panose="020B0502040204020203" pitchFamily="34" charset="0"/>
-              </a:rPr>
-              <a:t>Multiple Review Aggregator sites</a:t>
-            </a:r>
-          </a:p>
-          <a:p>
-            <a:pPr lvl="2"/>
-            <a:r>
-              <a:rPr lang="en-US" dirty="0">
-                <a:latin typeface="Segoe UI Light" panose="020B0502040204020203" pitchFamily="34" charset="0"/>
-                <a:cs typeface="Segoe UI Light" panose="020B0502040204020203" pitchFamily="34" charset="0"/>
-              </a:rPr>
-              <a:t>Web</a:t>
-            </a:r>
-          </a:p>
-          <a:p>
-            <a:pPr lvl="1"/>
-            <a:r>
-              <a:rPr lang="en-US" dirty="0">
-                <a:latin typeface="Segoe UI Light" panose="020B0502040204020203" pitchFamily="34" charset="0"/>
-                <a:cs typeface="Segoe UI Light" panose="020B0502040204020203" pitchFamily="34" charset="0"/>
-              </a:rPr>
-              <a:t>Positive and Negative Sentiment</a:t>
-            </a:r>
-          </a:p>
-          <a:p>
-            <a:pPr lvl="1"/>
-            <a:endParaRPr lang="en-US" dirty="0">
-              <a:latin typeface="Segoe UI Light" panose="020B0502040204020203" pitchFamily="34" charset="0"/>
-              <a:cs typeface="Segoe UI Light" panose="020B0502040204020203" pitchFamily="34" charset="0"/>
-            </a:endParaRPr>
-          </a:p>
-        </p:txBody>
-      </p:sp>
-    </p:spTree>
-    <p:extLst>
-      <p:ext uri="{BB962C8B-B14F-4D97-AF65-F5344CB8AC3E}">
-        <p14:creationId xmlns:p14="http://schemas.microsoft.com/office/powerpoint/2010/main" val="3486041349"/>
-      </p:ext>
-    </p:extLst>
-  </p:cSld>
-  <p:clrMapOvr>
-    <a:masterClrMapping/>
-  </p:clrMapOvr>
-</p:sld>
-</file>
-
-<file path=ppt/slides/slide7.xml><?xml version="1.0" encoding="utf-8"?>
-<p:sld xmlns:a="http://schemas.openxmlformats.org/drawingml/2006/main" xmlns:r="http://schemas.openxmlformats.org/officeDocument/2006/relationships" xmlns:p="http://schemas.openxmlformats.org/presentationml/2006/main">
-  <p:cSld>
-    <p:spTree>
-      <p:nvGrpSpPr>
-        <p:cNvPr id="1" name=""/>
-        <p:cNvGrpSpPr/>
-        <p:nvPr/>
-      </p:nvGrpSpPr>
-      <p:grpSpPr>
-        <a:xfrm>
-          <a:off x="0" y="0"/>
-          <a:ext cx="0" cy="0"/>
-          <a:chOff x="0" y="0"/>
-          <a:chExt cx="0" cy="0"/>
-        </a:xfrm>
-      </p:grpSpPr>
-      <p:sp>
-        <p:nvSpPr>
-          <p:cNvPr id="2" name="Title 1"/>
-          <p:cNvSpPr>
-            <a:spLocks noGrp="1"/>
-          </p:cNvSpPr>
-          <p:nvPr>
-            <p:ph type="title"/>
-          </p:nvPr>
-        </p:nvSpPr>
-        <p:spPr/>
-        <p:txBody>
-          <a:bodyPr/>
-          <a:lstStyle/>
-          <a:p>
-            <a:r>
-              <a:rPr lang="en-US" dirty="0">
-                <a:latin typeface="Segoe UI Black" panose="020B0A02040204020203" pitchFamily="34" charset="0"/>
-                <a:ea typeface="Segoe UI Black" panose="020B0A02040204020203" pitchFamily="34" charset="0"/>
-                <a:cs typeface="Segoe UI Black" panose="020B0A02040204020203" pitchFamily="34" charset="0"/>
-              </a:rPr>
-              <a:t>Data (2) </a:t>
-            </a:r>
-            <a:r>
-              <a:rPr lang="en-US" dirty="0" err="1">
-                <a:latin typeface="Segoe UI Black" panose="020B0A02040204020203" pitchFamily="34" charset="0"/>
-                <a:ea typeface="Segoe UI Black" panose="020B0A02040204020203" pitchFamily="34" charset="0"/>
-                <a:cs typeface="Segoe UI Black" panose="020B0A02040204020203" pitchFamily="34" charset="0"/>
-              </a:rPr>
-              <a:t>Descriptives</a:t>
-            </a:r>
-            <a:endParaRPr lang="en-US" dirty="0">
-              <a:latin typeface="Segoe UI Black" panose="020B0A02040204020203" pitchFamily="34" charset="0"/>
-              <a:ea typeface="Segoe UI Black" panose="020B0A02040204020203" pitchFamily="34" charset="0"/>
-              <a:cs typeface="Segoe UI Black" panose="020B0A02040204020203" pitchFamily="34" charset="0"/>
-            </a:endParaRPr>
-          </a:p>
-        </p:txBody>
-      </p:sp>
-      <p:pic>
-        <p:nvPicPr>
-          <p:cNvPr id="6" name="Picture 5"/>
-          <p:cNvPicPr>
-            <a:picLocks noChangeAspect="1"/>
-          </p:cNvPicPr>
-          <p:nvPr/>
-        </p:nvPicPr>
-        <p:blipFill>
-          <a:blip r:embed="rId2"/>
-          <a:stretch>
-            <a:fillRect/>
-          </a:stretch>
-        </p:blipFill>
-        <p:spPr>
-          <a:xfrm>
-            <a:off x="6827939" y="1833301"/>
-            <a:ext cx="4330614" cy="4637314"/>
-          </a:xfrm>
-          <a:prstGeom prst="rect">
-            <a:avLst/>
-          </a:prstGeom>
-        </p:spPr>
-      </p:pic>
-      <p:sp>
-        <p:nvSpPr>
-          <p:cNvPr id="7" name="Rectangle 6"/>
-          <p:cNvSpPr/>
-          <p:nvPr/>
-        </p:nvSpPr>
-        <p:spPr>
-          <a:xfrm>
-            <a:off x="6612273" y="1350755"/>
-            <a:ext cx="4761945" cy="338554"/>
-          </a:xfrm>
-          <a:prstGeom prst="rect">
-            <a:avLst/>
-          </a:prstGeom>
-        </p:spPr>
-        <p:txBody>
-          <a:bodyPr wrap="none">
-            <a:spAutoFit/>
-          </a:bodyPr>
-          <a:lstStyle/>
-          <a:p>
-            <a:r>
-              <a:rPr lang="en-US" sz="1600" dirty="0">
-                <a:latin typeface="Segoe UI Light" panose="020B0502040204020203" pitchFamily="34" charset="0"/>
-                <a:cs typeface="Segoe UI Light" panose="020B0502040204020203" pitchFamily="34" charset="0"/>
-              </a:rPr>
-              <a:t>Count of records by Deceptive, Sentiment, and Hotel </a:t>
-            </a:r>
-            <a:endParaRPr lang="en-US" sz="1600" dirty="0"/>
-          </a:p>
-        </p:txBody>
-      </p:sp>
-      <p:pic>
-        <p:nvPicPr>
-          <p:cNvPr id="8" name="Picture 7"/>
-          <p:cNvPicPr>
-            <a:picLocks noChangeAspect="1"/>
-          </p:cNvPicPr>
-          <p:nvPr/>
-        </p:nvPicPr>
-        <p:blipFill>
-          <a:blip r:embed="rId3"/>
-          <a:stretch>
-            <a:fillRect/>
-          </a:stretch>
-        </p:blipFill>
-        <p:spPr>
-          <a:xfrm>
-            <a:off x="998999" y="4843978"/>
-            <a:ext cx="5077260" cy="1626637"/>
-          </a:xfrm>
-          <a:prstGeom prst="rect">
-            <a:avLst/>
-          </a:prstGeom>
-        </p:spPr>
-      </p:pic>
-      <p:sp>
-        <p:nvSpPr>
-          <p:cNvPr id="9" name="Rectangle 8"/>
-          <p:cNvSpPr/>
-          <p:nvPr/>
-        </p:nvSpPr>
-        <p:spPr>
-          <a:xfrm>
-            <a:off x="1482276" y="4461398"/>
-            <a:ext cx="4310860" cy="369332"/>
-          </a:xfrm>
-          <a:prstGeom prst="rect">
-            <a:avLst/>
-          </a:prstGeom>
-        </p:spPr>
-        <p:txBody>
-          <a:bodyPr wrap="none">
-            <a:spAutoFit/>
-          </a:bodyPr>
-          <a:lstStyle/>
-          <a:p>
-            <a:r>
-              <a:rPr lang="en-US" dirty="0">
-                <a:latin typeface="Segoe UI Light" panose="020B0502040204020203" pitchFamily="34" charset="0"/>
-                <a:cs typeface="Segoe UI Light" panose="020B0502040204020203" pitchFamily="34" charset="0"/>
-              </a:rPr>
-              <a:t>Positive and Negative Sentiment by Source</a:t>
-            </a:r>
-            <a:endParaRPr lang="en-US" dirty="0"/>
-          </a:p>
-        </p:txBody>
-      </p:sp>
-      <p:pic>
-        <p:nvPicPr>
-          <p:cNvPr id="10" name="Picture 9"/>
-          <p:cNvPicPr>
-            <a:picLocks noChangeAspect="1"/>
-          </p:cNvPicPr>
-          <p:nvPr/>
-        </p:nvPicPr>
-        <p:blipFill>
-          <a:blip r:embed="rId4"/>
-          <a:stretch>
-            <a:fillRect/>
-          </a:stretch>
-        </p:blipFill>
-        <p:spPr>
-          <a:xfrm>
-            <a:off x="998999" y="1833301"/>
-            <a:ext cx="4924850" cy="2287858"/>
-          </a:xfrm>
-          <a:prstGeom prst="rect">
-            <a:avLst/>
-          </a:prstGeom>
-        </p:spPr>
-      </p:pic>
-      <p:sp>
-        <p:nvSpPr>
-          <p:cNvPr id="11" name="Rectangle 10"/>
-          <p:cNvSpPr/>
-          <p:nvPr/>
-        </p:nvSpPr>
-        <p:spPr>
-          <a:xfrm>
-            <a:off x="2175222" y="1392663"/>
-            <a:ext cx="2924968" cy="369332"/>
-          </a:xfrm>
-          <a:prstGeom prst="rect">
-            <a:avLst/>
-          </a:prstGeom>
-        </p:spPr>
-        <p:txBody>
-          <a:bodyPr wrap="none">
-            <a:spAutoFit/>
-          </a:bodyPr>
-          <a:lstStyle/>
-          <a:p>
-            <a:r>
-              <a:rPr lang="en-US" dirty="0">
-                <a:latin typeface="Segoe UI Light" panose="020B0502040204020203" pitchFamily="34" charset="0"/>
-                <a:cs typeface="Segoe UI Light" panose="020B0502040204020203" pitchFamily="34" charset="0"/>
-              </a:rPr>
-              <a:t>Top 5 and Bottom 5 Records</a:t>
-            </a:r>
-            <a:endParaRPr lang="en-US" dirty="0"/>
-          </a:p>
-        </p:txBody>
-      </p:sp>
-    </p:spTree>
-    <p:extLst>
-      <p:ext uri="{BB962C8B-B14F-4D97-AF65-F5344CB8AC3E}">
-        <p14:creationId xmlns:p14="http://schemas.microsoft.com/office/powerpoint/2010/main" val="979937731"/>
-      </p:ext>
-    </p:extLst>
-  </p:cSld>
-  <p:clrMapOvr>
-    <a:masterClrMapping/>
-  </p:clrMapOvr>
-</p:sld>
-</file>
-
-<file path=ppt/slides/slide8.xml><?xml version="1.0" encoding="utf-8"?>
-<p:sld xmlns:a="http://schemas.openxmlformats.org/drawingml/2006/main" xmlns:r="http://schemas.openxmlformats.org/officeDocument/2006/relationships" xmlns:p="http://schemas.openxmlformats.org/presentationml/2006/main">
-  <p:cSld>
-    <p:spTree>
-      <p:nvGrpSpPr>
-        <p:cNvPr id="1" name=""/>
-        <p:cNvGrpSpPr/>
-        <p:nvPr/>
-      </p:nvGrpSpPr>
-      <p:grpSpPr>
-        <a:xfrm>
-          <a:off x="0" y="0"/>
-          <a:ext cx="0" cy="0"/>
-          <a:chOff x="0" y="0"/>
-          <a:chExt cx="0" cy="0"/>
-        </a:xfrm>
-      </p:grpSpPr>
-      <p:sp>
-        <p:nvSpPr>
-          <p:cNvPr id="2" name="Title 1"/>
-          <p:cNvSpPr>
-            <a:spLocks noGrp="1"/>
-          </p:cNvSpPr>
-          <p:nvPr>
-            <p:ph type="title"/>
-          </p:nvPr>
-        </p:nvSpPr>
-        <p:spPr/>
-        <p:txBody>
-          <a:bodyPr/>
-          <a:lstStyle/>
-          <a:p>
-            <a:r>
-              <a:rPr lang="en-US" dirty="0">
-                <a:latin typeface="Segoe UI Black" panose="020B0A02040204020203" pitchFamily="34" charset="0"/>
-                <a:ea typeface="Segoe UI Black" panose="020B0A02040204020203" pitchFamily="34" charset="0"/>
-                <a:cs typeface="Segoe UI Black" panose="020B0A02040204020203" pitchFamily="34" charset="0"/>
-              </a:rPr>
-              <a:t>Data (3) Data Exploration</a:t>
-            </a:r>
-          </a:p>
-        </p:txBody>
-      </p:sp>
-      <p:sp>
-        <p:nvSpPr>
-          <p:cNvPr id="14" name="Rectangle 13"/>
-          <p:cNvSpPr/>
-          <p:nvPr/>
-        </p:nvSpPr>
-        <p:spPr>
-          <a:xfrm>
-            <a:off x="1465373" y="1605320"/>
-            <a:ext cx="4630627" cy="400110"/>
-          </a:xfrm>
-          <a:prstGeom prst="rect">
-            <a:avLst/>
-          </a:prstGeom>
-        </p:spPr>
-        <p:txBody>
-          <a:bodyPr wrap="none">
-            <a:spAutoFit/>
-          </a:bodyPr>
-          <a:lstStyle/>
-          <a:p>
-            <a:r>
-              <a:rPr lang="en-US" sz="2000" dirty="0">
-                <a:latin typeface="Segoe UI Light" panose="020B0502040204020203" pitchFamily="34" charset="0"/>
-                <a:cs typeface="Segoe UI Light" panose="020B0502040204020203" pitchFamily="34" charset="0"/>
-              </a:rPr>
-              <a:t>Mean Length of Words Across Categories</a:t>
-            </a:r>
-            <a:endParaRPr lang="en-US" sz="2000" dirty="0"/>
-          </a:p>
-        </p:txBody>
-      </p:sp>
-      <p:pic>
-        <p:nvPicPr>
-          <p:cNvPr id="15" name="Picture 14"/>
-          <p:cNvPicPr>
-            <a:picLocks noChangeAspect="1"/>
-          </p:cNvPicPr>
-          <p:nvPr/>
-        </p:nvPicPr>
-        <p:blipFill>
-          <a:blip r:embed="rId2"/>
-          <a:stretch>
-            <a:fillRect/>
-          </a:stretch>
-        </p:blipFill>
-        <p:spPr>
-          <a:xfrm>
-            <a:off x="400517" y="2029242"/>
-            <a:ext cx="6629017" cy="4514980"/>
-          </a:xfrm>
-          <a:prstGeom prst="rect">
-            <a:avLst/>
-          </a:prstGeom>
-        </p:spPr>
-      </p:pic>
-      <p:sp>
-        <p:nvSpPr>
-          <p:cNvPr id="4" name="Rectangle 3"/>
-          <p:cNvSpPr/>
-          <p:nvPr/>
-        </p:nvSpPr>
-        <p:spPr>
-          <a:xfrm>
-            <a:off x="7267576" y="2343984"/>
-            <a:ext cx="4629150" cy="3970318"/>
-          </a:xfrm>
-          <a:prstGeom prst="rect">
-            <a:avLst/>
-          </a:prstGeom>
-        </p:spPr>
-        <p:txBody>
-          <a:bodyPr wrap="square">
-            <a:spAutoFit/>
-          </a:bodyPr>
-          <a:lstStyle/>
-          <a:p>
-            <a:r>
-              <a:rPr lang="en-US" dirty="0">
-                <a:latin typeface="Segoe UI Light" panose="020B0502040204020203" pitchFamily="34" charset="0"/>
-                <a:cs typeface="Segoe UI Light" panose="020B0502040204020203" pitchFamily="34" charset="0"/>
-              </a:rPr>
-              <a:t>From the results of hypotheses tests we can see that:</a:t>
-            </a:r>
-          </a:p>
-          <a:p>
-            <a:pPr marL="285750" indent="-285750">
-              <a:buFont typeface="Arial" panose="020B0604020202020204" pitchFamily="34" charset="0"/>
-              <a:buChar char="•"/>
-            </a:pPr>
-            <a:endParaRPr lang="en-US" dirty="0">
-              <a:latin typeface="Segoe UI Light" panose="020B0502040204020203" pitchFamily="34" charset="0"/>
-              <a:cs typeface="Segoe UI Light" panose="020B0502040204020203" pitchFamily="34" charset="0"/>
-            </a:endParaRPr>
-          </a:p>
-          <a:p>
-            <a:pPr marL="285750" indent="-285750">
-              <a:buFont typeface="Arial" panose="020B0604020202020204" pitchFamily="34" charset="0"/>
-              <a:buChar char="•"/>
-            </a:pPr>
-            <a:r>
-              <a:rPr lang="en-US" dirty="0">
-                <a:latin typeface="Segoe UI Light" panose="020B0502040204020203" pitchFamily="34" charset="0"/>
-                <a:cs typeface="Segoe UI Light" panose="020B0502040204020203" pitchFamily="34" charset="0"/>
-              </a:rPr>
-              <a:t>There is a statistically significant difference between positive and negative average length of words (p-value of about 0)</a:t>
-            </a:r>
-          </a:p>
-          <a:p>
-            <a:endParaRPr lang="en-US" dirty="0">
-              <a:latin typeface="Segoe UI Light" panose="020B0502040204020203" pitchFamily="34" charset="0"/>
-              <a:cs typeface="Segoe UI Light" panose="020B0502040204020203" pitchFamily="34" charset="0"/>
-            </a:endParaRPr>
-          </a:p>
-          <a:p>
-            <a:pPr marL="285750" indent="-285750">
-              <a:buFont typeface="Arial" panose="020B0604020202020204" pitchFamily="34" charset="0"/>
-              <a:buChar char="•"/>
-            </a:pPr>
-            <a:r>
-              <a:rPr lang="en-US" dirty="0">
-                <a:latin typeface="Segoe UI Light" panose="020B0502040204020203" pitchFamily="34" charset="0"/>
-                <a:cs typeface="Segoe UI Light" panose="020B0502040204020203" pitchFamily="34" charset="0"/>
-              </a:rPr>
-              <a:t>There is a statistically significant difference between trip advisor and non trip advisor sources (p-value of about 0)</a:t>
-            </a:r>
-          </a:p>
-          <a:p>
-            <a:endParaRPr lang="en-US" dirty="0">
-              <a:latin typeface="Segoe UI Light" panose="020B0502040204020203" pitchFamily="34" charset="0"/>
-              <a:cs typeface="Segoe UI Light" panose="020B0502040204020203" pitchFamily="34" charset="0"/>
-            </a:endParaRPr>
-          </a:p>
-          <a:p>
-            <a:pPr marL="285750" indent="-285750">
-              <a:buFont typeface="Arial" panose="020B0604020202020204" pitchFamily="34" charset="0"/>
-              <a:buChar char="•"/>
-            </a:pPr>
-            <a:r>
-              <a:rPr lang="en-US" dirty="0">
-                <a:latin typeface="Segoe UI Light" panose="020B0502040204020203" pitchFamily="34" charset="0"/>
-                <a:cs typeface="Segoe UI Light" panose="020B0502040204020203" pitchFamily="34" charset="0"/>
-              </a:rPr>
-              <a:t>There is a no detectable statistical significance when it comes to deceptive and genuine reviews. (p-value = .2)</a:t>
-            </a:r>
-            <a:endParaRPr lang="en-US" dirty="0">
-              <a:latin typeface="Segoe UI Light" panose="020B0502040204020203" pitchFamily="34" charset="0"/>
-              <a:cs typeface="Segoe UI Light" panose="020B0502040204020203" pitchFamily="34" charset="0"/>
-            </a:endParaRPr>
-          </a:p>
-        </p:txBody>
-      </p:sp>
-    </p:spTree>
-    <p:extLst>
-      <p:ext uri="{BB962C8B-B14F-4D97-AF65-F5344CB8AC3E}">
-        <p14:creationId xmlns:p14="http://schemas.microsoft.com/office/powerpoint/2010/main" val="2001073354"/>
-      </p:ext>
-    </p:extLst>
-  </p:cSld>
-  <p:clrMapOvr>
-    <a:masterClrMapping/>
-  </p:clrMapOvr>
-</p:sld>
-</file>
-
-<file path=ppt/slides/slide9.xml><?xml version="1.0" encoding="utf-8"?>
 <p:sld xmlns:a="http://schemas.openxmlformats.org/drawingml/2006/main" xmlns:r="http://schemas.openxmlformats.org/officeDocument/2006/relationships" xmlns:p="http://schemas.openxmlformats.org/presentationml/2006/main">
   <p:cSld>
     <p:spTree>
@@ -6468,6 +3557,3035 @@
     <p:extLst>
       <p:ext uri="{BB962C8B-B14F-4D97-AF65-F5344CB8AC3E}">
         <p14:creationId xmlns:p14="http://schemas.microsoft.com/office/powerpoint/2010/main" val="3827858598"/>
+      </p:ext>
+    </p:extLst>
+  </p:cSld>
+  <p:clrMapOvr>
+    <a:masterClrMapping/>
+  </p:clrMapOvr>
+</p:sld>
+</file>
+
+<file path=ppt/slides/slide11.xml><?xml version="1.0" encoding="utf-8"?>
+<p:sld xmlns:a="http://schemas.openxmlformats.org/drawingml/2006/main" xmlns:r="http://schemas.openxmlformats.org/officeDocument/2006/relationships" xmlns:p="http://schemas.openxmlformats.org/presentationml/2006/main">
+  <p:cSld>
+    <p:spTree>
+      <p:nvGrpSpPr>
+        <p:cNvPr id="1" name=""/>
+        <p:cNvGrpSpPr/>
+        <p:nvPr/>
+      </p:nvGrpSpPr>
+      <p:grpSpPr>
+        <a:xfrm>
+          <a:off x="0" y="0"/>
+          <a:ext cx="0" cy="0"/>
+          <a:chOff x="0" y="0"/>
+          <a:chExt cx="0" cy="0"/>
+        </a:xfrm>
+      </p:grpSpPr>
+      <p:sp>
+        <p:nvSpPr>
+          <p:cNvPr id="2" name="Title 1"/>
+          <p:cNvSpPr>
+            <a:spLocks noGrp="1"/>
+          </p:cNvSpPr>
+          <p:nvPr>
+            <p:ph type="title"/>
+          </p:nvPr>
+        </p:nvSpPr>
+        <p:spPr/>
+        <p:txBody>
+          <a:bodyPr/>
+          <a:lstStyle/>
+          <a:p>
+            <a:r>
+              <a:rPr lang="en-US" dirty="0">
+                <a:latin typeface="Segoe UI Black" panose="020B0A02040204020203" pitchFamily="34" charset="0"/>
+                <a:ea typeface="Segoe UI Black" panose="020B0A02040204020203" pitchFamily="34" charset="0"/>
+                <a:cs typeface="Segoe UI Black" panose="020B0A02040204020203" pitchFamily="34" charset="0"/>
+              </a:rPr>
+              <a:t>Data Preparation: Categorical Data</a:t>
+            </a:r>
+          </a:p>
+        </p:txBody>
+      </p:sp>
+      <p:sp>
+        <p:nvSpPr>
+          <p:cNvPr id="3" name="Content Placeholder 2"/>
+          <p:cNvSpPr>
+            <a:spLocks noGrp="1"/>
+          </p:cNvSpPr>
+          <p:nvPr>
+            <p:ph idx="1"/>
+          </p:nvPr>
+        </p:nvSpPr>
+        <p:spPr>
+          <a:xfrm>
+            <a:off x="-277845" y="1976926"/>
+            <a:ext cx="10515600" cy="1261524"/>
+          </a:xfrm>
+        </p:spPr>
+        <p:txBody>
+          <a:bodyPr>
+            <a:normAutofit/>
+          </a:bodyPr>
+          <a:lstStyle/>
+          <a:p>
+            <a:pPr marL="0" indent="0" algn="ctr">
+              <a:buNone/>
+            </a:pPr>
+            <a:r>
+              <a:rPr lang="en-US" dirty="0">
+                <a:latin typeface="Segoe UI Light" panose="020B0502040204020203" pitchFamily="34" charset="0"/>
+                <a:cs typeface="Segoe UI Light" panose="020B0502040204020203" pitchFamily="34" charset="0"/>
+              </a:rPr>
+              <a:t>Categorical Data </a:t>
+            </a:r>
+            <a:r>
+              <a:rPr lang="en-US" dirty="0">
+                <a:latin typeface="Segoe UI Light" panose="020B0502040204020203" pitchFamily="34" charset="0"/>
+                <a:cs typeface="Segoe UI Light" panose="020B0502040204020203" pitchFamily="34" charset="0"/>
+                <a:sym typeface="Wingdings" panose="05000000000000000000" pitchFamily="2" charset="2"/>
+              </a:rPr>
+              <a:t> Dummy Variables </a:t>
+            </a:r>
+            <a:r>
+              <a:rPr lang="en-US" u="sng" dirty="0">
+                <a:latin typeface="Segoe UI Light" panose="020B0502040204020203" pitchFamily="34" charset="0"/>
+                <a:cs typeface="Segoe UI Light" panose="020B0502040204020203" pitchFamily="34" charset="0"/>
+                <a:sym typeface="Wingdings" panose="05000000000000000000" pitchFamily="2" charset="2"/>
+              </a:rPr>
+              <a:t>(22 Variables)</a:t>
+            </a:r>
+            <a:endParaRPr lang="en-US" u="sng" dirty="0">
+              <a:latin typeface="Segoe UI Light" panose="020B0502040204020203" pitchFamily="34" charset="0"/>
+              <a:cs typeface="Segoe UI Light" panose="020B0502040204020203" pitchFamily="34" charset="0"/>
+            </a:endParaRPr>
+          </a:p>
+        </p:txBody>
+      </p:sp>
+      <p:pic>
+        <p:nvPicPr>
+          <p:cNvPr id="6" name="Picture 5"/>
+          <p:cNvPicPr>
+            <a:picLocks noChangeAspect="1"/>
+          </p:cNvPicPr>
+          <p:nvPr/>
+        </p:nvPicPr>
+        <p:blipFill rotWithShape="1">
+          <a:blip r:embed="rId2"/>
+          <a:srcRect l="570" t="1336" r="1242" b="2015"/>
+          <a:stretch/>
+        </p:blipFill>
+        <p:spPr>
+          <a:xfrm>
+            <a:off x="1549256" y="2659991"/>
+            <a:ext cx="2067070" cy="1430169"/>
+          </a:xfrm>
+          <a:prstGeom prst="rect">
+            <a:avLst/>
+          </a:prstGeom>
+        </p:spPr>
+      </p:pic>
+      <p:pic>
+        <p:nvPicPr>
+          <p:cNvPr id="7" name="Picture 6"/>
+          <p:cNvPicPr>
+            <a:picLocks noChangeAspect="1"/>
+          </p:cNvPicPr>
+          <p:nvPr/>
+        </p:nvPicPr>
+        <p:blipFill rotWithShape="1">
+          <a:blip r:embed="rId3"/>
+          <a:srcRect l="30746"/>
+          <a:stretch/>
+        </p:blipFill>
+        <p:spPr>
+          <a:xfrm>
+            <a:off x="4402171" y="2607688"/>
+            <a:ext cx="5835584" cy="1366130"/>
+          </a:xfrm>
+          <a:prstGeom prst="rect">
+            <a:avLst/>
+          </a:prstGeom>
+          <a:ln>
+            <a:solidFill>
+              <a:schemeClr val="tx1"/>
+            </a:solidFill>
+          </a:ln>
+        </p:spPr>
+      </p:pic>
+    </p:spTree>
+    <p:extLst>
+      <p:ext uri="{BB962C8B-B14F-4D97-AF65-F5344CB8AC3E}">
+        <p14:creationId xmlns:p14="http://schemas.microsoft.com/office/powerpoint/2010/main" val="1791270702"/>
+      </p:ext>
+    </p:extLst>
+  </p:cSld>
+  <p:clrMapOvr>
+    <a:masterClrMapping/>
+  </p:clrMapOvr>
+</p:sld>
+</file>
+
+<file path=ppt/slides/slide12.xml><?xml version="1.0" encoding="utf-8"?>
+<p:sld xmlns:a="http://schemas.openxmlformats.org/drawingml/2006/main" xmlns:r="http://schemas.openxmlformats.org/officeDocument/2006/relationships" xmlns:p="http://schemas.openxmlformats.org/presentationml/2006/main">
+  <p:cSld>
+    <p:spTree>
+      <p:nvGrpSpPr>
+        <p:cNvPr id="1" name=""/>
+        <p:cNvGrpSpPr/>
+        <p:nvPr/>
+      </p:nvGrpSpPr>
+      <p:grpSpPr>
+        <a:xfrm>
+          <a:off x="0" y="0"/>
+          <a:ext cx="0" cy="0"/>
+          <a:chOff x="0" y="0"/>
+          <a:chExt cx="0" cy="0"/>
+        </a:xfrm>
+      </p:grpSpPr>
+      <p:sp>
+        <p:nvSpPr>
+          <p:cNvPr id="2" name="Title 1"/>
+          <p:cNvSpPr>
+            <a:spLocks noGrp="1"/>
+          </p:cNvSpPr>
+          <p:nvPr>
+            <p:ph type="title"/>
+          </p:nvPr>
+        </p:nvSpPr>
+        <p:spPr/>
+        <p:txBody>
+          <a:bodyPr/>
+          <a:lstStyle/>
+          <a:p>
+            <a:r>
+              <a:rPr lang="en-US" dirty="0">
+                <a:latin typeface="Segoe UI Black" panose="020B0A02040204020203" pitchFamily="34" charset="0"/>
+                <a:ea typeface="Segoe UI Black" panose="020B0A02040204020203" pitchFamily="34" charset="0"/>
+                <a:cs typeface="Segoe UI Black" panose="020B0A02040204020203" pitchFamily="34" charset="0"/>
+              </a:rPr>
+              <a:t>Topic Modeling</a:t>
+            </a:r>
+          </a:p>
+        </p:txBody>
+      </p:sp>
+      <p:sp>
+        <p:nvSpPr>
+          <p:cNvPr id="4" name="Content Placeholder 3"/>
+          <p:cNvSpPr>
+            <a:spLocks noGrp="1"/>
+          </p:cNvSpPr>
+          <p:nvPr>
+            <p:ph idx="1"/>
+          </p:nvPr>
+        </p:nvSpPr>
+        <p:spPr>
+          <a:xfrm>
+            <a:off x="838200" y="1825625"/>
+            <a:ext cx="10515600" cy="2486316"/>
+          </a:xfrm>
+        </p:spPr>
+        <p:txBody>
+          <a:bodyPr>
+            <a:normAutofit/>
+          </a:bodyPr>
+          <a:lstStyle/>
+          <a:p>
+            <a:r>
+              <a:rPr lang="en-US" dirty="0">
+                <a:latin typeface="Segoe UI Light" panose="020B0502040204020203" pitchFamily="34" charset="0"/>
+                <a:cs typeface="Segoe UI Light" panose="020B0502040204020203" pitchFamily="34" charset="0"/>
+              </a:rPr>
+              <a:t>Use Latent Semantic Indexing</a:t>
+            </a:r>
+          </a:p>
+          <a:p>
+            <a:pPr lvl="1"/>
+            <a:r>
+              <a:rPr lang="en-US" dirty="0">
+                <a:latin typeface="Segoe UI Light" panose="020B0502040204020203" pitchFamily="34" charset="0"/>
+                <a:cs typeface="Segoe UI Light" panose="020B0502040204020203" pitchFamily="34" charset="0"/>
+              </a:rPr>
+              <a:t>Data Reduction Technique based on “Singular Value Decomposition”</a:t>
+            </a:r>
+          </a:p>
+          <a:p>
+            <a:pPr lvl="1"/>
+            <a:r>
+              <a:rPr lang="en-US" dirty="0">
+                <a:latin typeface="Segoe UI Light" panose="020B0502040204020203" pitchFamily="34" charset="0"/>
+                <a:cs typeface="Segoe UI Light" panose="020B0502040204020203" pitchFamily="34" charset="0"/>
+              </a:rPr>
+              <a:t>Reduces Tokenized Table for each of 1600 review into </a:t>
+            </a:r>
+            <a:r>
+              <a:rPr lang="en-US" u="sng" dirty="0">
+                <a:latin typeface="Segoe UI Light" panose="020B0502040204020203" pitchFamily="34" charset="0"/>
+                <a:cs typeface="Segoe UI Light" panose="020B0502040204020203" pitchFamily="34" charset="0"/>
+              </a:rPr>
+              <a:t>300 variables</a:t>
+            </a:r>
+          </a:p>
+          <a:p>
+            <a:pPr lvl="2"/>
+            <a:r>
+              <a:rPr lang="en-US" dirty="0">
+                <a:latin typeface="Segoe UI Light" panose="020B0502040204020203" pitchFamily="34" charset="0"/>
+                <a:cs typeface="Segoe UI Light" panose="020B0502040204020203" pitchFamily="34" charset="0"/>
+              </a:rPr>
+              <a:t>Think of each variable as a “topic” for example:</a:t>
+            </a:r>
+          </a:p>
+          <a:p>
+            <a:pPr lvl="3"/>
+            <a:r>
+              <a:rPr lang="en-US" dirty="0">
+                <a:latin typeface="Segoe UI Light" panose="020B0502040204020203" pitchFamily="34" charset="0"/>
+                <a:cs typeface="Segoe UI Light" panose="020B0502040204020203" pitchFamily="34" charset="0"/>
+              </a:rPr>
+              <a:t>“An amazing Family Vacation” Topic</a:t>
+            </a:r>
+          </a:p>
+          <a:p>
+            <a:pPr lvl="3"/>
+            <a:r>
+              <a:rPr lang="en-US" dirty="0">
+                <a:latin typeface="Segoe UI Light" panose="020B0502040204020203" pitchFamily="34" charset="0"/>
+                <a:cs typeface="Segoe UI Light" panose="020B0502040204020203" pitchFamily="34" charset="0"/>
+              </a:rPr>
+              <a:t>“Honey moon gone awry review” Topic</a:t>
+            </a:r>
+          </a:p>
+        </p:txBody>
+      </p:sp>
+      <p:sp>
+        <p:nvSpPr>
+          <p:cNvPr id="6" name="Rectangle 5"/>
+          <p:cNvSpPr/>
+          <p:nvPr/>
+        </p:nvSpPr>
+        <p:spPr>
+          <a:xfrm>
+            <a:off x="1367405" y="4513277"/>
+            <a:ext cx="2063692" cy="2063692"/>
+          </a:xfrm>
+          <a:prstGeom prst="rect">
+            <a:avLst/>
+          </a:prstGeom>
+          <a:solidFill>
+            <a:schemeClr val="tx1"/>
+          </a:solidFill>
+          <a:ln>
+            <a:solidFill>
+              <a:schemeClr val="bg1"/>
+            </a:solidFill>
+          </a:ln>
+        </p:spPr>
+        <p:style>
+          <a:lnRef idx="2">
+            <a:schemeClr val="accent1">
+              <a:shade val="50000"/>
+            </a:schemeClr>
+          </a:lnRef>
+          <a:fillRef idx="1">
+            <a:schemeClr val="accent1"/>
+          </a:fillRef>
+          <a:effectRef idx="0">
+            <a:schemeClr val="accent1"/>
+          </a:effectRef>
+          <a:fontRef idx="minor">
+            <a:schemeClr val="lt1"/>
+          </a:fontRef>
+        </p:style>
+        <p:txBody>
+          <a:bodyPr rtlCol="0" anchor="ctr"/>
+          <a:lstStyle/>
+          <a:p>
+            <a:pPr algn="ctr"/>
+            <a:r>
+              <a:rPr lang="en-US" dirty="0"/>
+              <a:t>Frequency</a:t>
+            </a:r>
+          </a:p>
+        </p:txBody>
+      </p:sp>
+      <p:sp>
+        <p:nvSpPr>
+          <p:cNvPr id="7" name="Rectangle 6"/>
+          <p:cNvSpPr/>
+          <p:nvPr/>
+        </p:nvSpPr>
+        <p:spPr>
+          <a:xfrm>
+            <a:off x="1367405" y="4513277"/>
+            <a:ext cx="2063692" cy="234892"/>
+          </a:xfrm>
+          <a:prstGeom prst="rect">
+            <a:avLst/>
+          </a:prstGeom>
+          <a:solidFill>
+            <a:schemeClr val="tx1"/>
+          </a:solidFill>
+          <a:ln>
+            <a:solidFill>
+              <a:schemeClr val="bg1"/>
+            </a:solidFill>
+          </a:ln>
+        </p:spPr>
+        <p:style>
+          <a:lnRef idx="2">
+            <a:schemeClr val="accent1">
+              <a:shade val="50000"/>
+            </a:schemeClr>
+          </a:lnRef>
+          <a:fillRef idx="1">
+            <a:schemeClr val="accent1"/>
+          </a:fillRef>
+          <a:effectRef idx="0">
+            <a:schemeClr val="accent1"/>
+          </a:effectRef>
+          <a:fontRef idx="minor">
+            <a:schemeClr val="lt1"/>
+          </a:fontRef>
+        </p:style>
+        <p:txBody>
+          <a:bodyPr rtlCol="0" anchor="ctr"/>
+          <a:lstStyle/>
+          <a:p>
+            <a:pPr algn="ctr"/>
+            <a:r>
+              <a:rPr lang="en-US" dirty="0"/>
+              <a:t>Every Word</a:t>
+            </a:r>
+          </a:p>
+        </p:txBody>
+      </p:sp>
+      <p:sp>
+        <p:nvSpPr>
+          <p:cNvPr id="8" name="Rectangle 7"/>
+          <p:cNvSpPr/>
+          <p:nvPr/>
+        </p:nvSpPr>
+        <p:spPr>
+          <a:xfrm rot="16200000">
+            <a:off x="507533" y="5373148"/>
+            <a:ext cx="2063692" cy="343949"/>
+          </a:xfrm>
+          <a:prstGeom prst="rect">
+            <a:avLst/>
+          </a:prstGeom>
+          <a:solidFill>
+            <a:schemeClr val="tx1"/>
+          </a:solidFill>
+          <a:ln>
+            <a:solidFill>
+              <a:schemeClr val="bg1"/>
+            </a:solidFill>
+          </a:ln>
+        </p:spPr>
+        <p:style>
+          <a:lnRef idx="2">
+            <a:schemeClr val="accent1">
+              <a:shade val="50000"/>
+            </a:schemeClr>
+          </a:lnRef>
+          <a:fillRef idx="1">
+            <a:schemeClr val="accent1"/>
+          </a:fillRef>
+          <a:effectRef idx="0">
+            <a:schemeClr val="accent1"/>
+          </a:effectRef>
+          <a:fontRef idx="minor">
+            <a:schemeClr val="lt1"/>
+          </a:fontRef>
+        </p:style>
+        <p:txBody>
+          <a:bodyPr rtlCol="0" anchor="ctr"/>
+          <a:lstStyle/>
+          <a:p>
+            <a:pPr algn="ctr"/>
+            <a:r>
+              <a:rPr lang="en-US" dirty="0"/>
+              <a:t>1600 Reviews</a:t>
+            </a:r>
+          </a:p>
+        </p:txBody>
+      </p:sp>
+      <p:sp>
+        <p:nvSpPr>
+          <p:cNvPr id="9" name="Rectangle 8"/>
+          <p:cNvSpPr/>
+          <p:nvPr/>
+        </p:nvSpPr>
+        <p:spPr>
+          <a:xfrm>
+            <a:off x="8365221" y="4513277"/>
+            <a:ext cx="2063692" cy="2063692"/>
+          </a:xfrm>
+          <a:prstGeom prst="rect">
+            <a:avLst/>
+          </a:prstGeom>
+          <a:solidFill>
+            <a:schemeClr val="tx1"/>
+          </a:solidFill>
+          <a:ln>
+            <a:solidFill>
+              <a:schemeClr val="bg1"/>
+            </a:solidFill>
+          </a:ln>
+        </p:spPr>
+        <p:style>
+          <a:lnRef idx="2">
+            <a:schemeClr val="accent1">
+              <a:shade val="50000"/>
+            </a:schemeClr>
+          </a:lnRef>
+          <a:fillRef idx="1">
+            <a:schemeClr val="accent1"/>
+          </a:fillRef>
+          <a:effectRef idx="0">
+            <a:schemeClr val="accent1"/>
+          </a:effectRef>
+          <a:fontRef idx="minor">
+            <a:schemeClr val="lt1"/>
+          </a:fontRef>
+        </p:style>
+        <p:txBody>
+          <a:bodyPr rtlCol="0" anchor="ctr"/>
+          <a:lstStyle/>
+          <a:p>
+            <a:pPr algn="ctr"/>
+            <a:r>
+              <a:rPr lang="en-US" dirty="0"/>
+              <a:t>Weight</a:t>
+            </a:r>
+          </a:p>
+        </p:txBody>
+      </p:sp>
+      <p:sp>
+        <p:nvSpPr>
+          <p:cNvPr id="10" name="Rectangle 9"/>
+          <p:cNvSpPr/>
+          <p:nvPr/>
+        </p:nvSpPr>
+        <p:spPr>
+          <a:xfrm>
+            <a:off x="8365221" y="4513277"/>
+            <a:ext cx="2063692" cy="234892"/>
+          </a:xfrm>
+          <a:prstGeom prst="rect">
+            <a:avLst/>
+          </a:prstGeom>
+          <a:solidFill>
+            <a:schemeClr val="tx1"/>
+          </a:solidFill>
+          <a:ln>
+            <a:solidFill>
+              <a:schemeClr val="bg1"/>
+            </a:solidFill>
+          </a:ln>
+        </p:spPr>
+        <p:style>
+          <a:lnRef idx="2">
+            <a:schemeClr val="accent1">
+              <a:shade val="50000"/>
+            </a:schemeClr>
+          </a:lnRef>
+          <a:fillRef idx="1">
+            <a:schemeClr val="accent1"/>
+          </a:fillRef>
+          <a:effectRef idx="0">
+            <a:schemeClr val="accent1"/>
+          </a:effectRef>
+          <a:fontRef idx="minor">
+            <a:schemeClr val="lt1"/>
+          </a:fontRef>
+        </p:style>
+        <p:txBody>
+          <a:bodyPr rtlCol="0" anchor="ctr"/>
+          <a:lstStyle/>
+          <a:p>
+            <a:pPr algn="ctr"/>
+            <a:r>
+              <a:rPr lang="en-US" dirty="0"/>
+              <a:t>300 Topics</a:t>
+            </a:r>
+          </a:p>
+        </p:txBody>
+      </p:sp>
+      <p:sp>
+        <p:nvSpPr>
+          <p:cNvPr id="11" name="Rectangle 10"/>
+          <p:cNvSpPr/>
+          <p:nvPr/>
+        </p:nvSpPr>
+        <p:spPr>
+          <a:xfrm rot="16200000">
+            <a:off x="7505349" y="5373148"/>
+            <a:ext cx="2063692" cy="343949"/>
+          </a:xfrm>
+          <a:prstGeom prst="rect">
+            <a:avLst/>
+          </a:prstGeom>
+          <a:solidFill>
+            <a:schemeClr val="tx1"/>
+          </a:solidFill>
+          <a:ln>
+            <a:solidFill>
+              <a:schemeClr val="bg1"/>
+            </a:solidFill>
+          </a:ln>
+        </p:spPr>
+        <p:style>
+          <a:lnRef idx="2">
+            <a:schemeClr val="accent1">
+              <a:shade val="50000"/>
+            </a:schemeClr>
+          </a:lnRef>
+          <a:fillRef idx="1">
+            <a:schemeClr val="accent1"/>
+          </a:fillRef>
+          <a:effectRef idx="0">
+            <a:schemeClr val="accent1"/>
+          </a:effectRef>
+          <a:fontRef idx="minor">
+            <a:schemeClr val="lt1"/>
+          </a:fontRef>
+        </p:style>
+        <p:txBody>
+          <a:bodyPr rtlCol="0" anchor="ctr"/>
+          <a:lstStyle/>
+          <a:p>
+            <a:pPr algn="ctr"/>
+            <a:r>
+              <a:rPr lang="en-US" dirty="0"/>
+              <a:t>1600 Reviews</a:t>
+            </a:r>
+          </a:p>
+        </p:txBody>
+      </p:sp>
+      <p:sp>
+        <p:nvSpPr>
+          <p:cNvPr id="14" name="Arrow: Right 13"/>
+          <p:cNvSpPr/>
+          <p:nvPr/>
+        </p:nvSpPr>
+        <p:spPr>
+          <a:xfrm>
+            <a:off x="4414005" y="5010322"/>
+            <a:ext cx="2634143" cy="1069599"/>
+          </a:xfrm>
+          <a:prstGeom prst="rightArrow">
+            <a:avLst/>
+          </a:prstGeom>
+          <a:solidFill>
+            <a:schemeClr val="tx1"/>
+          </a:solidFill>
+          <a:ln>
+            <a:solidFill>
+              <a:schemeClr val="tx1"/>
+            </a:solidFill>
+          </a:ln>
+        </p:spPr>
+        <p:style>
+          <a:lnRef idx="2">
+            <a:schemeClr val="accent1">
+              <a:shade val="50000"/>
+            </a:schemeClr>
+          </a:lnRef>
+          <a:fillRef idx="1">
+            <a:schemeClr val="accent1"/>
+          </a:fillRef>
+          <a:effectRef idx="0">
+            <a:schemeClr val="accent1"/>
+          </a:effectRef>
+          <a:fontRef idx="minor">
+            <a:schemeClr val="lt1"/>
+          </a:fontRef>
+        </p:style>
+        <p:txBody>
+          <a:bodyPr rtlCol="0" anchor="ctr"/>
+          <a:lstStyle/>
+          <a:p>
+            <a:pPr algn="ctr"/>
+            <a:r>
+              <a:rPr lang="en-US" dirty="0">
+                <a:latin typeface="Segoe UI Black" panose="020B0A02040204020203" pitchFamily="34" charset="0"/>
+                <a:ea typeface="Segoe UI Black" panose="020B0A02040204020203" pitchFamily="34" charset="0"/>
+                <a:cs typeface="Segoe UI Black" panose="020B0A02040204020203" pitchFamily="34" charset="0"/>
+              </a:rPr>
+              <a:t>LSI w </a:t>
+            </a:r>
+          </a:p>
+          <a:p>
+            <a:pPr algn="ctr"/>
+            <a:r>
+              <a:rPr lang="en-US" dirty="0">
+                <a:latin typeface="Segoe UI Black" panose="020B0A02040204020203" pitchFamily="34" charset="0"/>
+                <a:ea typeface="Segoe UI Black" panose="020B0A02040204020203" pitchFamily="34" charset="0"/>
+                <a:cs typeface="Segoe UI Black" panose="020B0A02040204020203" pitchFamily="34" charset="0"/>
+              </a:rPr>
+              <a:t>300 Topics</a:t>
+            </a:r>
+          </a:p>
+        </p:txBody>
+      </p:sp>
+    </p:spTree>
+    <p:extLst>
+      <p:ext uri="{BB962C8B-B14F-4D97-AF65-F5344CB8AC3E}">
+        <p14:creationId xmlns:p14="http://schemas.microsoft.com/office/powerpoint/2010/main" val="2278922432"/>
+      </p:ext>
+    </p:extLst>
+  </p:cSld>
+  <p:clrMapOvr>
+    <a:masterClrMapping/>
+  </p:clrMapOvr>
+</p:sld>
+</file>
+
+<file path=ppt/slides/slide13.xml><?xml version="1.0" encoding="utf-8"?>
+<p:sld xmlns:a="http://schemas.openxmlformats.org/drawingml/2006/main" xmlns:r="http://schemas.openxmlformats.org/officeDocument/2006/relationships" xmlns:p="http://schemas.openxmlformats.org/presentationml/2006/main">
+  <p:cSld>
+    <p:spTree>
+      <p:nvGrpSpPr>
+        <p:cNvPr id="1" name=""/>
+        <p:cNvGrpSpPr/>
+        <p:nvPr/>
+      </p:nvGrpSpPr>
+      <p:grpSpPr>
+        <a:xfrm>
+          <a:off x="0" y="0"/>
+          <a:ext cx="0" cy="0"/>
+          <a:chOff x="0" y="0"/>
+          <a:chExt cx="0" cy="0"/>
+        </a:xfrm>
+      </p:grpSpPr>
+      <p:sp>
+        <p:nvSpPr>
+          <p:cNvPr id="2" name="Title 1"/>
+          <p:cNvSpPr>
+            <a:spLocks noGrp="1"/>
+          </p:cNvSpPr>
+          <p:nvPr>
+            <p:ph type="title"/>
+          </p:nvPr>
+        </p:nvSpPr>
+        <p:spPr/>
+        <p:txBody>
+          <a:bodyPr/>
+          <a:lstStyle/>
+          <a:p>
+            <a:r>
+              <a:rPr lang="en-US" dirty="0">
+                <a:latin typeface="Segoe UI Black" panose="020B0A02040204020203" pitchFamily="34" charset="0"/>
+                <a:ea typeface="Segoe UI Black" panose="020B0A02040204020203" pitchFamily="34" charset="0"/>
+                <a:cs typeface="Segoe UI Black" panose="020B0A02040204020203" pitchFamily="34" charset="0"/>
+              </a:rPr>
+              <a:t>Classification</a:t>
+            </a:r>
+          </a:p>
+        </p:txBody>
+      </p:sp>
+      <p:sp>
+        <p:nvSpPr>
+          <p:cNvPr id="3" name="Content Placeholder 2"/>
+          <p:cNvSpPr>
+            <a:spLocks noGrp="1"/>
+          </p:cNvSpPr>
+          <p:nvPr>
+            <p:ph idx="1"/>
+          </p:nvPr>
+        </p:nvSpPr>
+        <p:spPr/>
+        <p:txBody>
+          <a:bodyPr>
+            <a:normAutofit fontScale="92500" lnSpcReduction="10000"/>
+          </a:bodyPr>
+          <a:lstStyle/>
+          <a:p>
+            <a:r>
+              <a:rPr lang="en-US" dirty="0">
+                <a:latin typeface="Segoe UI Light" panose="020B0502040204020203" pitchFamily="34" charset="0"/>
+                <a:cs typeface="Segoe UI Light" panose="020B0502040204020203" pitchFamily="34" charset="0"/>
+              </a:rPr>
+              <a:t>6 Classification Models</a:t>
+            </a:r>
+          </a:p>
+          <a:p>
+            <a:pPr lvl="1"/>
+            <a:r>
+              <a:rPr lang="en-US" dirty="0">
+                <a:latin typeface="Segoe UI Light" panose="020B0502040204020203" pitchFamily="34" charset="0"/>
+                <a:cs typeface="Segoe UI Light" panose="020B0502040204020203" pitchFamily="34" charset="0"/>
+              </a:rPr>
+              <a:t>Logistic Regression</a:t>
+            </a:r>
+          </a:p>
+          <a:p>
+            <a:pPr lvl="1"/>
+            <a:r>
+              <a:rPr lang="en-US" dirty="0">
+                <a:latin typeface="Segoe UI Light" panose="020B0502040204020203" pitchFamily="34" charset="0"/>
+                <a:cs typeface="Segoe UI Light" panose="020B0502040204020203" pitchFamily="34" charset="0"/>
+              </a:rPr>
+              <a:t>Linear Discriminant Analysis</a:t>
+            </a:r>
+          </a:p>
+          <a:p>
+            <a:pPr lvl="1"/>
+            <a:r>
+              <a:rPr lang="en-US" dirty="0">
+                <a:latin typeface="Segoe UI Light" panose="020B0502040204020203" pitchFamily="34" charset="0"/>
+                <a:cs typeface="Segoe UI Light" panose="020B0502040204020203" pitchFamily="34" charset="0"/>
+              </a:rPr>
+              <a:t>K Nearest Neighbor Classification</a:t>
+            </a:r>
+          </a:p>
+          <a:p>
+            <a:pPr lvl="1"/>
+            <a:r>
+              <a:rPr lang="en-US" dirty="0">
+                <a:latin typeface="Segoe UI Light" panose="020B0502040204020203" pitchFamily="34" charset="0"/>
+                <a:cs typeface="Segoe UI Light" panose="020B0502040204020203" pitchFamily="34" charset="0"/>
+              </a:rPr>
+              <a:t>Decision Trees</a:t>
+            </a:r>
+          </a:p>
+          <a:p>
+            <a:pPr lvl="1"/>
+            <a:r>
+              <a:rPr lang="en-US" dirty="0">
+                <a:latin typeface="Segoe UI Light" panose="020B0502040204020203" pitchFamily="34" charset="0"/>
+                <a:cs typeface="Segoe UI Light" panose="020B0502040204020203" pitchFamily="34" charset="0"/>
+              </a:rPr>
+              <a:t>Naive Bayes</a:t>
+            </a:r>
+          </a:p>
+          <a:p>
+            <a:pPr lvl="1"/>
+            <a:r>
+              <a:rPr lang="en-US" dirty="0">
+                <a:latin typeface="Segoe UI Light" panose="020B0502040204020203" pitchFamily="34" charset="0"/>
+                <a:cs typeface="Segoe UI Light" panose="020B0502040204020203" pitchFamily="34" charset="0"/>
+              </a:rPr>
+              <a:t>Support Vector Classifier</a:t>
+            </a:r>
+          </a:p>
+          <a:p>
+            <a:pPr lvl="1"/>
+            <a:endParaRPr lang="en-US" dirty="0">
+              <a:latin typeface="Segoe UI Light" panose="020B0502040204020203" pitchFamily="34" charset="0"/>
+              <a:cs typeface="Segoe UI Light" panose="020B0502040204020203" pitchFamily="34" charset="0"/>
+            </a:endParaRPr>
+          </a:p>
+          <a:p>
+            <a:r>
+              <a:rPr lang="en-US" dirty="0">
+                <a:latin typeface="Segoe UI Light" panose="020B0502040204020203" pitchFamily="34" charset="0"/>
+                <a:cs typeface="Segoe UI Light" panose="020B0502040204020203" pitchFamily="34" charset="0"/>
+              </a:rPr>
+              <a:t>Three sets of Features:</a:t>
+            </a:r>
+          </a:p>
+          <a:p>
+            <a:pPr lvl="1"/>
+            <a:r>
+              <a:rPr lang="en-US" dirty="0">
+                <a:latin typeface="Segoe UI Light" panose="020B0502040204020203" pitchFamily="34" charset="0"/>
+                <a:cs typeface="Segoe UI Light" panose="020B0502040204020203" pitchFamily="34" charset="0"/>
+              </a:rPr>
+              <a:t>X1 = Topics Only (300 Variables) </a:t>
+            </a:r>
+          </a:p>
+          <a:p>
+            <a:pPr lvl="1"/>
+            <a:r>
+              <a:rPr lang="en-US" dirty="0">
+                <a:latin typeface="Segoe UI Light" panose="020B0502040204020203" pitchFamily="34" charset="0"/>
+                <a:cs typeface="Segoe UI Light" panose="020B0502040204020203" pitchFamily="34" charset="0"/>
+              </a:rPr>
+              <a:t>X2 = Topics + Parts of Speech Metrics (300 + 4) </a:t>
+            </a:r>
+          </a:p>
+          <a:p>
+            <a:pPr lvl="1"/>
+            <a:r>
+              <a:rPr lang="en-US" dirty="0">
+                <a:latin typeface="Segoe UI Light" panose="020B0502040204020203" pitchFamily="34" charset="0"/>
+                <a:cs typeface="Segoe UI Light" panose="020B0502040204020203" pitchFamily="34" charset="0"/>
+              </a:rPr>
+              <a:t>X3 = Topics + Parts of Speech Metrics + Dummy Variables (300 + 4 + 22)</a:t>
+            </a:r>
+          </a:p>
+          <a:p>
+            <a:pPr lvl="1"/>
+            <a:endParaRPr lang="en-US" dirty="0">
+              <a:latin typeface="Segoe UI Light" panose="020B0502040204020203" pitchFamily="34" charset="0"/>
+              <a:cs typeface="Segoe UI Light" panose="020B0502040204020203" pitchFamily="34" charset="0"/>
+            </a:endParaRPr>
+          </a:p>
+        </p:txBody>
+      </p:sp>
+    </p:spTree>
+    <p:extLst>
+      <p:ext uri="{BB962C8B-B14F-4D97-AF65-F5344CB8AC3E}">
+        <p14:creationId xmlns:p14="http://schemas.microsoft.com/office/powerpoint/2010/main" val="911059835"/>
+      </p:ext>
+    </p:extLst>
+  </p:cSld>
+  <p:clrMapOvr>
+    <a:masterClrMapping/>
+  </p:clrMapOvr>
+</p:sld>
+</file>
+
+<file path=ppt/slides/slide14.xml><?xml version="1.0" encoding="utf-8"?>
+<p:sld xmlns:a="http://schemas.openxmlformats.org/drawingml/2006/main" xmlns:r="http://schemas.openxmlformats.org/officeDocument/2006/relationships" xmlns:p="http://schemas.openxmlformats.org/presentationml/2006/main">
+  <p:cSld>
+    <p:spTree>
+      <p:nvGrpSpPr>
+        <p:cNvPr id="1" name=""/>
+        <p:cNvGrpSpPr/>
+        <p:nvPr/>
+      </p:nvGrpSpPr>
+      <p:grpSpPr>
+        <a:xfrm>
+          <a:off x="0" y="0"/>
+          <a:ext cx="0" cy="0"/>
+          <a:chOff x="0" y="0"/>
+          <a:chExt cx="0" cy="0"/>
+        </a:xfrm>
+      </p:grpSpPr>
+      <p:sp>
+        <p:nvSpPr>
+          <p:cNvPr id="2" name="Title 1"/>
+          <p:cNvSpPr>
+            <a:spLocks noGrp="1"/>
+          </p:cNvSpPr>
+          <p:nvPr>
+            <p:ph type="title"/>
+          </p:nvPr>
+        </p:nvSpPr>
+        <p:spPr/>
+        <p:txBody>
+          <a:bodyPr/>
+          <a:lstStyle/>
+          <a:p>
+            <a:r>
+              <a:rPr lang="en-US" dirty="0">
+                <a:latin typeface="Segoe UI Black" panose="020B0A02040204020203" pitchFamily="34" charset="0"/>
+                <a:ea typeface="Segoe UI Black" panose="020B0A02040204020203" pitchFamily="34" charset="0"/>
+                <a:cs typeface="Segoe UI Black" panose="020B0A02040204020203" pitchFamily="34" charset="0"/>
+              </a:rPr>
+              <a:t>Results (1)</a:t>
+            </a:r>
+          </a:p>
+        </p:txBody>
+      </p:sp>
+      <p:pic>
+        <p:nvPicPr>
+          <p:cNvPr id="6" name="Content Placeholder 5"/>
+          <p:cNvPicPr>
+            <a:picLocks noGrp="1" noChangeAspect="1"/>
+          </p:cNvPicPr>
+          <p:nvPr>
+            <p:ph idx="1"/>
+          </p:nvPr>
+        </p:nvPicPr>
+        <p:blipFill>
+          <a:blip r:embed="rId2">
+            <a:extLst>
+              <a:ext uri="{28A0092B-C50C-407E-A947-70E740481C1C}">
+                <a14:useLocalDpi xmlns:a14="http://schemas.microsoft.com/office/drawing/2010/main" val="0"/>
+              </a:ext>
+            </a:extLst>
+          </a:blip>
+          <a:stretch>
+            <a:fillRect/>
+          </a:stretch>
+        </p:blipFill>
+        <p:spPr>
+          <a:xfrm>
+            <a:off x="8773631" y="2235262"/>
+            <a:ext cx="3060064" cy="3195183"/>
+          </a:xfrm>
+        </p:spPr>
+      </p:pic>
+      <p:pic>
+        <p:nvPicPr>
+          <p:cNvPr id="8" name="Picture 7"/>
+          <p:cNvPicPr>
+            <a:picLocks noChangeAspect="1"/>
+          </p:cNvPicPr>
+          <p:nvPr/>
+        </p:nvPicPr>
+        <p:blipFill>
+          <a:blip r:embed="rId3">
+            <a:extLst>
+              <a:ext uri="{28A0092B-C50C-407E-A947-70E740481C1C}">
+                <a14:useLocalDpi xmlns:a14="http://schemas.microsoft.com/office/drawing/2010/main" val="0"/>
+              </a:ext>
+            </a:extLst>
+          </a:blip>
+          <a:stretch>
+            <a:fillRect/>
+          </a:stretch>
+        </p:blipFill>
+        <p:spPr>
+          <a:xfrm>
+            <a:off x="1157891" y="2219338"/>
+            <a:ext cx="3107753" cy="3211080"/>
+          </a:xfrm>
+          <a:prstGeom prst="rect">
+            <a:avLst/>
+          </a:prstGeom>
+        </p:spPr>
+      </p:pic>
+      <p:pic>
+        <p:nvPicPr>
+          <p:cNvPr id="10" name="Picture 9"/>
+          <p:cNvPicPr>
+            <a:picLocks noChangeAspect="1"/>
+          </p:cNvPicPr>
+          <p:nvPr/>
+        </p:nvPicPr>
+        <p:blipFill>
+          <a:blip r:embed="rId4">
+            <a:extLst>
+              <a:ext uri="{28A0092B-C50C-407E-A947-70E740481C1C}">
+                <a14:useLocalDpi xmlns:a14="http://schemas.microsoft.com/office/drawing/2010/main" val="0"/>
+              </a:ext>
+            </a:extLst>
+          </a:blip>
+          <a:stretch>
+            <a:fillRect/>
+          </a:stretch>
+        </p:blipFill>
+        <p:spPr>
+          <a:xfrm>
+            <a:off x="4907336" y="2237999"/>
+            <a:ext cx="3091857" cy="3091857"/>
+          </a:xfrm>
+          <a:prstGeom prst="rect">
+            <a:avLst/>
+          </a:prstGeom>
+        </p:spPr>
+      </p:pic>
+      <p:sp>
+        <p:nvSpPr>
+          <p:cNvPr id="12" name="Rectangle 11"/>
+          <p:cNvSpPr/>
+          <p:nvPr/>
+        </p:nvSpPr>
+        <p:spPr>
+          <a:xfrm>
+            <a:off x="263313" y="1453301"/>
+            <a:ext cx="3660711" cy="400110"/>
+          </a:xfrm>
+          <a:prstGeom prst="rect">
+            <a:avLst/>
+          </a:prstGeom>
+        </p:spPr>
+        <p:txBody>
+          <a:bodyPr wrap="square">
+            <a:spAutoFit/>
+          </a:bodyPr>
+          <a:lstStyle/>
+          <a:p>
+            <a:pPr lvl="1" algn="ctr"/>
+            <a:r>
+              <a:rPr lang="en-US" sz="2000" dirty="0">
+                <a:latin typeface="Segoe UI Light" panose="020B0502040204020203" pitchFamily="34" charset="0"/>
+                <a:cs typeface="Segoe UI Light" panose="020B0502040204020203" pitchFamily="34" charset="0"/>
+              </a:rPr>
+              <a:t>Topics Only</a:t>
+            </a:r>
+          </a:p>
+        </p:txBody>
+      </p:sp>
+      <p:sp>
+        <p:nvSpPr>
+          <p:cNvPr id="13" name="Rectangle 12"/>
+          <p:cNvSpPr/>
+          <p:nvPr/>
+        </p:nvSpPr>
+        <p:spPr>
+          <a:xfrm>
+            <a:off x="4265644" y="1290023"/>
+            <a:ext cx="3660711" cy="707886"/>
+          </a:xfrm>
+          <a:prstGeom prst="rect">
+            <a:avLst/>
+          </a:prstGeom>
+        </p:spPr>
+        <p:txBody>
+          <a:bodyPr wrap="square">
+            <a:spAutoFit/>
+          </a:bodyPr>
+          <a:lstStyle/>
+          <a:p>
+            <a:pPr algn="ctr"/>
+            <a:r>
+              <a:rPr lang="en-US" sz="2000" dirty="0">
+                <a:latin typeface="Segoe UI Light" panose="020B0502040204020203" pitchFamily="34" charset="0"/>
+                <a:cs typeface="Segoe UI Light" panose="020B0502040204020203" pitchFamily="34" charset="0"/>
+              </a:rPr>
+              <a:t>Previous + Parts of Speech Metrics</a:t>
+            </a:r>
+          </a:p>
+        </p:txBody>
+      </p:sp>
+      <p:sp>
+        <p:nvSpPr>
+          <p:cNvPr id="14" name="Rectangle 13"/>
+          <p:cNvSpPr/>
+          <p:nvPr/>
+        </p:nvSpPr>
+        <p:spPr>
+          <a:xfrm>
+            <a:off x="8340009" y="1451250"/>
+            <a:ext cx="3660711" cy="400110"/>
+          </a:xfrm>
+          <a:prstGeom prst="rect">
+            <a:avLst/>
+          </a:prstGeom>
+        </p:spPr>
+        <p:txBody>
+          <a:bodyPr wrap="square">
+            <a:spAutoFit/>
+          </a:bodyPr>
+          <a:lstStyle/>
+          <a:p>
+            <a:pPr algn="ctr"/>
+            <a:r>
+              <a:rPr lang="en-US" sz="2000" dirty="0">
+                <a:latin typeface="Segoe UI Light" panose="020B0502040204020203" pitchFamily="34" charset="0"/>
+                <a:cs typeface="Segoe UI Light" panose="020B0502040204020203" pitchFamily="34" charset="0"/>
+              </a:rPr>
+              <a:t>Previous + Dummy Variables</a:t>
+            </a:r>
+          </a:p>
+        </p:txBody>
+      </p:sp>
+      <p:sp>
+        <p:nvSpPr>
+          <p:cNvPr id="15" name="Rectangle 14"/>
+          <p:cNvSpPr/>
+          <p:nvPr/>
+        </p:nvSpPr>
+        <p:spPr>
+          <a:xfrm>
+            <a:off x="4891533" y="3081610"/>
+            <a:ext cx="3245016" cy="3543548"/>
+          </a:xfrm>
+          <a:prstGeom prst="rect">
+            <a:avLst/>
+          </a:prstGeom>
+          <a:solidFill>
+            <a:schemeClr val="bg2">
+              <a:alpha val="33000"/>
+            </a:schemeClr>
+          </a:solidFill>
+          <a:ln>
+            <a:noFill/>
+          </a:ln>
+        </p:spPr>
+        <p:style>
+          <a:lnRef idx="2">
+            <a:schemeClr val="accent1">
+              <a:shade val="50000"/>
+            </a:schemeClr>
+          </a:lnRef>
+          <a:fillRef idx="1">
+            <a:schemeClr val="accent1"/>
+          </a:fillRef>
+          <a:effectRef idx="0">
+            <a:schemeClr val="accent1"/>
+          </a:effectRef>
+          <a:fontRef idx="minor">
+            <a:schemeClr val="lt1"/>
+          </a:fontRef>
+        </p:style>
+        <p:txBody>
+          <a:bodyPr rtlCol="0" anchor="ctr"/>
+          <a:lstStyle/>
+          <a:p>
+            <a:pPr algn="ctr"/>
+            <a:r>
+              <a:rPr lang="en-US" dirty="0">
+                <a:latin typeface="Segoe UI Light" panose="020B0502040204020203" pitchFamily="34" charset="0"/>
+                <a:cs typeface="Segoe UI Light" panose="020B0502040204020203" pitchFamily="34" charset="0"/>
+              </a:rPr>
+              <a:t>Previous + Parts of Speech Metrics</a:t>
+            </a:r>
+          </a:p>
+        </p:txBody>
+      </p:sp>
+      <p:sp>
+        <p:nvSpPr>
+          <p:cNvPr id="11" name="Rectangle 10"/>
+          <p:cNvSpPr/>
+          <p:nvPr/>
+        </p:nvSpPr>
+        <p:spPr>
+          <a:xfrm>
+            <a:off x="1157891" y="2387750"/>
+            <a:ext cx="9615711" cy="157470"/>
+          </a:xfrm>
+          <a:prstGeom prst="rect">
+            <a:avLst/>
+          </a:prstGeom>
+          <a:noFill/>
+          <a:ln w="19050">
+            <a:solidFill>
+              <a:schemeClr val="tx1"/>
+            </a:solidFill>
+            <a:prstDash val="dash"/>
+          </a:ln>
+        </p:spPr>
+        <p:style>
+          <a:lnRef idx="2">
+            <a:schemeClr val="accent1">
+              <a:shade val="50000"/>
+            </a:schemeClr>
+          </a:lnRef>
+          <a:fillRef idx="1">
+            <a:schemeClr val="accent1"/>
+          </a:fillRef>
+          <a:effectRef idx="0">
+            <a:schemeClr val="accent1"/>
+          </a:effectRef>
+          <a:fontRef idx="minor">
+            <a:schemeClr val="lt1"/>
+          </a:fontRef>
+        </p:style>
+        <p:txBody>
+          <a:bodyPr rtlCol="0" anchor="ctr"/>
+          <a:lstStyle/>
+          <a:p>
+            <a:pPr algn="ctr"/>
+            <a:endParaRPr lang="en-US" dirty="0"/>
+          </a:p>
+        </p:txBody>
+      </p:sp>
+      <p:sp>
+        <p:nvSpPr>
+          <p:cNvPr id="16" name="Rectangle 15"/>
+          <p:cNvSpPr/>
+          <p:nvPr/>
+        </p:nvSpPr>
+        <p:spPr>
+          <a:xfrm>
+            <a:off x="5243414" y="5569946"/>
+            <a:ext cx="2419700" cy="646331"/>
+          </a:xfrm>
+          <a:prstGeom prst="rect">
+            <a:avLst/>
+          </a:prstGeom>
+        </p:spPr>
+        <p:txBody>
+          <a:bodyPr wrap="none">
+            <a:spAutoFit/>
+          </a:bodyPr>
+          <a:lstStyle/>
+          <a:p>
+            <a:pPr algn="ctr"/>
+            <a:r>
+              <a:rPr lang="en-US" dirty="0">
+                <a:latin typeface="Segoe UI Light" panose="020B0502040204020203" pitchFamily="34" charset="0"/>
+                <a:cs typeface="Segoe UI Light" panose="020B0502040204020203" pitchFamily="34" charset="0"/>
+              </a:rPr>
+              <a:t>Feature Set 2 + </a:t>
+            </a:r>
+          </a:p>
+          <a:p>
+            <a:pPr algn="ctr"/>
+            <a:r>
+              <a:rPr lang="en-US" dirty="0">
+                <a:latin typeface="Segoe UI Light" panose="020B0502040204020203" pitchFamily="34" charset="0"/>
+                <a:cs typeface="Segoe UI Light" panose="020B0502040204020203" pitchFamily="34" charset="0"/>
+              </a:rPr>
+              <a:t>LDA performs the best.</a:t>
+            </a:r>
+          </a:p>
+        </p:txBody>
+      </p:sp>
+    </p:spTree>
+    <p:extLst>
+      <p:ext uri="{BB962C8B-B14F-4D97-AF65-F5344CB8AC3E}">
+        <p14:creationId xmlns:p14="http://schemas.microsoft.com/office/powerpoint/2010/main" val="3506936492"/>
+      </p:ext>
+    </p:extLst>
+  </p:cSld>
+  <p:clrMapOvr>
+    <a:masterClrMapping/>
+  </p:clrMapOvr>
+</p:sld>
+</file>
+
+<file path=ppt/slides/slide15.xml><?xml version="1.0" encoding="utf-8"?>
+<p:sld xmlns:a="http://schemas.openxmlformats.org/drawingml/2006/main" xmlns:r="http://schemas.openxmlformats.org/officeDocument/2006/relationships" xmlns:p="http://schemas.openxmlformats.org/presentationml/2006/main">
+  <p:cSld>
+    <p:spTree>
+      <p:nvGrpSpPr>
+        <p:cNvPr id="1" name=""/>
+        <p:cNvGrpSpPr/>
+        <p:nvPr/>
+      </p:nvGrpSpPr>
+      <p:grpSpPr>
+        <a:xfrm>
+          <a:off x="0" y="0"/>
+          <a:ext cx="0" cy="0"/>
+          <a:chOff x="0" y="0"/>
+          <a:chExt cx="0" cy="0"/>
+        </a:xfrm>
+      </p:grpSpPr>
+      <p:sp>
+        <p:nvSpPr>
+          <p:cNvPr id="2" name="Title 1"/>
+          <p:cNvSpPr>
+            <a:spLocks noGrp="1"/>
+          </p:cNvSpPr>
+          <p:nvPr>
+            <p:ph type="title"/>
+          </p:nvPr>
+        </p:nvSpPr>
+        <p:spPr/>
+        <p:txBody>
+          <a:bodyPr/>
+          <a:lstStyle/>
+          <a:p>
+            <a:r>
+              <a:rPr lang="en-US" dirty="0">
+                <a:latin typeface="Segoe UI Black" panose="020B0A02040204020203" pitchFamily="34" charset="0"/>
+                <a:ea typeface="Segoe UI Black" panose="020B0A02040204020203" pitchFamily="34" charset="0"/>
+                <a:cs typeface="Segoe UI Black" panose="020B0A02040204020203" pitchFamily="34" charset="0"/>
+              </a:rPr>
+              <a:t>Results (2)</a:t>
+            </a:r>
+          </a:p>
+        </p:txBody>
+      </p:sp>
+      <p:sp>
+        <p:nvSpPr>
+          <p:cNvPr id="3" name="Content Placeholder 2"/>
+          <p:cNvSpPr>
+            <a:spLocks noGrp="1"/>
+          </p:cNvSpPr>
+          <p:nvPr>
+            <p:ph idx="1"/>
+          </p:nvPr>
+        </p:nvSpPr>
+        <p:spPr>
+          <a:xfrm>
+            <a:off x="4572000" y="1825625"/>
+            <a:ext cx="6781800" cy="4351338"/>
+          </a:xfrm>
+        </p:spPr>
+        <p:txBody>
+          <a:bodyPr/>
+          <a:lstStyle/>
+          <a:p>
+            <a:pPr marL="0" indent="0">
+              <a:buNone/>
+            </a:pPr>
+            <a:r>
+              <a:rPr lang="en-US" dirty="0">
+                <a:latin typeface="Segoe UI Black" panose="020B0A02040204020203" pitchFamily="34" charset="0"/>
+                <a:ea typeface="Segoe UI Black" panose="020B0A02040204020203" pitchFamily="34" charset="0"/>
+                <a:cs typeface="Segoe UI Black" panose="020B0A02040204020203" pitchFamily="34" charset="0"/>
+              </a:rPr>
+              <a:t>10 Fold Cross Validation Test Results: </a:t>
+            </a:r>
+          </a:p>
+          <a:p>
+            <a:pPr marL="0" indent="0" algn="ctr">
+              <a:buNone/>
+            </a:pPr>
+            <a:endParaRPr lang="en-US" dirty="0">
+              <a:latin typeface="Segoe UI Light" panose="020B0502040204020203" pitchFamily="34" charset="0"/>
+              <a:cs typeface="Segoe UI Light" panose="020B0502040204020203" pitchFamily="34" charset="0"/>
+            </a:endParaRPr>
+          </a:p>
+          <a:p>
+            <a:pPr marL="0" indent="0" algn="ctr">
+              <a:buNone/>
+            </a:pPr>
+            <a:r>
+              <a:rPr lang="en-US" dirty="0">
+                <a:latin typeface="Segoe UI Light" panose="020B0502040204020203" pitchFamily="34" charset="0"/>
+                <a:cs typeface="Segoe UI Light" panose="020B0502040204020203" pitchFamily="34" charset="0"/>
+              </a:rPr>
+              <a:t>Accuracy: 82.25%</a:t>
+            </a:r>
+          </a:p>
+          <a:p>
+            <a:pPr marL="0" indent="0">
+              <a:buNone/>
+            </a:pPr>
+            <a:endParaRPr lang="en-US" dirty="0">
+              <a:latin typeface="Segoe UI Light" panose="020B0502040204020203" pitchFamily="34" charset="0"/>
+              <a:cs typeface="Segoe UI Light" panose="020B0502040204020203" pitchFamily="34" charset="0"/>
+            </a:endParaRPr>
+          </a:p>
+          <a:p>
+            <a:pPr marL="0" indent="0">
+              <a:buNone/>
+            </a:pPr>
+            <a:r>
+              <a:rPr lang="en-US" dirty="0">
+                <a:latin typeface="Segoe UI Black" panose="020B0A02040204020203" pitchFamily="34" charset="0"/>
+                <a:ea typeface="Segoe UI Black" panose="020B0A02040204020203" pitchFamily="34" charset="0"/>
+                <a:cs typeface="Segoe UI Black" panose="020B0A02040204020203" pitchFamily="34" charset="0"/>
+              </a:rPr>
+              <a:t>Confusion Matrix </a:t>
+            </a:r>
+            <a:r>
+              <a:rPr lang="en-US" b="1" dirty="0">
+                <a:latin typeface="Segoe UI Black" panose="020B0A02040204020203" pitchFamily="34" charset="0"/>
+                <a:ea typeface="Segoe UI Black" panose="020B0A02040204020203" pitchFamily="34" charset="0"/>
+                <a:cs typeface="Segoe UI Black" panose="020B0A02040204020203" pitchFamily="34" charset="0"/>
+              </a:rPr>
+              <a:t>on Entire Dataset:</a:t>
+            </a:r>
+          </a:p>
+        </p:txBody>
+      </p:sp>
+      <p:pic>
+        <p:nvPicPr>
+          <p:cNvPr id="17" name="Picture 16"/>
+          <p:cNvPicPr>
+            <a:picLocks noChangeAspect="1"/>
+          </p:cNvPicPr>
+          <p:nvPr/>
+        </p:nvPicPr>
+        <p:blipFill>
+          <a:blip r:embed="rId2">
+            <a:extLst>
+              <a:ext uri="{28A0092B-C50C-407E-A947-70E740481C1C}">
+                <a14:useLocalDpi xmlns:a14="http://schemas.microsoft.com/office/drawing/2010/main" val="0"/>
+              </a:ext>
+            </a:extLst>
+          </a:blip>
+          <a:stretch>
+            <a:fillRect/>
+          </a:stretch>
+        </p:blipFill>
+        <p:spPr>
+          <a:xfrm>
+            <a:off x="640136" y="1825625"/>
+            <a:ext cx="3091857" cy="3091857"/>
+          </a:xfrm>
+          <a:prstGeom prst="rect">
+            <a:avLst/>
+          </a:prstGeom>
+        </p:spPr>
+      </p:pic>
+      <p:sp>
+        <p:nvSpPr>
+          <p:cNvPr id="18" name="Rectangle 17"/>
+          <p:cNvSpPr/>
+          <p:nvPr/>
+        </p:nvSpPr>
+        <p:spPr>
+          <a:xfrm>
+            <a:off x="624333" y="4917482"/>
+            <a:ext cx="3245016" cy="1295302"/>
+          </a:xfrm>
+          <a:prstGeom prst="rect">
+            <a:avLst/>
+          </a:prstGeom>
+          <a:solidFill>
+            <a:schemeClr val="bg2">
+              <a:alpha val="33000"/>
+            </a:schemeClr>
+          </a:solidFill>
+          <a:ln>
+            <a:noFill/>
+          </a:ln>
+        </p:spPr>
+        <p:style>
+          <a:lnRef idx="2">
+            <a:schemeClr val="accent1">
+              <a:shade val="50000"/>
+            </a:schemeClr>
+          </a:lnRef>
+          <a:fillRef idx="1">
+            <a:schemeClr val="accent1"/>
+          </a:fillRef>
+          <a:effectRef idx="0">
+            <a:schemeClr val="accent1"/>
+          </a:effectRef>
+          <a:fontRef idx="minor">
+            <a:schemeClr val="lt1"/>
+          </a:fontRef>
+        </p:style>
+        <p:txBody>
+          <a:bodyPr rtlCol="0" anchor="ctr"/>
+          <a:lstStyle/>
+          <a:p>
+            <a:pPr algn="ctr"/>
+            <a:r>
+              <a:rPr lang="en-US" dirty="0">
+                <a:latin typeface="Segoe UI Light" panose="020B0502040204020203" pitchFamily="34" charset="0"/>
+                <a:cs typeface="Segoe UI Light" panose="020B0502040204020203" pitchFamily="34" charset="0"/>
+              </a:rPr>
+              <a:t>Previous + Parts of Speech Metrics</a:t>
+            </a:r>
+          </a:p>
+        </p:txBody>
+      </p:sp>
+      <p:sp>
+        <p:nvSpPr>
+          <p:cNvPr id="19" name="Rectangle 18"/>
+          <p:cNvSpPr/>
+          <p:nvPr/>
+        </p:nvSpPr>
+        <p:spPr>
+          <a:xfrm>
+            <a:off x="976214" y="5157572"/>
+            <a:ext cx="2419700" cy="646331"/>
+          </a:xfrm>
+          <a:prstGeom prst="rect">
+            <a:avLst/>
+          </a:prstGeom>
+        </p:spPr>
+        <p:txBody>
+          <a:bodyPr wrap="none">
+            <a:spAutoFit/>
+          </a:bodyPr>
+          <a:lstStyle/>
+          <a:p>
+            <a:pPr algn="ctr"/>
+            <a:r>
+              <a:rPr lang="en-US" dirty="0">
+                <a:latin typeface="Segoe UI Light" panose="020B0502040204020203" pitchFamily="34" charset="0"/>
+                <a:cs typeface="Segoe UI Light" panose="020B0502040204020203" pitchFamily="34" charset="0"/>
+              </a:rPr>
+              <a:t>Feature Set 2 + </a:t>
+            </a:r>
+          </a:p>
+          <a:p>
+            <a:pPr algn="ctr"/>
+            <a:r>
+              <a:rPr lang="en-US" dirty="0">
+                <a:latin typeface="Segoe UI Light" panose="020B0502040204020203" pitchFamily="34" charset="0"/>
+                <a:cs typeface="Segoe UI Light" panose="020B0502040204020203" pitchFamily="34" charset="0"/>
+              </a:rPr>
+              <a:t>LDA performs the best.</a:t>
+            </a:r>
+          </a:p>
+        </p:txBody>
+      </p:sp>
+      <p:sp>
+        <p:nvSpPr>
+          <p:cNvPr id="20" name="Rectangle 19"/>
+          <p:cNvSpPr/>
+          <p:nvPr/>
+        </p:nvSpPr>
+        <p:spPr>
+          <a:xfrm>
+            <a:off x="624333" y="1978383"/>
+            <a:ext cx="3245016" cy="134386"/>
+          </a:xfrm>
+          <a:prstGeom prst="rect">
+            <a:avLst/>
+          </a:prstGeom>
+          <a:solidFill>
+            <a:schemeClr val="bg2">
+              <a:alpha val="33000"/>
+            </a:schemeClr>
+          </a:solidFill>
+          <a:ln>
+            <a:noFill/>
+          </a:ln>
+        </p:spPr>
+        <p:style>
+          <a:lnRef idx="2">
+            <a:schemeClr val="accent1">
+              <a:shade val="50000"/>
+            </a:schemeClr>
+          </a:lnRef>
+          <a:fillRef idx="1">
+            <a:schemeClr val="accent1"/>
+          </a:fillRef>
+          <a:effectRef idx="0">
+            <a:schemeClr val="accent1"/>
+          </a:effectRef>
+          <a:fontRef idx="minor">
+            <a:schemeClr val="lt1"/>
+          </a:fontRef>
+        </p:style>
+        <p:txBody>
+          <a:bodyPr rtlCol="0" anchor="ctr"/>
+          <a:lstStyle/>
+          <a:p>
+            <a:pPr algn="ctr"/>
+            <a:endParaRPr lang="en-US" dirty="0">
+              <a:latin typeface="Segoe UI Light" panose="020B0502040204020203" pitchFamily="34" charset="0"/>
+              <a:cs typeface="Segoe UI Light" panose="020B0502040204020203" pitchFamily="34" charset="0"/>
+            </a:endParaRPr>
+          </a:p>
+        </p:txBody>
+      </p:sp>
+      <p:pic>
+        <p:nvPicPr>
+          <p:cNvPr id="4" name="Picture 3"/>
+          <p:cNvPicPr>
+            <a:picLocks noChangeAspect="1"/>
+          </p:cNvPicPr>
+          <p:nvPr/>
+        </p:nvPicPr>
+        <p:blipFill>
+          <a:blip r:embed="rId3"/>
+          <a:stretch>
+            <a:fillRect/>
+          </a:stretch>
+        </p:blipFill>
+        <p:spPr>
+          <a:xfrm>
+            <a:off x="4838700" y="4441010"/>
+            <a:ext cx="5981700" cy="1676400"/>
+          </a:xfrm>
+          <a:prstGeom prst="rect">
+            <a:avLst/>
+          </a:prstGeom>
+        </p:spPr>
+      </p:pic>
+      <p:sp>
+        <p:nvSpPr>
+          <p:cNvPr id="21" name="Rectangle 20"/>
+          <p:cNvSpPr/>
+          <p:nvPr/>
+        </p:nvSpPr>
+        <p:spPr>
+          <a:xfrm>
+            <a:off x="1370098" y="3002956"/>
+            <a:ext cx="506327" cy="1914525"/>
+          </a:xfrm>
+          <a:prstGeom prst="rect">
+            <a:avLst/>
+          </a:prstGeom>
+          <a:solidFill>
+            <a:schemeClr val="bg2">
+              <a:alpha val="33000"/>
+            </a:schemeClr>
+          </a:solidFill>
+          <a:ln>
+            <a:noFill/>
+          </a:ln>
+        </p:spPr>
+        <p:style>
+          <a:lnRef idx="2">
+            <a:schemeClr val="accent1">
+              <a:shade val="50000"/>
+            </a:schemeClr>
+          </a:lnRef>
+          <a:fillRef idx="1">
+            <a:schemeClr val="accent1"/>
+          </a:fillRef>
+          <a:effectRef idx="0">
+            <a:schemeClr val="accent1"/>
+          </a:effectRef>
+          <a:fontRef idx="minor">
+            <a:schemeClr val="lt1"/>
+          </a:fontRef>
+        </p:style>
+        <p:txBody>
+          <a:bodyPr rtlCol="0" anchor="ctr"/>
+          <a:lstStyle/>
+          <a:p>
+            <a:pPr algn="ctr"/>
+            <a:endParaRPr lang="en-US" dirty="0">
+              <a:latin typeface="Segoe UI Light" panose="020B0502040204020203" pitchFamily="34" charset="0"/>
+              <a:cs typeface="Segoe UI Light" panose="020B0502040204020203" pitchFamily="34" charset="0"/>
+            </a:endParaRPr>
+          </a:p>
+        </p:txBody>
+      </p:sp>
+    </p:spTree>
+    <p:extLst>
+      <p:ext uri="{BB962C8B-B14F-4D97-AF65-F5344CB8AC3E}">
+        <p14:creationId xmlns:p14="http://schemas.microsoft.com/office/powerpoint/2010/main" val="1772394101"/>
+      </p:ext>
+    </p:extLst>
+  </p:cSld>
+  <p:clrMapOvr>
+    <a:masterClrMapping/>
+  </p:clrMapOvr>
+</p:sld>
+</file>
+
+<file path=ppt/slides/slide16.xml><?xml version="1.0" encoding="utf-8"?>
+<p:sld xmlns:a="http://schemas.openxmlformats.org/drawingml/2006/main" xmlns:r="http://schemas.openxmlformats.org/officeDocument/2006/relationships" xmlns:p="http://schemas.openxmlformats.org/presentationml/2006/main">
+  <p:cSld>
+    <p:spTree>
+      <p:nvGrpSpPr>
+        <p:cNvPr id="1" name=""/>
+        <p:cNvGrpSpPr/>
+        <p:nvPr/>
+      </p:nvGrpSpPr>
+      <p:grpSpPr>
+        <a:xfrm>
+          <a:off x="0" y="0"/>
+          <a:ext cx="0" cy="0"/>
+          <a:chOff x="0" y="0"/>
+          <a:chExt cx="0" cy="0"/>
+        </a:xfrm>
+      </p:grpSpPr>
+      <p:sp>
+        <p:nvSpPr>
+          <p:cNvPr id="2" name="Title 1"/>
+          <p:cNvSpPr>
+            <a:spLocks noGrp="1"/>
+          </p:cNvSpPr>
+          <p:nvPr>
+            <p:ph type="title"/>
+          </p:nvPr>
+        </p:nvSpPr>
+        <p:spPr/>
+        <p:txBody>
+          <a:bodyPr/>
+          <a:lstStyle/>
+          <a:p>
+            <a:r>
+              <a:rPr lang="en-US" dirty="0">
+                <a:latin typeface="Segoe UI Black" panose="020B0A02040204020203" pitchFamily="34" charset="0"/>
+                <a:ea typeface="Segoe UI Black" panose="020B0A02040204020203" pitchFamily="34" charset="0"/>
+                <a:cs typeface="Segoe UI Black" panose="020B0A02040204020203" pitchFamily="34" charset="0"/>
+              </a:rPr>
+              <a:t>Future steps </a:t>
+            </a:r>
+          </a:p>
+        </p:txBody>
+      </p:sp>
+      <p:sp>
+        <p:nvSpPr>
+          <p:cNvPr id="3" name="Content Placeholder 2"/>
+          <p:cNvSpPr>
+            <a:spLocks noGrp="1"/>
+          </p:cNvSpPr>
+          <p:nvPr>
+            <p:ph idx="1"/>
+          </p:nvPr>
+        </p:nvSpPr>
+        <p:spPr/>
+        <p:txBody>
+          <a:bodyPr>
+            <a:normAutofit lnSpcReduction="10000"/>
+          </a:bodyPr>
+          <a:lstStyle/>
+          <a:p>
+            <a:r>
+              <a:rPr lang="en-US" dirty="0">
+                <a:latin typeface="Segoe UI Light" panose="020B0502040204020203" pitchFamily="34" charset="0"/>
+                <a:cs typeface="Segoe UI Light" panose="020B0502040204020203" pitchFamily="34" charset="0"/>
+              </a:rPr>
+              <a:t>The results above suggest that the model performs fairly well under Latent Discriminant Analysis, yet here are some areas of improvement and/or further areas of research.</a:t>
+            </a:r>
+          </a:p>
+          <a:p>
+            <a:pPr lvl="1"/>
+            <a:r>
+              <a:rPr lang="en-US" dirty="0">
+                <a:latin typeface="Segoe UI Light" panose="020B0502040204020203" pitchFamily="34" charset="0"/>
+                <a:cs typeface="Segoe UI Light" panose="020B0502040204020203" pitchFamily="34" charset="0"/>
+              </a:rPr>
+              <a:t>Word misspellings in feature engineering. Train the models with a misspelling indicator, as this could be a feature that might be important.</a:t>
+            </a:r>
+          </a:p>
+          <a:p>
+            <a:pPr lvl="1"/>
+            <a:r>
+              <a:rPr lang="en-US" dirty="0">
+                <a:latin typeface="Segoe UI Light" panose="020B0502040204020203" pitchFamily="34" charset="0"/>
+                <a:cs typeface="Segoe UI Light" panose="020B0502040204020203" pitchFamily="34" charset="0"/>
+              </a:rPr>
+              <a:t>Look at this data across time -- there could be difference in detecting spam based on information around the time period -- for example, will adding month pick up information about holidays and the holiday vacation experience that could help detect fake reviews.</a:t>
+            </a:r>
+          </a:p>
+          <a:p>
+            <a:pPr lvl="1"/>
+            <a:r>
+              <a:rPr lang="en-US" dirty="0">
+                <a:latin typeface="Segoe UI Light" panose="020B0502040204020203" pitchFamily="34" charset="0"/>
+                <a:cs typeface="Segoe UI Light" panose="020B0502040204020203" pitchFamily="34" charset="0"/>
+              </a:rPr>
+              <a:t>Would having transaction data on each review show interesting results -- for example, the time of each post, and location of the IP address that sent the post.</a:t>
+            </a:r>
+          </a:p>
+        </p:txBody>
+      </p:sp>
+    </p:spTree>
+    <p:extLst>
+      <p:ext uri="{BB962C8B-B14F-4D97-AF65-F5344CB8AC3E}">
+        <p14:creationId xmlns:p14="http://schemas.microsoft.com/office/powerpoint/2010/main" val="673977572"/>
+      </p:ext>
+    </p:extLst>
+  </p:cSld>
+  <p:clrMapOvr>
+    <a:masterClrMapping/>
+  </p:clrMapOvr>
+</p:sld>
+</file>
+
+<file path=ppt/slides/slide2.xml><?xml version="1.0" encoding="utf-8"?>
+<p:sld xmlns:a="http://schemas.openxmlformats.org/drawingml/2006/main" xmlns:r="http://schemas.openxmlformats.org/officeDocument/2006/relationships" xmlns:p="http://schemas.openxmlformats.org/presentationml/2006/main">
+  <p:cSld>
+    <p:spTree>
+      <p:nvGrpSpPr>
+        <p:cNvPr id="1" name=""/>
+        <p:cNvGrpSpPr/>
+        <p:nvPr/>
+      </p:nvGrpSpPr>
+      <p:grpSpPr>
+        <a:xfrm>
+          <a:off x="0" y="0"/>
+          <a:ext cx="0" cy="0"/>
+          <a:chOff x="0" y="0"/>
+          <a:chExt cx="0" cy="0"/>
+        </a:xfrm>
+      </p:grpSpPr>
+      <p:sp>
+        <p:nvSpPr>
+          <p:cNvPr id="2" name="Title 1"/>
+          <p:cNvSpPr>
+            <a:spLocks noGrp="1"/>
+          </p:cNvSpPr>
+          <p:nvPr>
+            <p:ph type="title"/>
+          </p:nvPr>
+        </p:nvSpPr>
+        <p:spPr/>
+        <p:txBody>
+          <a:bodyPr/>
+          <a:lstStyle/>
+          <a:p>
+            <a:r>
+              <a:rPr lang="en-US" dirty="0">
+                <a:latin typeface="Segoe UI Black" panose="020B0A02040204020203" pitchFamily="34" charset="0"/>
+                <a:ea typeface="Segoe UI Black" panose="020B0A02040204020203" pitchFamily="34" charset="0"/>
+                <a:cs typeface="Segoe UI Black" panose="020B0A02040204020203" pitchFamily="34" charset="0"/>
+              </a:rPr>
+              <a:t>Roadmap</a:t>
+            </a:r>
+          </a:p>
+        </p:txBody>
+      </p:sp>
+      <p:sp>
+        <p:nvSpPr>
+          <p:cNvPr id="3" name="Content Placeholder 2"/>
+          <p:cNvSpPr>
+            <a:spLocks noGrp="1"/>
+          </p:cNvSpPr>
+          <p:nvPr>
+            <p:ph idx="1"/>
+          </p:nvPr>
+        </p:nvSpPr>
+        <p:spPr/>
+        <p:txBody>
+          <a:bodyPr>
+            <a:normAutofit/>
+          </a:bodyPr>
+          <a:lstStyle/>
+          <a:p>
+            <a:r>
+              <a:rPr lang="en-US" dirty="0">
+                <a:latin typeface="Segoe UI Light" panose="020B0502040204020203" pitchFamily="34" charset="0"/>
+                <a:cs typeface="Segoe UI Light" panose="020B0502040204020203" pitchFamily="34" charset="0"/>
+              </a:rPr>
+              <a:t>Motivation </a:t>
+            </a:r>
+          </a:p>
+          <a:p>
+            <a:r>
+              <a:rPr lang="en-US" dirty="0">
+                <a:latin typeface="Segoe UI Light" panose="020B0502040204020203" pitchFamily="34" charset="0"/>
+                <a:cs typeface="Segoe UI Light" panose="020B0502040204020203" pitchFamily="34" charset="0"/>
+              </a:rPr>
+              <a:t>Data</a:t>
+            </a:r>
+          </a:p>
+          <a:p>
+            <a:r>
+              <a:rPr lang="en-US" dirty="0">
+                <a:latin typeface="Segoe UI Light" panose="020B0502040204020203" pitchFamily="34" charset="0"/>
+                <a:cs typeface="Segoe UI Light" panose="020B0502040204020203" pitchFamily="34" charset="0"/>
+              </a:rPr>
+              <a:t>Data Preparation</a:t>
+            </a:r>
+          </a:p>
+          <a:p>
+            <a:r>
+              <a:rPr lang="en-US" dirty="0">
+                <a:latin typeface="Segoe UI Light" panose="020B0502040204020203" pitchFamily="34" charset="0"/>
+                <a:cs typeface="Segoe UI Light" panose="020B0502040204020203" pitchFamily="34" charset="0"/>
+              </a:rPr>
+              <a:t>Topic Modeling</a:t>
+            </a:r>
+          </a:p>
+          <a:p>
+            <a:r>
+              <a:rPr lang="en-US" dirty="0">
+                <a:latin typeface="Segoe UI Light" panose="020B0502040204020203" pitchFamily="34" charset="0"/>
+                <a:cs typeface="Segoe UI Light" panose="020B0502040204020203" pitchFamily="34" charset="0"/>
+              </a:rPr>
+              <a:t>Classification and Tuning </a:t>
+            </a:r>
+          </a:p>
+          <a:p>
+            <a:r>
+              <a:rPr lang="en-US" dirty="0">
+                <a:latin typeface="Segoe UI Light" panose="020B0502040204020203" pitchFamily="34" charset="0"/>
+                <a:cs typeface="Segoe UI Light" panose="020B0502040204020203" pitchFamily="34" charset="0"/>
+              </a:rPr>
+              <a:t>Results</a:t>
+            </a:r>
+          </a:p>
+          <a:p>
+            <a:r>
+              <a:rPr lang="en-US" dirty="0">
+                <a:latin typeface="Segoe UI Light" panose="020B0502040204020203" pitchFamily="34" charset="0"/>
+                <a:cs typeface="Segoe UI Light" panose="020B0502040204020203" pitchFamily="34" charset="0"/>
+              </a:rPr>
+              <a:t>Future steps </a:t>
+            </a:r>
+          </a:p>
+        </p:txBody>
+      </p:sp>
+    </p:spTree>
+    <p:extLst>
+      <p:ext uri="{BB962C8B-B14F-4D97-AF65-F5344CB8AC3E}">
+        <p14:creationId xmlns:p14="http://schemas.microsoft.com/office/powerpoint/2010/main" val="311781924"/>
+      </p:ext>
+    </p:extLst>
+  </p:cSld>
+  <p:clrMapOvr>
+    <a:masterClrMapping/>
+  </p:clrMapOvr>
+</p:sld>
+</file>
+
+<file path=ppt/slides/slide3.xml><?xml version="1.0" encoding="utf-8"?>
+<p:sld xmlns:a="http://schemas.openxmlformats.org/drawingml/2006/main" xmlns:r="http://schemas.openxmlformats.org/officeDocument/2006/relationships" xmlns:p="http://schemas.openxmlformats.org/presentationml/2006/main">
+  <p:cSld>
+    <p:spTree>
+      <p:nvGrpSpPr>
+        <p:cNvPr id="1" name=""/>
+        <p:cNvGrpSpPr/>
+        <p:nvPr/>
+      </p:nvGrpSpPr>
+      <p:grpSpPr>
+        <a:xfrm>
+          <a:off x="0" y="0"/>
+          <a:ext cx="0" cy="0"/>
+          <a:chOff x="0" y="0"/>
+          <a:chExt cx="0" cy="0"/>
+        </a:xfrm>
+      </p:grpSpPr>
+      <p:sp>
+        <p:nvSpPr>
+          <p:cNvPr id="2" name="Title 1"/>
+          <p:cNvSpPr>
+            <a:spLocks noGrp="1"/>
+          </p:cNvSpPr>
+          <p:nvPr>
+            <p:ph type="title"/>
+          </p:nvPr>
+        </p:nvSpPr>
+        <p:spPr/>
+        <p:txBody>
+          <a:bodyPr/>
+          <a:lstStyle/>
+          <a:p>
+            <a:r>
+              <a:rPr lang="en-US" dirty="0">
+                <a:latin typeface="Segoe UI Black" panose="020B0A02040204020203" pitchFamily="34" charset="0"/>
+                <a:ea typeface="Segoe UI Black" panose="020B0A02040204020203" pitchFamily="34" charset="0"/>
+                <a:cs typeface="Segoe UI Black" panose="020B0A02040204020203" pitchFamily="34" charset="0"/>
+              </a:rPr>
+              <a:t>Motivation (1)</a:t>
+            </a:r>
+          </a:p>
+        </p:txBody>
+      </p:sp>
+      <p:sp>
+        <p:nvSpPr>
+          <p:cNvPr id="3" name="Content Placeholder 2"/>
+          <p:cNvSpPr>
+            <a:spLocks noGrp="1"/>
+          </p:cNvSpPr>
+          <p:nvPr>
+            <p:ph idx="1"/>
+          </p:nvPr>
+        </p:nvSpPr>
+        <p:spPr/>
+        <p:txBody>
+          <a:bodyPr>
+            <a:normAutofit/>
+          </a:bodyPr>
+          <a:lstStyle/>
+          <a:p>
+            <a:pPr marL="0" indent="0">
+              <a:buNone/>
+            </a:pPr>
+            <a:r>
+              <a:rPr lang="en-US" dirty="0">
+                <a:latin typeface="Segoe UI Light" panose="020B0502040204020203" pitchFamily="34" charset="0"/>
+                <a:cs typeface="Segoe UI Light" panose="020B0502040204020203" pitchFamily="34" charset="0"/>
+              </a:rPr>
+              <a:t>Deceptive text-based content plagues many industries and aspects of our information-rich lives.</a:t>
+            </a:r>
+          </a:p>
+          <a:p>
+            <a:pPr marL="514350" indent="-514350">
+              <a:buFont typeface="+mj-lt"/>
+              <a:buAutoNum type="arabicPeriod"/>
+            </a:pPr>
+            <a:r>
+              <a:rPr lang="en-US" dirty="0">
+                <a:latin typeface="Segoe UI Light" panose="020B0502040204020203" pitchFamily="34" charset="0"/>
+                <a:cs typeface="Segoe UI Light" panose="020B0502040204020203" pitchFamily="34" charset="0"/>
+              </a:rPr>
+              <a:t>Yelp Fake reviews</a:t>
+            </a:r>
+          </a:p>
+          <a:p>
+            <a:pPr lvl="1"/>
+            <a:r>
+              <a:rPr lang="en-US" dirty="0">
+                <a:latin typeface="Segoe UI Light" panose="020B0502040204020203" pitchFamily="34" charset="0"/>
+                <a:cs typeface="Segoe UI Light" panose="020B0502040204020203" pitchFamily="34" charset="0"/>
+              </a:rPr>
+              <a:t> Increase a business’ popularity in rankings</a:t>
+            </a:r>
+          </a:p>
+          <a:p>
+            <a:pPr marL="514350" indent="-514350">
+              <a:buFont typeface="+mj-lt"/>
+              <a:buAutoNum type="arabicPeriod"/>
+            </a:pPr>
+            <a:r>
+              <a:rPr lang="en-US" dirty="0">
+                <a:latin typeface="Segoe UI Light" panose="020B0502040204020203" pitchFamily="34" charset="0"/>
+                <a:cs typeface="Segoe UI Light" panose="020B0502040204020203" pitchFamily="34" charset="0"/>
+              </a:rPr>
+              <a:t>Spam</a:t>
+            </a:r>
+          </a:p>
+          <a:p>
+            <a:pPr lvl="1"/>
+            <a:r>
+              <a:rPr lang="en-US" dirty="0">
+                <a:latin typeface="Segoe UI Light" panose="020B0502040204020203" pitchFamily="34" charset="0"/>
+                <a:cs typeface="Segoe UI Light" panose="020B0502040204020203" pitchFamily="34" charset="0"/>
+              </a:rPr>
+              <a:t>Unwanted messages show up on cell phones, emails, and social media</a:t>
+            </a:r>
+          </a:p>
+          <a:p>
+            <a:pPr marL="514350" indent="-514350">
+              <a:buFont typeface="+mj-lt"/>
+              <a:buAutoNum type="arabicPeriod"/>
+            </a:pPr>
+            <a:r>
+              <a:rPr lang="en-US" dirty="0">
+                <a:latin typeface="Segoe UI Light" panose="020B0502040204020203" pitchFamily="34" charset="0"/>
+                <a:cs typeface="Segoe UI Light" panose="020B0502040204020203" pitchFamily="34" charset="0"/>
+              </a:rPr>
+              <a:t>Fake news</a:t>
+            </a:r>
+          </a:p>
+          <a:p>
+            <a:pPr lvl="1"/>
+            <a:r>
+              <a:rPr lang="en-US" dirty="0">
+                <a:latin typeface="Segoe UI Light" panose="020B0502040204020203" pitchFamily="34" charset="0"/>
+                <a:cs typeface="Segoe UI Light" panose="020B0502040204020203" pitchFamily="34" charset="0"/>
+              </a:rPr>
+              <a:t>Biased </a:t>
+            </a:r>
+            <a:r>
+              <a:rPr lang="en-US">
+                <a:latin typeface="Segoe UI Light" panose="020B0502040204020203" pitchFamily="34" charset="0"/>
+                <a:cs typeface="Segoe UI Light" panose="020B0502040204020203" pitchFamily="34" charset="0"/>
+              </a:rPr>
+              <a:t>and false </a:t>
+            </a:r>
+            <a:r>
+              <a:rPr lang="en-US" dirty="0">
+                <a:latin typeface="Segoe UI Light" panose="020B0502040204020203" pitchFamily="34" charset="0"/>
+                <a:cs typeface="Segoe UI Light" panose="020B0502040204020203" pitchFamily="34" charset="0"/>
+              </a:rPr>
+              <a:t>content published under the guise of unbiased and legitimate news </a:t>
+            </a:r>
+          </a:p>
+          <a:p>
+            <a:pPr marL="0" indent="0">
+              <a:buNone/>
+            </a:pPr>
+            <a:endParaRPr lang="en-US" dirty="0">
+              <a:latin typeface="Segoe UI Light" panose="020B0502040204020203" pitchFamily="34" charset="0"/>
+              <a:cs typeface="Segoe UI Light" panose="020B0502040204020203" pitchFamily="34" charset="0"/>
+            </a:endParaRPr>
+          </a:p>
+        </p:txBody>
+      </p:sp>
+    </p:spTree>
+    <p:extLst>
+      <p:ext uri="{BB962C8B-B14F-4D97-AF65-F5344CB8AC3E}">
+        <p14:creationId xmlns:p14="http://schemas.microsoft.com/office/powerpoint/2010/main" val="681391169"/>
+      </p:ext>
+    </p:extLst>
+  </p:cSld>
+  <p:clrMapOvr>
+    <a:masterClrMapping/>
+  </p:clrMapOvr>
+</p:sld>
+</file>
+
+<file path=ppt/slides/slide4.xml><?xml version="1.0" encoding="utf-8"?>
+<p:sld xmlns:a="http://schemas.openxmlformats.org/drawingml/2006/main" xmlns:r="http://schemas.openxmlformats.org/officeDocument/2006/relationships" xmlns:p="http://schemas.openxmlformats.org/presentationml/2006/main">
+  <p:cSld>
+    <p:spTree>
+      <p:nvGrpSpPr>
+        <p:cNvPr id="1" name=""/>
+        <p:cNvGrpSpPr/>
+        <p:nvPr/>
+      </p:nvGrpSpPr>
+      <p:grpSpPr>
+        <a:xfrm>
+          <a:off x="0" y="0"/>
+          <a:ext cx="0" cy="0"/>
+          <a:chOff x="0" y="0"/>
+          <a:chExt cx="0" cy="0"/>
+        </a:xfrm>
+      </p:grpSpPr>
+      <p:sp>
+        <p:nvSpPr>
+          <p:cNvPr id="2" name="Title 1"/>
+          <p:cNvSpPr>
+            <a:spLocks noGrp="1"/>
+          </p:cNvSpPr>
+          <p:nvPr>
+            <p:ph type="title"/>
+          </p:nvPr>
+        </p:nvSpPr>
+        <p:spPr/>
+        <p:txBody>
+          <a:bodyPr/>
+          <a:lstStyle/>
+          <a:p>
+            <a:r>
+              <a:rPr lang="en-US" dirty="0">
+                <a:latin typeface="Segoe UI Black" panose="020B0A02040204020203" pitchFamily="34" charset="0"/>
+                <a:ea typeface="Segoe UI Black" panose="020B0A02040204020203" pitchFamily="34" charset="0"/>
+                <a:cs typeface="Segoe UI Black" panose="020B0A02040204020203" pitchFamily="34" charset="0"/>
+              </a:rPr>
+              <a:t>Motivation (2)</a:t>
+            </a:r>
+          </a:p>
+        </p:txBody>
+      </p:sp>
+      <p:pic>
+        <p:nvPicPr>
+          <p:cNvPr id="7" name="Picture 6"/>
+          <p:cNvPicPr>
+            <a:picLocks noChangeAspect="1"/>
+          </p:cNvPicPr>
+          <p:nvPr/>
+        </p:nvPicPr>
+        <p:blipFill>
+          <a:blip r:embed="rId2"/>
+          <a:stretch>
+            <a:fillRect/>
+          </a:stretch>
+        </p:blipFill>
+        <p:spPr>
+          <a:xfrm>
+            <a:off x="3081337" y="1882599"/>
+            <a:ext cx="6029325" cy="4400550"/>
+          </a:xfrm>
+          <a:prstGeom prst="rect">
+            <a:avLst/>
+          </a:prstGeom>
+        </p:spPr>
+      </p:pic>
+    </p:spTree>
+    <p:extLst>
+      <p:ext uri="{BB962C8B-B14F-4D97-AF65-F5344CB8AC3E}">
+        <p14:creationId xmlns:p14="http://schemas.microsoft.com/office/powerpoint/2010/main" val="190586394"/>
+      </p:ext>
+    </p:extLst>
+  </p:cSld>
+  <p:clrMapOvr>
+    <a:masterClrMapping/>
+  </p:clrMapOvr>
+</p:sld>
+</file>
+
+<file path=ppt/slides/slide5.xml><?xml version="1.0" encoding="utf-8"?>
+<p:sld xmlns:a="http://schemas.openxmlformats.org/drawingml/2006/main" xmlns:r="http://schemas.openxmlformats.org/officeDocument/2006/relationships" xmlns:p="http://schemas.openxmlformats.org/presentationml/2006/main">
+  <p:cSld>
+    <p:spTree>
+      <p:nvGrpSpPr>
+        <p:cNvPr id="1" name=""/>
+        <p:cNvGrpSpPr/>
+        <p:nvPr/>
+      </p:nvGrpSpPr>
+      <p:grpSpPr>
+        <a:xfrm>
+          <a:off x="0" y="0"/>
+          <a:ext cx="0" cy="0"/>
+          <a:chOff x="0" y="0"/>
+          <a:chExt cx="0" cy="0"/>
+        </a:xfrm>
+      </p:grpSpPr>
+      <p:sp>
+        <p:nvSpPr>
+          <p:cNvPr id="2" name="Title 1"/>
+          <p:cNvSpPr>
+            <a:spLocks noGrp="1"/>
+          </p:cNvSpPr>
+          <p:nvPr>
+            <p:ph type="title"/>
+          </p:nvPr>
+        </p:nvSpPr>
+        <p:spPr/>
+        <p:txBody>
+          <a:bodyPr/>
+          <a:lstStyle/>
+          <a:p>
+            <a:r>
+              <a:rPr lang="en-US" dirty="0">
+                <a:latin typeface="Segoe UI Black" panose="020B0A02040204020203" pitchFamily="34" charset="0"/>
+                <a:ea typeface="Segoe UI Black" panose="020B0A02040204020203" pitchFamily="34" charset="0"/>
+                <a:cs typeface="Segoe UI Black" panose="020B0A02040204020203" pitchFamily="34" charset="0"/>
+              </a:rPr>
+              <a:t>Motivation (3) Approach</a:t>
+            </a:r>
+          </a:p>
+        </p:txBody>
+      </p:sp>
+      <p:sp>
+        <p:nvSpPr>
+          <p:cNvPr id="3" name="Content Placeholder 2"/>
+          <p:cNvSpPr>
+            <a:spLocks noGrp="1"/>
+          </p:cNvSpPr>
+          <p:nvPr>
+            <p:ph idx="1"/>
+          </p:nvPr>
+        </p:nvSpPr>
+        <p:spPr/>
+        <p:txBody>
+          <a:bodyPr>
+            <a:normAutofit/>
+          </a:bodyPr>
+          <a:lstStyle/>
+          <a:p>
+            <a:pPr marL="0" indent="0">
+              <a:buNone/>
+            </a:pPr>
+            <a:r>
+              <a:rPr lang="en-US" dirty="0">
+                <a:latin typeface="Segoe UI Light" panose="020B0502040204020203" pitchFamily="34" charset="0"/>
+                <a:cs typeface="Segoe UI Light" panose="020B0502040204020203" pitchFamily="34" charset="0"/>
+              </a:rPr>
+              <a:t>This capstone project focuses on using </a:t>
+            </a:r>
+            <a:r>
+              <a:rPr lang="en-US" b="1" dirty="0">
+                <a:latin typeface="Segoe UI Black" panose="020B0A02040204020203" pitchFamily="34" charset="0"/>
+                <a:ea typeface="Segoe UI Black" panose="020B0A02040204020203" pitchFamily="34" charset="0"/>
+                <a:cs typeface="Segoe UI Black" panose="020B0A02040204020203" pitchFamily="34" charset="0"/>
+              </a:rPr>
+              <a:t>Natural Language Processing </a:t>
+            </a:r>
+            <a:r>
+              <a:rPr lang="en-US" dirty="0">
+                <a:latin typeface="Segoe UI Light" panose="020B0502040204020203" pitchFamily="34" charset="0"/>
+                <a:cs typeface="Segoe UI Light" panose="020B0502040204020203" pitchFamily="34" charset="0"/>
+              </a:rPr>
+              <a:t>and</a:t>
+            </a:r>
+            <a:r>
+              <a:rPr lang="en-US" b="1" dirty="0">
+                <a:latin typeface="Segoe UI Light" panose="020B0502040204020203" pitchFamily="34" charset="0"/>
+                <a:cs typeface="Segoe UI Light" panose="020B0502040204020203" pitchFamily="34" charset="0"/>
+              </a:rPr>
+              <a:t> </a:t>
+            </a:r>
+            <a:r>
+              <a:rPr lang="en-US" b="1" dirty="0">
+                <a:latin typeface="Segoe UI Black" panose="020B0A02040204020203" pitchFamily="34" charset="0"/>
+                <a:ea typeface="Segoe UI Black" panose="020B0A02040204020203" pitchFamily="34" charset="0"/>
+                <a:cs typeface="Segoe UI Black" panose="020B0A02040204020203" pitchFamily="34" charset="0"/>
+              </a:rPr>
+              <a:t>Machine Learning</a:t>
+            </a:r>
+            <a:r>
+              <a:rPr lang="en-US" dirty="0">
+                <a:latin typeface="Segoe UI Black" panose="020B0A02040204020203" pitchFamily="34" charset="0"/>
+                <a:ea typeface="Segoe UI Black" panose="020B0A02040204020203" pitchFamily="34" charset="0"/>
+                <a:cs typeface="Segoe UI Black" panose="020B0A02040204020203" pitchFamily="34" charset="0"/>
+              </a:rPr>
+              <a:t> </a:t>
+            </a:r>
+            <a:r>
+              <a:rPr lang="en-US" dirty="0">
+                <a:latin typeface="Segoe UI Light" panose="020B0502040204020203" pitchFamily="34" charset="0"/>
+                <a:cs typeface="Segoe UI Light" panose="020B0502040204020203" pitchFamily="34" charset="0"/>
+              </a:rPr>
+              <a:t>methods to identify deceptive content.</a:t>
+            </a:r>
+          </a:p>
+        </p:txBody>
+      </p:sp>
+    </p:spTree>
+    <p:extLst>
+      <p:ext uri="{BB962C8B-B14F-4D97-AF65-F5344CB8AC3E}">
+        <p14:creationId xmlns:p14="http://schemas.microsoft.com/office/powerpoint/2010/main" val="3525854908"/>
+      </p:ext>
+    </p:extLst>
+  </p:cSld>
+  <p:clrMapOvr>
+    <a:masterClrMapping/>
+  </p:clrMapOvr>
+</p:sld>
+</file>
+
+<file path=ppt/slides/slide6.xml><?xml version="1.0" encoding="utf-8"?>
+<p:sld xmlns:a="http://schemas.openxmlformats.org/drawingml/2006/main" xmlns:r="http://schemas.openxmlformats.org/officeDocument/2006/relationships" xmlns:p="http://schemas.openxmlformats.org/presentationml/2006/main">
+  <p:cSld>
+    <p:spTree>
+      <p:nvGrpSpPr>
+        <p:cNvPr id="1" name=""/>
+        <p:cNvGrpSpPr/>
+        <p:nvPr/>
+      </p:nvGrpSpPr>
+      <p:grpSpPr>
+        <a:xfrm>
+          <a:off x="0" y="0"/>
+          <a:ext cx="0" cy="0"/>
+          <a:chOff x="0" y="0"/>
+          <a:chExt cx="0" cy="0"/>
+        </a:xfrm>
+      </p:grpSpPr>
+      <p:sp>
+        <p:nvSpPr>
+          <p:cNvPr id="2" name="Title 1"/>
+          <p:cNvSpPr>
+            <a:spLocks noGrp="1"/>
+          </p:cNvSpPr>
+          <p:nvPr>
+            <p:ph type="title"/>
+          </p:nvPr>
+        </p:nvSpPr>
+        <p:spPr/>
+        <p:txBody>
+          <a:bodyPr/>
+          <a:lstStyle/>
+          <a:p>
+            <a:r>
+              <a:rPr lang="en-US" dirty="0">
+                <a:latin typeface="Segoe UI Black" panose="020B0A02040204020203" pitchFamily="34" charset="0"/>
+                <a:ea typeface="Segoe UI Black" panose="020B0A02040204020203" pitchFamily="34" charset="0"/>
+                <a:cs typeface="Segoe UI Black" panose="020B0A02040204020203" pitchFamily="34" charset="0"/>
+              </a:rPr>
+              <a:t>Motivation (4) Hypothetical Client</a:t>
+            </a:r>
+          </a:p>
+        </p:txBody>
+      </p:sp>
+      <p:sp>
+        <p:nvSpPr>
+          <p:cNvPr id="3" name="Content Placeholder 2"/>
+          <p:cNvSpPr>
+            <a:spLocks noGrp="1"/>
+          </p:cNvSpPr>
+          <p:nvPr>
+            <p:ph idx="1"/>
+          </p:nvPr>
+        </p:nvSpPr>
+        <p:spPr/>
+        <p:txBody>
+          <a:bodyPr>
+            <a:normAutofit/>
+          </a:bodyPr>
+          <a:lstStyle/>
+          <a:p>
+            <a:pPr marL="0" indent="0">
+              <a:buNone/>
+            </a:pPr>
+            <a:r>
+              <a:rPr lang="en-US" dirty="0">
+                <a:latin typeface="Segoe UI Light" panose="020B0502040204020203" pitchFamily="34" charset="0"/>
+                <a:cs typeface="Segoe UI Light" panose="020B0502040204020203" pitchFamily="34" charset="0"/>
+              </a:rPr>
+              <a:t>A hotel booking aggregator is trying to improve the quality and reliability of its hotel booking information for its users.</a:t>
+            </a:r>
+          </a:p>
+          <a:p>
+            <a:r>
+              <a:rPr lang="en-US" dirty="0">
+                <a:latin typeface="Segoe UI Light" panose="020B0502040204020203" pitchFamily="34" charset="0"/>
+                <a:cs typeface="Segoe UI Light" panose="020B0502040204020203" pitchFamily="34" charset="0"/>
+              </a:rPr>
+              <a:t>It has noticed complaints after users voiced concerns that some reviews may be fake.</a:t>
+            </a:r>
+          </a:p>
+          <a:p>
+            <a:r>
+              <a:rPr lang="en-US" dirty="0">
+                <a:latin typeface="Segoe UI Light" panose="020B0502040204020203" pitchFamily="34" charset="0"/>
+                <a:cs typeface="Segoe UI Light" panose="020B0502040204020203" pitchFamily="34" charset="0"/>
+              </a:rPr>
+              <a:t>To alleviate this, the client seeks to build a predictive model to flag whether reviews are genuine or fake. </a:t>
+            </a:r>
+          </a:p>
+          <a:p>
+            <a:r>
+              <a:rPr lang="en-US" dirty="0">
+                <a:latin typeface="Segoe UI Light" panose="020B0502040204020203" pitchFamily="34" charset="0"/>
+                <a:cs typeface="Segoe UI Light" panose="020B0502040204020203" pitchFamily="34" charset="0"/>
+              </a:rPr>
+              <a:t>By the end of this project, the client will be able to use this algorithm as part of their fake review deterrence strategy.</a:t>
+            </a:r>
+          </a:p>
+          <a:p>
+            <a:pPr marL="0" indent="0">
+              <a:buNone/>
+            </a:pPr>
+            <a:endParaRPr lang="en-US" dirty="0">
+              <a:latin typeface="Segoe UI Light" panose="020B0502040204020203" pitchFamily="34" charset="0"/>
+              <a:cs typeface="Segoe UI Light" panose="020B0502040204020203" pitchFamily="34" charset="0"/>
+            </a:endParaRPr>
+          </a:p>
+          <a:p>
+            <a:pPr marL="0" indent="0">
+              <a:buNone/>
+            </a:pPr>
+            <a:endParaRPr lang="en-US" dirty="0">
+              <a:latin typeface="Segoe UI Light" panose="020B0502040204020203" pitchFamily="34" charset="0"/>
+              <a:cs typeface="Segoe UI Light" panose="020B0502040204020203" pitchFamily="34" charset="0"/>
+            </a:endParaRPr>
+          </a:p>
+        </p:txBody>
+      </p:sp>
+    </p:spTree>
+    <p:extLst>
+      <p:ext uri="{BB962C8B-B14F-4D97-AF65-F5344CB8AC3E}">
+        <p14:creationId xmlns:p14="http://schemas.microsoft.com/office/powerpoint/2010/main" val="4243206580"/>
+      </p:ext>
+    </p:extLst>
+  </p:cSld>
+  <p:clrMapOvr>
+    <a:masterClrMapping/>
+  </p:clrMapOvr>
+</p:sld>
+</file>
+
+<file path=ppt/slides/slide7.xml><?xml version="1.0" encoding="utf-8"?>
+<p:sld xmlns:a="http://schemas.openxmlformats.org/drawingml/2006/main" xmlns:r="http://schemas.openxmlformats.org/officeDocument/2006/relationships" xmlns:p="http://schemas.openxmlformats.org/presentationml/2006/main">
+  <p:cSld>
+    <p:spTree>
+      <p:nvGrpSpPr>
+        <p:cNvPr id="1" name=""/>
+        <p:cNvGrpSpPr/>
+        <p:nvPr/>
+      </p:nvGrpSpPr>
+      <p:grpSpPr>
+        <a:xfrm>
+          <a:off x="0" y="0"/>
+          <a:ext cx="0" cy="0"/>
+          <a:chOff x="0" y="0"/>
+          <a:chExt cx="0" cy="0"/>
+        </a:xfrm>
+      </p:grpSpPr>
+      <p:sp>
+        <p:nvSpPr>
+          <p:cNvPr id="2" name="Title 1"/>
+          <p:cNvSpPr>
+            <a:spLocks noGrp="1"/>
+          </p:cNvSpPr>
+          <p:nvPr>
+            <p:ph type="title"/>
+          </p:nvPr>
+        </p:nvSpPr>
+        <p:spPr/>
+        <p:txBody>
+          <a:bodyPr/>
+          <a:lstStyle/>
+          <a:p>
+            <a:r>
+              <a:rPr lang="en-US" dirty="0">
+                <a:latin typeface="Segoe UI Black" panose="020B0A02040204020203" pitchFamily="34" charset="0"/>
+                <a:ea typeface="Segoe UI Black" panose="020B0A02040204020203" pitchFamily="34" charset="0"/>
+                <a:cs typeface="Segoe UI Black" panose="020B0A02040204020203" pitchFamily="34" charset="0"/>
+              </a:rPr>
+              <a:t>Data (1) Overview</a:t>
+            </a:r>
+          </a:p>
+        </p:txBody>
+      </p:sp>
+      <p:sp>
+        <p:nvSpPr>
+          <p:cNvPr id="3" name="Content Placeholder 2"/>
+          <p:cNvSpPr>
+            <a:spLocks noGrp="1"/>
+          </p:cNvSpPr>
+          <p:nvPr>
+            <p:ph idx="1"/>
+          </p:nvPr>
+        </p:nvSpPr>
+        <p:spPr>
+          <a:xfrm>
+            <a:off x="838199" y="1825625"/>
+            <a:ext cx="10671495" cy="4351338"/>
+          </a:xfrm>
+        </p:spPr>
+        <p:txBody>
+          <a:bodyPr>
+            <a:normAutofit/>
+          </a:bodyPr>
+          <a:lstStyle/>
+          <a:p>
+            <a:pPr marL="0" indent="0">
+              <a:buNone/>
+            </a:pPr>
+            <a:r>
+              <a:rPr lang="en-US" dirty="0">
+                <a:latin typeface="Segoe UI Light" panose="020B0502040204020203" pitchFamily="34" charset="0"/>
+                <a:cs typeface="Segoe UI Light" panose="020B0502040204020203" pitchFamily="34" charset="0"/>
+              </a:rPr>
+              <a:t>Source: </a:t>
+            </a:r>
+            <a:r>
+              <a:rPr lang="en-US" dirty="0">
+                <a:latin typeface="Segoe UI Light" panose="020B0502040204020203" pitchFamily="34" charset="0"/>
+                <a:cs typeface="Segoe UI Light" panose="020B0502040204020203" pitchFamily="34" charset="0"/>
+                <a:hlinkClick r:id="rId2"/>
+              </a:rPr>
+              <a:t>Kaggle, “Deceptive Hotel Opinions Corpus”</a:t>
+            </a:r>
+            <a:endParaRPr lang="en-US" dirty="0">
+              <a:latin typeface="Segoe UI Light" panose="020B0502040204020203" pitchFamily="34" charset="0"/>
+              <a:cs typeface="Segoe UI Light" panose="020B0502040204020203" pitchFamily="34" charset="0"/>
+            </a:endParaRPr>
+          </a:p>
+          <a:p>
+            <a:r>
+              <a:rPr lang="en-US" dirty="0">
+                <a:latin typeface="Segoe UI Light" panose="020B0502040204020203" pitchFamily="34" charset="0"/>
+                <a:cs typeface="Segoe UI Light" panose="020B0502040204020203" pitchFamily="34" charset="0"/>
+              </a:rPr>
+              <a:t>1600 records</a:t>
+            </a:r>
+          </a:p>
+          <a:p>
+            <a:pPr lvl="1"/>
+            <a:r>
+              <a:rPr lang="en-US" dirty="0">
+                <a:latin typeface="Segoe UI Light" panose="020B0502040204020203" pitchFamily="34" charset="0"/>
+                <a:cs typeface="Segoe UI Light" panose="020B0502040204020203" pitchFamily="34" charset="0"/>
+              </a:rPr>
+              <a:t>800 Deceptive</a:t>
+            </a:r>
+          </a:p>
+          <a:p>
+            <a:pPr lvl="2"/>
+            <a:r>
+              <a:rPr lang="en-US" sz="1600" dirty="0">
+                <a:latin typeface="Segoe UI Light" panose="020B0502040204020203" pitchFamily="34" charset="0"/>
+                <a:cs typeface="Segoe UI Light" panose="020B0502040204020203" pitchFamily="34" charset="0"/>
+              </a:rPr>
+              <a:t>Generated by Mechanical Turks: Crowdsourced, human intelligence tasking</a:t>
+            </a:r>
+          </a:p>
+          <a:p>
+            <a:pPr lvl="1"/>
+            <a:r>
+              <a:rPr lang="en-US" dirty="0">
+                <a:latin typeface="Segoe UI Light" panose="020B0502040204020203" pitchFamily="34" charset="0"/>
+                <a:cs typeface="Segoe UI Light" panose="020B0502040204020203" pitchFamily="34" charset="0"/>
+              </a:rPr>
+              <a:t>800 Genuine</a:t>
+            </a:r>
+          </a:p>
+          <a:p>
+            <a:pPr lvl="2"/>
+            <a:r>
+              <a:rPr lang="en-US" dirty="0">
+                <a:latin typeface="Segoe UI Light" panose="020B0502040204020203" pitchFamily="34" charset="0"/>
+                <a:cs typeface="Segoe UI Light" panose="020B0502040204020203" pitchFamily="34" charset="0"/>
+              </a:rPr>
+              <a:t>Multiple Review Aggregator sites</a:t>
+            </a:r>
+          </a:p>
+          <a:p>
+            <a:pPr lvl="2"/>
+            <a:r>
+              <a:rPr lang="en-US" dirty="0">
+                <a:latin typeface="Segoe UI Light" panose="020B0502040204020203" pitchFamily="34" charset="0"/>
+                <a:cs typeface="Segoe UI Light" panose="020B0502040204020203" pitchFamily="34" charset="0"/>
+              </a:rPr>
+              <a:t>Web</a:t>
+            </a:r>
+          </a:p>
+          <a:p>
+            <a:pPr lvl="1"/>
+            <a:r>
+              <a:rPr lang="en-US" dirty="0">
+                <a:latin typeface="Segoe UI Light" panose="020B0502040204020203" pitchFamily="34" charset="0"/>
+                <a:cs typeface="Segoe UI Light" panose="020B0502040204020203" pitchFamily="34" charset="0"/>
+              </a:rPr>
+              <a:t>Positive and Negative Sentiment</a:t>
+            </a:r>
+          </a:p>
+          <a:p>
+            <a:pPr lvl="1"/>
+            <a:endParaRPr lang="en-US" dirty="0">
+              <a:latin typeface="Segoe UI Light" panose="020B0502040204020203" pitchFamily="34" charset="0"/>
+              <a:cs typeface="Segoe UI Light" panose="020B0502040204020203" pitchFamily="34" charset="0"/>
+            </a:endParaRPr>
+          </a:p>
+        </p:txBody>
+      </p:sp>
+    </p:spTree>
+    <p:extLst>
+      <p:ext uri="{BB962C8B-B14F-4D97-AF65-F5344CB8AC3E}">
+        <p14:creationId xmlns:p14="http://schemas.microsoft.com/office/powerpoint/2010/main" val="3486041349"/>
+      </p:ext>
+    </p:extLst>
+  </p:cSld>
+  <p:clrMapOvr>
+    <a:masterClrMapping/>
+  </p:clrMapOvr>
+</p:sld>
+</file>
+
+<file path=ppt/slides/slide8.xml><?xml version="1.0" encoding="utf-8"?>
+<p:sld xmlns:a="http://schemas.openxmlformats.org/drawingml/2006/main" xmlns:r="http://schemas.openxmlformats.org/officeDocument/2006/relationships" xmlns:p="http://schemas.openxmlformats.org/presentationml/2006/main">
+  <p:cSld>
+    <p:spTree>
+      <p:nvGrpSpPr>
+        <p:cNvPr id="1" name=""/>
+        <p:cNvGrpSpPr/>
+        <p:nvPr/>
+      </p:nvGrpSpPr>
+      <p:grpSpPr>
+        <a:xfrm>
+          <a:off x="0" y="0"/>
+          <a:ext cx="0" cy="0"/>
+          <a:chOff x="0" y="0"/>
+          <a:chExt cx="0" cy="0"/>
+        </a:xfrm>
+      </p:grpSpPr>
+      <p:sp>
+        <p:nvSpPr>
+          <p:cNvPr id="2" name="Title 1"/>
+          <p:cNvSpPr>
+            <a:spLocks noGrp="1"/>
+          </p:cNvSpPr>
+          <p:nvPr>
+            <p:ph type="title"/>
+          </p:nvPr>
+        </p:nvSpPr>
+        <p:spPr/>
+        <p:txBody>
+          <a:bodyPr/>
+          <a:lstStyle/>
+          <a:p>
+            <a:r>
+              <a:rPr lang="en-US" dirty="0">
+                <a:latin typeface="Segoe UI Black" panose="020B0A02040204020203" pitchFamily="34" charset="0"/>
+                <a:ea typeface="Segoe UI Black" panose="020B0A02040204020203" pitchFamily="34" charset="0"/>
+                <a:cs typeface="Segoe UI Black" panose="020B0A02040204020203" pitchFamily="34" charset="0"/>
+              </a:rPr>
+              <a:t>Data (2) Descriptives</a:t>
+            </a:r>
+          </a:p>
+        </p:txBody>
+      </p:sp>
+      <p:pic>
+        <p:nvPicPr>
+          <p:cNvPr id="6" name="Picture 5"/>
+          <p:cNvPicPr>
+            <a:picLocks noChangeAspect="1"/>
+          </p:cNvPicPr>
+          <p:nvPr/>
+        </p:nvPicPr>
+        <p:blipFill>
+          <a:blip r:embed="rId2"/>
+          <a:stretch>
+            <a:fillRect/>
+          </a:stretch>
+        </p:blipFill>
+        <p:spPr>
+          <a:xfrm>
+            <a:off x="6827939" y="1833301"/>
+            <a:ext cx="4330614" cy="4637314"/>
+          </a:xfrm>
+          <a:prstGeom prst="rect">
+            <a:avLst/>
+          </a:prstGeom>
+        </p:spPr>
+      </p:pic>
+      <p:sp>
+        <p:nvSpPr>
+          <p:cNvPr id="7" name="Rectangle 6"/>
+          <p:cNvSpPr/>
+          <p:nvPr/>
+        </p:nvSpPr>
+        <p:spPr>
+          <a:xfrm>
+            <a:off x="6612273" y="1350755"/>
+            <a:ext cx="4761945" cy="338554"/>
+          </a:xfrm>
+          <a:prstGeom prst="rect">
+            <a:avLst/>
+          </a:prstGeom>
+        </p:spPr>
+        <p:txBody>
+          <a:bodyPr wrap="none">
+            <a:spAutoFit/>
+          </a:bodyPr>
+          <a:lstStyle/>
+          <a:p>
+            <a:r>
+              <a:rPr lang="en-US" sz="1600" dirty="0">
+                <a:latin typeface="Segoe UI Light" panose="020B0502040204020203" pitchFamily="34" charset="0"/>
+                <a:cs typeface="Segoe UI Light" panose="020B0502040204020203" pitchFamily="34" charset="0"/>
+              </a:rPr>
+              <a:t>Count of records by Deceptive, Sentiment, and Hotel </a:t>
+            </a:r>
+            <a:endParaRPr lang="en-US" sz="1600" dirty="0"/>
+          </a:p>
+        </p:txBody>
+      </p:sp>
+      <p:pic>
+        <p:nvPicPr>
+          <p:cNvPr id="8" name="Picture 7"/>
+          <p:cNvPicPr>
+            <a:picLocks noChangeAspect="1"/>
+          </p:cNvPicPr>
+          <p:nvPr/>
+        </p:nvPicPr>
+        <p:blipFill>
+          <a:blip r:embed="rId3"/>
+          <a:stretch>
+            <a:fillRect/>
+          </a:stretch>
+        </p:blipFill>
+        <p:spPr>
+          <a:xfrm>
+            <a:off x="998999" y="4843978"/>
+            <a:ext cx="5077260" cy="1626637"/>
+          </a:xfrm>
+          <a:prstGeom prst="rect">
+            <a:avLst/>
+          </a:prstGeom>
+        </p:spPr>
+      </p:pic>
+      <p:sp>
+        <p:nvSpPr>
+          <p:cNvPr id="9" name="Rectangle 8"/>
+          <p:cNvSpPr/>
+          <p:nvPr/>
+        </p:nvSpPr>
+        <p:spPr>
+          <a:xfrm>
+            <a:off x="1482276" y="4461398"/>
+            <a:ext cx="4310860" cy="369332"/>
+          </a:xfrm>
+          <a:prstGeom prst="rect">
+            <a:avLst/>
+          </a:prstGeom>
+        </p:spPr>
+        <p:txBody>
+          <a:bodyPr wrap="none">
+            <a:spAutoFit/>
+          </a:bodyPr>
+          <a:lstStyle/>
+          <a:p>
+            <a:r>
+              <a:rPr lang="en-US" dirty="0">
+                <a:latin typeface="Segoe UI Light" panose="020B0502040204020203" pitchFamily="34" charset="0"/>
+                <a:cs typeface="Segoe UI Light" panose="020B0502040204020203" pitchFamily="34" charset="0"/>
+              </a:rPr>
+              <a:t>Positive and Negative Sentiment by Source</a:t>
+            </a:r>
+            <a:endParaRPr lang="en-US" dirty="0"/>
+          </a:p>
+        </p:txBody>
+      </p:sp>
+      <p:pic>
+        <p:nvPicPr>
+          <p:cNvPr id="10" name="Picture 9"/>
+          <p:cNvPicPr>
+            <a:picLocks noChangeAspect="1"/>
+          </p:cNvPicPr>
+          <p:nvPr/>
+        </p:nvPicPr>
+        <p:blipFill>
+          <a:blip r:embed="rId4"/>
+          <a:stretch>
+            <a:fillRect/>
+          </a:stretch>
+        </p:blipFill>
+        <p:spPr>
+          <a:xfrm>
+            <a:off x="998999" y="1833301"/>
+            <a:ext cx="4924850" cy="2287858"/>
+          </a:xfrm>
+          <a:prstGeom prst="rect">
+            <a:avLst/>
+          </a:prstGeom>
+        </p:spPr>
+      </p:pic>
+      <p:sp>
+        <p:nvSpPr>
+          <p:cNvPr id="11" name="Rectangle 10"/>
+          <p:cNvSpPr/>
+          <p:nvPr/>
+        </p:nvSpPr>
+        <p:spPr>
+          <a:xfrm>
+            <a:off x="2175222" y="1392663"/>
+            <a:ext cx="2924968" cy="369332"/>
+          </a:xfrm>
+          <a:prstGeom prst="rect">
+            <a:avLst/>
+          </a:prstGeom>
+        </p:spPr>
+        <p:txBody>
+          <a:bodyPr wrap="none">
+            <a:spAutoFit/>
+          </a:bodyPr>
+          <a:lstStyle/>
+          <a:p>
+            <a:r>
+              <a:rPr lang="en-US" dirty="0">
+                <a:latin typeface="Segoe UI Light" panose="020B0502040204020203" pitchFamily="34" charset="0"/>
+                <a:cs typeface="Segoe UI Light" panose="020B0502040204020203" pitchFamily="34" charset="0"/>
+              </a:rPr>
+              <a:t>Top 5 and Bottom 5 Records</a:t>
+            </a:r>
+            <a:endParaRPr lang="en-US" dirty="0"/>
+          </a:p>
+        </p:txBody>
+      </p:sp>
+    </p:spTree>
+    <p:extLst>
+      <p:ext uri="{BB962C8B-B14F-4D97-AF65-F5344CB8AC3E}">
+        <p14:creationId xmlns:p14="http://schemas.microsoft.com/office/powerpoint/2010/main" val="979937731"/>
+      </p:ext>
+    </p:extLst>
+  </p:cSld>
+  <p:clrMapOvr>
+    <a:masterClrMapping/>
+  </p:clrMapOvr>
+</p:sld>
+</file>
+
+<file path=ppt/slides/slide9.xml><?xml version="1.0" encoding="utf-8"?>
+<p:sld xmlns:a="http://schemas.openxmlformats.org/drawingml/2006/main" xmlns:r="http://schemas.openxmlformats.org/officeDocument/2006/relationships" xmlns:p="http://schemas.openxmlformats.org/presentationml/2006/main">
+  <p:cSld>
+    <p:spTree>
+      <p:nvGrpSpPr>
+        <p:cNvPr id="1" name=""/>
+        <p:cNvGrpSpPr/>
+        <p:nvPr/>
+      </p:nvGrpSpPr>
+      <p:grpSpPr>
+        <a:xfrm>
+          <a:off x="0" y="0"/>
+          <a:ext cx="0" cy="0"/>
+          <a:chOff x="0" y="0"/>
+          <a:chExt cx="0" cy="0"/>
+        </a:xfrm>
+      </p:grpSpPr>
+      <p:sp>
+        <p:nvSpPr>
+          <p:cNvPr id="2" name="Title 1"/>
+          <p:cNvSpPr>
+            <a:spLocks noGrp="1"/>
+          </p:cNvSpPr>
+          <p:nvPr>
+            <p:ph type="title"/>
+          </p:nvPr>
+        </p:nvSpPr>
+        <p:spPr/>
+        <p:txBody>
+          <a:bodyPr/>
+          <a:lstStyle/>
+          <a:p>
+            <a:r>
+              <a:rPr lang="en-US" dirty="0">
+                <a:latin typeface="Segoe UI Black" panose="020B0A02040204020203" pitchFamily="34" charset="0"/>
+                <a:ea typeface="Segoe UI Black" panose="020B0A02040204020203" pitchFamily="34" charset="0"/>
+                <a:cs typeface="Segoe UI Black" panose="020B0A02040204020203" pitchFamily="34" charset="0"/>
+              </a:rPr>
+              <a:t>Data (3) Data Exploration</a:t>
+            </a:r>
+          </a:p>
+        </p:txBody>
+      </p:sp>
+      <p:sp>
+        <p:nvSpPr>
+          <p:cNvPr id="14" name="Rectangle 13"/>
+          <p:cNvSpPr/>
+          <p:nvPr/>
+        </p:nvSpPr>
+        <p:spPr>
+          <a:xfrm>
+            <a:off x="1465373" y="1605320"/>
+            <a:ext cx="4630627" cy="400110"/>
+          </a:xfrm>
+          <a:prstGeom prst="rect">
+            <a:avLst/>
+          </a:prstGeom>
+        </p:spPr>
+        <p:txBody>
+          <a:bodyPr wrap="none">
+            <a:spAutoFit/>
+          </a:bodyPr>
+          <a:lstStyle/>
+          <a:p>
+            <a:r>
+              <a:rPr lang="en-US" sz="2000" dirty="0">
+                <a:latin typeface="Segoe UI Light" panose="020B0502040204020203" pitchFamily="34" charset="0"/>
+                <a:cs typeface="Segoe UI Light" panose="020B0502040204020203" pitchFamily="34" charset="0"/>
+              </a:rPr>
+              <a:t>Mean Length of Words Across Categories</a:t>
+            </a:r>
+            <a:endParaRPr lang="en-US" sz="2000" dirty="0"/>
+          </a:p>
+        </p:txBody>
+      </p:sp>
+      <p:pic>
+        <p:nvPicPr>
+          <p:cNvPr id="15" name="Picture 14"/>
+          <p:cNvPicPr>
+            <a:picLocks noChangeAspect="1"/>
+          </p:cNvPicPr>
+          <p:nvPr/>
+        </p:nvPicPr>
+        <p:blipFill>
+          <a:blip r:embed="rId2"/>
+          <a:stretch>
+            <a:fillRect/>
+          </a:stretch>
+        </p:blipFill>
+        <p:spPr>
+          <a:xfrm>
+            <a:off x="400517" y="2029242"/>
+            <a:ext cx="6629017" cy="4514980"/>
+          </a:xfrm>
+          <a:prstGeom prst="rect">
+            <a:avLst/>
+          </a:prstGeom>
+        </p:spPr>
+      </p:pic>
+      <p:sp>
+        <p:nvSpPr>
+          <p:cNvPr id="4" name="Rectangle 3"/>
+          <p:cNvSpPr/>
+          <p:nvPr/>
+        </p:nvSpPr>
+        <p:spPr>
+          <a:xfrm>
+            <a:off x="7267576" y="2343984"/>
+            <a:ext cx="4629150" cy="3970318"/>
+          </a:xfrm>
+          <a:prstGeom prst="rect">
+            <a:avLst/>
+          </a:prstGeom>
+        </p:spPr>
+        <p:txBody>
+          <a:bodyPr wrap="square">
+            <a:spAutoFit/>
+          </a:bodyPr>
+          <a:lstStyle/>
+          <a:p>
+            <a:r>
+              <a:rPr lang="en-US" dirty="0">
+                <a:latin typeface="Segoe UI Light" panose="020B0502040204020203" pitchFamily="34" charset="0"/>
+                <a:cs typeface="Segoe UI Light" panose="020B0502040204020203" pitchFamily="34" charset="0"/>
+              </a:rPr>
+              <a:t>From the results of hypotheses tests we can see that:</a:t>
+            </a:r>
+          </a:p>
+          <a:p>
+            <a:pPr marL="285750" indent="-285750">
+              <a:buFont typeface="Arial" panose="020B0604020202020204" pitchFamily="34" charset="0"/>
+              <a:buChar char="•"/>
+            </a:pPr>
+            <a:endParaRPr lang="en-US" dirty="0">
+              <a:latin typeface="Segoe UI Light" panose="020B0502040204020203" pitchFamily="34" charset="0"/>
+              <a:cs typeface="Segoe UI Light" panose="020B0502040204020203" pitchFamily="34" charset="0"/>
+            </a:endParaRPr>
+          </a:p>
+          <a:p>
+            <a:pPr marL="285750" indent="-285750">
+              <a:buFont typeface="Arial" panose="020B0604020202020204" pitchFamily="34" charset="0"/>
+              <a:buChar char="•"/>
+            </a:pPr>
+            <a:r>
+              <a:rPr lang="en-US" dirty="0">
+                <a:latin typeface="Segoe UI Light" panose="020B0502040204020203" pitchFamily="34" charset="0"/>
+                <a:cs typeface="Segoe UI Light" panose="020B0502040204020203" pitchFamily="34" charset="0"/>
+              </a:rPr>
+              <a:t>There is a statistically significant difference between positive and negative average length of words (p-value of about 0)</a:t>
+            </a:r>
+          </a:p>
+          <a:p>
+            <a:endParaRPr lang="en-US" dirty="0">
+              <a:latin typeface="Segoe UI Light" panose="020B0502040204020203" pitchFamily="34" charset="0"/>
+              <a:cs typeface="Segoe UI Light" panose="020B0502040204020203" pitchFamily="34" charset="0"/>
+            </a:endParaRPr>
+          </a:p>
+          <a:p>
+            <a:pPr marL="285750" indent="-285750">
+              <a:buFont typeface="Arial" panose="020B0604020202020204" pitchFamily="34" charset="0"/>
+              <a:buChar char="•"/>
+            </a:pPr>
+            <a:r>
+              <a:rPr lang="en-US" dirty="0">
+                <a:latin typeface="Segoe UI Light" panose="020B0502040204020203" pitchFamily="34" charset="0"/>
+                <a:cs typeface="Segoe UI Light" panose="020B0502040204020203" pitchFamily="34" charset="0"/>
+              </a:rPr>
+              <a:t>There is a statistically significant difference between trip advisor and non trip advisor sources (p-value of about 0)</a:t>
+            </a:r>
+          </a:p>
+          <a:p>
+            <a:endParaRPr lang="en-US" dirty="0">
+              <a:latin typeface="Segoe UI Light" panose="020B0502040204020203" pitchFamily="34" charset="0"/>
+              <a:cs typeface="Segoe UI Light" panose="020B0502040204020203" pitchFamily="34" charset="0"/>
+            </a:endParaRPr>
+          </a:p>
+          <a:p>
+            <a:pPr marL="285750" indent="-285750">
+              <a:buFont typeface="Arial" panose="020B0604020202020204" pitchFamily="34" charset="0"/>
+              <a:buChar char="•"/>
+            </a:pPr>
+            <a:r>
+              <a:rPr lang="en-US" dirty="0">
+                <a:latin typeface="Segoe UI Light" panose="020B0502040204020203" pitchFamily="34" charset="0"/>
+                <a:cs typeface="Segoe UI Light" panose="020B0502040204020203" pitchFamily="34" charset="0"/>
+              </a:rPr>
+              <a:t>There is a no detectable statistical significance when it comes to deceptive and genuine reviews. (p-value = .2)</a:t>
+            </a:r>
+          </a:p>
+        </p:txBody>
+      </p:sp>
+    </p:spTree>
+    <p:extLst>
+      <p:ext uri="{BB962C8B-B14F-4D97-AF65-F5344CB8AC3E}">
+        <p14:creationId xmlns:p14="http://schemas.microsoft.com/office/powerpoint/2010/main" val="2001073354"/>
       </p:ext>
     </p:extLst>
   </p:cSld>

--- a/NLP 2 - Hotel Reviews Deliverable.pptx
+++ b/NLP 2 - Hotel Reviews Deliverable.pptx
@@ -11,7 +11,7 @@
     <p:sldId id="274" r:id="rId5"/>
     <p:sldId id="264" r:id="rId6"/>
     <p:sldId id="265" r:id="rId7"/>
-    <p:sldId id="259" r:id="rId8"/>
+    <p:sldId id="275" r:id="rId8"/>
     <p:sldId id="266" r:id="rId9"/>
     <p:sldId id="272" r:id="rId10"/>
     <p:sldId id="260" r:id="rId11"/>
@@ -127,6 +127,10 @@
 </p:presentation>
 </file>
 
+<file path=ppt/revisionInfo.xml><?xml version="1.0" encoding="utf-8"?>
+<p1510:revInfo xmlns:a="http://schemas.openxmlformats.org/drawingml/2006/main" xmlns:r="http://schemas.openxmlformats.org/officeDocument/2006/relationships" xmlns:p1510="http://schemas.microsoft.com/office/powerpoint/2015/10/main"/>
+</file>
+
 <file path=ppt/slideLayouts/slideLayout1.xml><?xml version="1.0" encoding="utf-8"?>
 <p:sldLayout xmlns:a="http://schemas.openxmlformats.org/drawingml/2006/main" xmlns:r="http://schemas.openxmlformats.org/officeDocument/2006/relationships" xmlns:p="http://schemas.openxmlformats.org/presentationml/2006/main" type="title" preserve="1">
   <p:cSld name="Title Slide">
@@ -256,7 +260,7 @@
           <a:p>
             <a:fld id="{9FA286B8-7381-4FAB-B87D-163232FF37BF}" type="datetimeFigureOut">
               <a:rPr lang="en-US" smtClean="0"/>
-              <a:t>8/23/2017</a:t>
+              <a:t>9/20/2017</a:t>
             </a:fld>
             <a:endParaRPr lang="en-US" dirty="0"/>
           </a:p>
@@ -424,7 +428,7 @@
           <a:p>
             <a:fld id="{9FA286B8-7381-4FAB-B87D-163232FF37BF}" type="datetimeFigureOut">
               <a:rPr lang="en-US" smtClean="0"/>
-              <a:t>8/23/2017</a:t>
+              <a:t>9/20/2017</a:t>
             </a:fld>
             <a:endParaRPr lang="en-US" dirty="0"/>
           </a:p>
@@ -602,7 +606,7 @@
           <a:p>
             <a:fld id="{9FA286B8-7381-4FAB-B87D-163232FF37BF}" type="datetimeFigureOut">
               <a:rPr lang="en-US" smtClean="0"/>
-              <a:t>8/23/2017</a:t>
+              <a:t>9/20/2017</a:t>
             </a:fld>
             <a:endParaRPr lang="en-US" dirty="0"/>
           </a:p>
@@ -770,7 +774,7 @@
           <a:p>
             <a:fld id="{9FA286B8-7381-4FAB-B87D-163232FF37BF}" type="datetimeFigureOut">
               <a:rPr lang="en-US" smtClean="0"/>
-              <a:t>8/23/2017</a:t>
+              <a:t>9/20/2017</a:t>
             </a:fld>
             <a:endParaRPr lang="en-US" dirty="0"/>
           </a:p>
@@ -1015,7 +1019,7 @@
           <a:p>
             <a:fld id="{9FA286B8-7381-4FAB-B87D-163232FF37BF}" type="datetimeFigureOut">
               <a:rPr lang="en-US" smtClean="0"/>
-              <a:t>8/23/2017</a:t>
+              <a:t>9/20/2017</a:t>
             </a:fld>
             <a:endParaRPr lang="en-US" dirty="0"/>
           </a:p>
@@ -1244,7 +1248,7 @@
           <a:p>
             <a:fld id="{9FA286B8-7381-4FAB-B87D-163232FF37BF}" type="datetimeFigureOut">
               <a:rPr lang="en-US" smtClean="0"/>
-              <a:t>8/23/2017</a:t>
+              <a:t>9/20/2017</a:t>
             </a:fld>
             <a:endParaRPr lang="en-US" dirty="0"/>
           </a:p>
@@ -1608,7 +1612,7 @@
           <a:p>
             <a:fld id="{9FA286B8-7381-4FAB-B87D-163232FF37BF}" type="datetimeFigureOut">
               <a:rPr lang="en-US" smtClean="0"/>
-              <a:t>8/23/2017</a:t>
+              <a:t>9/20/2017</a:t>
             </a:fld>
             <a:endParaRPr lang="en-US" dirty="0"/>
           </a:p>
@@ -1725,7 +1729,7 @@
           <a:p>
             <a:fld id="{9FA286B8-7381-4FAB-B87D-163232FF37BF}" type="datetimeFigureOut">
               <a:rPr lang="en-US" smtClean="0"/>
-              <a:t>8/23/2017</a:t>
+              <a:t>9/20/2017</a:t>
             </a:fld>
             <a:endParaRPr lang="en-US" dirty="0"/>
           </a:p>
@@ -1820,7 +1824,7 @@
           <a:p>
             <a:fld id="{9FA286B8-7381-4FAB-B87D-163232FF37BF}" type="datetimeFigureOut">
               <a:rPr lang="en-US" smtClean="0"/>
-              <a:t>8/23/2017</a:t>
+              <a:t>9/20/2017</a:t>
             </a:fld>
             <a:endParaRPr lang="en-US" dirty="0"/>
           </a:p>
@@ -2095,7 +2099,7 @@
           <a:p>
             <a:fld id="{9FA286B8-7381-4FAB-B87D-163232FF37BF}" type="datetimeFigureOut">
               <a:rPr lang="en-US" smtClean="0"/>
-              <a:t>8/23/2017</a:t>
+              <a:t>9/20/2017</a:t>
             </a:fld>
             <a:endParaRPr lang="en-US" dirty="0"/>
           </a:p>
@@ -2347,7 +2351,7 @@
           <a:p>
             <a:fld id="{9FA286B8-7381-4FAB-B87D-163232FF37BF}" type="datetimeFigureOut">
               <a:rPr lang="en-US" smtClean="0"/>
-              <a:t>8/23/2017</a:t>
+              <a:t>9/20/2017</a:t>
             </a:fld>
             <a:endParaRPr lang="en-US" dirty="0"/>
           </a:p>
@@ -2558,7 +2562,7 @@
           <a:p>
             <a:fld id="{9FA286B8-7381-4FAB-B87D-163232FF37BF}" type="datetimeFigureOut">
               <a:rPr lang="en-US" smtClean="0"/>
-              <a:t>8/23/2017</a:t>
+              <a:t>9/20/2017</a:t>
             </a:fld>
             <a:endParaRPr lang="en-US" dirty="0"/>
           </a:p>
@@ -4484,95 +4488,6 @@
           </a:p>
         </p:txBody>
       </p:sp>
-      <p:pic>
-        <p:nvPicPr>
-          <p:cNvPr id="6" name="Content Placeholder 5"/>
-          <p:cNvPicPr>
-            <a:picLocks noGrp="1" noChangeAspect="1"/>
-          </p:cNvPicPr>
-          <p:nvPr>
-            <p:ph idx="1"/>
-          </p:nvPr>
-        </p:nvPicPr>
-        <p:blipFill>
-          <a:blip r:embed="rId2">
-            <a:extLst>
-              <a:ext uri="{28A0092B-C50C-407E-A947-70E740481C1C}">
-                <a14:useLocalDpi xmlns:a14="http://schemas.microsoft.com/office/drawing/2010/main" val="0"/>
-              </a:ext>
-            </a:extLst>
-          </a:blip>
-          <a:stretch>
-            <a:fillRect/>
-          </a:stretch>
-        </p:blipFill>
-        <p:spPr>
-          <a:xfrm>
-            <a:off x="8773631" y="2235262"/>
-            <a:ext cx="3060064" cy="3195183"/>
-          </a:xfrm>
-        </p:spPr>
-      </p:pic>
-      <p:pic>
-        <p:nvPicPr>
-          <p:cNvPr id="8" name="Picture 7"/>
-          <p:cNvPicPr>
-            <a:picLocks noChangeAspect="1"/>
-          </p:cNvPicPr>
-          <p:nvPr/>
-        </p:nvPicPr>
-        <p:blipFill>
-          <a:blip r:embed="rId3">
-            <a:extLst>
-              <a:ext uri="{28A0092B-C50C-407E-A947-70E740481C1C}">
-                <a14:useLocalDpi xmlns:a14="http://schemas.microsoft.com/office/drawing/2010/main" val="0"/>
-              </a:ext>
-            </a:extLst>
-          </a:blip>
-          <a:stretch>
-            <a:fillRect/>
-          </a:stretch>
-        </p:blipFill>
-        <p:spPr>
-          <a:xfrm>
-            <a:off x="1157891" y="2219338"/>
-            <a:ext cx="3107753" cy="3211080"/>
-          </a:xfrm>
-          <a:prstGeom prst="rect">
-            <a:avLst/>
-          </a:prstGeom>
-        </p:spPr>
-      </p:pic>
-      <p:pic>
-        <p:nvPicPr>
-          <p:cNvPr id="10" name="Picture 9"/>
-          <p:cNvPicPr>
-            <a:picLocks noChangeAspect="1"/>
-          </p:cNvPicPr>
-          <p:nvPr/>
-        </p:nvPicPr>
-        <p:blipFill>
-          <a:blip r:embed="rId4">
-            <a:extLst>
-              <a:ext uri="{28A0092B-C50C-407E-A947-70E740481C1C}">
-                <a14:useLocalDpi xmlns:a14="http://schemas.microsoft.com/office/drawing/2010/main" val="0"/>
-              </a:ext>
-            </a:extLst>
-          </a:blip>
-          <a:stretch>
-            <a:fillRect/>
-          </a:stretch>
-        </p:blipFill>
-        <p:spPr>
-          <a:xfrm>
-            <a:off x="4907336" y="2237999"/>
-            <a:ext cx="3091857" cy="3091857"/>
-          </a:xfrm>
-          <a:prstGeom prst="rect">
-            <a:avLst/>
-          </a:prstGeom>
-        </p:spPr>
-      </p:pic>
       <p:sp>
         <p:nvSpPr>
           <p:cNvPr id="12" name="Rectangle 11"/>
@@ -4671,45 +4586,23 @@
       </p:sp>
       <p:sp>
         <p:nvSpPr>
-          <p:cNvPr id="15" name="Rectangle 14"/>
+          <p:cNvPr id="16" name="Rectangle 15"/>
           <p:cNvSpPr/>
           <p:nvPr/>
         </p:nvSpPr>
         <p:spPr>
           <a:xfrm>
-            <a:off x="4891533" y="3081610"/>
-            <a:ext cx="3245016" cy="3543548"/>
+            <a:off x="1504324" y="5955630"/>
+            <a:ext cx="2419701" cy="369332"/>
           </a:xfrm>
           <a:prstGeom prst="rect">
             <a:avLst/>
           </a:prstGeom>
-          <a:solidFill>
-            <a:schemeClr val="bg2">
-              <a:alpha val="33000"/>
-            </a:schemeClr>
-          </a:solidFill>
-          <a:ln>
-            <a:noFill/>
-          </a:ln>
         </p:spPr>
-        <p:style>
-          <a:lnRef idx="2">
-            <a:schemeClr val="accent1">
-              <a:shade val="50000"/>
-            </a:schemeClr>
-          </a:lnRef>
-          <a:fillRef idx="1">
-            <a:schemeClr val="accent1"/>
-          </a:fillRef>
-          <a:effectRef idx="0">
-            <a:schemeClr val="accent1"/>
-          </a:effectRef>
-          <a:fontRef idx="minor">
-            <a:schemeClr val="lt1"/>
-          </a:fontRef>
-        </p:style>
-        <p:txBody>
-          <a:bodyPr rtlCol="0" anchor="ctr"/>
+        <p:txBody>
+          <a:bodyPr wrap="none">
+            <a:spAutoFit/>
+          </a:bodyPr>
           <a:lstStyle/>
           <a:p>
             <a:pPr algn="ctr"/>
@@ -4718,11 +4611,101 @@
                 <a:latin typeface="Segoe UI Light" panose="020B0502040204020203" pitchFamily="34" charset="0"/>
                 <a:cs typeface="Segoe UI Light" panose="020B0502040204020203" pitchFamily="34" charset="0"/>
               </a:rPr>
-              <a:t>Previous + Parts of Speech Metrics</a:t>
-            </a:r>
-          </a:p>
-        </p:txBody>
-      </p:sp>
+              <a:t>LDA performs the best.</a:t>
+            </a:r>
+          </a:p>
+        </p:txBody>
+      </p:sp>
+      <p:pic>
+        <p:nvPicPr>
+          <p:cNvPr id="3" name="Picture 2">
+            <a:extLst>
+              <a:ext uri="{FF2B5EF4-FFF2-40B4-BE49-F238E27FC236}">
+                <a16:creationId xmlns:a16="http://schemas.microsoft.com/office/drawing/2014/main" id="{A2A7E087-068A-4DD3-8659-1D4160FB4BD2}"/>
+              </a:ext>
+            </a:extLst>
+          </p:cNvPr>
+          <p:cNvPicPr>
+            <a:picLocks noChangeAspect="1"/>
+          </p:cNvPicPr>
+          <p:nvPr/>
+        </p:nvPicPr>
+        <p:blipFill>
+          <a:blip r:embed="rId2"/>
+          <a:stretch>
+            <a:fillRect/>
+          </a:stretch>
+        </p:blipFill>
+        <p:spPr>
+          <a:xfrm>
+            <a:off x="953348" y="2154172"/>
+            <a:ext cx="3464750" cy="3738939"/>
+          </a:xfrm>
+          <a:prstGeom prst="rect">
+            <a:avLst/>
+          </a:prstGeom>
+        </p:spPr>
+      </p:pic>
+      <p:pic>
+        <p:nvPicPr>
+          <p:cNvPr id="7" name="Picture 6">
+            <a:extLst>
+              <a:ext uri="{FF2B5EF4-FFF2-40B4-BE49-F238E27FC236}">
+                <a16:creationId xmlns:a16="http://schemas.microsoft.com/office/drawing/2014/main" id="{C8729CC7-5648-45B3-AEA3-5AD68FC8CCFB}"/>
+              </a:ext>
+            </a:extLst>
+          </p:cNvPr>
+          <p:cNvPicPr>
+            <a:picLocks noChangeAspect="1"/>
+          </p:cNvPicPr>
+          <p:nvPr/>
+        </p:nvPicPr>
+        <p:blipFill>
+          <a:blip r:embed="rId3"/>
+          <a:stretch>
+            <a:fillRect/>
+          </a:stretch>
+        </p:blipFill>
+        <p:spPr>
+          <a:xfrm>
+            <a:off x="4539652" y="2154172"/>
+            <a:ext cx="3489676" cy="3705704"/>
+          </a:xfrm>
+          <a:prstGeom prst="rect">
+            <a:avLst/>
+          </a:prstGeom>
+        </p:spPr>
+      </p:pic>
+      <p:pic>
+        <p:nvPicPr>
+          <p:cNvPr id="9" name="Picture 8">
+            <a:extLst>
+              <a:ext uri="{FF2B5EF4-FFF2-40B4-BE49-F238E27FC236}">
+                <a16:creationId xmlns:a16="http://schemas.microsoft.com/office/drawing/2014/main" id="{BBF78E02-66DE-4787-B72A-7245C6A287F8}"/>
+              </a:ext>
+            </a:extLst>
+          </p:cNvPr>
+          <p:cNvPicPr>
+            <a:picLocks noChangeAspect="1"/>
+          </p:cNvPicPr>
+          <p:nvPr/>
+        </p:nvPicPr>
+        <p:blipFill>
+          <a:blip r:embed="rId4"/>
+          <a:stretch>
+            <a:fillRect/>
+          </a:stretch>
+        </p:blipFill>
+        <p:spPr>
+          <a:xfrm>
+            <a:off x="8488430" y="2228951"/>
+            <a:ext cx="3431515" cy="3664160"/>
+          </a:xfrm>
+          <a:prstGeom prst="rect">
+            <a:avLst/>
+          </a:prstGeom>
+        </p:spPr>
+      </p:pic>
       <p:sp>
         <p:nvSpPr>
           <p:cNvPr id="11" name="Rectangle 10"/>
@@ -4731,8 +4714,8 @@
         </p:nvSpPr>
         <p:spPr>
           <a:xfrm>
-            <a:off x="1157891" y="2387750"/>
-            <a:ext cx="9615711" cy="157470"/>
+            <a:off x="929389" y="2325959"/>
+            <a:ext cx="9976598" cy="163380"/>
           </a:xfrm>
           <a:prstGeom prst="rect">
             <a:avLst/>
@@ -4767,48 +4750,6 @@
           <a:p>
             <a:pPr algn="ctr"/>
             <a:endParaRPr lang="en-US" dirty="0"/>
-          </a:p>
-        </p:txBody>
-      </p:sp>
-      <p:sp>
-        <p:nvSpPr>
-          <p:cNvPr id="16" name="Rectangle 15"/>
-          <p:cNvSpPr/>
-          <p:nvPr/>
-        </p:nvSpPr>
-        <p:spPr>
-          <a:xfrm>
-            <a:off x="5243414" y="5569946"/>
-            <a:ext cx="2419700" cy="646331"/>
-          </a:xfrm>
-          <a:prstGeom prst="rect">
-            <a:avLst/>
-          </a:prstGeom>
-        </p:spPr>
-        <p:txBody>
-          <a:bodyPr wrap="none">
-            <a:spAutoFit/>
-          </a:bodyPr>
-          <a:lstStyle/>
-          <a:p>
-            <a:pPr algn="ctr"/>
-            <a:r>
-              <a:rPr lang="en-US" dirty="0">
-                <a:latin typeface="Segoe UI Light" panose="020B0502040204020203" pitchFamily="34" charset="0"/>
-                <a:cs typeface="Segoe UI Light" panose="020B0502040204020203" pitchFamily="34" charset="0"/>
-              </a:rPr>
-              <a:t>Feature Set 2 + </a:t>
-            </a:r>
-          </a:p>
-          <a:p>
-            <a:pPr algn="ctr"/>
-            <a:r>
-              <a:rPr lang="en-US" dirty="0">
-                <a:latin typeface="Segoe UI Light" panose="020B0502040204020203" pitchFamily="34" charset="0"/>
-                <a:cs typeface="Segoe UI Light" panose="020B0502040204020203" pitchFamily="34" charset="0"/>
-              </a:rPr>
-              <a:t>LDA performs the best.</a:t>
-            </a:r>
           </a:p>
         </p:txBody>
       </p:sp>
@@ -4842,6 +4783,36 @@
           <a:chExt cx="0" cy="0"/>
         </a:xfrm>
       </p:grpSpPr>
+      <p:pic>
+        <p:nvPicPr>
+          <p:cNvPr id="10" name="Picture 9">
+            <a:extLst>
+              <a:ext uri="{FF2B5EF4-FFF2-40B4-BE49-F238E27FC236}">
+                <a16:creationId xmlns:a16="http://schemas.microsoft.com/office/drawing/2014/main" id="{9FF4A0CF-323E-4790-ACFE-C5B53B004394}"/>
+              </a:ext>
+            </a:extLst>
+          </p:cNvPr>
+          <p:cNvPicPr>
+            <a:picLocks noChangeAspect="1"/>
+          </p:cNvPicPr>
+          <p:nvPr/>
+        </p:nvPicPr>
+        <p:blipFill>
+          <a:blip r:embed="rId2"/>
+          <a:stretch>
+            <a:fillRect/>
+          </a:stretch>
+        </p:blipFill>
+        <p:spPr>
+          <a:xfrm>
+            <a:off x="624333" y="1825625"/>
+            <a:ext cx="3464750" cy="3738939"/>
+          </a:xfrm>
+          <a:prstGeom prst="rect">
+            <a:avLst/>
+          </a:prstGeom>
+        </p:spPr>
+      </p:pic>
       <p:sp>
         <p:nvSpPr>
           <p:cNvPr id="2" name="Title 1"/>
@@ -4888,117 +4859,65 @@
           <a:bodyPr/>
           <a:lstStyle/>
           <a:p>
-            <a:pPr marL="0" indent="0">
-              <a:buNone/>
-            </a:pPr>
-            <a:r>
-              <a:rPr lang="en-US" dirty="0">
-                <a:latin typeface="Segoe UI Black" panose="020B0A02040204020203" pitchFamily="34" charset="0"/>
-                <a:ea typeface="Segoe UI Black" panose="020B0A02040204020203" pitchFamily="34" charset="0"/>
-                <a:cs typeface="Segoe UI Black" panose="020B0A02040204020203" pitchFamily="34" charset="0"/>
-              </a:rPr>
-              <a:t>10 Fold Cross Validation Test Results: </a:t>
-            </a:r>
-          </a:p>
-          <a:p>
-            <a:pPr marL="0" indent="0" algn="ctr">
-              <a:buNone/>
-            </a:pPr>
-            <a:endParaRPr lang="en-US" dirty="0">
-              <a:latin typeface="Segoe UI Light" panose="020B0502040204020203" pitchFamily="34" charset="0"/>
-              <a:cs typeface="Segoe UI Light" panose="020B0502040204020203" pitchFamily="34" charset="0"/>
-            </a:endParaRPr>
-          </a:p>
-          <a:p>
-            <a:pPr marL="0" indent="0" algn="ctr">
-              <a:buNone/>
-            </a:pPr>
-            <a:r>
-              <a:rPr lang="en-US" dirty="0">
-                <a:latin typeface="Segoe UI Light" panose="020B0502040204020203" pitchFamily="34" charset="0"/>
-                <a:cs typeface="Segoe UI Light" panose="020B0502040204020203" pitchFamily="34" charset="0"/>
-              </a:rPr>
-              <a:t>Accuracy: 82.25%</a:t>
-            </a:r>
-          </a:p>
-          <a:p>
-            <a:pPr marL="0" indent="0">
-              <a:buNone/>
-            </a:pPr>
-            <a:endParaRPr lang="en-US" dirty="0">
-              <a:latin typeface="Segoe UI Light" panose="020B0502040204020203" pitchFamily="34" charset="0"/>
-              <a:cs typeface="Segoe UI Light" panose="020B0502040204020203" pitchFamily="34" charset="0"/>
-            </a:endParaRPr>
-          </a:p>
-          <a:p>
-            <a:pPr marL="0" indent="0">
-              <a:buNone/>
-            </a:pPr>
-            <a:r>
-              <a:rPr lang="en-US" dirty="0">
-                <a:latin typeface="Segoe UI Black" panose="020B0A02040204020203" pitchFamily="34" charset="0"/>
-                <a:ea typeface="Segoe UI Black" panose="020B0A02040204020203" pitchFamily="34" charset="0"/>
-                <a:cs typeface="Segoe UI Black" panose="020B0A02040204020203" pitchFamily="34" charset="0"/>
-              </a:rPr>
-              <a:t>Confusion Matrix </a:t>
-            </a:r>
-            <a:r>
-              <a:rPr lang="en-US" b="1" dirty="0">
-                <a:latin typeface="Segoe UI Black" panose="020B0A02040204020203" pitchFamily="34" charset="0"/>
-                <a:ea typeface="Segoe UI Black" panose="020B0A02040204020203" pitchFamily="34" charset="0"/>
-                <a:cs typeface="Segoe UI Black" panose="020B0A02040204020203" pitchFamily="34" charset="0"/>
-              </a:rPr>
-              <a:t>on Entire Dataset:</a:t>
-            </a:r>
-          </a:p>
-        </p:txBody>
-      </p:sp>
-      <p:pic>
-        <p:nvPicPr>
-          <p:cNvPr id="17" name="Picture 16"/>
-          <p:cNvPicPr>
-            <a:picLocks noChangeAspect="1"/>
-          </p:cNvPicPr>
+            <a:r>
+              <a:rPr lang="en-US" dirty="0">
+                <a:latin typeface="Segoe UI Light" panose="020B0502040204020203" pitchFamily="34" charset="0"/>
+                <a:cs typeface="Segoe UI Light" panose="020B0502040204020203" pitchFamily="34" charset="0"/>
+              </a:rPr>
+              <a:t>Results might be improved by using Random forest with tuned parameters given that without tuning, the model performed reasonably well</a:t>
+            </a:r>
+          </a:p>
+        </p:txBody>
+      </p:sp>
+      <p:sp>
+        <p:nvSpPr>
+          <p:cNvPr id="19" name="Rectangle 18"/>
+          <p:cNvSpPr/>
           <p:nvPr/>
-        </p:nvPicPr>
-        <p:blipFill>
-          <a:blip r:embed="rId2">
-            <a:extLst>
-              <a:ext uri="{28A0092B-C50C-407E-A947-70E740481C1C}">
-                <a14:useLocalDpi xmlns:a14="http://schemas.microsoft.com/office/drawing/2010/main" val="0"/>
-              </a:ext>
-            </a:extLst>
-          </a:blip>
-          <a:stretch>
-            <a:fillRect/>
-          </a:stretch>
-        </p:blipFill>
+        </p:nvSpPr>
         <p:spPr>
           <a:xfrm>
-            <a:off x="640136" y="1825625"/>
-            <a:ext cx="3091857" cy="3091857"/>
+            <a:off x="1096949" y="5532088"/>
+            <a:ext cx="1959062" cy="369332"/>
           </a:xfrm>
           <a:prstGeom prst="rect">
             <a:avLst/>
           </a:prstGeom>
         </p:spPr>
-      </p:pic>
-      <p:sp>
-        <p:nvSpPr>
-          <p:cNvPr id="18" name="Rectangle 17"/>
+        <p:txBody>
+          <a:bodyPr wrap="none">
+            <a:spAutoFit/>
+          </a:bodyPr>
+          <a:lstStyle/>
+          <a:p>
+            <a:pPr algn="ctr"/>
+            <a:r>
+              <a:rPr lang="en-US" dirty="0">
+                <a:latin typeface="Segoe UI Light" panose="020B0502040204020203" pitchFamily="34" charset="0"/>
+                <a:cs typeface="Segoe UI Light" panose="020B0502040204020203" pitchFamily="34" charset="0"/>
+              </a:rPr>
+              <a:t>Topic Vectors Only</a:t>
+            </a:r>
+          </a:p>
+        </p:txBody>
+      </p:sp>
+      <p:sp>
+        <p:nvSpPr>
+          <p:cNvPr id="20" name="Rectangle 19"/>
           <p:cNvSpPr/>
           <p:nvPr/>
         </p:nvSpPr>
         <p:spPr>
           <a:xfrm>
-            <a:off x="624333" y="4917482"/>
-            <a:ext cx="3245016" cy="1295302"/>
+            <a:off x="613468" y="2006375"/>
+            <a:ext cx="1741038" cy="130336"/>
           </a:xfrm>
           <a:prstGeom prst="rect">
             <a:avLst/>
           </a:prstGeom>
           <a:solidFill>
-            <a:schemeClr val="bg2">
+            <a:schemeClr val="accent6">
+              <a:lumMod val="50000"/>
               <a:alpha val="33000"/>
             </a:schemeClr>
           </a:solidFill>
@@ -5027,74 +4946,39 @@
           <a:lstStyle/>
           <a:p>
             <a:pPr algn="ctr"/>
-            <a:r>
-              <a:rPr lang="en-US" dirty="0">
-                <a:latin typeface="Segoe UI Light" panose="020B0502040204020203" pitchFamily="34" charset="0"/>
-                <a:cs typeface="Segoe UI Light" panose="020B0502040204020203" pitchFamily="34" charset="0"/>
-              </a:rPr>
-              <a:t>Previous + Parts of Speech Metrics</a:t>
-            </a:r>
-          </a:p>
-        </p:txBody>
-      </p:sp>
-      <p:sp>
-        <p:nvSpPr>
-          <p:cNvPr id="19" name="Rectangle 18"/>
+            <a:endParaRPr lang="en-US" dirty="0">
+              <a:solidFill>
+                <a:srgbClr val="FF0000"/>
+              </a:solidFill>
+              <a:latin typeface="Segoe UI Light" panose="020B0502040204020203" pitchFamily="34" charset="0"/>
+              <a:cs typeface="Segoe UI Light" panose="020B0502040204020203" pitchFamily="34" charset="0"/>
+            </a:endParaRPr>
+          </a:p>
+        </p:txBody>
+      </p:sp>
+      <p:sp>
+        <p:nvSpPr>
+          <p:cNvPr id="12" name="Rectangle 11">
+            <a:extLst>
+              <a:ext uri="{FF2B5EF4-FFF2-40B4-BE49-F238E27FC236}">
+                <a16:creationId xmlns:a16="http://schemas.microsoft.com/office/drawing/2014/main" id="{C06C2AE0-8E38-4D27-9027-E2394F36B658}"/>
+              </a:ext>
+            </a:extLst>
+          </p:cNvPr>
           <p:cNvSpPr/>
           <p:nvPr/>
         </p:nvSpPr>
         <p:spPr>
           <a:xfrm>
-            <a:off x="976214" y="5157572"/>
-            <a:ext cx="2419700" cy="646331"/>
-          </a:xfrm>
-          <a:prstGeom prst="rect">
-            <a:avLst/>
-          </a:prstGeom>
-        </p:spPr>
-        <p:txBody>
-          <a:bodyPr wrap="none">
-            <a:spAutoFit/>
-          </a:bodyPr>
-          <a:lstStyle/>
-          <a:p>
-            <a:pPr algn="ctr"/>
-            <a:r>
-              <a:rPr lang="en-US" dirty="0">
-                <a:latin typeface="Segoe UI Light" panose="020B0502040204020203" pitchFamily="34" charset="0"/>
-                <a:cs typeface="Segoe UI Light" panose="020B0502040204020203" pitchFamily="34" charset="0"/>
-              </a:rPr>
-              <a:t>Feature Set 2 + </a:t>
-            </a:r>
-          </a:p>
-          <a:p>
-            <a:pPr algn="ctr"/>
-            <a:r>
-              <a:rPr lang="en-US" dirty="0">
-                <a:latin typeface="Segoe UI Light" panose="020B0502040204020203" pitchFamily="34" charset="0"/>
-                <a:cs typeface="Segoe UI Light" panose="020B0502040204020203" pitchFamily="34" charset="0"/>
-              </a:rPr>
-              <a:t>LDA performs the best.</a:t>
-            </a:r>
-          </a:p>
-        </p:txBody>
-      </p:sp>
-      <p:sp>
-        <p:nvSpPr>
-          <p:cNvPr id="20" name="Rectangle 19"/>
-          <p:cNvSpPr/>
-          <p:nvPr/>
-        </p:nvSpPr>
-        <p:spPr>
-          <a:xfrm>
-            <a:off x="624333" y="1978383"/>
-            <a:ext cx="3245016" cy="134386"/>
+            <a:off x="613468" y="2765264"/>
+            <a:ext cx="1741038" cy="130336"/>
           </a:xfrm>
           <a:prstGeom prst="rect">
             <a:avLst/>
           </a:prstGeom>
           <a:solidFill>
-            <a:schemeClr val="bg2">
+            <a:schemeClr val="accent6">
+              <a:lumMod val="50000"/>
               <a:alpha val="33000"/>
             </a:schemeClr>
           </a:solidFill>
@@ -5124,81 +5008,9 @@
           <a:p>
             <a:pPr algn="ctr"/>
             <a:endParaRPr lang="en-US" dirty="0">
-              <a:latin typeface="Segoe UI Light" panose="020B0502040204020203" pitchFamily="34" charset="0"/>
-              <a:cs typeface="Segoe UI Light" panose="020B0502040204020203" pitchFamily="34" charset="0"/>
-            </a:endParaRPr>
-          </a:p>
-        </p:txBody>
-      </p:sp>
-      <p:pic>
-        <p:nvPicPr>
-          <p:cNvPr id="4" name="Picture 3"/>
-          <p:cNvPicPr>
-            <a:picLocks noChangeAspect="1"/>
-          </p:cNvPicPr>
-          <p:nvPr/>
-        </p:nvPicPr>
-        <p:blipFill>
-          <a:blip r:embed="rId3"/>
-          <a:stretch>
-            <a:fillRect/>
-          </a:stretch>
-        </p:blipFill>
-        <p:spPr>
-          <a:xfrm>
-            <a:off x="4838700" y="4441010"/>
-            <a:ext cx="5981700" cy="1676400"/>
-          </a:xfrm>
-          <a:prstGeom prst="rect">
-            <a:avLst/>
-          </a:prstGeom>
-        </p:spPr>
-      </p:pic>
-      <p:sp>
-        <p:nvSpPr>
-          <p:cNvPr id="21" name="Rectangle 20"/>
-          <p:cNvSpPr/>
-          <p:nvPr/>
-        </p:nvSpPr>
-        <p:spPr>
-          <a:xfrm>
-            <a:off x="1370098" y="3002956"/>
-            <a:ext cx="506327" cy="1914525"/>
-          </a:xfrm>
-          <a:prstGeom prst="rect">
-            <a:avLst/>
-          </a:prstGeom>
-          <a:solidFill>
-            <a:schemeClr val="bg2">
-              <a:alpha val="33000"/>
-            </a:schemeClr>
-          </a:solidFill>
-          <a:ln>
-            <a:noFill/>
-          </a:ln>
-        </p:spPr>
-        <p:style>
-          <a:lnRef idx="2">
-            <a:schemeClr val="accent1">
-              <a:shade val="50000"/>
-            </a:schemeClr>
-          </a:lnRef>
-          <a:fillRef idx="1">
-            <a:schemeClr val="accent1"/>
-          </a:fillRef>
-          <a:effectRef idx="0">
-            <a:schemeClr val="accent1"/>
-          </a:effectRef>
-          <a:fontRef idx="minor">
-            <a:schemeClr val="lt1"/>
-          </a:fontRef>
-        </p:style>
-        <p:txBody>
-          <a:bodyPr rtlCol="0" anchor="ctr"/>
-          <a:lstStyle/>
-          <a:p>
-            <a:pPr algn="ctr"/>
-            <a:endParaRPr lang="en-US" dirty="0">
+              <a:solidFill>
+                <a:srgbClr val="FF0000"/>
+              </a:solidFill>
               <a:latin typeface="Segoe UI Light" panose="020B0502040204020203" pitchFamily="34" charset="0"/>
               <a:cs typeface="Segoe UI Light" panose="020B0502040204020203" pitchFamily="34" charset="0"/>
             </a:endParaRPr>
@@ -6005,9 +5817,541 @@
           <a:chExt cx="0" cy="0"/>
         </a:xfrm>
       </p:grpSpPr>
-      <p:sp>
-        <p:nvSpPr>
-          <p:cNvPr id="2" name="Title 1"/>
+      <p:graphicFrame>
+        <p:nvGraphicFramePr>
+          <p:cNvPr id="11" name="Table 10">
+            <a:extLst>
+              <a:ext uri="{FF2B5EF4-FFF2-40B4-BE49-F238E27FC236}">
+                <a16:creationId xmlns:a16="http://schemas.microsoft.com/office/drawing/2014/main" id="{691A4642-FC63-45E3-8A7A-7F7C9B9EEA35}"/>
+              </a:ext>
+            </a:extLst>
+          </p:cNvPr>
+          <p:cNvGraphicFramePr>
+            <a:graphicFrameLocks noGrp="1"/>
+          </p:cNvGraphicFramePr>
+          <p:nvPr>
+            <p:extLst>
+              <p:ext uri="{D42A27DB-BD31-4B8C-83A1-F6EECF244321}">
+                <p14:modId xmlns:p14="http://schemas.microsoft.com/office/powerpoint/2010/main" val="2264737333"/>
+              </p:ext>
+            </p:extLst>
+          </p:nvPr>
+        </p:nvGraphicFramePr>
+        <p:xfrm>
+          <a:off x="737532" y="2165709"/>
+          <a:ext cx="10515600" cy="2949716"/>
+        </p:xfrm>
+        <a:graphic>
+          <a:graphicData uri="http://schemas.openxmlformats.org/drawingml/2006/table">
+            <a:tbl>
+              <a:tblPr/>
+              <a:tblGrid>
+                <a:gridCol w="1140675">
+                  <a:extLst>
+                    <a:ext uri="{9D8B030D-6E8A-4147-A177-3AD203B41FA5}">
+                      <a16:colId xmlns:a16="http://schemas.microsoft.com/office/drawing/2014/main" val="2834686154"/>
+                    </a:ext>
+                  </a:extLst>
+                </a:gridCol>
+                <a:gridCol w="4800342">
+                  <a:extLst>
+                    <a:ext uri="{9D8B030D-6E8A-4147-A177-3AD203B41FA5}">
+                      <a16:colId xmlns:a16="http://schemas.microsoft.com/office/drawing/2014/main" val="717536827"/>
+                    </a:ext>
+                  </a:extLst>
+                </a:gridCol>
+                <a:gridCol w="4574583">
+                  <a:extLst>
+                    <a:ext uri="{9D8B030D-6E8A-4147-A177-3AD203B41FA5}">
+                      <a16:colId xmlns:a16="http://schemas.microsoft.com/office/drawing/2014/main" val="3055921651"/>
+                    </a:ext>
+                  </a:extLst>
+                </a:gridCol>
+              </a:tblGrid>
+              <a:tr h="196054">
+                <a:tc>
+                  <a:txBody>
+                    <a:bodyPr/>
+                    <a:lstStyle/>
+                    <a:p>
+                      <a:pPr algn="l" fontAlgn="b"/>
+                      <a:endParaRPr lang="en-US" sz="1000" b="0" i="0" u="none" strike="noStrike">
+                        <a:solidFill>
+                          <a:srgbClr val="000000"/>
+                        </a:solidFill>
+                        <a:effectLst/>
+                        <a:latin typeface="Calibri" panose="020F0502020204030204" pitchFamily="34" charset="0"/>
+                      </a:endParaRPr>
+                    </a:p>
+                  </a:txBody>
+                  <a:tcPr marL="8912" marR="8912" marT="8912" marB="0" anchor="b">
+                    <a:lnL>
+                      <a:noFill/>
+                    </a:lnL>
+                    <a:lnR>
+                      <a:noFill/>
+                    </a:lnR>
+                    <a:lnT>
+                      <a:noFill/>
+                    </a:lnT>
+                    <a:lnB>
+                      <a:noFill/>
+                    </a:lnB>
+                  </a:tcPr>
+                </a:tc>
+                <a:tc>
+                  <a:txBody>
+                    <a:bodyPr/>
+                    <a:lstStyle/>
+                    <a:p>
+                      <a:pPr algn="ctr" fontAlgn="ctr"/>
+                      <a:r>
+                        <a:rPr lang="en-US" sz="1000" b="0" i="0" u="none" strike="noStrike" dirty="0">
+                          <a:solidFill>
+                            <a:srgbClr val="000000"/>
+                          </a:solidFill>
+                          <a:effectLst/>
+                          <a:latin typeface="Segoe UI Black" panose="020B0A02040204020203" pitchFamily="34" charset="0"/>
+                        </a:rPr>
+                        <a:t>Paid Reviewer</a:t>
+                      </a:r>
+                    </a:p>
+                  </a:txBody>
+                  <a:tcPr marL="8912" marR="8912" marT="8912" marB="0" anchor="ctr">
+                    <a:lnL>
+                      <a:noFill/>
+                    </a:lnL>
+                    <a:lnR>
+                      <a:noFill/>
+                    </a:lnR>
+                    <a:lnT>
+                      <a:noFill/>
+                    </a:lnT>
+                    <a:lnB w="6350" cap="flat" cmpd="sng" algn="ctr">
+                      <a:solidFill>
+                        <a:srgbClr val="000000"/>
+                      </a:solidFill>
+                      <a:prstDash val="solid"/>
+                      <a:round/>
+                      <a:headEnd type="none" w="med" len="med"/>
+                      <a:tailEnd type="none" w="med" len="med"/>
+                    </a:lnB>
+                  </a:tcPr>
+                </a:tc>
+                <a:tc>
+                  <a:txBody>
+                    <a:bodyPr/>
+                    <a:lstStyle/>
+                    <a:p>
+                      <a:pPr algn="ctr" fontAlgn="ctr"/>
+                      <a:r>
+                        <a:rPr lang="en-US" sz="1000" b="0" i="0" u="none" strike="noStrike" dirty="0">
+                          <a:solidFill>
+                            <a:srgbClr val="000000"/>
+                          </a:solidFill>
+                          <a:effectLst/>
+                          <a:latin typeface="Segoe UI Black" panose="020B0A02040204020203" pitchFamily="34" charset="0"/>
+                        </a:rPr>
+                        <a:t>Real Reviewer</a:t>
+                      </a:r>
+                    </a:p>
+                  </a:txBody>
+                  <a:tcPr marL="8912" marR="8912" marT="8912" marB="0" anchor="ctr">
+                    <a:lnL>
+                      <a:noFill/>
+                    </a:lnL>
+                    <a:lnR>
+                      <a:noFill/>
+                    </a:lnR>
+                    <a:lnT>
+                      <a:noFill/>
+                    </a:lnT>
+                    <a:lnB w="6350" cap="flat" cmpd="sng" algn="ctr">
+                      <a:solidFill>
+                        <a:srgbClr val="000000"/>
+                      </a:solidFill>
+                      <a:prstDash val="solid"/>
+                      <a:round/>
+                      <a:headEnd type="none" w="med" len="med"/>
+                      <a:tailEnd type="none" w="med" len="med"/>
+                    </a:lnB>
+                  </a:tcPr>
+                </a:tc>
+                <a:extLst>
+                  <a:ext uri="{0D108BD9-81ED-4DB2-BD59-A6C34878D82A}">
+                    <a16:rowId xmlns:a16="http://schemas.microsoft.com/office/drawing/2014/main" val="3690279174"/>
+                  </a:ext>
+                </a:extLst>
+              </a:tr>
+              <a:tr h="793126">
+                <a:tc>
+                  <a:txBody>
+                    <a:bodyPr/>
+                    <a:lstStyle/>
+                    <a:p>
+                      <a:pPr algn="ctr" fontAlgn="ctr"/>
+                      <a:r>
+                        <a:rPr lang="en-US" sz="1000" b="0" i="0" u="none" strike="noStrike">
+                          <a:solidFill>
+                            <a:srgbClr val="000000"/>
+                          </a:solidFill>
+                          <a:effectLst/>
+                          <a:latin typeface="Segoe UI Black" panose="020B0A02040204020203" pitchFamily="34" charset="0"/>
+                        </a:rPr>
+                        <a:t>Positive</a:t>
+                      </a:r>
+                    </a:p>
+                  </a:txBody>
+                  <a:tcPr marL="8912" marR="8912" marT="8912" marB="0" anchor="ctr">
+                    <a:lnL>
+                      <a:noFill/>
+                    </a:lnL>
+                    <a:lnR w="6350" cap="flat" cmpd="sng" algn="ctr">
+                      <a:solidFill>
+                        <a:srgbClr val="000000"/>
+                      </a:solidFill>
+                      <a:prstDash val="solid"/>
+                      <a:round/>
+                      <a:headEnd type="none" w="med" len="med"/>
+                      <a:tailEnd type="none" w="med" len="med"/>
+                    </a:lnR>
+                    <a:lnT>
+                      <a:noFill/>
+                    </a:lnT>
+                    <a:lnB>
+                      <a:noFill/>
+                    </a:lnB>
+                  </a:tcPr>
+                </a:tc>
+                <a:tc>
+                  <a:txBody>
+                    <a:bodyPr/>
+                    <a:lstStyle/>
+                    <a:p>
+                      <a:pPr algn="ctr" fontAlgn="ctr"/>
+                      <a:r>
+                        <a:rPr lang="en-US" sz="1000" b="0" i="0" u="none" strike="noStrike">
+                          <a:solidFill>
+                            <a:srgbClr val="000000"/>
+                          </a:solidFill>
+                          <a:effectLst/>
+                          <a:latin typeface="Segoe UI Light" panose="020B0502040204020203" pitchFamily="34" charset="0"/>
+                        </a:rPr>
+                        <a:t>the experince at the hard rock hotel in chicago was fantastic,i will rate them a 6 out of 5. they have wonderful service and great staff and the view is just wonderful.</a:t>
+                      </a:r>
+                    </a:p>
+                  </a:txBody>
+                  <a:tcPr marL="8912" marR="8912" marT="8912" marB="0" anchor="ctr">
+                    <a:lnL w="6350" cap="flat" cmpd="sng" algn="ctr">
+                      <a:solidFill>
+                        <a:srgbClr val="000000"/>
+                      </a:solidFill>
+                      <a:prstDash val="solid"/>
+                      <a:round/>
+                      <a:headEnd type="none" w="med" len="med"/>
+                      <a:tailEnd type="none" w="med" len="med"/>
+                    </a:lnL>
+                    <a:lnR w="6350" cap="flat" cmpd="sng" algn="ctr">
+                      <a:solidFill>
+                        <a:srgbClr val="000000"/>
+                      </a:solidFill>
+                      <a:prstDash val="solid"/>
+                      <a:round/>
+                      <a:headEnd type="none" w="med" len="med"/>
+                      <a:tailEnd type="none" w="med" len="med"/>
+                    </a:lnR>
+                    <a:lnT w="6350" cap="flat" cmpd="sng" algn="ctr">
+                      <a:solidFill>
+                        <a:srgbClr val="000000"/>
+                      </a:solidFill>
+                      <a:prstDash val="solid"/>
+                      <a:round/>
+                      <a:headEnd type="none" w="med" len="med"/>
+                      <a:tailEnd type="none" w="med" len="med"/>
+                    </a:lnT>
+                    <a:lnB w="6350" cap="flat" cmpd="sng" algn="ctr">
+                      <a:solidFill>
+                        <a:srgbClr val="000000"/>
+                      </a:solidFill>
+                      <a:prstDash val="solid"/>
+                      <a:round/>
+                      <a:headEnd type="none" w="med" len="med"/>
+                      <a:tailEnd type="none" w="med" len="med"/>
+                    </a:lnB>
+                  </a:tcPr>
+                </a:tc>
+                <a:tc>
+                  <a:txBody>
+                    <a:bodyPr/>
+                    <a:lstStyle/>
+                    <a:p>
+                      <a:pPr algn="ctr" fontAlgn="ctr"/>
+                      <a:r>
+                        <a:rPr lang="en-US" sz="1000" b="0" i="0" u="none" strike="noStrike">
+                          <a:solidFill>
+                            <a:srgbClr val="000000"/>
+                          </a:solidFill>
+                          <a:effectLst/>
+                          <a:latin typeface="Segoe UI Light" panose="020B0502040204020203" pitchFamily="34" charset="0"/>
+                        </a:rPr>
+                        <a:t>I recently stayed at the Hard Rock Hotel in Chicago, Il. From the start, the experience was bad. The room was filthy, there were no towels, and the front desk did nothing to rectify the situation. I will never stay there again. I could not have been more dissatisfied.</a:t>
+                      </a:r>
+                    </a:p>
+                  </a:txBody>
+                  <a:tcPr marL="8912" marR="8912" marT="8912" marB="0" anchor="ctr">
+                    <a:lnL w="6350" cap="flat" cmpd="sng" algn="ctr">
+                      <a:solidFill>
+                        <a:srgbClr val="000000"/>
+                      </a:solidFill>
+                      <a:prstDash val="solid"/>
+                      <a:round/>
+                      <a:headEnd type="none" w="med" len="med"/>
+                      <a:tailEnd type="none" w="med" len="med"/>
+                    </a:lnL>
+                    <a:lnR w="6350" cap="flat" cmpd="sng" algn="ctr">
+                      <a:solidFill>
+                        <a:srgbClr val="000000"/>
+                      </a:solidFill>
+                      <a:prstDash val="solid"/>
+                      <a:round/>
+                      <a:headEnd type="none" w="med" len="med"/>
+                      <a:tailEnd type="none" w="med" len="med"/>
+                    </a:lnR>
+                    <a:lnT w="6350" cap="flat" cmpd="sng" algn="ctr">
+                      <a:solidFill>
+                        <a:srgbClr val="000000"/>
+                      </a:solidFill>
+                      <a:prstDash val="solid"/>
+                      <a:round/>
+                      <a:headEnd type="none" w="med" len="med"/>
+                      <a:tailEnd type="none" w="med" len="med"/>
+                    </a:lnT>
+                    <a:lnB w="6350" cap="flat" cmpd="sng" algn="ctr">
+                      <a:solidFill>
+                        <a:srgbClr val="000000"/>
+                      </a:solidFill>
+                      <a:prstDash val="solid"/>
+                      <a:round/>
+                      <a:headEnd type="none" w="med" len="med"/>
+                      <a:tailEnd type="none" w="med" len="med"/>
+                    </a:lnB>
+                  </a:tcPr>
+                </a:tc>
+                <a:extLst>
+                  <a:ext uri="{0D108BD9-81ED-4DB2-BD59-A6C34878D82A}">
+                    <a16:rowId xmlns:a16="http://schemas.microsoft.com/office/drawing/2014/main" val="366968680"/>
+                  </a:ext>
+                </a:extLst>
+              </a:tr>
+              <a:tr h="1960536">
+                <a:tc>
+                  <a:txBody>
+                    <a:bodyPr/>
+                    <a:lstStyle/>
+                    <a:p>
+                      <a:pPr algn="ctr" fontAlgn="ctr"/>
+                      <a:r>
+                        <a:rPr lang="en-US" sz="1000" b="0" i="0" u="none" strike="noStrike">
+                          <a:solidFill>
+                            <a:srgbClr val="000000"/>
+                          </a:solidFill>
+                          <a:effectLst/>
+                          <a:latin typeface="Segoe UI Black" panose="020B0A02040204020203" pitchFamily="34" charset="0"/>
+                        </a:rPr>
+                        <a:t>Negative</a:t>
+                      </a:r>
+                    </a:p>
+                  </a:txBody>
+                  <a:tcPr marL="8912" marR="8912" marT="8912" marB="0" anchor="ctr">
+                    <a:lnL>
+                      <a:noFill/>
+                    </a:lnL>
+                    <a:lnR w="6350" cap="flat" cmpd="sng" algn="ctr">
+                      <a:solidFill>
+                        <a:srgbClr val="000000"/>
+                      </a:solidFill>
+                      <a:prstDash val="solid"/>
+                      <a:round/>
+                      <a:headEnd type="none" w="med" len="med"/>
+                      <a:tailEnd type="none" w="med" len="med"/>
+                    </a:lnR>
+                    <a:lnT>
+                      <a:noFill/>
+                    </a:lnT>
+                    <a:lnB>
+                      <a:noFill/>
+                    </a:lnB>
+                  </a:tcPr>
+                </a:tc>
+                <a:tc>
+                  <a:txBody>
+                    <a:bodyPr/>
+                    <a:lstStyle/>
+                    <a:p>
+                      <a:pPr algn="ctr" fontAlgn="ctr"/>
+                      <a:r>
+                        <a:rPr lang="en-US" sz="1000" b="0" i="0" u="none" strike="noStrike">
+                          <a:solidFill>
+                            <a:srgbClr val="000000"/>
+                          </a:solidFill>
+                          <a:effectLst/>
+                          <a:latin typeface="Segoe UI Light" panose="020B0502040204020203" pitchFamily="34" charset="0"/>
+                        </a:rPr>
+                        <a:t>The Swissotel Chicago is a very mediocre hotel, the service is always poor, and the room service food always comes cold, unless it's supposed to be cold than it comes warm. I would rather stay at a super 8 than this place again.</a:t>
+                      </a:r>
+                    </a:p>
+                  </a:txBody>
+                  <a:tcPr marL="8912" marR="8912" marT="8912" marB="0" anchor="ctr">
+                    <a:lnL w="6350" cap="flat" cmpd="sng" algn="ctr">
+                      <a:solidFill>
+                        <a:srgbClr val="000000"/>
+                      </a:solidFill>
+                      <a:prstDash val="solid"/>
+                      <a:round/>
+                      <a:headEnd type="none" w="med" len="med"/>
+                      <a:tailEnd type="none" w="med" len="med"/>
+                    </a:lnL>
+                    <a:lnR w="6350" cap="flat" cmpd="sng" algn="ctr">
+                      <a:solidFill>
+                        <a:srgbClr val="000000"/>
+                      </a:solidFill>
+                      <a:prstDash val="solid"/>
+                      <a:round/>
+                      <a:headEnd type="none" w="med" len="med"/>
+                      <a:tailEnd type="none" w="med" len="med"/>
+                    </a:lnR>
+                    <a:lnT w="6350" cap="flat" cmpd="sng" algn="ctr">
+                      <a:solidFill>
+                        <a:srgbClr val="000000"/>
+                      </a:solidFill>
+                      <a:prstDash val="solid"/>
+                      <a:round/>
+                      <a:headEnd type="none" w="med" len="med"/>
+                      <a:tailEnd type="none" w="med" len="med"/>
+                    </a:lnT>
+                    <a:lnB w="6350" cap="flat" cmpd="sng" algn="ctr">
+                      <a:solidFill>
+                        <a:srgbClr val="000000"/>
+                      </a:solidFill>
+                      <a:prstDash val="solid"/>
+                      <a:round/>
+                      <a:headEnd type="none" w="med" len="med"/>
+                      <a:tailEnd type="none" w="med" len="med"/>
+                    </a:lnB>
+                  </a:tcPr>
+                </a:tc>
+                <a:tc>
+                  <a:txBody>
+                    <a:bodyPr/>
+                    <a:lstStyle/>
+                    <a:p>
+                      <a:pPr algn="ctr" fontAlgn="ctr"/>
+                      <a:r>
+                        <a:rPr lang="en-US" sz="1000" b="0" i="0" u="none" strike="noStrike" dirty="0">
+                          <a:solidFill>
+                            <a:srgbClr val="000000"/>
+                          </a:solidFill>
+                          <a:effectLst/>
+                          <a:latin typeface="Segoe UI Light" panose="020B0502040204020203" pitchFamily="34" charset="0"/>
+                        </a:rPr>
+                        <a:t>I travel often for business and this hotel ranks very low on my list. The room had such a strong odor of smoke, it gave me a headache (and I used to be a smoker)! The room service was mediocre and extremely expensive. The hotel is disturbingly huge. Very difficult to navigate your way around it. I waited on hold for twenty minutes to ask a concierge where a pharmacy was located. She curtly gave me cross-street names and hung up. </a:t>
+                      </a:r>
+                      <a:r>
+                        <a:rPr lang="en-US" sz="1000" b="0" i="0" u="none" strike="noStrike" dirty="0" err="1">
+                          <a:solidFill>
+                            <a:srgbClr val="000000"/>
+                          </a:solidFill>
+                          <a:effectLst/>
+                          <a:latin typeface="Segoe UI Light" panose="020B0502040204020203" pitchFamily="34" charset="0"/>
+                        </a:rPr>
+                        <a:t>Uhhhhh</a:t>
+                      </a:r>
+                      <a:r>
+                        <a:rPr lang="en-US" sz="1000" b="0" i="0" u="none" strike="noStrike" dirty="0">
+                          <a:solidFill>
+                            <a:srgbClr val="000000"/>
+                          </a:solidFill>
+                          <a:effectLst/>
+                          <a:latin typeface="Segoe UI Light" panose="020B0502040204020203" pitchFamily="34" charset="0"/>
+                        </a:rPr>
+                        <a:t>, how do I know which direction to go in??? Stains on the carpet in the room. A big gauge in the wall, where maybe a thermostat once was??? The shower is decent. All in all, for the price they charge, NO THANKS!!! I'm just glad my company is footing the bill.</a:t>
+                      </a:r>
+                      <a:br>
+                        <a:rPr lang="en-US" sz="1000" b="0" i="0" u="none" strike="noStrike" dirty="0">
+                          <a:solidFill>
+                            <a:srgbClr val="000000"/>
+                          </a:solidFill>
+                          <a:effectLst/>
+                          <a:latin typeface="Segoe UI Light" panose="020B0502040204020203" pitchFamily="34" charset="0"/>
+                        </a:rPr>
+                      </a:br>
+                      <a:endParaRPr lang="en-US" sz="1000" b="0" i="0" u="none" strike="noStrike" dirty="0">
+                        <a:solidFill>
+                          <a:srgbClr val="000000"/>
+                        </a:solidFill>
+                        <a:effectLst/>
+                        <a:latin typeface="Segoe UI Light" panose="020B0502040204020203" pitchFamily="34" charset="0"/>
+                      </a:endParaRPr>
+                    </a:p>
+                  </a:txBody>
+                  <a:tcPr marL="8912" marR="8912" marT="8912" marB="0" anchor="ctr">
+                    <a:lnL w="6350" cap="flat" cmpd="sng" algn="ctr">
+                      <a:solidFill>
+                        <a:srgbClr val="000000"/>
+                      </a:solidFill>
+                      <a:prstDash val="solid"/>
+                      <a:round/>
+                      <a:headEnd type="none" w="med" len="med"/>
+                      <a:tailEnd type="none" w="med" len="med"/>
+                    </a:lnL>
+                    <a:lnR w="6350" cap="flat" cmpd="sng" algn="ctr">
+                      <a:solidFill>
+                        <a:srgbClr val="000000"/>
+                      </a:solidFill>
+                      <a:prstDash val="solid"/>
+                      <a:round/>
+                      <a:headEnd type="none" w="med" len="med"/>
+                      <a:tailEnd type="none" w="med" len="med"/>
+                    </a:lnR>
+                    <a:lnT w="6350" cap="flat" cmpd="sng" algn="ctr">
+                      <a:solidFill>
+                        <a:srgbClr val="000000"/>
+                      </a:solidFill>
+                      <a:prstDash val="solid"/>
+                      <a:round/>
+                      <a:headEnd type="none" w="med" len="med"/>
+                      <a:tailEnd type="none" w="med" len="med"/>
+                    </a:lnT>
+                    <a:lnB w="6350" cap="flat" cmpd="sng" algn="ctr">
+                      <a:solidFill>
+                        <a:srgbClr val="000000"/>
+                      </a:solidFill>
+                      <a:prstDash val="solid"/>
+                      <a:round/>
+                      <a:headEnd type="none" w="med" len="med"/>
+                      <a:tailEnd type="none" w="med" len="med"/>
+                    </a:lnB>
+                  </a:tcPr>
+                </a:tc>
+                <a:extLst>
+                  <a:ext uri="{0D108BD9-81ED-4DB2-BD59-A6C34878D82A}">
+                    <a16:rowId xmlns:a16="http://schemas.microsoft.com/office/drawing/2014/main" val="3943211452"/>
+                  </a:ext>
+                </a:extLst>
+              </a:tr>
+            </a:tbl>
+          </a:graphicData>
+        </a:graphic>
+      </p:graphicFrame>
+      <p:sp>
+        <p:nvSpPr>
+          <p:cNvPr id="13" name="Title 1">
+            <a:extLst>
+              <a:ext uri="{FF2B5EF4-FFF2-40B4-BE49-F238E27FC236}">
+                <a16:creationId xmlns:a16="http://schemas.microsoft.com/office/drawing/2014/main" id="{D4E6D5B8-B873-43DC-94B7-AD594C0A0860}"/>
+              </a:ext>
+            </a:extLst>
+          </p:cNvPr>
           <p:cNvSpPr>
             <a:spLocks noGrp="1"/>
           </p:cNvSpPr>
@@ -6015,149 +6359,33 @@
             <p:ph type="title"/>
           </p:nvPr>
         </p:nvSpPr>
-        <p:spPr/>
-        <p:txBody>
-          <a:bodyPr/>
-          <a:lstStyle/>
-          <a:p>
-            <a:r>
-              <a:rPr lang="en-US" dirty="0">
+        <p:spPr>
+          <a:xfrm>
+            <a:off x="838200" y="365125"/>
+            <a:ext cx="10515600" cy="1325563"/>
+          </a:xfrm>
+        </p:spPr>
+        <p:txBody>
+          <a:bodyPr>
+            <a:normAutofit/>
+          </a:bodyPr>
+          <a:lstStyle/>
+          <a:p>
+            <a:r>
+              <a:rPr lang="en-US" sz="4000" dirty="0">
                 <a:latin typeface="Segoe UI Black" panose="020B0A02040204020203" pitchFamily="34" charset="0"/>
                 <a:ea typeface="Segoe UI Black" panose="020B0A02040204020203" pitchFamily="34" charset="0"/>
                 <a:cs typeface="Segoe UI Black" panose="020B0A02040204020203" pitchFamily="34" charset="0"/>
               </a:rPr>
-              <a:t>Data (1) Overview</a:t>
-            </a:r>
-          </a:p>
-        </p:txBody>
-      </p:sp>
-      <p:sp>
-        <p:nvSpPr>
-          <p:cNvPr id="3" name="Content Placeholder 2"/>
-          <p:cNvSpPr>
-            <a:spLocks noGrp="1"/>
-          </p:cNvSpPr>
-          <p:nvPr>
-            <p:ph idx="1"/>
-          </p:nvPr>
-        </p:nvSpPr>
-        <p:spPr>
-          <a:xfrm>
-            <a:off x="838199" y="1825625"/>
-            <a:ext cx="10671495" cy="4351338"/>
-          </a:xfrm>
-        </p:spPr>
-        <p:txBody>
-          <a:bodyPr>
-            <a:normAutofit/>
-          </a:bodyPr>
-          <a:lstStyle/>
-          <a:p>
-            <a:pPr marL="0" indent="0">
-              <a:buNone/>
-            </a:pPr>
-            <a:r>
-              <a:rPr lang="en-US" dirty="0">
-                <a:latin typeface="Segoe UI Light" panose="020B0502040204020203" pitchFamily="34" charset="0"/>
-                <a:cs typeface="Segoe UI Light" panose="020B0502040204020203" pitchFamily="34" charset="0"/>
-              </a:rPr>
-              <a:t>Source: </a:t>
-            </a:r>
-            <a:r>
-              <a:rPr lang="en-US" dirty="0">
-                <a:latin typeface="Segoe UI Light" panose="020B0502040204020203" pitchFamily="34" charset="0"/>
-                <a:cs typeface="Segoe UI Light" panose="020B0502040204020203" pitchFamily="34" charset="0"/>
-                <a:hlinkClick r:id="rId2"/>
-              </a:rPr>
-              <a:t>Kaggle, “Deceptive Hotel Opinions Corpus”</a:t>
-            </a:r>
-            <a:endParaRPr lang="en-US" dirty="0">
-              <a:latin typeface="Segoe UI Light" panose="020B0502040204020203" pitchFamily="34" charset="0"/>
-              <a:cs typeface="Segoe UI Light" panose="020B0502040204020203" pitchFamily="34" charset="0"/>
-            </a:endParaRPr>
-          </a:p>
-          <a:p>
-            <a:r>
-              <a:rPr lang="en-US" dirty="0">
-                <a:latin typeface="Segoe UI Light" panose="020B0502040204020203" pitchFamily="34" charset="0"/>
-                <a:cs typeface="Segoe UI Light" panose="020B0502040204020203" pitchFamily="34" charset="0"/>
-              </a:rPr>
-              <a:t>1600 records</a:t>
-            </a:r>
-          </a:p>
-          <a:p>
-            <a:pPr lvl="1"/>
-            <a:r>
-              <a:rPr lang="en-US" dirty="0">
-                <a:latin typeface="Segoe UI Light" panose="020B0502040204020203" pitchFamily="34" charset="0"/>
-                <a:cs typeface="Segoe UI Light" panose="020B0502040204020203" pitchFamily="34" charset="0"/>
-              </a:rPr>
-              <a:t>800 Deceptive</a:t>
-            </a:r>
-          </a:p>
-          <a:p>
-            <a:pPr lvl="2"/>
-            <a:r>
-              <a:rPr lang="en-US" sz="1600" dirty="0">
-                <a:latin typeface="Segoe UI Light" panose="020B0502040204020203" pitchFamily="34" charset="0"/>
-                <a:cs typeface="Segoe UI Light" panose="020B0502040204020203" pitchFamily="34" charset="0"/>
-              </a:rPr>
-              <a:t>Generated by Mechanical Turks: Crowdsourced, human intelligence tasking</a:t>
-            </a:r>
-          </a:p>
-          <a:p>
-            <a:pPr lvl="1"/>
-            <a:r>
-              <a:rPr lang="en-US" dirty="0">
-                <a:latin typeface="Segoe UI Light" panose="020B0502040204020203" pitchFamily="34" charset="0"/>
-                <a:cs typeface="Segoe UI Light" panose="020B0502040204020203" pitchFamily="34" charset="0"/>
-              </a:rPr>
-              <a:t>800 Genuine</a:t>
-            </a:r>
-          </a:p>
-          <a:p>
-            <a:pPr lvl="2"/>
-            <a:r>
-              <a:rPr lang="en-US" dirty="0">
-                <a:latin typeface="Segoe UI Light" panose="020B0502040204020203" pitchFamily="34" charset="0"/>
-                <a:cs typeface="Segoe UI Light" panose="020B0502040204020203" pitchFamily="34" charset="0"/>
-              </a:rPr>
-              <a:t>Multiple Review Aggregator sites</a:t>
-            </a:r>
-          </a:p>
-          <a:p>
-            <a:pPr lvl="2"/>
-            <a:r>
-              <a:rPr lang="en-US" dirty="0">
-                <a:latin typeface="Segoe UI Light" panose="020B0502040204020203" pitchFamily="34" charset="0"/>
-                <a:cs typeface="Segoe UI Light" panose="020B0502040204020203" pitchFamily="34" charset="0"/>
-              </a:rPr>
-              <a:t>Web</a:t>
-            </a:r>
-          </a:p>
-          <a:p>
-            <a:pPr lvl="1"/>
-            <a:r>
-              <a:rPr lang="en-US" dirty="0">
-                <a:latin typeface="Segoe UI Light" panose="020B0502040204020203" pitchFamily="34" charset="0"/>
-                <a:cs typeface="Segoe UI Light" panose="020B0502040204020203" pitchFamily="34" charset="0"/>
-              </a:rPr>
-              <a:t>Positive and Negative Sentiment</a:t>
-            </a:r>
-          </a:p>
-          <a:p>
-            <a:pPr lvl="1"/>
-            <a:endParaRPr lang="en-US" dirty="0">
-              <a:latin typeface="Segoe UI Light" panose="020B0502040204020203" pitchFamily="34" charset="0"/>
-              <a:cs typeface="Segoe UI Light" panose="020B0502040204020203" pitchFamily="34" charset="0"/>
-            </a:endParaRPr>
+              <a:t>Data (1) Can you tell the difference?</a:t>
+            </a:r>
           </a:p>
         </p:txBody>
       </p:sp>
     </p:spTree>
     <p:extLst>
       <p:ext uri="{BB962C8B-B14F-4D97-AF65-F5344CB8AC3E}">
-        <p14:creationId xmlns:p14="http://schemas.microsoft.com/office/powerpoint/2010/main" val="3486041349"/>
+        <p14:creationId xmlns:p14="http://schemas.microsoft.com/office/powerpoint/2010/main" val="3706997458"/>
       </p:ext>
     </p:extLst>
   </p:cSld>

--- a/NLP 2 - Hotel Reviews Deliverable.pptx
+++ b/NLP 2 - Hotel Reviews Deliverable.pptx
@@ -20,7 +20,12 @@
     <p:sldId id="261" r:id="rId14"/>
     <p:sldId id="263" r:id="rId15"/>
     <p:sldId id="270" r:id="rId16"/>
-    <p:sldId id="269" r:id="rId17"/>
+    <p:sldId id="277" r:id="rId17"/>
+    <p:sldId id="278" r:id="rId18"/>
+    <p:sldId id="279" r:id="rId19"/>
+    <p:sldId id="280" r:id="rId20"/>
+    <p:sldId id="281" r:id="rId21"/>
+    <p:sldId id="269" r:id="rId22"/>
   </p:sldIdLst>
   <p:sldSz cx="12192000" cy="6858000"/>
   <p:notesSz cx="6858000" cy="9144000"/>
@@ -4305,7 +4310,7 @@
         <p:spPr/>
         <p:txBody>
           <a:bodyPr>
-            <a:normAutofit fontScale="92500" lnSpcReduction="10000"/>
+            <a:normAutofit fontScale="92500" lnSpcReduction="20000"/>
           </a:bodyPr>
           <a:lstStyle/>
           <a:p>
@@ -4334,7 +4339,7 @@
                 <a:latin typeface="Segoe UI Light" panose="020B0502040204020203" pitchFamily="34" charset="0"/>
                 <a:cs typeface="Segoe UI Light" panose="020B0502040204020203" pitchFamily="34" charset="0"/>
               </a:rPr>
-              <a:t>Linear Discriminant Analysis</a:t>
+              <a:t>Linear Discriminant Analysis (LDA)</a:t>
             </a:r>
           </a:p>
           <a:p>
@@ -4364,7 +4369,7 @@
                 <a:latin typeface="Segoe UI Light" panose="020B0502040204020203" pitchFamily="34" charset="0"/>
                 <a:cs typeface="Segoe UI Light" panose="020B0502040204020203" pitchFamily="34" charset="0"/>
               </a:rPr>
-              <a:t>Naive Bayes</a:t>
+              <a:t>Naive Bayes (NB)</a:t>
             </a:r>
           </a:p>
           <a:p>
@@ -4374,7 +4379,17 @@
                 <a:latin typeface="Segoe UI Light" panose="020B0502040204020203" pitchFamily="34" charset="0"/>
                 <a:cs typeface="Segoe UI Light" panose="020B0502040204020203" pitchFamily="34" charset="0"/>
               </a:rPr>
-              <a:t>Support Vector Classifier</a:t>
+              <a:t>Support Vector Classifier (SVM)</a:t>
+            </a:r>
+          </a:p>
+          <a:p>
+            <a:pPr lvl="1"/>
+            <a:r>
+              <a:rPr lang="en-US" dirty="0">
+                <a:latin typeface="Segoe UI Light" panose="020B0502040204020203" pitchFamily="34" charset="0"/>
+                <a:cs typeface="Segoe UI Light" panose="020B0502040204020203" pitchFamily="34" charset="0"/>
+              </a:rPr>
+              <a:t>Random Forest (RF)</a:t>
             </a:r>
           </a:p>
           <a:p>
@@ -4462,169 +4477,9 @@
           <a:chExt cx="0" cy="0"/>
         </a:xfrm>
       </p:grpSpPr>
-      <p:sp>
-        <p:nvSpPr>
-          <p:cNvPr id="2" name="Title 1"/>
-          <p:cNvSpPr>
-            <a:spLocks noGrp="1"/>
-          </p:cNvSpPr>
-          <p:nvPr>
-            <p:ph type="title"/>
-          </p:nvPr>
-        </p:nvSpPr>
-        <p:spPr/>
-        <p:txBody>
-          <a:bodyPr/>
-          <a:lstStyle/>
-          <a:p>
-            <a:r>
-              <a:rPr lang="en-US" dirty="0">
-                <a:latin typeface="Segoe UI Black" panose="020B0A02040204020203" pitchFamily="34" charset="0"/>
-                <a:ea typeface="Segoe UI Black" panose="020B0A02040204020203" pitchFamily="34" charset="0"/>
-                <a:cs typeface="Segoe UI Black" panose="020B0A02040204020203" pitchFamily="34" charset="0"/>
-              </a:rPr>
-              <a:t>Results (1)</a:t>
-            </a:r>
-          </a:p>
-        </p:txBody>
-      </p:sp>
-      <p:sp>
-        <p:nvSpPr>
-          <p:cNvPr id="12" name="Rectangle 11"/>
-          <p:cNvSpPr/>
-          <p:nvPr/>
-        </p:nvSpPr>
-        <p:spPr>
-          <a:xfrm>
-            <a:off x="263313" y="1453301"/>
-            <a:ext cx="3660711" cy="400110"/>
-          </a:xfrm>
-          <a:prstGeom prst="rect">
-            <a:avLst/>
-          </a:prstGeom>
-        </p:spPr>
-        <p:txBody>
-          <a:bodyPr wrap="square">
-            <a:spAutoFit/>
-          </a:bodyPr>
-          <a:lstStyle/>
-          <a:p>
-            <a:pPr lvl="1" algn="ctr"/>
-            <a:r>
-              <a:rPr lang="en-US" sz="2000" dirty="0">
-                <a:latin typeface="Segoe UI Light" panose="020B0502040204020203" pitchFamily="34" charset="0"/>
-                <a:cs typeface="Segoe UI Light" panose="020B0502040204020203" pitchFamily="34" charset="0"/>
-              </a:rPr>
-              <a:t>Topics Only</a:t>
-            </a:r>
-          </a:p>
-        </p:txBody>
-      </p:sp>
-      <p:sp>
-        <p:nvSpPr>
-          <p:cNvPr id="13" name="Rectangle 12"/>
-          <p:cNvSpPr/>
-          <p:nvPr/>
-        </p:nvSpPr>
-        <p:spPr>
-          <a:xfrm>
-            <a:off x="4265644" y="1290023"/>
-            <a:ext cx="3660711" cy="707886"/>
-          </a:xfrm>
-          <a:prstGeom prst="rect">
-            <a:avLst/>
-          </a:prstGeom>
-        </p:spPr>
-        <p:txBody>
-          <a:bodyPr wrap="square">
-            <a:spAutoFit/>
-          </a:bodyPr>
-          <a:lstStyle/>
-          <a:p>
-            <a:pPr algn="ctr"/>
-            <a:r>
-              <a:rPr lang="en-US" sz="2000" dirty="0">
-                <a:latin typeface="Segoe UI Light" panose="020B0502040204020203" pitchFamily="34" charset="0"/>
-                <a:cs typeface="Segoe UI Light" panose="020B0502040204020203" pitchFamily="34" charset="0"/>
-              </a:rPr>
-              <a:t>Previous + Parts of Speech Metrics</a:t>
-            </a:r>
-          </a:p>
-        </p:txBody>
-      </p:sp>
-      <p:sp>
-        <p:nvSpPr>
-          <p:cNvPr id="14" name="Rectangle 13"/>
-          <p:cNvSpPr/>
-          <p:nvPr/>
-        </p:nvSpPr>
-        <p:spPr>
-          <a:xfrm>
-            <a:off x="8340009" y="1451250"/>
-            <a:ext cx="3660711" cy="400110"/>
-          </a:xfrm>
-          <a:prstGeom prst="rect">
-            <a:avLst/>
-          </a:prstGeom>
-        </p:spPr>
-        <p:txBody>
-          <a:bodyPr wrap="square">
-            <a:spAutoFit/>
-          </a:bodyPr>
-          <a:lstStyle/>
-          <a:p>
-            <a:pPr algn="ctr"/>
-            <a:r>
-              <a:rPr lang="en-US" sz="2000" dirty="0">
-                <a:latin typeface="Segoe UI Light" panose="020B0502040204020203" pitchFamily="34" charset="0"/>
-                <a:cs typeface="Segoe UI Light" panose="020B0502040204020203" pitchFamily="34" charset="0"/>
-              </a:rPr>
-              <a:t>Previous + Dummy Variables</a:t>
-            </a:r>
-          </a:p>
-        </p:txBody>
-      </p:sp>
-      <p:sp>
-        <p:nvSpPr>
-          <p:cNvPr id="16" name="Rectangle 15"/>
-          <p:cNvSpPr/>
-          <p:nvPr/>
-        </p:nvSpPr>
-        <p:spPr>
-          <a:xfrm>
-            <a:off x="1504324" y="5955630"/>
-            <a:ext cx="2419701" cy="369332"/>
-          </a:xfrm>
-          <a:prstGeom prst="rect">
-            <a:avLst/>
-          </a:prstGeom>
-        </p:spPr>
-        <p:txBody>
-          <a:bodyPr wrap="none">
-            <a:spAutoFit/>
-          </a:bodyPr>
-          <a:lstStyle/>
-          <a:p>
-            <a:pPr algn="ctr"/>
-            <a:r>
-              <a:rPr lang="en-US" dirty="0">
-                <a:latin typeface="Segoe UI Light" panose="020B0502040204020203" pitchFamily="34" charset="0"/>
-                <a:cs typeface="Segoe UI Light" panose="020B0502040204020203" pitchFamily="34" charset="0"/>
-              </a:rPr>
-              <a:t>LDA performs the best.</a:t>
-            </a:r>
-          </a:p>
-        </p:txBody>
-      </p:sp>
       <p:pic>
         <p:nvPicPr>
-          <p:cNvPr id="3" name="Picture 2">
-            <a:extLst>
-              <a:ext uri="{FF2B5EF4-FFF2-40B4-BE49-F238E27FC236}">
-                <a16:creationId xmlns:a16="http://schemas.microsoft.com/office/drawing/2014/main" id="{A2A7E087-068A-4DD3-8659-1D4160FB4BD2}"/>
-              </a:ext>
-            </a:extLst>
-          </p:cNvPr>
+          <p:cNvPr id="10" name="Picture 9"/>
           <p:cNvPicPr>
             <a:picLocks noChangeAspect="1"/>
           </p:cNvPicPr>
@@ -4638,8 +4493,8 @@
         </p:blipFill>
         <p:spPr>
           <a:xfrm>
-            <a:off x="953348" y="2154172"/>
-            <a:ext cx="3464750" cy="3738939"/>
+            <a:off x="4632040" y="2007240"/>
+            <a:ext cx="3825215" cy="4088709"/>
           </a:xfrm>
           <a:prstGeom prst="rect">
             <a:avLst/>
@@ -4648,13 +4503,7 @@
       </p:pic>
       <p:pic>
         <p:nvPicPr>
-          <p:cNvPr id="7" name="Picture 6">
-            <a:extLst>
-              <a:ext uri="{FF2B5EF4-FFF2-40B4-BE49-F238E27FC236}">
-                <a16:creationId xmlns:a16="http://schemas.microsoft.com/office/drawing/2014/main" id="{C8729CC7-5648-45B3-AEA3-5AD68FC8CCFB}"/>
-              </a:ext>
-            </a:extLst>
-          </p:cNvPr>
+          <p:cNvPr id="5" name="Picture 4"/>
           <p:cNvPicPr>
             <a:picLocks noChangeAspect="1"/>
           </p:cNvPicPr>
@@ -4668,8 +4517,8 @@
         </p:blipFill>
         <p:spPr>
           <a:xfrm>
-            <a:off x="4539652" y="2154172"/>
-            <a:ext cx="3489676" cy="3705704"/>
+            <a:off x="8340009" y="2015420"/>
+            <a:ext cx="3759825" cy="3956300"/>
           </a:xfrm>
           <a:prstGeom prst="rect">
             <a:avLst/>
@@ -4678,13 +4527,7 @@
       </p:pic>
       <p:pic>
         <p:nvPicPr>
-          <p:cNvPr id="9" name="Picture 8">
-            <a:extLst>
-              <a:ext uri="{FF2B5EF4-FFF2-40B4-BE49-F238E27FC236}">
-                <a16:creationId xmlns:a16="http://schemas.microsoft.com/office/drawing/2014/main" id="{BBF78E02-66DE-4787-B72A-7245C6A287F8}"/>
-              </a:ext>
-            </a:extLst>
-          </p:cNvPr>
+          <p:cNvPr id="8" name="Picture 7"/>
           <p:cNvPicPr>
             <a:picLocks noChangeAspect="1"/>
           </p:cNvPicPr>
@@ -4698,8 +4541,8 @@
         </p:blipFill>
         <p:spPr>
           <a:xfrm>
-            <a:off x="8488430" y="2228951"/>
-            <a:ext cx="3431515" cy="3664160"/>
+            <a:off x="949735" y="2031400"/>
+            <a:ext cx="3706241" cy="3965231"/>
           </a:xfrm>
           <a:prstGeom prst="rect">
             <a:avLst/>
@@ -4708,20 +4551,174 @@
       </p:pic>
       <p:sp>
         <p:nvSpPr>
+          <p:cNvPr id="2" name="Title 1"/>
+          <p:cNvSpPr>
+            <a:spLocks noGrp="1"/>
+          </p:cNvSpPr>
+          <p:nvPr>
+            <p:ph type="title"/>
+          </p:nvPr>
+        </p:nvSpPr>
+        <p:spPr/>
+        <p:txBody>
+          <a:bodyPr/>
+          <a:lstStyle/>
+          <a:p>
+            <a:r>
+              <a:rPr lang="en-US" dirty="0">
+                <a:latin typeface="Segoe UI Black" panose="020B0A02040204020203" pitchFamily="34" charset="0"/>
+                <a:ea typeface="Segoe UI Black" panose="020B0A02040204020203" pitchFamily="34" charset="0"/>
+                <a:cs typeface="Segoe UI Black" panose="020B0A02040204020203" pitchFamily="34" charset="0"/>
+              </a:rPr>
+              <a:t>Model Selection (1)</a:t>
+            </a:r>
+          </a:p>
+        </p:txBody>
+      </p:sp>
+      <p:sp>
+        <p:nvSpPr>
+          <p:cNvPr id="12" name="Rectangle 11"/>
+          <p:cNvSpPr/>
+          <p:nvPr/>
+        </p:nvSpPr>
+        <p:spPr>
+          <a:xfrm>
+            <a:off x="263313" y="1453301"/>
+            <a:ext cx="3660711" cy="400110"/>
+          </a:xfrm>
+          <a:prstGeom prst="rect">
+            <a:avLst/>
+          </a:prstGeom>
+        </p:spPr>
+        <p:txBody>
+          <a:bodyPr wrap="square">
+            <a:spAutoFit/>
+          </a:bodyPr>
+          <a:lstStyle/>
+          <a:p>
+            <a:pPr lvl="1" algn="ctr"/>
+            <a:r>
+              <a:rPr lang="en-US" sz="2000" dirty="0">
+                <a:latin typeface="Segoe UI Light" panose="020B0502040204020203" pitchFamily="34" charset="0"/>
+                <a:cs typeface="Segoe UI Light" panose="020B0502040204020203" pitchFamily="34" charset="0"/>
+              </a:rPr>
+              <a:t>Topics Only</a:t>
+            </a:r>
+          </a:p>
+        </p:txBody>
+      </p:sp>
+      <p:sp>
+        <p:nvSpPr>
+          <p:cNvPr id="13" name="Rectangle 12"/>
+          <p:cNvSpPr/>
+          <p:nvPr/>
+        </p:nvSpPr>
+        <p:spPr>
+          <a:xfrm>
+            <a:off x="4265644" y="1290023"/>
+            <a:ext cx="3660711" cy="707886"/>
+          </a:xfrm>
+          <a:prstGeom prst="rect">
+            <a:avLst/>
+          </a:prstGeom>
+        </p:spPr>
+        <p:txBody>
+          <a:bodyPr wrap="square">
+            <a:spAutoFit/>
+          </a:bodyPr>
+          <a:lstStyle/>
+          <a:p>
+            <a:pPr algn="ctr"/>
+            <a:r>
+              <a:rPr lang="en-US" sz="2000" dirty="0">
+                <a:latin typeface="Segoe UI Light" panose="020B0502040204020203" pitchFamily="34" charset="0"/>
+                <a:cs typeface="Segoe UI Light" panose="020B0502040204020203" pitchFamily="34" charset="0"/>
+              </a:rPr>
+              <a:t>Previous + Parts of Speech Metrics</a:t>
+            </a:r>
+          </a:p>
+        </p:txBody>
+      </p:sp>
+      <p:sp>
+        <p:nvSpPr>
+          <p:cNvPr id="14" name="Rectangle 13"/>
+          <p:cNvSpPr/>
+          <p:nvPr/>
+        </p:nvSpPr>
+        <p:spPr>
+          <a:xfrm>
+            <a:off x="8340009" y="1451250"/>
+            <a:ext cx="3660711" cy="400110"/>
+          </a:xfrm>
+          <a:prstGeom prst="rect">
+            <a:avLst/>
+          </a:prstGeom>
+        </p:spPr>
+        <p:txBody>
+          <a:bodyPr wrap="square">
+            <a:spAutoFit/>
+          </a:bodyPr>
+          <a:lstStyle/>
+          <a:p>
+            <a:pPr algn="ctr"/>
+            <a:r>
+              <a:rPr lang="en-US" sz="2000" dirty="0">
+                <a:latin typeface="Segoe UI Light" panose="020B0502040204020203" pitchFamily="34" charset="0"/>
+                <a:cs typeface="Segoe UI Light" panose="020B0502040204020203" pitchFamily="34" charset="0"/>
+              </a:rPr>
+              <a:t>Previous + Dummy Variables</a:t>
+            </a:r>
+          </a:p>
+        </p:txBody>
+      </p:sp>
+      <p:sp>
+        <p:nvSpPr>
+          <p:cNvPr id="16" name="Rectangle 15"/>
+          <p:cNvSpPr/>
+          <p:nvPr/>
+        </p:nvSpPr>
+        <p:spPr>
+          <a:xfrm>
+            <a:off x="1504324" y="5955630"/>
+            <a:ext cx="2419701" cy="369332"/>
+          </a:xfrm>
+          <a:prstGeom prst="rect">
+            <a:avLst/>
+          </a:prstGeom>
+        </p:spPr>
+        <p:txBody>
+          <a:bodyPr wrap="none">
+            <a:spAutoFit/>
+          </a:bodyPr>
+          <a:lstStyle/>
+          <a:p>
+            <a:pPr algn="ctr"/>
+            <a:r>
+              <a:rPr lang="en-US" dirty="0">
+                <a:latin typeface="Segoe UI Light" panose="020B0502040204020203" pitchFamily="34" charset="0"/>
+                <a:cs typeface="Segoe UI Light" panose="020B0502040204020203" pitchFamily="34" charset="0"/>
+              </a:rPr>
+              <a:t>LDA performs the best.</a:t>
+            </a:r>
+          </a:p>
+        </p:txBody>
+      </p:sp>
+      <p:sp>
+        <p:nvSpPr>
           <p:cNvPr id="11" name="Rectangle 10"/>
           <p:cNvSpPr/>
           <p:nvPr/>
         </p:nvSpPr>
         <p:spPr>
           <a:xfrm>
-            <a:off x="929389" y="2325959"/>
+            <a:off x="949735" y="2192072"/>
             <a:ext cx="9976598" cy="163380"/>
           </a:xfrm>
           <a:prstGeom prst="rect">
             <a:avLst/>
           </a:prstGeom>
           <a:noFill/>
-          <a:ln w="19050">
+          <a:ln w="3175">
             <a:solidFill>
               <a:schemeClr val="tx1"/>
             </a:solidFill>
@@ -4785,13 +4782,7 @@
       </p:grpSpPr>
       <p:pic>
         <p:nvPicPr>
-          <p:cNvPr id="10" name="Picture 9">
-            <a:extLst>
-              <a:ext uri="{FF2B5EF4-FFF2-40B4-BE49-F238E27FC236}">
-                <a16:creationId xmlns:a16="http://schemas.microsoft.com/office/drawing/2014/main" id="{9FF4A0CF-323E-4790-ACFE-C5B53B004394}"/>
-              </a:ext>
-            </a:extLst>
-          </p:cNvPr>
+          <p:cNvPr id="8" name="Picture 7"/>
           <p:cNvPicPr>
             <a:picLocks noChangeAspect="1"/>
           </p:cNvPicPr>
@@ -4805,8 +4796,8 @@
         </p:blipFill>
         <p:spPr>
           <a:xfrm>
-            <a:off x="624333" y="1825625"/>
-            <a:ext cx="3464750" cy="3738939"/>
+            <a:off x="613468" y="1825625"/>
+            <a:ext cx="4481046" cy="4715210"/>
           </a:xfrm>
           <a:prstGeom prst="rect">
             <a:avLst/>
@@ -4834,7 +4825,7 @@
                 <a:ea typeface="Segoe UI Black" panose="020B0A02040204020203" pitchFamily="34" charset="0"/>
                 <a:cs typeface="Segoe UI Black" panose="020B0A02040204020203" pitchFamily="34" charset="0"/>
               </a:rPr>
-              <a:t>Results (2)</a:t>
+              <a:t>Model Selection (2)</a:t>
             </a:r>
           </a:p>
         </p:txBody>
@@ -4851,8 +4842,8 @@
         </p:nvSpPr>
         <p:spPr>
           <a:xfrm>
-            <a:off x="4572000" y="1825625"/>
-            <a:ext cx="6781800" cy="4351338"/>
+            <a:off x="5094514" y="1825625"/>
+            <a:ext cx="6259286" cy="4351338"/>
           </a:xfrm>
         </p:spPr>
         <p:txBody>
@@ -4864,6 +4855,15 @@
                 <a:latin typeface="Segoe UI Light" panose="020B0502040204020203" pitchFamily="34" charset="0"/>
                 <a:cs typeface="Segoe UI Light" panose="020B0502040204020203" pitchFamily="34" charset="0"/>
               </a:rPr>
+              <a:t>LDA has no hyper parameters to be tuned</a:t>
+            </a:r>
+          </a:p>
+          <a:p>
+            <a:r>
+              <a:rPr lang="en-US" dirty="0">
+                <a:latin typeface="Segoe UI Light" panose="020B0502040204020203" pitchFamily="34" charset="0"/>
+                <a:cs typeface="Segoe UI Light" panose="020B0502040204020203" pitchFamily="34" charset="0"/>
+              </a:rPr>
               <a:t>Results might be improved by using Random forest with tuned parameters given that without tuning, the model performed reasonably well</a:t>
             </a:r>
           </a:p>
@@ -4871,46 +4871,20 @@
       </p:sp>
       <p:sp>
         <p:nvSpPr>
-          <p:cNvPr id="19" name="Rectangle 18"/>
+          <p:cNvPr id="12" name="Rectangle 11">
+            <a:extLst>
+              <a:ext uri="{FF2B5EF4-FFF2-40B4-BE49-F238E27FC236}">
+                <a16:creationId xmlns:a16="http://schemas.microsoft.com/office/drawing/2014/main" id="{C06C2AE0-8E38-4D27-9027-E2394F36B658}"/>
+              </a:ext>
+            </a:extLst>
+          </p:cNvPr>
           <p:cNvSpPr/>
           <p:nvPr/>
         </p:nvSpPr>
         <p:spPr>
           <a:xfrm>
-            <a:off x="1096949" y="5532088"/>
-            <a:ext cx="1959062" cy="369332"/>
-          </a:xfrm>
-          <a:prstGeom prst="rect">
-            <a:avLst/>
-          </a:prstGeom>
-        </p:spPr>
-        <p:txBody>
-          <a:bodyPr wrap="none">
-            <a:spAutoFit/>
-          </a:bodyPr>
-          <a:lstStyle/>
-          <a:p>
-            <a:pPr algn="ctr"/>
-            <a:r>
-              <a:rPr lang="en-US" dirty="0">
-                <a:latin typeface="Segoe UI Light" panose="020B0502040204020203" pitchFamily="34" charset="0"/>
-                <a:cs typeface="Segoe UI Light" panose="020B0502040204020203" pitchFamily="34" charset="0"/>
-              </a:rPr>
-              <a:t>Topic Vectors Only</a:t>
-            </a:r>
-          </a:p>
-        </p:txBody>
-      </p:sp>
-      <p:sp>
-        <p:nvSpPr>
-          <p:cNvPr id="20" name="Rectangle 19"/>
-          <p:cNvSpPr/>
-          <p:nvPr/>
-        </p:nvSpPr>
-        <p:spPr>
-          <a:xfrm>
-            <a:off x="613468" y="2006375"/>
-            <a:ext cx="1741038" cy="130336"/>
+            <a:off x="613468" y="2989198"/>
+            <a:ext cx="2447319" cy="183209"/>
           </a:xfrm>
           <a:prstGeom prst="rect">
             <a:avLst/>
@@ -4958,20 +4932,16 @@
       </p:sp>
       <p:sp>
         <p:nvSpPr>
-          <p:cNvPr id="12" name="Rectangle 11">
-            <a:extLst>
-              <a:ext uri="{FF2B5EF4-FFF2-40B4-BE49-F238E27FC236}">
-                <a16:creationId xmlns:a16="http://schemas.microsoft.com/office/drawing/2014/main" id="{C06C2AE0-8E38-4D27-9027-E2394F36B658}"/>
-              </a:ext>
-            </a:extLst>
+          <p:cNvPr id="9" name="Rectangle 8">
+            <a:extLst/>
           </p:cNvPr>
           <p:cNvSpPr/>
           <p:nvPr/>
         </p:nvSpPr>
         <p:spPr>
           <a:xfrm>
-            <a:off x="613468" y="2765264"/>
-            <a:ext cx="1741038" cy="130336"/>
+            <a:off x="613468" y="2021924"/>
+            <a:ext cx="2447319" cy="183209"/>
           </a:xfrm>
           <a:prstGeom prst="rect">
             <a:avLst/>
@@ -5068,14 +5038,14 @@
                 <a:ea typeface="Segoe UI Black" panose="020B0A02040204020203" pitchFamily="34" charset="0"/>
                 <a:cs typeface="Segoe UI Black" panose="020B0A02040204020203" pitchFamily="34" charset="0"/>
               </a:rPr>
-              <a:t>Future steps </a:t>
-            </a:r>
-          </a:p>
-        </p:txBody>
-      </p:sp>
-      <p:sp>
-        <p:nvSpPr>
-          <p:cNvPr id="3" name="Content Placeholder 2"/>
+              <a:t>Optimizing Random Forest</a:t>
+            </a:r>
+          </a:p>
+        </p:txBody>
+      </p:sp>
+      <p:sp>
+        <p:nvSpPr>
+          <p:cNvPr id="4" name="Content Placeholder 3"/>
           <p:cNvSpPr>
             <a:spLocks noGrp="1"/>
           </p:cNvSpPr>
@@ -5085,55 +5055,412 @@
         </p:nvSpPr>
         <p:spPr/>
         <p:txBody>
-          <a:bodyPr>
-            <a:normAutofit lnSpcReduction="10000"/>
-          </a:bodyPr>
-          <a:lstStyle/>
-          <a:p>
-            <a:r>
-              <a:rPr lang="en-US" dirty="0">
-                <a:latin typeface="Segoe UI Light" panose="020B0502040204020203" pitchFamily="34" charset="0"/>
-                <a:cs typeface="Segoe UI Light" panose="020B0502040204020203" pitchFamily="34" charset="0"/>
-              </a:rPr>
-              <a:t>The results above suggest that the model performs fairly well under Latent Discriminant Analysis, yet here are some areas of improvement and/or further areas of research.</a:t>
-            </a:r>
-          </a:p>
-          <a:p>
-            <a:pPr lvl="1"/>
-            <a:r>
-              <a:rPr lang="en-US" dirty="0">
-                <a:latin typeface="Segoe UI Light" panose="020B0502040204020203" pitchFamily="34" charset="0"/>
-                <a:cs typeface="Segoe UI Light" panose="020B0502040204020203" pitchFamily="34" charset="0"/>
-              </a:rPr>
-              <a:t>Word misspellings in feature engineering. Train the models with a misspelling indicator, as this could be a feature that might be important.</a:t>
-            </a:r>
-          </a:p>
-          <a:p>
-            <a:pPr lvl="1"/>
-            <a:r>
-              <a:rPr lang="en-US" dirty="0">
-                <a:latin typeface="Segoe UI Light" panose="020B0502040204020203" pitchFamily="34" charset="0"/>
-                <a:cs typeface="Segoe UI Light" panose="020B0502040204020203" pitchFamily="34" charset="0"/>
-              </a:rPr>
-              <a:t>Look at this data across time -- there could be difference in detecting spam based on information around the time period -- for example, will adding month pick up information about holidays and the holiday vacation experience that could help detect fake reviews.</a:t>
-            </a:r>
-          </a:p>
-          <a:p>
-            <a:pPr lvl="1"/>
-            <a:r>
-              <a:rPr lang="en-US" dirty="0">
-                <a:latin typeface="Segoe UI Light" panose="020B0502040204020203" pitchFamily="34" charset="0"/>
-                <a:cs typeface="Segoe UI Light" panose="020B0502040204020203" pitchFamily="34" charset="0"/>
-              </a:rPr>
-              <a:t>Would having transaction data on each review show interesting results -- for example, the time of each post, and location of the IP address that sent the post.</a:t>
-            </a:r>
+          <a:bodyPr/>
+          <a:lstStyle/>
+          <a:p>
+            <a:r>
+              <a:rPr lang="en-US" dirty="0"/>
+              <a:t>Number of Trees to grow: 1000</a:t>
+            </a:r>
+          </a:p>
+          <a:p>
+            <a:r>
+              <a:rPr lang="en-US" dirty="0"/>
+              <a:t>Depth of Trees: [15,25,50,75],</a:t>
+            </a:r>
+          </a:p>
+          <a:p>
+            <a:r>
+              <a:rPr lang="en-US" dirty="0"/>
+              <a:t>Determine node splits by using Gini Entropy</a:t>
+            </a:r>
+          </a:p>
+          <a:p>
+            <a:r>
+              <a:rPr lang="en-US" dirty="0"/>
+              <a:t>Minimum Number of Samples in each node: [50,100]</a:t>
+            </a:r>
+          </a:p>
+          <a:p>
+            <a:r>
+              <a:rPr lang="en-US" dirty="0"/>
+              <a:t>Using: 10-Fold Cross Validation</a:t>
+            </a:r>
+          </a:p>
+          <a:p>
+            <a:pPr marL="0" indent="0">
+              <a:buNone/>
+            </a:pPr>
+            <a:endParaRPr lang="en-US" dirty="0"/>
+          </a:p>
+          <a:p>
+            <a:pPr marL="0" indent="0">
+              <a:buNone/>
+            </a:pPr>
+            <a:endParaRPr lang="en-US" dirty="0"/>
           </a:p>
         </p:txBody>
       </p:sp>
     </p:spTree>
     <p:extLst>
       <p:ext uri="{BB962C8B-B14F-4D97-AF65-F5344CB8AC3E}">
-        <p14:creationId xmlns:p14="http://schemas.microsoft.com/office/powerpoint/2010/main" val="673977572"/>
+        <p14:creationId xmlns:p14="http://schemas.microsoft.com/office/powerpoint/2010/main" val="1727069936"/>
+      </p:ext>
+    </p:extLst>
+  </p:cSld>
+  <p:clrMapOvr>
+    <a:masterClrMapping/>
+  </p:clrMapOvr>
+</p:sld>
+</file>
+
+<file path=ppt/slides/slide17.xml><?xml version="1.0" encoding="utf-8"?>
+<p:sld xmlns:a="http://schemas.openxmlformats.org/drawingml/2006/main" xmlns:r="http://schemas.openxmlformats.org/officeDocument/2006/relationships" xmlns:p="http://schemas.openxmlformats.org/presentationml/2006/main">
+  <p:cSld>
+    <p:spTree>
+      <p:nvGrpSpPr>
+        <p:cNvPr id="1" name=""/>
+        <p:cNvGrpSpPr/>
+        <p:nvPr/>
+      </p:nvGrpSpPr>
+      <p:grpSpPr>
+        <a:xfrm>
+          <a:off x="0" y="0"/>
+          <a:ext cx="0" cy="0"/>
+          <a:chOff x="0" y="0"/>
+          <a:chExt cx="0" cy="0"/>
+        </a:xfrm>
+      </p:grpSpPr>
+      <p:sp>
+        <p:nvSpPr>
+          <p:cNvPr id="2" name="Title 1"/>
+          <p:cNvSpPr>
+            <a:spLocks noGrp="1"/>
+          </p:cNvSpPr>
+          <p:nvPr>
+            <p:ph type="title"/>
+          </p:nvPr>
+        </p:nvSpPr>
+        <p:spPr/>
+        <p:txBody>
+          <a:bodyPr/>
+          <a:lstStyle/>
+          <a:p>
+            <a:r>
+              <a:rPr lang="en-US" dirty="0">
+                <a:latin typeface="Segoe UI Black" panose="020B0A02040204020203" pitchFamily="34" charset="0"/>
+                <a:ea typeface="Segoe UI Black" panose="020B0A02040204020203" pitchFamily="34" charset="0"/>
+                <a:cs typeface="Segoe UI Black" panose="020B0A02040204020203" pitchFamily="34" charset="0"/>
+              </a:rPr>
+              <a:t>Results (1)</a:t>
+            </a:r>
+          </a:p>
+        </p:txBody>
+      </p:sp>
+      <p:sp>
+        <p:nvSpPr>
+          <p:cNvPr id="4" name="Content Placeholder 3"/>
+          <p:cNvSpPr>
+            <a:spLocks noGrp="1"/>
+          </p:cNvSpPr>
+          <p:nvPr>
+            <p:ph idx="1"/>
+          </p:nvPr>
+        </p:nvSpPr>
+        <p:spPr/>
+        <p:txBody>
+          <a:bodyPr/>
+          <a:lstStyle/>
+          <a:p>
+            <a:r>
+              <a:rPr lang="en-US" dirty="0"/>
+              <a:t>Best Accuracy: 84.6% </a:t>
+            </a:r>
+          </a:p>
+          <a:p>
+            <a:pPr lvl="1"/>
+            <a:r>
+              <a:rPr lang="en-US" dirty="0"/>
+              <a:t>1.6 % improvement compared to LDA</a:t>
+            </a:r>
+          </a:p>
+          <a:p>
+            <a:pPr lvl="1"/>
+            <a:r>
+              <a:rPr lang="en-US" dirty="0"/>
+              <a:t>+ 20% improvement compared to untuned Random Forest model</a:t>
+            </a:r>
+          </a:p>
+          <a:p>
+            <a:r>
+              <a:rPr lang="en-US" dirty="0"/>
+              <a:t>Best Model:</a:t>
+            </a:r>
+          </a:p>
+          <a:p>
+            <a:pPr lvl="1"/>
+            <a:r>
+              <a:rPr lang="en-US" dirty="0"/>
+              <a:t>Max Tree Depth = 50</a:t>
+            </a:r>
+          </a:p>
+          <a:p>
+            <a:pPr lvl="1"/>
+            <a:r>
+              <a:rPr lang="en-US" dirty="0"/>
+              <a:t>Minimum Samples per Node = 50</a:t>
+            </a:r>
+          </a:p>
+          <a:p>
+            <a:pPr lvl="1"/>
+            <a:endParaRPr lang="en-US" dirty="0"/>
+          </a:p>
+          <a:p>
+            <a:endParaRPr lang="en-US" dirty="0"/>
+          </a:p>
+        </p:txBody>
+      </p:sp>
+    </p:spTree>
+    <p:extLst>
+      <p:ext uri="{BB962C8B-B14F-4D97-AF65-F5344CB8AC3E}">
+        <p14:creationId xmlns:p14="http://schemas.microsoft.com/office/powerpoint/2010/main" val="2749024399"/>
+      </p:ext>
+    </p:extLst>
+  </p:cSld>
+  <p:clrMapOvr>
+    <a:masterClrMapping/>
+  </p:clrMapOvr>
+</p:sld>
+</file>
+
+<file path=ppt/slides/slide18.xml><?xml version="1.0" encoding="utf-8"?>
+<p:sld xmlns:a="http://schemas.openxmlformats.org/drawingml/2006/main" xmlns:r="http://schemas.openxmlformats.org/officeDocument/2006/relationships" xmlns:p="http://schemas.openxmlformats.org/presentationml/2006/main">
+  <p:cSld>
+    <p:spTree>
+      <p:nvGrpSpPr>
+        <p:cNvPr id="1" name=""/>
+        <p:cNvGrpSpPr/>
+        <p:nvPr/>
+      </p:nvGrpSpPr>
+      <p:grpSpPr>
+        <a:xfrm>
+          <a:off x="0" y="0"/>
+          <a:ext cx="0" cy="0"/>
+          <a:chOff x="0" y="0"/>
+          <a:chExt cx="0" cy="0"/>
+        </a:xfrm>
+      </p:grpSpPr>
+      <p:sp>
+        <p:nvSpPr>
+          <p:cNvPr id="2" name="Title 1"/>
+          <p:cNvSpPr>
+            <a:spLocks noGrp="1"/>
+          </p:cNvSpPr>
+          <p:nvPr>
+            <p:ph type="title"/>
+          </p:nvPr>
+        </p:nvSpPr>
+        <p:spPr/>
+        <p:txBody>
+          <a:bodyPr/>
+          <a:lstStyle/>
+          <a:p>
+            <a:r>
+              <a:rPr lang="en-US" dirty="0">
+                <a:latin typeface="Segoe UI Black" panose="020B0A02040204020203" pitchFamily="34" charset="0"/>
+                <a:ea typeface="Segoe UI Black" panose="020B0A02040204020203" pitchFamily="34" charset="0"/>
+                <a:cs typeface="Segoe UI Black" panose="020B0A02040204020203" pitchFamily="34" charset="0"/>
+              </a:rPr>
+              <a:t>Results (2)</a:t>
+            </a:r>
+          </a:p>
+        </p:txBody>
+      </p:sp>
+      <p:sp>
+        <p:nvSpPr>
+          <p:cNvPr id="4" name="Content Placeholder 3"/>
+          <p:cNvSpPr>
+            <a:spLocks noGrp="1"/>
+          </p:cNvSpPr>
+          <p:nvPr>
+            <p:ph idx="1"/>
+          </p:nvPr>
+        </p:nvSpPr>
+        <p:spPr>
+          <a:xfrm>
+            <a:off x="838200" y="1825625"/>
+            <a:ext cx="6365033" cy="4351338"/>
+          </a:xfrm>
+        </p:spPr>
+        <p:txBody>
+          <a:bodyPr/>
+          <a:lstStyle/>
+          <a:p>
+            <a:r>
+              <a:rPr lang="en-US" dirty="0"/>
+              <a:t>Mean Decrease in Impurity (MDI), we can determine feature importance.</a:t>
+            </a:r>
+          </a:p>
+          <a:p>
+            <a:r>
+              <a:rPr lang="en-US" dirty="0"/>
+              <a:t>The figure to the right shows what is most important in determining Deceptive vs Genuine reviews</a:t>
+            </a:r>
+          </a:p>
+          <a:p>
+            <a:pPr lvl="1"/>
+            <a:r>
+              <a:rPr lang="en-US" dirty="0"/>
+              <a:t>Topic Vectors and 3 are most important</a:t>
+            </a:r>
+          </a:p>
+          <a:p>
+            <a:pPr lvl="1"/>
+            <a:r>
+              <a:rPr lang="en-US" dirty="0"/>
+              <a:t>The use of punctuation is important</a:t>
+            </a:r>
+          </a:p>
+        </p:txBody>
+      </p:sp>
+      <p:pic>
+        <p:nvPicPr>
+          <p:cNvPr id="3" name="Picture 2"/>
+          <p:cNvPicPr>
+            <a:picLocks noChangeAspect="1"/>
+          </p:cNvPicPr>
+          <p:nvPr/>
+        </p:nvPicPr>
+        <p:blipFill>
+          <a:blip r:embed="rId2"/>
+          <a:stretch>
+            <a:fillRect/>
+          </a:stretch>
+        </p:blipFill>
+        <p:spPr>
+          <a:xfrm>
+            <a:off x="8411255" y="1690688"/>
+            <a:ext cx="3028076" cy="2881341"/>
+          </a:xfrm>
+          <a:prstGeom prst="rect">
+            <a:avLst/>
+          </a:prstGeom>
+        </p:spPr>
+      </p:pic>
+    </p:spTree>
+    <p:extLst>
+      <p:ext uri="{BB962C8B-B14F-4D97-AF65-F5344CB8AC3E}">
+        <p14:creationId xmlns:p14="http://schemas.microsoft.com/office/powerpoint/2010/main" val="221967657"/>
+      </p:ext>
+    </p:extLst>
+  </p:cSld>
+  <p:clrMapOvr>
+    <a:masterClrMapping/>
+  </p:clrMapOvr>
+</p:sld>
+</file>
+
+<file path=ppt/slides/slide19.xml><?xml version="1.0" encoding="utf-8"?>
+<p:sld xmlns:a="http://schemas.openxmlformats.org/drawingml/2006/main" xmlns:r="http://schemas.openxmlformats.org/officeDocument/2006/relationships" xmlns:p="http://schemas.openxmlformats.org/presentationml/2006/main">
+  <p:cSld>
+    <p:spTree>
+      <p:nvGrpSpPr>
+        <p:cNvPr id="1" name=""/>
+        <p:cNvGrpSpPr/>
+        <p:nvPr/>
+      </p:nvGrpSpPr>
+      <p:grpSpPr>
+        <a:xfrm>
+          <a:off x="0" y="0"/>
+          <a:ext cx="0" cy="0"/>
+          <a:chOff x="0" y="0"/>
+          <a:chExt cx="0" cy="0"/>
+        </a:xfrm>
+      </p:grpSpPr>
+      <p:sp>
+        <p:nvSpPr>
+          <p:cNvPr id="2" name="Title 1"/>
+          <p:cNvSpPr>
+            <a:spLocks noGrp="1"/>
+          </p:cNvSpPr>
+          <p:nvPr>
+            <p:ph type="title"/>
+          </p:nvPr>
+        </p:nvSpPr>
+        <p:spPr/>
+        <p:txBody>
+          <a:bodyPr/>
+          <a:lstStyle/>
+          <a:p>
+            <a:r>
+              <a:rPr lang="en-US" dirty="0">
+                <a:latin typeface="Segoe UI Black" panose="020B0A02040204020203" pitchFamily="34" charset="0"/>
+                <a:ea typeface="Segoe UI Black" panose="020B0A02040204020203" pitchFamily="34" charset="0"/>
+                <a:cs typeface="Segoe UI Black" panose="020B0A02040204020203" pitchFamily="34" charset="0"/>
+              </a:rPr>
+              <a:t>Results (3)</a:t>
+            </a:r>
+          </a:p>
+        </p:txBody>
+      </p:sp>
+      <p:sp>
+        <p:nvSpPr>
+          <p:cNvPr id="4" name="Content Placeholder 3"/>
+          <p:cNvSpPr>
+            <a:spLocks noGrp="1"/>
+          </p:cNvSpPr>
+          <p:nvPr>
+            <p:ph idx="1"/>
+          </p:nvPr>
+        </p:nvSpPr>
+        <p:spPr>
+          <a:xfrm>
+            <a:off x="838200" y="1825625"/>
+            <a:ext cx="6365033" cy="4351338"/>
+          </a:xfrm>
+        </p:spPr>
+        <p:txBody>
+          <a:bodyPr/>
+          <a:lstStyle/>
+          <a:p>
+            <a:pPr marL="0" indent="0">
+              <a:buNone/>
+            </a:pPr>
+            <a:r>
+              <a:rPr lang="en-US" dirty="0"/>
+              <a:t>Looking into each topic vector, we see what types of words impact deceptiveness of a review</a:t>
+            </a:r>
+          </a:p>
+        </p:txBody>
+      </p:sp>
+      <p:pic>
+        <p:nvPicPr>
+          <p:cNvPr id="3" name="Picture 2"/>
+          <p:cNvPicPr>
+            <a:picLocks noChangeAspect="1"/>
+          </p:cNvPicPr>
+          <p:nvPr/>
+        </p:nvPicPr>
+        <p:blipFill>
+          <a:blip r:embed="rId2"/>
+          <a:stretch>
+            <a:fillRect/>
+          </a:stretch>
+        </p:blipFill>
+        <p:spPr>
+          <a:xfrm>
+            <a:off x="8881004" y="766763"/>
+            <a:ext cx="2219325" cy="5410200"/>
+          </a:xfrm>
+          <a:prstGeom prst="rect">
+            <a:avLst/>
+          </a:prstGeom>
+        </p:spPr>
+      </p:pic>
+    </p:spTree>
+    <p:extLst>
+      <p:ext uri="{BB962C8B-B14F-4D97-AF65-F5344CB8AC3E}">
+        <p14:creationId xmlns:p14="http://schemas.microsoft.com/office/powerpoint/2010/main" val="1720474140"/>
       </p:ext>
     </p:extLst>
   </p:cSld>
@@ -5271,6 +5598,249 @@
     <p:extLst>
       <p:ext uri="{BB962C8B-B14F-4D97-AF65-F5344CB8AC3E}">
         <p14:creationId xmlns:p14="http://schemas.microsoft.com/office/powerpoint/2010/main" val="311781924"/>
+      </p:ext>
+    </p:extLst>
+  </p:cSld>
+  <p:clrMapOvr>
+    <a:masterClrMapping/>
+  </p:clrMapOvr>
+</p:sld>
+</file>
+
+<file path=ppt/slides/slide20.xml><?xml version="1.0" encoding="utf-8"?>
+<p:sld xmlns:a="http://schemas.openxmlformats.org/drawingml/2006/main" xmlns:r="http://schemas.openxmlformats.org/officeDocument/2006/relationships" xmlns:p="http://schemas.openxmlformats.org/presentationml/2006/main">
+  <p:cSld>
+    <p:spTree>
+      <p:nvGrpSpPr>
+        <p:cNvPr id="1" name=""/>
+        <p:cNvGrpSpPr/>
+        <p:nvPr/>
+      </p:nvGrpSpPr>
+      <p:grpSpPr>
+        <a:xfrm>
+          <a:off x="0" y="0"/>
+          <a:ext cx="0" cy="0"/>
+          <a:chOff x="0" y="0"/>
+          <a:chExt cx="0" cy="0"/>
+        </a:xfrm>
+      </p:grpSpPr>
+      <p:sp>
+        <p:nvSpPr>
+          <p:cNvPr id="2" name="Title 1"/>
+          <p:cNvSpPr>
+            <a:spLocks noGrp="1"/>
+          </p:cNvSpPr>
+          <p:nvPr>
+            <p:ph type="title"/>
+          </p:nvPr>
+        </p:nvSpPr>
+        <p:spPr/>
+        <p:txBody>
+          <a:bodyPr/>
+          <a:lstStyle/>
+          <a:p>
+            <a:r>
+              <a:rPr lang="en-US" dirty="0">
+                <a:latin typeface="Segoe UI Black" panose="020B0A02040204020203" pitchFamily="34" charset="0"/>
+                <a:ea typeface="Segoe UI Black" panose="020B0A02040204020203" pitchFamily="34" charset="0"/>
+                <a:cs typeface="Segoe UI Black" panose="020B0A02040204020203" pitchFamily="34" charset="0"/>
+              </a:rPr>
+              <a:t>Results (3)</a:t>
+            </a:r>
+          </a:p>
+        </p:txBody>
+      </p:sp>
+      <p:sp>
+        <p:nvSpPr>
+          <p:cNvPr id="4" name="Content Placeholder 3"/>
+          <p:cNvSpPr>
+            <a:spLocks noGrp="1"/>
+          </p:cNvSpPr>
+          <p:nvPr>
+            <p:ph idx="1"/>
+          </p:nvPr>
+        </p:nvSpPr>
+        <p:spPr>
+          <a:xfrm>
+            <a:off x="838201" y="1825625"/>
+            <a:ext cx="4467578" cy="4351338"/>
+          </a:xfrm>
+        </p:spPr>
+        <p:txBody>
+          <a:bodyPr/>
+          <a:lstStyle/>
+          <a:p>
+            <a:pPr marL="0" indent="0">
+              <a:buNone/>
+            </a:pPr>
+            <a:r>
+              <a:rPr lang="en-US" dirty="0"/>
+              <a:t>Descriptively, there is a noticeable difference in punctuation count between truthful and deceptive reviews. </a:t>
+            </a:r>
+          </a:p>
+        </p:txBody>
+      </p:sp>
+      <p:pic>
+        <p:nvPicPr>
+          <p:cNvPr id="5" name="Picture 4"/>
+          <p:cNvPicPr>
+            <a:picLocks noChangeAspect="1"/>
+          </p:cNvPicPr>
+          <p:nvPr/>
+        </p:nvPicPr>
+        <p:blipFill>
+          <a:blip r:embed="rId2"/>
+          <a:stretch>
+            <a:fillRect/>
+          </a:stretch>
+        </p:blipFill>
+        <p:spPr>
+          <a:xfrm>
+            <a:off x="5671961" y="1597375"/>
+            <a:ext cx="6384572" cy="4579588"/>
+          </a:xfrm>
+          <a:prstGeom prst="rect">
+            <a:avLst/>
+          </a:prstGeom>
+        </p:spPr>
+      </p:pic>
+    </p:spTree>
+    <p:extLst>
+      <p:ext uri="{BB962C8B-B14F-4D97-AF65-F5344CB8AC3E}">
+        <p14:creationId xmlns:p14="http://schemas.microsoft.com/office/powerpoint/2010/main" val="1797200982"/>
+      </p:ext>
+    </p:extLst>
+  </p:cSld>
+  <p:clrMapOvr>
+    <a:masterClrMapping/>
+  </p:clrMapOvr>
+</p:sld>
+</file>
+
+<file path=ppt/slides/slide21.xml><?xml version="1.0" encoding="utf-8"?>
+<p:sld xmlns:a="http://schemas.openxmlformats.org/drawingml/2006/main" xmlns:r="http://schemas.openxmlformats.org/officeDocument/2006/relationships" xmlns:p="http://schemas.openxmlformats.org/presentationml/2006/main">
+  <p:cSld>
+    <p:spTree>
+      <p:nvGrpSpPr>
+        <p:cNvPr id="1" name=""/>
+        <p:cNvGrpSpPr/>
+        <p:nvPr/>
+      </p:nvGrpSpPr>
+      <p:grpSpPr>
+        <a:xfrm>
+          <a:off x="0" y="0"/>
+          <a:ext cx="0" cy="0"/>
+          <a:chOff x="0" y="0"/>
+          <a:chExt cx="0" cy="0"/>
+        </a:xfrm>
+      </p:grpSpPr>
+      <p:sp>
+        <p:nvSpPr>
+          <p:cNvPr id="2" name="Title 1"/>
+          <p:cNvSpPr>
+            <a:spLocks noGrp="1"/>
+          </p:cNvSpPr>
+          <p:nvPr>
+            <p:ph type="title"/>
+          </p:nvPr>
+        </p:nvSpPr>
+        <p:spPr/>
+        <p:txBody>
+          <a:bodyPr/>
+          <a:lstStyle/>
+          <a:p>
+            <a:r>
+              <a:rPr lang="en-US" dirty="0">
+                <a:latin typeface="Segoe UI Black" panose="020B0A02040204020203" pitchFamily="34" charset="0"/>
+                <a:ea typeface="Segoe UI Black" panose="020B0A02040204020203" pitchFamily="34" charset="0"/>
+                <a:cs typeface="Segoe UI Black" panose="020B0A02040204020203" pitchFamily="34" charset="0"/>
+              </a:rPr>
+              <a:t>Future steps </a:t>
+            </a:r>
+          </a:p>
+        </p:txBody>
+      </p:sp>
+      <p:sp>
+        <p:nvSpPr>
+          <p:cNvPr id="3" name="Content Placeholder 2"/>
+          <p:cNvSpPr>
+            <a:spLocks noGrp="1"/>
+          </p:cNvSpPr>
+          <p:nvPr>
+            <p:ph idx="1"/>
+          </p:nvPr>
+        </p:nvSpPr>
+        <p:spPr/>
+        <p:txBody>
+          <a:bodyPr>
+            <a:normAutofit fontScale="92500" lnSpcReduction="10000"/>
+          </a:bodyPr>
+          <a:lstStyle/>
+          <a:p>
+            <a:r>
+              <a:rPr lang="en-US" dirty="0">
+                <a:latin typeface="Segoe UI Light" panose="020B0502040204020203" pitchFamily="34" charset="0"/>
+                <a:cs typeface="Segoe UI Light" panose="020B0502040204020203" pitchFamily="34" charset="0"/>
+              </a:rPr>
+              <a:t>The results above suggest that the model performs fairly well under Random Forest, yet here are some areas of improvement and/or further areas of research.</a:t>
+            </a:r>
+          </a:p>
+          <a:p>
+            <a:pPr lvl="1"/>
+            <a:r>
+              <a:rPr lang="en-US" dirty="0">
+                <a:latin typeface="Segoe UI Light" panose="020B0502040204020203" pitchFamily="34" charset="0"/>
+                <a:cs typeface="Segoe UI Light" panose="020B0502040204020203" pitchFamily="34" charset="0"/>
+              </a:rPr>
+              <a:t>The number of features is large compared to the number of observations</a:t>
+            </a:r>
+          </a:p>
+          <a:p>
+            <a:pPr lvl="2"/>
+            <a:r>
+              <a:rPr lang="en-US" dirty="0">
+                <a:latin typeface="Segoe UI Light" panose="020B0502040204020203" pitchFamily="34" charset="0"/>
+                <a:cs typeface="Segoe UI Light" panose="020B0502040204020203" pitchFamily="34" charset="0"/>
+              </a:rPr>
+              <a:t>Potentially, tune LSI, reduce the Term Frequency-Inverse Document Frequency to a smaller number of topics</a:t>
+            </a:r>
+          </a:p>
+          <a:p>
+            <a:pPr lvl="1"/>
+            <a:r>
+              <a:rPr lang="en-US" dirty="0">
+                <a:latin typeface="Segoe UI Light" panose="020B0502040204020203" pitchFamily="34" charset="0"/>
+                <a:cs typeface="Segoe UI Light" panose="020B0502040204020203" pitchFamily="34" charset="0"/>
+              </a:rPr>
+              <a:t>Word misspellings in feature engineering. Train the models with a misspelling indicator, as this could be a feature that might be important.</a:t>
+            </a:r>
+          </a:p>
+          <a:p>
+            <a:pPr lvl="1"/>
+            <a:r>
+              <a:rPr lang="en-US" dirty="0">
+                <a:latin typeface="Segoe UI Light" panose="020B0502040204020203" pitchFamily="34" charset="0"/>
+                <a:cs typeface="Segoe UI Light" panose="020B0502040204020203" pitchFamily="34" charset="0"/>
+              </a:rPr>
+              <a:t>Look at this data across time -- there could be difference in detecting spam based on information around the time period -- for example, will adding month pick up information about holidays and the holiday vacation experience that could help detect fake reviews.</a:t>
+            </a:r>
+          </a:p>
+          <a:p>
+            <a:pPr lvl="1"/>
+            <a:r>
+              <a:rPr lang="en-US" dirty="0">
+                <a:latin typeface="Segoe UI Light" panose="020B0502040204020203" pitchFamily="34" charset="0"/>
+                <a:cs typeface="Segoe UI Light" panose="020B0502040204020203" pitchFamily="34" charset="0"/>
+              </a:rPr>
+              <a:t>Would having transaction data on each review show interesting results -- for example, the time of each post, and location of the IP address that sent the post.</a:t>
+            </a:r>
+          </a:p>
+        </p:txBody>
+      </p:sp>
+    </p:spTree>
+    <p:extLst>
+      <p:ext uri="{BB962C8B-B14F-4D97-AF65-F5344CB8AC3E}">
+        <p14:creationId xmlns:p14="http://schemas.microsoft.com/office/powerpoint/2010/main" val="673977572"/>
       </p:ext>
     </p:extLst>
   </p:cSld>

--- a/NLP 2 - Hotel Reviews Deliverable.pptx
+++ b/NLP 2 - Hotel Reviews Deliverable.pptx
@@ -14936,7 +14936,7 @@
                 <a:ea typeface="Segoe UI Black" panose="020B0A02040204020203" pitchFamily="34" charset="0"/>
                 <a:cs typeface="Segoe UI Black" panose="020B0A02040204020203" pitchFamily="34" charset="0"/>
               </a:rPr>
-              <a:t>Baseline Classification</a:t>
+              <a:t>Creating a Baseline</a:t>
             </a:r>
           </a:p>
         </p:txBody>
@@ -15122,16 +15122,15 @@
           </p:cNvPicPr>
           <p:nvPr/>
         </p:nvPicPr>
-        <p:blipFill>
+        <p:blipFill rotWithShape="1">
           <a:blip r:embed="rId2"/>
-          <a:stretch>
-            <a:fillRect/>
-          </a:stretch>
+          <a:srcRect t="31046"/>
+          <a:stretch/>
         </p:blipFill>
         <p:spPr>
           <a:xfrm>
-            <a:off x="4632040" y="2007240"/>
-            <a:ext cx="3825215" cy="4088709"/>
+            <a:off x="4343566" y="1894379"/>
+            <a:ext cx="3825215" cy="2819349"/>
           </a:xfrm>
           <a:prstGeom prst="rect">
             <a:avLst/>
@@ -15146,16 +15145,15 @@
           </p:cNvPicPr>
           <p:nvPr/>
         </p:nvPicPr>
-        <p:blipFill>
+        <p:blipFill rotWithShape="1">
           <a:blip r:embed="rId3"/>
-          <a:stretch>
-            <a:fillRect/>
-          </a:stretch>
+          <a:srcRect t="31877"/>
+          <a:stretch/>
         </p:blipFill>
         <p:spPr>
           <a:xfrm>
-            <a:off x="8340009" y="2015420"/>
-            <a:ext cx="3759825" cy="3956300"/>
+            <a:off x="8288342" y="1956493"/>
+            <a:ext cx="3759825" cy="2695120"/>
           </a:xfrm>
           <a:prstGeom prst="rect">
             <a:avLst/>
@@ -15170,16 +15168,15 @@
           </p:cNvPicPr>
           <p:nvPr/>
         </p:nvPicPr>
-        <p:blipFill>
+        <p:blipFill rotWithShape="1">
           <a:blip r:embed="rId4"/>
-          <a:stretch>
-            <a:fillRect/>
-          </a:stretch>
+          <a:srcRect t="31403"/>
+          <a:stretch/>
         </p:blipFill>
         <p:spPr>
           <a:xfrm>
-            <a:off x="949735" y="2031400"/>
-            <a:ext cx="3706241" cy="3965231"/>
+            <a:off x="559403" y="1916584"/>
+            <a:ext cx="3706241" cy="2720031"/>
           </a:xfrm>
           <a:prstGeom prst="rect">
             <a:avLst/>
@@ -15207,7 +15204,7 @@
                 <a:ea typeface="Segoe UI Black" panose="020B0A02040204020203" pitchFamily="34" charset="0"/>
                 <a:cs typeface="Segoe UI Black" panose="020B0A02040204020203" pitchFamily="34" charset="0"/>
               </a:rPr>
-              <a:t>Model + Feature Selection (1)</a:t>
+              <a:t>Baseline Accuracy Scores</a:t>
             </a:r>
           </a:p>
         </p:txBody>
@@ -15310,14 +15307,20 @@
       </p:sp>
       <p:sp>
         <p:nvSpPr>
-          <p:cNvPr id="16" name="Rectangle 15"/>
+          <p:cNvPr id="4" name="Rectangle 3">
+            <a:extLst>
+              <a:ext uri="{FF2B5EF4-FFF2-40B4-BE49-F238E27FC236}">
+                <a16:creationId xmlns:a16="http://schemas.microsoft.com/office/drawing/2014/main" id="{85923670-FA05-4930-ADCC-B885977843F4}"/>
+              </a:ext>
+            </a:extLst>
+          </p:cNvPr>
           <p:cNvSpPr/>
           <p:nvPr/>
         </p:nvSpPr>
         <p:spPr>
           <a:xfrm>
-            <a:off x="1504324" y="5955630"/>
-            <a:ext cx="2419701" cy="369332"/>
+            <a:off x="3398039" y="5043427"/>
+            <a:ext cx="5182829" cy="923330"/>
           </a:xfrm>
           <a:prstGeom prst="rect">
             <a:avLst/>
@@ -15329,37 +15332,94 @@
           </a:bodyPr>
           <a:lstStyle/>
           <a:p>
-            <a:pPr algn="ctr"/>
             <a:r>
               <a:rPr lang="en-US" dirty="0">
                 <a:latin typeface="Segoe UI Light" panose="020B0502040204020203" pitchFamily="34" charset="0"/>
                 <a:cs typeface="Segoe UI Light" panose="020B0502040204020203" pitchFamily="34" charset="0"/>
               </a:rPr>
-              <a:t>LDA performs the best.</a:t>
+              <a:t>High Performing Models:</a:t>
             </a:r>
+          </a:p>
+          <a:p>
+            <a:r>
+              <a:rPr lang="en-US" dirty="0">
+                <a:latin typeface="Segoe UI Light" panose="020B0502040204020203" pitchFamily="34" charset="0"/>
+                <a:cs typeface="Segoe UI Light" panose="020B0502040204020203" pitchFamily="34" charset="0"/>
+              </a:rPr>
+              <a:t>Linear discriminant analysis (</a:t>
+            </a:r>
+            <a:r>
+              <a:rPr lang="en-US" b="1" dirty="0">
+                <a:solidFill>
+                  <a:srgbClr val="FF0000"/>
+                </a:solidFill>
+                <a:latin typeface="Segoe UI Light" panose="020B0502040204020203" pitchFamily="34" charset="0"/>
+                <a:cs typeface="Segoe UI Light" panose="020B0502040204020203" pitchFamily="34" charset="0"/>
+              </a:rPr>
+              <a:t>Red</a:t>
+            </a:r>
+            <a:r>
+              <a:rPr lang="en-US" dirty="0">
+                <a:latin typeface="Segoe UI Light" panose="020B0502040204020203" pitchFamily="34" charset="0"/>
+                <a:cs typeface="Segoe UI Light" panose="020B0502040204020203" pitchFamily="34" charset="0"/>
+              </a:rPr>
+              <a:t>, 82.8,% 78%, 83%) </a:t>
+            </a:r>
+          </a:p>
+          <a:p>
+            <a:r>
+              <a:rPr lang="en-US" dirty="0">
+                <a:latin typeface="Segoe UI Light" panose="020B0502040204020203" pitchFamily="34" charset="0"/>
+                <a:cs typeface="Segoe UI Light" panose="020B0502040204020203" pitchFamily="34" charset="0"/>
+              </a:rPr>
+              <a:t>Random Forest (</a:t>
+            </a:r>
+            <a:r>
+              <a:rPr lang="en-US" b="1" dirty="0">
+                <a:solidFill>
+                  <a:schemeClr val="accent1"/>
+                </a:solidFill>
+                <a:latin typeface="Segoe UI Light" panose="020B0502040204020203" pitchFamily="34" charset="0"/>
+                <a:cs typeface="Segoe UI Light" panose="020B0502040204020203" pitchFamily="34" charset="0"/>
+              </a:rPr>
+              <a:t>Blue</a:t>
+            </a:r>
+            <a:r>
+              <a:rPr lang="en-US" dirty="0">
+                <a:latin typeface="Segoe UI Light" panose="020B0502040204020203" pitchFamily="34" charset="0"/>
+                <a:cs typeface="Segoe UI Light" panose="020B0502040204020203" pitchFamily="34" charset="0"/>
+              </a:rPr>
+              <a:t> 74%, 72%, 75%) </a:t>
+            </a:r>
+            <a:endParaRPr lang="en-US" dirty="0"/>
           </a:p>
         </p:txBody>
       </p:sp>
       <p:sp>
         <p:nvSpPr>
-          <p:cNvPr id="11" name="Rectangle 10"/>
+          <p:cNvPr id="6" name="Rectangle 5">
+            <a:extLst>
+              <a:ext uri="{FF2B5EF4-FFF2-40B4-BE49-F238E27FC236}">
+                <a16:creationId xmlns:a16="http://schemas.microsoft.com/office/drawing/2014/main" id="{FE639FB3-B57C-4EA7-93F5-DDD421417B7A}"/>
+              </a:ext>
+            </a:extLst>
+          </p:cNvPr>
           <p:cNvSpPr/>
           <p:nvPr/>
         </p:nvSpPr>
         <p:spPr>
           <a:xfrm>
-            <a:off x="1008458" y="2208850"/>
-            <a:ext cx="9976598" cy="163380"/>
+            <a:off x="1285875" y="2314574"/>
+            <a:ext cx="571500" cy="2078081"/>
           </a:xfrm>
           <a:prstGeom prst="rect">
             <a:avLst/>
           </a:prstGeom>
           <a:noFill/>
-          <a:ln w="3175">
+          <a:ln w="28575">
             <a:solidFill>
-              <a:schemeClr val="tx1"/>
+              <a:srgbClr val="FF0000"/>
             </a:solidFill>
-            <a:prstDash val="dash"/>
           </a:ln>
         </p:spPr>
         <p:style>
@@ -15383,7 +15443,279 @@
           <a:lstStyle/>
           <a:p>
             <a:pPr algn="ctr"/>
-            <a:endParaRPr lang="en-US" dirty="0"/>
+            <a:endParaRPr lang="en-US"/>
+          </a:p>
+        </p:txBody>
+      </p:sp>
+      <p:sp>
+        <p:nvSpPr>
+          <p:cNvPr id="17" name="Rectangle 16">
+            <a:extLst>
+              <a:ext uri="{FF2B5EF4-FFF2-40B4-BE49-F238E27FC236}">
+                <a16:creationId xmlns:a16="http://schemas.microsoft.com/office/drawing/2014/main" id="{A12C0A24-3CAC-4A82-9D59-A003E2F54137}"/>
+              </a:ext>
+            </a:extLst>
+          </p:cNvPr>
+          <p:cNvSpPr/>
+          <p:nvPr/>
+        </p:nvSpPr>
+        <p:spPr>
+          <a:xfrm>
+            <a:off x="5184028" y="2314915"/>
+            <a:ext cx="571500" cy="2078081"/>
+          </a:xfrm>
+          <a:prstGeom prst="rect">
+            <a:avLst/>
+          </a:prstGeom>
+          <a:noFill/>
+          <a:ln w="28575">
+            <a:solidFill>
+              <a:srgbClr val="FF0000"/>
+            </a:solidFill>
+          </a:ln>
+        </p:spPr>
+        <p:style>
+          <a:lnRef idx="2">
+            <a:schemeClr val="accent1">
+              <a:shade val="50000"/>
+            </a:schemeClr>
+          </a:lnRef>
+          <a:fillRef idx="1">
+            <a:schemeClr val="accent1"/>
+          </a:fillRef>
+          <a:effectRef idx="0">
+            <a:schemeClr val="accent1"/>
+          </a:effectRef>
+          <a:fontRef idx="minor">
+            <a:schemeClr val="lt1"/>
+          </a:fontRef>
+        </p:style>
+        <p:txBody>
+          <a:bodyPr rtlCol="0" anchor="ctr"/>
+          <a:lstStyle/>
+          <a:p>
+            <a:pPr algn="ctr"/>
+            <a:endParaRPr lang="en-US"/>
+          </a:p>
+        </p:txBody>
+      </p:sp>
+      <p:sp>
+        <p:nvSpPr>
+          <p:cNvPr id="18" name="Rectangle 17">
+            <a:extLst>
+              <a:ext uri="{FF2B5EF4-FFF2-40B4-BE49-F238E27FC236}">
+                <a16:creationId xmlns:a16="http://schemas.microsoft.com/office/drawing/2014/main" id="{19412A53-FFA9-4077-B524-4E81526C129F}"/>
+              </a:ext>
+            </a:extLst>
+          </p:cNvPr>
+          <p:cNvSpPr/>
+          <p:nvPr/>
+        </p:nvSpPr>
+        <p:spPr>
+          <a:xfrm>
+            <a:off x="9034556" y="2314574"/>
+            <a:ext cx="571500" cy="2078081"/>
+          </a:xfrm>
+          <a:prstGeom prst="rect">
+            <a:avLst/>
+          </a:prstGeom>
+          <a:noFill/>
+          <a:ln w="28575">
+            <a:solidFill>
+              <a:srgbClr val="FF0000"/>
+            </a:solidFill>
+          </a:ln>
+        </p:spPr>
+        <p:style>
+          <a:lnRef idx="2">
+            <a:schemeClr val="accent1">
+              <a:shade val="50000"/>
+            </a:schemeClr>
+          </a:lnRef>
+          <a:fillRef idx="1">
+            <a:schemeClr val="accent1"/>
+          </a:fillRef>
+          <a:effectRef idx="0">
+            <a:schemeClr val="accent1"/>
+          </a:effectRef>
+          <a:fontRef idx="minor">
+            <a:schemeClr val="lt1"/>
+          </a:fontRef>
+        </p:style>
+        <p:txBody>
+          <a:bodyPr rtlCol="0" anchor="ctr"/>
+          <a:lstStyle/>
+          <a:p>
+            <a:pPr algn="ctr"/>
+            <a:endParaRPr lang="en-US"/>
+          </a:p>
+        </p:txBody>
+      </p:sp>
+      <p:sp>
+        <p:nvSpPr>
+          <p:cNvPr id="19" name="Rectangle 18">
+            <a:extLst>
+              <a:ext uri="{FF2B5EF4-FFF2-40B4-BE49-F238E27FC236}">
+                <a16:creationId xmlns:a16="http://schemas.microsoft.com/office/drawing/2014/main" id="{DAD35E7E-63EC-4EE8-9974-0ECB8F2108FD}"/>
+              </a:ext>
+            </a:extLst>
+          </p:cNvPr>
+          <p:cNvSpPr/>
+          <p:nvPr/>
+        </p:nvSpPr>
+        <p:spPr>
+          <a:xfrm>
+            <a:off x="3638274" y="2308398"/>
+            <a:ext cx="476526" cy="2078081"/>
+          </a:xfrm>
+          <a:prstGeom prst="rect">
+            <a:avLst/>
+          </a:prstGeom>
+          <a:noFill/>
+          <a:ln w="28575">
+            <a:solidFill>
+              <a:schemeClr val="accent1"/>
+            </a:solidFill>
+          </a:ln>
+        </p:spPr>
+        <p:style>
+          <a:lnRef idx="2">
+            <a:schemeClr val="accent1">
+              <a:shade val="50000"/>
+            </a:schemeClr>
+          </a:lnRef>
+          <a:fillRef idx="1">
+            <a:schemeClr val="accent1"/>
+          </a:fillRef>
+          <a:effectRef idx="0">
+            <a:schemeClr val="accent1"/>
+          </a:effectRef>
+          <a:fontRef idx="minor">
+            <a:schemeClr val="lt1"/>
+          </a:fontRef>
+        </p:style>
+        <p:txBody>
+          <a:bodyPr rtlCol="0" anchor="ctr"/>
+          <a:lstStyle/>
+          <a:p>
+            <a:pPr algn="ctr"/>
+            <a:endParaRPr lang="en-US" dirty="0">
+              <a:solidFill>
+                <a:schemeClr val="accent6"/>
+              </a:solidFill>
+            </a:endParaRPr>
+          </a:p>
+        </p:txBody>
+      </p:sp>
+      <p:sp>
+        <p:nvSpPr>
+          <p:cNvPr id="20" name="Rectangle 19">
+            <a:extLst>
+              <a:ext uri="{FF2B5EF4-FFF2-40B4-BE49-F238E27FC236}">
+                <a16:creationId xmlns:a16="http://schemas.microsoft.com/office/drawing/2014/main" id="{7F205378-7134-427C-B632-FB3D368AD95F}"/>
+              </a:ext>
+            </a:extLst>
+          </p:cNvPr>
+          <p:cNvSpPr/>
+          <p:nvPr/>
+        </p:nvSpPr>
+        <p:spPr>
+          <a:xfrm>
+            <a:off x="7536427" y="2308739"/>
+            <a:ext cx="476526" cy="2078081"/>
+          </a:xfrm>
+          <a:prstGeom prst="rect">
+            <a:avLst/>
+          </a:prstGeom>
+          <a:noFill/>
+          <a:ln w="28575">
+            <a:solidFill>
+              <a:schemeClr val="accent1"/>
+            </a:solidFill>
+          </a:ln>
+        </p:spPr>
+        <p:style>
+          <a:lnRef idx="2">
+            <a:schemeClr val="accent1">
+              <a:shade val="50000"/>
+            </a:schemeClr>
+          </a:lnRef>
+          <a:fillRef idx="1">
+            <a:schemeClr val="accent1"/>
+          </a:fillRef>
+          <a:effectRef idx="0">
+            <a:schemeClr val="accent1"/>
+          </a:effectRef>
+          <a:fontRef idx="minor">
+            <a:schemeClr val="lt1"/>
+          </a:fontRef>
+        </p:style>
+        <p:txBody>
+          <a:bodyPr rtlCol="0" anchor="ctr"/>
+          <a:lstStyle/>
+          <a:p>
+            <a:pPr algn="ctr"/>
+            <a:endParaRPr lang="en-US">
+              <a:solidFill>
+                <a:schemeClr val="accent6"/>
+              </a:solidFill>
+            </a:endParaRPr>
+          </a:p>
+        </p:txBody>
+      </p:sp>
+      <p:sp>
+        <p:nvSpPr>
+          <p:cNvPr id="21" name="Rectangle 20">
+            <a:extLst>
+              <a:ext uri="{FF2B5EF4-FFF2-40B4-BE49-F238E27FC236}">
+                <a16:creationId xmlns:a16="http://schemas.microsoft.com/office/drawing/2014/main" id="{BE033C5C-40B0-4269-8D03-720C7B1FFA57}"/>
+              </a:ext>
+            </a:extLst>
+          </p:cNvPr>
+          <p:cNvSpPr/>
+          <p:nvPr/>
+        </p:nvSpPr>
+        <p:spPr>
+          <a:xfrm>
+            <a:off x="11386955" y="2308398"/>
+            <a:ext cx="476526" cy="2078081"/>
+          </a:xfrm>
+          <a:prstGeom prst="rect">
+            <a:avLst/>
+          </a:prstGeom>
+          <a:noFill/>
+          <a:ln w="28575">
+            <a:solidFill>
+              <a:schemeClr val="accent1"/>
+            </a:solidFill>
+          </a:ln>
+        </p:spPr>
+        <p:style>
+          <a:lnRef idx="2">
+            <a:schemeClr val="accent1">
+              <a:shade val="50000"/>
+            </a:schemeClr>
+          </a:lnRef>
+          <a:fillRef idx="1">
+            <a:schemeClr val="accent1"/>
+          </a:fillRef>
+          <a:effectRef idx="0">
+            <a:schemeClr val="accent1"/>
+          </a:effectRef>
+          <a:fontRef idx="minor">
+            <a:schemeClr val="lt1"/>
+          </a:fontRef>
+        </p:style>
+        <p:txBody>
+          <a:bodyPr rtlCol="0" anchor="ctr"/>
+          <a:lstStyle/>
+          <a:p>
+            <a:pPr algn="ctr"/>
+            <a:endParaRPr lang="en-US">
+              <a:solidFill>
+                <a:schemeClr val="accent6"/>
+              </a:solidFill>
+            </a:endParaRPr>
           </a:p>
         </p:txBody>
       </p:sp>
@@ -15455,8 +15787,8 @@
         </p:nvSpPr>
         <p:spPr>
           <a:xfrm>
-            <a:off x="838200" y="1825625"/>
-            <a:ext cx="8399105" cy="4351338"/>
+            <a:off x="838201" y="1825625"/>
+            <a:ext cx="5730010" cy="4351338"/>
           </a:xfrm>
         </p:spPr>
         <p:txBody>
@@ -15471,26 +15803,26 @@
                 <a:latin typeface="Segoe UI Light" panose="020B0502040204020203" pitchFamily="34" charset="0"/>
                 <a:cs typeface="Segoe UI Light" panose="020B0502040204020203" pitchFamily="34" charset="0"/>
               </a:rPr>
-              <a:t>Random Forest classifier because…</a:t>
+              <a:t>Use Random Forest classifier because…</a:t>
             </a:r>
           </a:p>
           <a:p>
-            <a:pPr lvl="1">
-              <a:buFontTx/>
-              <a:buChar char="-"/>
+            <a:pPr marL="914400" lvl="1" indent="-457200">
+              <a:buFont typeface="+mj-lt"/>
+              <a:buAutoNum type="arabicPeriod"/>
             </a:pPr>
             <a:r>
               <a:rPr lang="en-US" dirty="0">
                 <a:latin typeface="Segoe UI Light" panose="020B0502040204020203" pitchFamily="34" charset="0"/>
                 <a:cs typeface="Segoe UI Light" panose="020B0502040204020203" pitchFamily="34" charset="0"/>
               </a:rPr>
-              <a:t>Many dimensions to data</a:t>
+              <a:t>Many variables to data (&gt; 300)</a:t>
             </a:r>
           </a:p>
           <a:p>
-            <a:pPr lvl="1">
-              <a:buFontTx/>
-              <a:buChar char="-"/>
+            <a:pPr marL="914400" lvl="1" indent="-457200">
+              <a:buFont typeface="+mj-lt"/>
+              <a:buAutoNum type="arabicPeriod"/>
             </a:pPr>
             <a:r>
               <a:rPr lang="en-US" dirty="0">
@@ -15501,35 +15833,35 @@
             </a:r>
           </a:p>
           <a:p>
-            <a:pPr lvl="1">
-              <a:buFontTx/>
-              <a:buChar char="-"/>
+            <a:pPr marL="1371600" lvl="2" indent="-457200">
+              <a:buFont typeface="+mj-lt"/>
+              <a:buAutoNum type="arabicPeriod"/>
             </a:pPr>
             <a:r>
               <a:rPr lang="en-US" dirty="0">
                 <a:latin typeface="Segoe UI Light" panose="020B0502040204020203" pitchFamily="34" charset="0"/>
                 <a:cs typeface="Segoe UI Light" panose="020B0502040204020203" pitchFamily="34" charset="0"/>
               </a:rPr>
-              <a:t>Bonus:</a:t>
+              <a:t>LDA cannot be “Tuned” for performance</a:t>
             </a:r>
           </a:p>
           <a:p>
-            <a:pPr lvl="2">
-              <a:buFontTx/>
-              <a:buChar char="-"/>
+            <a:pPr marL="914400" lvl="1" indent="-457200">
+              <a:buFont typeface="+mj-lt"/>
+              <a:buAutoNum type="arabicPeriod"/>
             </a:pPr>
             <a:r>
               <a:rPr lang="en-US" dirty="0">
                 <a:latin typeface="Segoe UI Light" panose="020B0502040204020203" pitchFamily="34" charset="0"/>
                 <a:cs typeface="Segoe UI Light" panose="020B0502040204020203" pitchFamily="34" charset="0"/>
               </a:rPr>
-              <a:t>Does well with correlated variables</a:t>
+              <a:t>Does well with highly correlated variables</a:t>
             </a:r>
           </a:p>
           <a:p>
-            <a:pPr lvl="2">
-              <a:buFontTx/>
-              <a:buChar char="-"/>
+            <a:pPr marL="914400" lvl="1" indent="-457200">
+              <a:buFont typeface="+mj-lt"/>
+              <a:buAutoNum type="arabicPeriod"/>
             </a:pPr>
             <a:r>
               <a:rPr lang="en-US" dirty="0">
@@ -15949,12 +16281,12 @@
         </p:spPr>
         <p:txBody>
           <a:bodyPr>
-            <a:normAutofit lnSpcReduction="10000"/>
+            <a:normAutofit/>
           </a:bodyPr>
           <a:lstStyle/>
           <a:p>
             <a:r>
-              <a:rPr lang="en-US" dirty="0">
+              <a:rPr lang="en-US" sz="2000" dirty="0">
                 <a:latin typeface="Segoe UI Light" panose="020B0502040204020203" pitchFamily="34" charset="0"/>
                 <a:cs typeface="Segoe UI Light" panose="020B0502040204020203" pitchFamily="34" charset="0"/>
               </a:rPr>
@@ -15964,7 +16296,7 @@
           <a:p>
             <a:pPr lvl="1"/>
             <a:r>
-              <a:rPr lang="en-US" dirty="0">
+              <a:rPr lang="en-US" sz="1800" dirty="0">
                 <a:latin typeface="Segoe UI Light" panose="020B0502040204020203" pitchFamily="34" charset="0"/>
                 <a:cs typeface="Segoe UI Light" panose="020B0502040204020203" pitchFamily="34" charset="0"/>
               </a:rPr>
@@ -15974,26 +16306,35 @@
           <a:p>
             <a:pPr lvl="1"/>
             <a:r>
-              <a:rPr lang="en-US" dirty="0">
+              <a:rPr lang="en-US" sz="1800" dirty="0">
                 <a:latin typeface="Segoe UI Light" panose="020B0502040204020203" pitchFamily="34" charset="0"/>
                 <a:cs typeface="Segoe UI Light" panose="020B0502040204020203" pitchFamily="34" charset="0"/>
               </a:rPr>
-              <a:t>+ 20% improvement compared to untuned Random Forest model</a:t>
+              <a:t>+ 10% improvement compared to untuned Random Forest model</a:t>
             </a:r>
           </a:p>
           <a:p>
+            <a:pPr marL="457200" lvl="1" indent="0">
+              <a:buNone/>
+            </a:pPr>
+            <a:endParaRPr lang="en-US" sz="1800" dirty="0">
+              <a:latin typeface="Segoe UI Light" panose="020B0502040204020203" pitchFamily="34" charset="0"/>
+              <a:cs typeface="Segoe UI Light" panose="020B0502040204020203" pitchFamily="34" charset="0"/>
+            </a:endParaRPr>
+          </a:p>
+          <a:p>
             <a:r>
-              <a:rPr lang="en-US" dirty="0">
+              <a:rPr lang="en-US" sz="2000" dirty="0">
                 <a:latin typeface="Segoe UI Light" panose="020B0502040204020203" pitchFamily="34" charset="0"/>
                 <a:cs typeface="Segoe UI Light" panose="020B0502040204020203" pitchFamily="34" charset="0"/>
               </a:rPr>
-              <a:t>Best Model:</a:t>
+              <a:t>Details on best parameters: </a:t>
             </a:r>
           </a:p>
           <a:p>
             <a:pPr lvl="1"/>
             <a:r>
-              <a:rPr lang="en-US" dirty="0">
+              <a:rPr lang="en-US" sz="1800" dirty="0">
                 <a:latin typeface="Segoe UI Light" panose="020B0502040204020203" pitchFamily="34" charset="0"/>
                 <a:cs typeface="Segoe UI Light" panose="020B0502040204020203" pitchFamily="34" charset="0"/>
               </a:rPr>
@@ -16003,7 +16344,7 @@
           <a:p>
             <a:pPr lvl="1"/>
             <a:r>
-              <a:rPr lang="en-US" dirty="0">
+              <a:rPr lang="en-US" sz="1800" dirty="0">
                 <a:latin typeface="Segoe UI Light" panose="020B0502040204020203" pitchFamily="34" charset="0"/>
                 <a:cs typeface="Segoe UI Light" panose="020B0502040204020203" pitchFamily="34" charset="0"/>
               </a:rPr>
@@ -16013,7 +16354,7 @@
           <a:p>
             <a:pPr lvl="1"/>
             <a:r>
-              <a:rPr lang="en-US" dirty="0">
+              <a:rPr lang="en-US" sz="1800" dirty="0">
                 <a:latin typeface="Segoe UI Light" panose="020B0502040204020203" pitchFamily="34" charset="0"/>
                 <a:cs typeface="Segoe UI Light" panose="020B0502040204020203" pitchFamily="34" charset="0"/>
               </a:rPr>
@@ -16023,7 +16364,7 @@
           <a:p>
             <a:pPr lvl="1"/>
             <a:r>
-              <a:rPr lang="en-US" dirty="0">
+              <a:rPr lang="en-US" sz="1800" dirty="0">
                 <a:latin typeface="Segoe UI Light" panose="020B0502040204020203" pitchFamily="34" charset="0"/>
                 <a:cs typeface="Segoe UI Light" panose="020B0502040204020203" pitchFamily="34" charset="0"/>
               </a:rPr>
@@ -16033,7 +16374,7 @@
           <a:p>
             <a:pPr lvl="1"/>
             <a:r>
-              <a:rPr lang="en-US" dirty="0">
+              <a:rPr lang="en-US" sz="1800" dirty="0">
                 <a:latin typeface="Segoe UI Light" panose="020B0502040204020203" pitchFamily="34" charset="0"/>
                 <a:cs typeface="Segoe UI Light" panose="020B0502040204020203" pitchFamily="34" charset="0"/>
               </a:rPr>
@@ -16043,7 +16384,7 @@
           <a:p>
             <a:pPr lvl="1"/>
             <a:r>
-              <a:rPr lang="en-US" dirty="0">
+              <a:rPr lang="en-US" sz="1800" dirty="0">
                 <a:latin typeface="Segoe UI Light" panose="020B0502040204020203" pitchFamily="34" charset="0"/>
                 <a:cs typeface="Segoe UI Light" panose="020B0502040204020203" pitchFamily="34" charset="0"/>
               </a:rPr>
@@ -16052,13 +16393,13 @@
           </a:p>
           <a:p>
             <a:pPr lvl="1"/>
-            <a:endParaRPr lang="en-US" dirty="0">
+            <a:endParaRPr lang="en-US" sz="1800" dirty="0">
               <a:latin typeface="Segoe UI Light" panose="020B0502040204020203" pitchFamily="34" charset="0"/>
               <a:cs typeface="Segoe UI Light" panose="020B0502040204020203" pitchFamily="34" charset="0"/>
             </a:endParaRPr>
           </a:p>
           <a:p>
-            <a:endParaRPr lang="en-US" dirty="0">
+            <a:endParaRPr lang="en-US" sz="2000" dirty="0">
               <a:latin typeface="Segoe UI Light" panose="020B0502040204020203" pitchFamily="34" charset="0"/>
               <a:cs typeface="Segoe UI Light" panose="020B0502040204020203" pitchFamily="34" charset="0"/>
             </a:endParaRPr>
